--- a/JavaScript JQuery training.pptx
+++ b/JavaScript JQuery training.pptx
@@ -5,7 +5,7 @@
     <p:sldMasterId id="2147483708" r:id="rId1"/>
   </p:sldMasterIdLst>
   <p:notesMasterIdLst>
-    <p:notesMasterId r:id="rId15"/>
+    <p:notesMasterId r:id="rId17"/>
   </p:notesMasterIdLst>
   <p:sldIdLst>
     <p:sldId id="270" r:id="rId2"/>
@@ -20,7 +20,9 @@
     <p:sldId id="271" r:id="rId11"/>
     <p:sldId id="268" r:id="rId12"/>
     <p:sldId id="272" r:id="rId13"/>
-    <p:sldId id="273" r:id="rId14"/>
+    <p:sldId id="274" r:id="rId14"/>
+    <p:sldId id="275" r:id="rId15"/>
+    <p:sldId id="276" r:id="rId16"/>
   </p:sldIdLst>
   <p:sldSz cx="9144000" cy="6858000" type="screen4x3"/>
   <p:notesSz cx="6858000" cy="9144000"/>
@@ -204,7 +206,7 @@
           <a:p>
             <a:fld id="{1D63CA61-FB8F-4910-ACF6-8EE3F9C3F4FD}" type="datetimeFigureOut">
               <a:rPr lang="en-US" smtClean="0"/>
-              <a:t>6/22/2016</a:t>
+              <a:t>6/23/2016</a:t>
             </a:fld>
             <a:endParaRPr lang="en-US"/>
           </a:p>
@@ -1181,7 +1183,7 @@
           <a:p>
             <a:fld id="{0168367C-DC51-42B5-998B-D29FFC7E72CB}" type="datetimeFigureOut">
               <a:rPr lang="en-US" smtClean="0"/>
-              <a:t>6/22/2016</a:t>
+              <a:t>6/23/2016</a:t>
             </a:fld>
             <a:endParaRPr lang="en-US"/>
           </a:p>
@@ -1377,7 +1379,7 @@
           <a:p>
             <a:fld id="{0168367C-DC51-42B5-998B-D29FFC7E72CB}" type="datetimeFigureOut">
               <a:rPr lang="en-US" smtClean="0"/>
-              <a:t>6/22/2016</a:t>
+              <a:t>6/23/2016</a:t>
             </a:fld>
             <a:endParaRPr lang="en-US"/>
           </a:p>
@@ -1562,7 +1564,7 @@
           <a:p>
             <a:fld id="{0168367C-DC51-42B5-998B-D29FFC7E72CB}" type="datetimeFigureOut">
               <a:rPr lang="en-US" smtClean="0"/>
-              <a:t>6/22/2016</a:t>
+              <a:t>6/23/2016</a:t>
             </a:fld>
             <a:endParaRPr lang="en-US"/>
           </a:p>
@@ -1712,7 +1714,7 @@
           <a:p>
             <a:fld id="{0168367C-DC51-42B5-998B-D29FFC7E72CB}" type="datetimeFigureOut">
               <a:rPr lang="en-US" smtClean="0"/>
-              <a:t>6/22/2016</a:t>
+              <a:t>6/23/2016</a:t>
             </a:fld>
             <a:endParaRPr lang="en-US"/>
           </a:p>
@@ -1962,7 +1964,7 @@
           <a:p>
             <a:fld id="{0168367C-DC51-42B5-998B-D29FFC7E72CB}" type="datetimeFigureOut">
               <a:rPr lang="en-US" smtClean="0"/>
-              <a:t>6/22/2016</a:t>
+              <a:t>6/23/2016</a:t>
             </a:fld>
             <a:endParaRPr lang="en-US"/>
           </a:p>
@@ -2366,7 +2368,7 @@
           <a:p>
             <a:fld id="{0168367C-DC51-42B5-998B-D29FFC7E72CB}" type="datetimeFigureOut">
               <a:rPr lang="en-US" smtClean="0"/>
-              <a:t>6/22/2016</a:t>
+              <a:t>6/23/2016</a:t>
             </a:fld>
             <a:endParaRPr lang="en-US"/>
           </a:p>
@@ -2807,7 +2809,7 @@
           <a:p>
             <a:fld id="{0168367C-DC51-42B5-998B-D29FFC7E72CB}" type="datetimeFigureOut">
               <a:rPr lang="en-US" smtClean="0"/>
-              <a:t>6/22/2016</a:t>
+              <a:t>6/23/2016</a:t>
             </a:fld>
             <a:endParaRPr lang="en-US"/>
           </a:p>
@@ -2903,7 +2905,7 @@
           <a:p>
             <a:fld id="{0168367C-DC51-42B5-998B-D29FFC7E72CB}" type="datetimeFigureOut">
               <a:rPr lang="en-US" smtClean="0"/>
-              <a:t>6/22/2016</a:t>
+              <a:t>6/23/2016</a:t>
             </a:fld>
             <a:endParaRPr lang="en-US"/>
           </a:p>
@@ -3024,7 +3026,7 @@
           <a:p>
             <a:fld id="{0168367C-DC51-42B5-998B-D29FFC7E72CB}" type="datetimeFigureOut">
               <a:rPr lang="en-US" smtClean="0"/>
-              <a:t>6/22/2016</a:t>
+              <a:t>6/23/2016</a:t>
             </a:fld>
             <a:endParaRPr lang="en-US"/>
           </a:p>
@@ -3293,7 +3295,7 @@
           <a:p>
             <a:fld id="{0168367C-DC51-42B5-998B-D29FFC7E72CB}" type="datetimeFigureOut">
               <a:rPr lang="en-US" smtClean="0"/>
-              <a:t>6/22/2016</a:t>
+              <a:t>6/23/2016</a:t>
             </a:fld>
             <a:endParaRPr lang="en-US"/>
           </a:p>
@@ -3493,7 +3495,7 @@
           <a:p>
             <a:fld id="{0168367C-DC51-42B5-998B-D29FFC7E72CB}" type="datetimeFigureOut">
               <a:rPr lang="en-US" smtClean="0"/>
-              <a:t>6/22/2016</a:t>
+              <a:t>6/23/2016</a:t>
             </a:fld>
             <a:endParaRPr lang="en-US"/>
           </a:p>
@@ -4602,7 +4604,7 @@
           <a:p>
             <a:fld id="{0168367C-DC51-42B5-998B-D29FFC7E72CB}" type="datetimeFigureOut">
               <a:rPr lang="en-US" smtClean="0"/>
-              <a:t>6/22/2016</a:t>
+              <a:t>6/23/2016</a:t>
             </a:fld>
             <a:endParaRPr lang="en-US"/>
           </a:p>
@@ -5034,7 +5036,17 @@
                 <a:latin typeface="Berlin Sans FB Demi" panose="020E0802020502020306" pitchFamily="34" charset="0"/>
                 <a:cs typeface="Consolas" panose="020B0609020204030204" pitchFamily="49" charset="0"/>
               </a:rPr>
-              <a:t>A Brief Overview of Advanced </a:t>
+              <a:t>An Overview </a:t>
+            </a:r>
+            <a:r>
+              <a:rPr lang="en-US" b="1" dirty="0" smtClean="0">
+                <a:solidFill>
+                  <a:schemeClr val="accent1"/>
+                </a:solidFill>
+                <a:latin typeface="Berlin Sans FB Demi" panose="020E0802020502020306" pitchFamily="34" charset="0"/>
+                <a:cs typeface="Consolas" panose="020B0609020204030204" pitchFamily="49" charset="0"/>
+              </a:rPr>
+              <a:t>of </a:t>
             </a:r>
             <a:r>
               <a:rPr lang="en-US" b="1" dirty="0" err="1" smtClean="0">
@@ -5054,7 +5066,17 @@
                 <a:latin typeface="Berlin Sans FB Demi" panose="020E0802020502020306" pitchFamily="34" charset="0"/>
                 <a:cs typeface="Consolas" panose="020B0609020204030204" pitchFamily="49" charset="0"/>
               </a:rPr>
-              <a:t> Coding Techniques</a:t>
+              <a:t> </a:t>
+            </a:r>
+            <a:r>
+              <a:rPr lang="en-US" b="1" dirty="0" smtClean="0">
+                <a:solidFill>
+                  <a:schemeClr val="accent1"/>
+                </a:solidFill>
+                <a:latin typeface="Berlin Sans FB Demi" panose="020E0802020502020306" pitchFamily="34" charset="0"/>
+                <a:cs typeface="Consolas" panose="020B0609020204030204" pitchFamily="49" charset="0"/>
+              </a:rPr>
+              <a:t>Coding Concepts</a:t>
             </a:r>
             <a:endParaRPr lang="en-US" b="1" dirty="0">
               <a:solidFill>
@@ -5197,15 +5219,7 @@
               <a:srgbClr val="FFFFFF"/>
             </a:contourClr>
           </a:sp3d>
-          <a:extLst>
-            <a:ext uri="{909E8E84-426E-40DD-AFC4-6F175D3DCCD1}">
-              <a14:hiddenFill xmlns:a14="http://schemas.microsoft.com/office/drawing/2010/main">
-                <a:solidFill>
-                  <a:srgbClr val="FFFFFF"/>
-                </a:solidFill>
-              </a14:hiddenFill>
-            </a:ext>
-          </a:extLst>
+          <a:extLst/>
         </p:spPr>
       </p:pic>
     </p:spTree>
@@ -5269,18 +5283,18 @@
           <a:p>
             <a:pPr algn="ctr"/>
             <a:r>
-              <a:rPr lang="en-US" sz="2400" dirty="0">
+              <a:rPr lang="en-US" sz="2000" dirty="0">
                 <a:latin typeface="Berlin Sans FB Demi" panose="020E0802020502020306" pitchFamily="34" charset="0"/>
               </a:rPr>
               <a:t>Part </a:t>
             </a:r>
             <a:r>
-              <a:rPr lang="en-US" sz="2400" dirty="0" smtClean="0">
+              <a:rPr lang="en-US" sz="2000" dirty="0" smtClean="0">
                 <a:latin typeface="Berlin Sans FB Demi" panose="020E0802020502020306" pitchFamily="34" charset="0"/>
               </a:rPr>
               <a:t>Two:</a:t>
             </a:r>
-            <a:endParaRPr lang="en-US" sz="2400" dirty="0">
+            <a:endParaRPr lang="en-US" sz="2000" dirty="0">
               <a:latin typeface="Berlin Sans FB Demi" panose="020E0802020502020306" pitchFamily="34" charset="0"/>
             </a:endParaRPr>
           </a:p>
@@ -5393,7 +5407,7 @@
         <p:spPr>
           <a:xfrm>
             <a:off x="457200" y="1874837"/>
-            <a:ext cx="8229600" cy="4525963"/>
+            <a:ext cx="8229600" cy="4602163"/>
           </a:xfrm>
           <a:solidFill>
             <a:schemeClr val="bg1">
@@ -5421,7 +5435,11 @@
             <a:pPr lvl="2"/>
             <a:r>
               <a:rPr lang="en-US" dirty="0" smtClean="0"/>
-              <a:t>JQuery:</a:t>
+              <a:t>JQuery</a:t>
+            </a:r>
+            <a:r>
+              <a:rPr lang="en-US" dirty="0" smtClean="0"/>
+              <a:t>:</a:t>
             </a:r>
           </a:p>
           <a:p>
@@ -5458,7 +5476,11 @@
             </a:pPr>
             <a:r>
               <a:rPr lang="en-US" dirty="0" smtClean="0"/>
-              <a:t>JQuery:</a:t>
+              <a:t>JQuery</a:t>
+            </a:r>
+            <a:r>
+              <a:rPr lang="en-US" dirty="0" smtClean="0"/>
+              <a:t>:</a:t>
             </a:r>
           </a:p>
           <a:p>
@@ -5479,7 +5501,7 @@
           <a:p>
             <a:pPr>
               <a:spcBef>
-                <a:spcPts val="1200"/>
+                <a:spcPts val="1800"/>
               </a:spcBef>
             </a:pPr>
             <a:r>
@@ -5495,7 +5517,11 @@
             </a:pPr>
             <a:r>
               <a:rPr lang="en-US" dirty="0" smtClean="0"/>
-              <a:t>JQuery:</a:t>
+              <a:t>JQuery</a:t>
+            </a:r>
+            <a:r>
+              <a:rPr lang="en-US" dirty="0" smtClean="0"/>
+              <a:t>:</a:t>
             </a:r>
           </a:p>
           <a:p>
@@ -5862,7 +5888,7 @@
         </p:nvSpPr>
         <p:spPr>
           <a:xfrm>
-            <a:off x="2726820" y="5270309"/>
+            <a:off x="2726820" y="5334000"/>
             <a:ext cx="3597780" cy="338554"/>
           </a:xfrm>
           <a:prstGeom prst="rect">
@@ -5938,7 +5964,7 @@
         </p:nvSpPr>
         <p:spPr>
           <a:xfrm>
-            <a:off x="2726822" y="5727509"/>
+            <a:off x="2726822" y="5791200"/>
             <a:ext cx="5197978" cy="338554"/>
           </a:xfrm>
           <a:prstGeom prst="rect">
@@ -6021,7 +6047,7 @@
         </p:nvSpPr>
         <p:spPr>
           <a:xfrm>
-            <a:off x="0" y="1447800"/>
+            <a:off x="0" y="1523999"/>
             <a:ext cx="9144000" cy="457201"/>
           </a:xfrm>
           <a:noFill/>
@@ -6040,7 +6066,23 @@
             </a:pPr>
             <a:r>
               <a:rPr lang="en-US" sz="1600" dirty="0" smtClean="0"/>
-              <a:t>Many well-known JQuery features are essentially just wrappers of native JS functions.</a:t>
+              <a:t>Many well-known </a:t>
+            </a:r>
+            <a:r>
+              <a:rPr lang="en-US" sz="1600" dirty="0" smtClean="0"/>
+              <a:t>JQuery </a:t>
+            </a:r>
+            <a:r>
+              <a:rPr lang="en-US" sz="1600" dirty="0" smtClean="0"/>
+              <a:t>features are essentially </a:t>
+            </a:r>
+            <a:r>
+              <a:rPr lang="en-US" sz="1600" dirty="0" smtClean="0"/>
+              <a:t>just </a:t>
+            </a:r>
+            <a:r>
+              <a:rPr lang="en-US" sz="1600" dirty="0" smtClean="0"/>
+              <a:t>wrappers of native JS functions.</a:t>
             </a:r>
             <a:endParaRPr lang="en-US" sz="1600" dirty="0"/>
           </a:p>
@@ -6099,16 +6141,16 @@
           <a:lstStyle/>
           <a:p>
             <a:r>
-              <a:rPr lang="en-US" dirty="0">
-                <a:latin typeface="Berlin Sans FB Demi" panose="020E0802020502020306" pitchFamily="34" charset="0"/>
-              </a:rPr>
-              <a:t>J</a:t>
-            </a:r>
-            <a:r>
               <a:rPr lang="en-US" dirty="0" smtClean="0">
                 <a:latin typeface="Berlin Sans FB Demi" panose="020E0802020502020306" pitchFamily="34" charset="0"/>
               </a:rPr>
-              <a:t>Query Tradeoffs</a:t>
+              <a:t>JQuery </a:t>
+            </a:r>
+            <a:r>
+              <a:rPr lang="en-US" dirty="0" smtClean="0">
+                <a:latin typeface="Berlin Sans FB Demi" panose="020E0802020502020306" pitchFamily="34" charset="0"/>
+              </a:rPr>
+              <a:t>Tradeoffs</a:t>
             </a:r>
             <a:endParaRPr lang="en-US" dirty="0">
               <a:latin typeface="Berlin Sans FB Demi" panose="020E0802020502020306" pitchFamily="34" charset="0"/>
@@ -6248,7 +6290,7 @@
             </a:r>
             <a:r>
               <a:rPr lang="en-US" dirty="0" smtClean="0"/>
-              <a:t> (if CDN)</a:t>
+              <a:t> (w/CDN)</a:t>
             </a:r>
           </a:p>
         </p:txBody>
@@ -6551,7 +6593,646 @@
       </p:grpSpPr>
       <p:sp>
         <p:nvSpPr>
-          <p:cNvPr id="2" name="Title 1"/>
+          <p:cNvPr id="2" name="Content Placeholder 1"/>
+          <p:cNvSpPr>
+            <a:spLocks noGrp="1"/>
+          </p:cNvSpPr>
+          <p:nvPr>
+            <p:ph sz="half" idx="1"/>
+          </p:nvPr>
+        </p:nvSpPr>
+        <p:spPr>
+          <a:xfrm>
+            <a:off x="381000" y="1481328"/>
+            <a:ext cx="4114800" cy="4081272"/>
+          </a:xfrm>
+          <a:solidFill>
+            <a:schemeClr val="bg1">
+              <a:lumMod val="95000"/>
+            </a:schemeClr>
+          </a:solidFill>
+          <a:ln w="19050">
+            <a:solidFill>
+              <a:schemeClr val="accent1"/>
+            </a:solidFill>
+          </a:ln>
+        </p:spPr>
+        <p:txBody>
+          <a:bodyPr>
+            <a:normAutofit/>
+          </a:bodyPr>
+          <a:lstStyle/>
+          <a:p>
+            <a:r>
+              <a:rPr lang="en-US" sz="2400" dirty="0" smtClean="0"/>
+              <a:t>CSS selectors</a:t>
+            </a:r>
+          </a:p>
+          <a:p>
+            <a:endParaRPr lang="en-US" dirty="0"/>
+          </a:p>
+          <a:p>
+            <a:pPr lvl="1"/>
+            <a:r>
+              <a:rPr lang="en-US" sz="2000" dirty="0" smtClean="0"/>
+              <a:t>Attributes:</a:t>
+            </a:r>
+            <a:r>
+              <a:rPr lang="en-US" sz="1800" dirty="0" smtClean="0"/>
+              <a:t> </a:t>
+            </a:r>
+            <a:r>
+              <a:rPr lang="en-US" sz="1400" dirty="0" smtClean="0">
+                <a:solidFill>
+                  <a:schemeClr val="accent1"/>
+                </a:solidFill>
+                <a:latin typeface="Consolas" panose="020B0609020204030204" pitchFamily="49" charset="0"/>
+                <a:cs typeface="Consolas" panose="020B0609020204030204" pitchFamily="49" charset="0"/>
+              </a:rPr>
+              <a:t>[</a:t>
+            </a:r>
+            <a:r>
+              <a:rPr lang="en-US" sz="1400" dirty="0" err="1" smtClean="0">
+                <a:solidFill>
+                  <a:schemeClr val="accent1"/>
+                </a:solidFill>
+                <a:latin typeface="Consolas" panose="020B0609020204030204" pitchFamily="49" charset="0"/>
+                <a:cs typeface="Consolas" panose="020B0609020204030204" pitchFamily="49" charset="0"/>
+              </a:rPr>
+              <a:t>href</a:t>
+            </a:r>
+            <a:r>
+              <a:rPr lang="en-US" sz="1400" dirty="0" smtClean="0">
+                <a:solidFill>
+                  <a:schemeClr val="accent1"/>
+                </a:solidFill>
+                <a:latin typeface="Consolas" panose="020B0609020204030204" pitchFamily="49" charset="0"/>
+                <a:cs typeface="Consolas" panose="020B0609020204030204" pitchFamily="49" charset="0"/>
+              </a:rPr>
+              <a:t> $= ".</a:t>
+            </a:r>
+            <a:r>
+              <a:rPr lang="en-US" sz="1400" dirty="0" err="1" smtClean="0">
+                <a:solidFill>
+                  <a:schemeClr val="accent1"/>
+                </a:solidFill>
+                <a:latin typeface="Consolas" panose="020B0609020204030204" pitchFamily="49" charset="0"/>
+                <a:cs typeface="Consolas" panose="020B0609020204030204" pitchFamily="49" charset="0"/>
+              </a:rPr>
+              <a:t>cn</a:t>
+            </a:r>
+            <a:r>
+              <a:rPr lang="en-US" sz="1400" dirty="0" smtClean="0">
+                <a:solidFill>
+                  <a:schemeClr val="accent1"/>
+                </a:solidFill>
+                <a:latin typeface="Consolas" panose="020B0609020204030204" pitchFamily="49" charset="0"/>
+                <a:cs typeface="Consolas" panose="020B0609020204030204" pitchFamily="49" charset="0"/>
+              </a:rPr>
+              <a:t>"]</a:t>
+            </a:r>
+            <a:endParaRPr lang="en-US" sz="1800" dirty="0" smtClean="0">
+              <a:solidFill>
+                <a:schemeClr val="accent1"/>
+              </a:solidFill>
+              <a:latin typeface="Consolas" panose="020B0609020204030204" pitchFamily="49" charset="0"/>
+              <a:cs typeface="Consolas" panose="020B0609020204030204" pitchFamily="49" charset="0"/>
+            </a:endParaRPr>
+          </a:p>
+          <a:p>
+            <a:pPr lvl="1"/>
+            <a:r>
+              <a:rPr lang="en-US" sz="2000" i="1" dirty="0" smtClean="0"/>
+              <a:t>Pseudo-selectors</a:t>
+            </a:r>
+          </a:p>
+          <a:p>
+            <a:pPr lvl="2"/>
+            <a:r>
+              <a:rPr lang="en-US" sz="1400" dirty="0" smtClean="0">
+                <a:solidFill>
+                  <a:schemeClr val="accent1"/>
+                </a:solidFill>
+                <a:latin typeface="Consolas" panose="020B0609020204030204" pitchFamily="49" charset="0"/>
+                <a:cs typeface="Consolas" panose="020B0609020204030204" pitchFamily="49" charset="0"/>
+              </a:rPr>
+              <a:t>:target</a:t>
+            </a:r>
+            <a:r>
+              <a:rPr lang="en-US" sz="1400" dirty="0" smtClean="0"/>
+              <a:t>, </a:t>
+            </a:r>
+            <a:r>
+              <a:rPr lang="en-US" sz="1400" dirty="0">
+                <a:solidFill>
+                  <a:schemeClr val="accent1"/>
+                </a:solidFill>
+                <a:latin typeface="Consolas" panose="020B0609020204030204" pitchFamily="49" charset="0"/>
+                <a:cs typeface="Consolas" panose="020B0609020204030204" pitchFamily="49" charset="0"/>
+              </a:rPr>
+              <a:t>:enabled</a:t>
+            </a:r>
+            <a:r>
+              <a:rPr lang="en-US" sz="1400" dirty="0" smtClean="0"/>
+              <a:t>, </a:t>
+            </a:r>
+            <a:r>
+              <a:rPr lang="en-US" sz="1400" dirty="0">
+                <a:solidFill>
+                  <a:schemeClr val="accent1"/>
+                </a:solidFill>
+                <a:latin typeface="Consolas" panose="020B0609020204030204" pitchFamily="49" charset="0"/>
+                <a:cs typeface="Consolas" panose="020B0609020204030204" pitchFamily="49" charset="0"/>
+              </a:rPr>
+              <a:t>:empty</a:t>
+            </a:r>
+            <a:r>
+              <a:rPr lang="en-US" sz="1400" dirty="0" smtClean="0"/>
+              <a:t>, etc.</a:t>
+            </a:r>
+          </a:p>
+          <a:p>
+            <a:pPr lvl="2"/>
+            <a:r>
+              <a:rPr lang="en-US" sz="1400" dirty="0" smtClean="0">
+                <a:solidFill>
+                  <a:schemeClr val="accent1"/>
+                </a:solidFill>
+                <a:latin typeface="Consolas" panose="020B0609020204030204" pitchFamily="49" charset="0"/>
+                <a:cs typeface="Consolas" panose="020B0609020204030204" pitchFamily="49" charset="0"/>
+              </a:rPr>
+              <a:t>:first-child</a:t>
+            </a:r>
+            <a:r>
+              <a:rPr lang="en-US" sz="1400" dirty="0"/>
+              <a:t>, </a:t>
+            </a:r>
+            <a:r>
+              <a:rPr lang="en-US" sz="1400" dirty="0" smtClean="0">
+                <a:solidFill>
+                  <a:schemeClr val="accent1"/>
+                </a:solidFill>
+                <a:latin typeface="Consolas" panose="020B0609020204030204" pitchFamily="49" charset="0"/>
+                <a:cs typeface="Consolas" panose="020B0609020204030204" pitchFamily="49" charset="0"/>
+              </a:rPr>
+              <a:t>:nth-child(2n+1)</a:t>
+            </a:r>
+            <a:endParaRPr lang="en-US" sz="1400" dirty="0">
+              <a:solidFill>
+                <a:schemeClr val="accent1"/>
+              </a:solidFill>
+              <a:latin typeface="Consolas" panose="020B0609020204030204" pitchFamily="49" charset="0"/>
+              <a:cs typeface="Consolas" panose="020B0609020204030204" pitchFamily="49" charset="0"/>
+            </a:endParaRPr>
+          </a:p>
+          <a:p>
+            <a:r>
+              <a:rPr lang="en-US" sz="2200" dirty="0" smtClean="0"/>
+              <a:t>JQuery CSS extensions</a:t>
+            </a:r>
+            <a:endParaRPr lang="en-US" sz="2200" i="1" dirty="0" smtClean="0"/>
+          </a:p>
+          <a:p>
+            <a:pPr lvl="2"/>
+            <a:r>
+              <a:rPr lang="en-US" sz="1400" dirty="0">
+                <a:solidFill>
+                  <a:schemeClr val="accent1"/>
+                </a:solidFill>
+                <a:latin typeface="Consolas" panose="020B0609020204030204" pitchFamily="49" charset="0"/>
+                <a:cs typeface="Consolas" panose="020B0609020204030204" pitchFamily="49" charset="0"/>
+              </a:rPr>
+              <a:t>:hidden</a:t>
+            </a:r>
+            <a:r>
+              <a:rPr lang="en-US" sz="1400" dirty="0" smtClean="0"/>
+              <a:t>, </a:t>
+            </a:r>
+            <a:r>
+              <a:rPr lang="en-US" sz="1400" dirty="0" smtClean="0">
+                <a:solidFill>
+                  <a:schemeClr val="accent1"/>
+                </a:solidFill>
+                <a:latin typeface="Consolas" panose="020B0609020204030204" pitchFamily="49" charset="0"/>
+                <a:cs typeface="Consolas" panose="020B0609020204030204" pitchFamily="49" charset="0"/>
+              </a:rPr>
+              <a:t>:visible</a:t>
+            </a:r>
+            <a:r>
+              <a:rPr lang="en-US" sz="1400" dirty="0" smtClean="0"/>
+              <a:t> </a:t>
+            </a:r>
+          </a:p>
+          <a:p>
+            <a:pPr lvl="2"/>
+            <a:r>
+              <a:rPr lang="en-US" sz="1400" dirty="0">
+                <a:solidFill>
+                  <a:schemeClr val="accent1"/>
+                </a:solidFill>
+                <a:latin typeface="Consolas" panose="020B0609020204030204" pitchFamily="49" charset="0"/>
+                <a:cs typeface="Consolas" panose="020B0609020204030204" pitchFamily="49" charset="0"/>
+              </a:rPr>
+              <a:t>:text</a:t>
+            </a:r>
+            <a:r>
+              <a:rPr lang="en-US" sz="1400" dirty="0" smtClean="0"/>
+              <a:t>, </a:t>
+            </a:r>
+            <a:r>
+              <a:rPr lang="en-US" sz="1400" dirty="0">
+                <a:solidFill>
+                  <a:schemeClr val="accent1"/>
+                </a:solidFill>
+                <a:latin typeface="Consolas" panose="020B0609020204030204" pitchFamily="49" charset="0"/>
+                <a:cs typeface="Consolas" panose="020B0609020204030204" pitchFamily="49" charset="0"/>
+              </a:rPr>
+              <a:t>:</a:t>
+            </a:r>
+            <a:r>
+              <a:rPr lang="en-US" sz="1400" dirty="0">
+                <a:solidFill>
+                  <a:schemeClr val="accent1"/>
+                </a:solidFill>
+                <a:latin typeface="Consolas" panose="020B0609020204030204" pitchFamily="49" charset="0"/>
+                <a:cs typeface="Consolas" panose="020B0609020204030204" pitchFamily="49" charset="0"/>
+              </a:rPr>
+              <a:t>checkbox</a:t>
+            </a:r>
+            <a:r>
+              <a:rPr lang="en-US" sz="1400" dirty="0" smtClean="0"/>
+              <a:t>, </a:t>
+            </a:r>
+            <a:r>
+              <a:rPr lang="en-US" sz="1400" dirty="0">
+                <a:solidFill>
+                  <a:schemeClr val="accent1"/>
+                </a:solidFill>
+                <a:latin typeface="Consolas" panose="020B0609020204030204" pitchFamily="49" charset="0"/>
+                <a:cs typeface="Consolas" panose="020B0609020204030204" pitchFamily="49" charset="0"/>
+              </a:rPr>
+              <a:t>:button</a:t>
+            </a:r>
+            <a:endParaRPr lang="en-US" sz="1400" dirty="0">
+              <a:solidFill>
+                <a:schemeClr val="accent1"/>
+              </a:solidFill>
+              <a:latin typeface="Consolas" panose="020B0609020204030204" pitchFamily="49" charset="0"/>
+              <a:cs typeface="Consolas" panose="020B0609020204030204" pitchFamily="49" charset="0"/>
+            </a:endParaRPr>
+          </a:p>
+          <a:p>
+            <a:pPr lvl="2"/>
+            <a:r>
+              <a:rPr lang="en-US" sz="1400" dirty="0">
+                <a:solidFill>
+                  <a:schemeClr val="accent1"/>
+                </a:solidFill>
+                <a:latin typeface="Consolas" panose="020B0609020204030204" pitchFamily="49" charset="0"/>
+                <a:cs typeface="Consolas" panose="020B0609020204030204" pitchFamily="49" charset="0"/>
+              </a:rPr>
+              <a:t>:a</a:t>
+            </a:r>
+            <a:r>
+              <a:rPr lang="en-US" sz="1400" dirty="0">
+                <a:solidFill>
+                  <a:schemeClr val="accent1"/>
+                </a:solidFill>
+                <a:latin typeface="Consolas" panose="020B0609020204030204" pitchFamily="49" charset="0"/>
+                <a:cs typeface="Consolas" panose="020B0609020204030204" pitchFamily="49" charset="0"/>
+              </a:rPr>
+              <a:t>nimated</a:t>
+            </a:r>
+          </a:p>
+          <a:p>
+            <a:pPr lvl="2"/>
+            <a:r>
+              <a:rPr lang="en-US" sz="1400" dirty="0">
+                <a:solidFill>
+                  <a:schemeClr val="accent1"/>
+                </a:solidFill>
+                <a:latin typeface="Consolas" panose="020B0609020204030204" pitchFamily="49" charset="0"/>
+                <a:cs typeface="Consolas" panose="020B0609020204030204" pitchFamily="49" charset="0"/>
+              </a:rPr>
+              <a:t>:not</a:t>
+            </a:r>
+            <a:r>
+              <a:rPr lang="en-US" sz="1400" dirty="0" smtClean="0">
+                <a:solidFill>
+                  <a:schemeClr val="accent1"/>
+                </a:solidFill>
+                <a:latin typeface="Consolas" panose="020B0609020204030204" pitchFamily="49" charset="0"/>
+                <a:cs typeface="Consolas" panose="020B0609020204030204" pitchFamily="49" charset="0"/>
+              </a:rPr>
+              <a:t>()</a:t>
+            </a:r>
+            <a:r>
+              <a:rPr lang="en-US" sz="1400" dirty="0"/>
+              <a:t>, </a:t>
+            </a:r>
+            <a:r>
+              <a:rPr lang="en-US" sz="1400" dirty="0" smtClean="0">
+                <a:solidFill>
+                  <a:schemeClr val="accent1"/>
+                </a:solidFill>
+                <a:latin typeface="Consolas" panose="020B0609020204030204" pitchFamily="49" charset="0"/>
+                <a:cs typeface="Consolas" panose="020B0609020204030204" pitchFamily="49" charset="0"/>
+              </a:rPr>
+              <a:t>:</a:t>
+            </a:r>
+            <a:r>
+              <a:rPr lang="en-US" sz="1400" dirty="0">
+                <a:solidFill>
+                  <a:schemeClr val="accent1"/>
+                </a:solidFill>
+                <a:latin typeface="Consolas" panose="020B0609020204030204" pitchFamily="49" charset="0"/>
+                <a:cs typeface="Consolas" panose="020B0609020204030204" pitchFamily="49" charset="0"/>
+              </a:rPr>
+              <a:t>contains</a:t>
+            </a:r>
+            <a:r>
+              <a:rPr lang="en-US" sz="1400" dirty="0" smtClean="0">
+                <a:solidFill>
+                  <a:schemeClr val="accent1"/>
+                </a:solidFill>
+                <a:latin typeface="Consolas" panose="020B0609020204030204" pitchFamily="49" charset="0"/>
+                <a:cs typeface="Consolas" panose="020B0609020204030204" pitchFamily="49" charset="0"/>
+              </a:rPr>
+              <a:t>()</a:t>
+            </a:r>
+            <a:endParaRPr lang="en-US" sz="1400" dirty="0">
+              <a:solidFill>
+                <a:schemeClr val="accent1"/>
+              </a:solidFill>
+              <a:latin typeface="Consolas" panose="020B0609020204030204" pitchFamily="49" charset="0"/>
+              <a:cs typeface="Consolas" panose="020B0609020204030204" pitchFamily="49" charset="0"/>
+            </a:endParaRPr>
+          </a:p>
+        </p:txBody>
+      </p:sp>
+      <p:sp>
+        <p:nvSpPr>
+          <p:cNvPr id="3" name="Content Placeholder 2"/>
+          <p:cNvSpPr>
+            <a:spLocks noGrp="1"/>
+          </p:cNvSpPr>
+          <p:nvPr>
+            <p:ph sz="half" idx="2"/>
+          </p:nvPr>
+        </p:nvSpPr>
+        <p:spPr>
+          <a:xfrm>
+            <a:off x="4648200" y="1481329"/>
+            <a:ext cx="4114800" cy="4081272"/>
+          </a:xfrm>
+          <a:solidFill>
+            <a:schemeClr val="bg1">
+              <a:lumMod val="95000"/>
+            </a:schemeClr>
+          </a:solidFill>
+          <a:ln>
+            <a:solidFill>
+              <a:schemeClr val="accent1"/>
+            </a:solidFill>
+          </a:ln>
+        </p:spPr>
+        <p:txBody>
+          <a:bodyPr>
+            <a:normAutofit/>
+          </a:bodyPr>
+          <a:lstStyle/>
+          <a:p>
+            <a:r>
+              <a:rPr lang="en-US" sz="2200" dirty="0"/>
+              <a:t>Selectors return an </a:t>
+            </a:r>
+            <a:br>
+              <a:rPr lang="en-US" sz="2200" dirty="0"/>
+            </a:br>
+            <a:r>
+              <a:rPr lang="en-US" sz="2200" i="1" dirty="0"/>
+              <a:t>array-like </a:t>
+            </a:r>
+            <a:r>
+              <a:rPr lang="en-US" sz="2200" i="1" dirty="0" smtClean="0"/>
+              <a:t>object</a:t>
+            </a:r>
+            <a:endParaRPr lang="en-US" sz="2200" i="1" dirty="0"/>
+          </a:p>
+          <a:p>
+            <a:pPr lvl="1"/>
+            <a:r>
+              <a:rPr lang="en-US" sz="2000" dirty="0"/>
+              <a:t>Can apply jQuery ops</a:t>
+            </a:r>
+            <a:br>
+              <a:rPr lang="en-US" sz="2000" dirty="0"/>
+            </a:br>
+            <a:r>
+              <a:rPr lang="en-US" sz="2000" dirty="0"/>
+              <a:t>to entire </a:t>
+            </a:r>
+            <a:r>
+              <a:rPr lang="en-US" sz="2000" dirty="0" smtClean="0"/>
+              <a:t>group</a:t>
+            </a:r>
+            <a:endParaRPr lang="en-US" sz="2400" dirty="0" smtClean="0"/>
+          </a:p>
+          <a:p>
+            <a:r>
+              <a:rPr lang="en-US" sz="2400" dirty="0" smtClean="0"/>
+              <a:t>Selection Filtering</a:t>
+            </a:r>
+          </a:p>
+          <a:p>
+            <a:pPr lvl="1"/>
+            <a:r>
+              <a:rPr lang="en-US" sz="2000" dirty="0" smtClean="0">
+                <a:solidFill>
+                  <a:schemeClr val="accent1"/>
+                </a:solidFill>
+                <a:latin typeface="Consolas" panose="020B0609020204030204" pitchFamily="49" charset="0"/>
+                <a:cs typeface="Consolas" panose="020B0609020204030204" pitchFamily="49" charset="0"/>
+              </a:rPr>
+              <a:t>.filter()</a:t>
+            </a:r>
+            <a:r>
+              <a:rPr lang="en-US" sz="2000" dirty="0" smtClean="0"/>
+              <a:t> and </a:t>
+            </a:r>
+            <a:r>
+              <a:rPr lang="en-US" sz="2000" dirty="0" smtClean="0">
+                <a:solidFill>
+                  <a:schemeClr val="accent1"/>
+                </a:solidFill>
+                <a:latin typeface="Consolas" panose="020B0609020204030204" pitchFamily="49" charset="0"/>
+                <a:cs typeface="Consolas" panose="020B0609020204030204" pitchFamily="49" charset="0"/>
+              </a:rPr>
+              <a:t>.not()</a:t>
+            </a:r>
+          </a:p>
+          <a:p>
+            <a:pPr lvl="1"/>
+            <a:r>
+              <a:rPr lang="en-US" sz="2000" dirty="0" smtClean="0"/>
+              <a:t>(But faster to filter via CSS)</a:t>
+            </a:r>
+          </a:p>
+          <a:p>
+            <a:r>
+              <a:rPr lang="en-US" sz="2400" dirty="0" smtClean="0"/>
+              <a:t>Getting single elements</a:t>
+            </a:r>
+          </a:p>
+          <a:p>
+            <a:pPr lvl="1"/>
+            <a:r>
+              <a:rPr lang="en-US" sz="2000" dirty="0" smtClean="0">
+                <a:solidFill>
+                  <a:schemeClr val="accent1"/>
+                </a:solidFill>
+                <a:latin typeface="Consolas" panose="020B0609020204030204" pitchFamily="49" charset="0"/>
+                <a:cs typeface="Consolas" panose="020B0609020204030204" pitchFamily="49" charset="0"/>
+              </a:rPr>
+              <a:t>.</a:t>
+            </a:r>
+            <a:r>
+              <a:rPr lang="en-US" sz="2000" dirty="0" err="1" smtClean="0">
+                <a:solidFill>
+                  <a:schemeClr val="accent1"/>
+                </a:solidFill>
+                <a:latin typeface="Consolas" panose="020B0609020204030204" pitchFamily="49" charset="0"/>
+                <a:cs typeface="Consolas" panose="020B0609020204030204" pitchFamily="49" charset="0"/>
+              </a:rPr>
+              <a:t>forEach</a:t>
+            </a:r>
+            <a:r>
+              <a:rPr lang="en-US" sz="2000" dirty="0" smtClean="0">
+                <a:solidFill>
+                  <a:schemeClr val="accent1"/>
+                </a:solidFill>
+                <a:latin typeface="Consolas" panose="020B0609020204030204" pitchFamily="49" charset="0"/>
+                <a:cs typeface="Consolas" panose="020B0609020204030204" pitchFamily="49" charset="0"/>
+              </a:rPr>
+              <a:t>()</a:t>
+            </a:r>
+            <a:r>
+              <a:rPr lang="en-US" sz="2000" dirty="0" smtClean="0"/>
+              <a:t>: iterate</a:t>
+            </a:r>
+            <a:endParaRPr lang="en-US" sz="2000" dirty="0" smtClean="0">
+              <a:solidFill>
+                <a:schemeClr val="accent1"/>
+              </a:solidFill>
+              <a:latin typeface="Consolas" panose="020B0609020204030204" pitchFamily="49" charset="0"/>
+              <a:cs typeface="Consolas" panose="020B0609020204030204" pitchFamily="49" charset="0"/>
+            </a:endParaRPr>
+          </a:p>
+          <a:p>
+            <a:pPr lvl="1"/>
+            <a:r>
+              <a:rPr lang="en-US" sz="2000" dirty="0" smtClean="0">
+                <a:solidFill>
+                  <a:schemeClr val="accent1"/>
+                </a:solidFill>
+                <a:latin typeface="Consolas" panose="020B0609020204030204" pitchFamily="49" charset="0"/>
+                <a:cs typeface="Consolas" panose="020B0609020204030204" pitchFamily="49" charset="0"/>
+              </a:rPr>
+              <a:t>.</a:t>
+            </a:r>
+            <a:r>
+              <a:rPr lang="en-US" sz="2000" dirty="0" err="1" smtClean="0">
+                <a:solidFill>
+                  <a:schemeClr val="accent1"/>
+                </a:solidFill>
+                <a:latin typeface="Consolas" panose="020B0609020204030204" pitchFamily="49" charset="0"/>
+                <a:cs typeface="Consolas" panose="020B0609020204030204" pitchFamily="49" charset="0"/>
+              </a:rPr>
+              <a:t>eq</a:t>
+            </a:r>
+            <a:r>
+              <a:rPr lang="en-US" sz="2000" dirty="0" smtClean="0">
+                <a:solidFill>
+                  <a:schemeClr val="accent1"/>
+                </a:solidFill>
+                <a:latin typeface="Consolas" panose="020B0609020204030204" pitchFamily="49" charset="0"/>
+                <a:cs typeface="Consolas" panose="020B0609020204030204" pitchFamily="49" charset="0"/>
+              </a:rPr>
+              <a:t>(</a:t>
+            </a:r>
+            <a:r>
+              <a:rPr lang="en-US" sz="2000" dirty="0" err="1" smtClean="0">
+                <a:solidFill>
+                  <a:schemeClr val="accent1"/>
+                </a:solidFill>
+                <a:latin typeface="Consolas" panose="020B0609020204030204" pitchFamily="49" charset="0"/>
+                <a:cs typeface="Consolas" panose="020B0609020204030204" pitchFamily="49" charset="0"/>
+              </a:rPr>
+              <a:t>i</a:t>
+            </a:r>
+            <a:r>
+              <a:rPr lang="en-US" sz="2000" dirty="0" smtClean="0">
+                <a:solidFill>
+                  <a:schemeClr val="accent1"/>
+                </a:solidFill>
+                <a:latin typeface="Consolas" panose="020B0609020204030204" pitchFamily="49" charset="0"/>
+                <a:cs typeface="Consolas" panose="020B0609020204030204" pitchFamily="49" charset="0"/>
+              </a:rPr>
+              <a:t>)</a:t>
+            </a:r>
+            <a:r>
+              <a:rPr lang="en-US" sz="2000" dirty="0"/>
+              <a:t>: </a:t>
+            </a:r>
+            <a:r>
+              <a:rPr lang="en-US" sz="2000" dirty="0" smtClean="0"/>
+              <a:t>jQuery object</a:t>
+            </a:r>
+            <a:endParaRPr lang="en-US" sz="2000" dirty="0"/>
+          </a:p>
+          <a:p>
+            <a:pPr lvl="1"/>
+            <a:r>
+              <a:rPr lang="en-US" sz="2000" dirty="0" smtClean="0">
+                <a:solidFill>
+                  <a:schemeClr val="accent1"/>
+                </a:solidFill>
+                <a:latin typeface="Consolas" panose="020B0609020204030204" pitchFamily="49" charset="0"/>
+                <a:cs typeface="Consolas" panose="020B0609020204030204" pitchFamily="49" charset="0"/>
+              </a:rPr>
+              <a:t>.get(</a:t>
+            </a:r>
+            <a:r>
+              <a:rPr lang="en-US" sz="2000" dirty="0" err="1" smtClean="0">
+                <a:solidFill>
+                  <a:schemeClr val="accent1"/>
+                </a:solidFill>
+                <a:latin typeface="Consolas" panose="020B0609020204030204" pitchFamily="49" charset="0"/>
+                <a:cs typeface="Consolas" panose="020B0609020204030204" pitchFamily="49" charset="0"/>
+              </a:rPr>
+              <a:t>i</a:t>
+            </a:r>
+            <a:r>
+              <a:rPr lang="en-US" sz="2000" dirty="0" smtClean="0">
+                <a:solidFill>
+                  <a:schemeClr val="accent1"/>
+                </a:solidFill>
+                <a:latin typeface="Consolas" panose="020B0609020204030204" pitchFamily="49" charset="0"/>
+                <a:cs typeface="Consolas" panose="020B0609020204030204" pitchFamily="49" charset="0"/>
+              </a:rPr>
+              <a:t>):</a:t>
+            </a:r>
+            <a:r>
+              <a:rPr lang="en-US" sz="2000" dirty="0" smtClean="0"/>
+              <a:t> DOM element</a:t>
+            </a:r>
+            <a:endParaRPr lang="en-US" sz="2000" dirty="0"/>
+          </a:p>
+        </p:txBody>
+      </p:sp>
+      <p:sp>
+        <p:nvSpPr>
+          <p:cNvPr id="4" name="Title 3"/>
           <p:cNvSpPr>
             <a:spLocks noGrp="1"/>
           </p:cNvSpPr>
@@ -6568,7 +7249,7 @@
               <a:rPr lang="en-US" dirty="0" smtClean="0">
                 <a:latin typeface="Berlin Sans FB Demi" panose="020E0802020502020306" pitchFamily="34" charset="0"/>
               </a:rPr>
-              <a:t>AJAX</a:t>
+              <a:t>Element Selection</a:t>
             </a:r>
             <a:endParaRPr lang="en-US" dirty="0">
               <a:latin typeface="Berlin Sans FB Demi" panose="020E0802020502020306" pitchFamily="34" charset="0"/>
@@ -6578,18 +7259,359 @@
       </p:sp>
       <p:sp>
         <p:nvSpPr>
-          <p:cNvPr id="5" name="Content Placeholder 4"/>
+          <p:cNvPr id="5" name="TextBox 4"/>
+          <p:cNvSpPr txBox="1"/>
+          <p:nvPr/>
+        </p:nvSpPr>
+        <p:spPr>
+          <a:xfrm>
+            <a:off x="857250" y="1905000"/>
+            <a:ext cx="3257550" cy="338554"/>
+          </a:xfrm>
+          <a:prstGeom prst="rect">
+            <a:avLst/>
+          </a:prstGeom>
+        </p:spPr>
+        <p:style>
+          <a:lnRef idx="0">
+            <a:schemeClr val="dk1"/>
+          </a:lnRef>
+          <a:fillRef idx="3">
+            <a:schemeClr val="dk1"/>
+          </a:fillRef>
+          <a:effectRef idx="3">
+            <a:schemeClr val="dk1"/>
+          </a:effectRef>
+          <a:fontRef idx="minor">
+            <a:schemeClr val="lt1"/>
+          </a:fontRef>
+        </p:style>
+        <p:txBody>
+          <a:bodyPr wrap="square" rtlCol="0">
+            <a:spAutoFit/>
+          </a:bodyPr>
+          <a:lstStyle/>
+          <a:p>
+            <a:r>
+              <a:rPr lang="en-US" sz="1600" dirty="0" smtClean="0">
+                <a:latin typeface="Consolas" panose="020B0609020204030204" pitchFamily="49" charset="0"/>
+                <a:cs typeface="Consolas" panose="020B0609020204030204" pitchFamily="49" charset="0"/>
+              </a:rPr>
+              <a:t>$(</a:t>
+            </a:r>
+            <a:r>
+              <a:rPr lang="en-US" sz="1600" dirty="0" smtClean="0">
+                <a:solidFill>
+                  <a:schemeClr val="accent3"/>
+                </a:solidFill>
+                <a:latin typeface="Consolas" panose="020B0609020204030204" pitchFamily="49" charset="0"/>
+                <a:cs typeface="Consolas" panose="020B0609020204030204" pitchFamily="49" charset="0"/>
+              </a:rPr>
+              <a:t>'#data + </a:t>
+            </a:r>
+            <a:r>
+              <a:rPr lang="en-US" sz="1600" dirty="0" err="1" smtClean="0">
+                <a:solidFill>
+                  <a:schemeClr val="accent3"/>
+                </a:solidFill>
+                <a:latin typeface="Consolas" panose="020B0609020204030204" pitchFamily="49" charset="0"/>
+                <a:cs typeface="Consolas" panose="020B0609020204030204" pitchFamily="49" charset="0"/>
+              </a:rPr>
+              <a:t>input.main</a:t>
+            </a:r>
+            <a:r>
+              <a:rPr lang="en-US" sz="1600" dirty="0" smtClean="0">
+                <a:solidFill>
+                  <a:schemeClr val="accent3"/>
+                </a:solidFill>
+                <a:latin typeface="Consolas" panose="020B0609020204030204" pitchFamily="49" charset="0"/>
+                <a:cs typeface="Consolas" panose="020B0609020204030204" pitchFamily="49" charset="0"/>
+              </a:rPr>
+              <a:t> &gt; *'</a:t>
+            </a:r>
+            <a:r>
+              <a:rPr lang="en-US" sz="1600" dirty="0" smtClean="0">
+                <a:latin typeface="Consolas" panose="020B0609020204030204" pitchFamily="49" charset="0"/>
+                <a:cs typeface="Consolas" panose="020B0609020204030204" pitchFamily="49" charset="0"/>
+              </a:rPr>
+              <a:t>)</a:t>
+            </a:r>
+            <a:endParaRPr lang="en-US" sz="1600" dirty="0">
+              <a:solidFill>
+                <a:schemeClr val="bg1"/>
+              </a:solidFill>
+              <a:latin typeface="Consolas" panose="020B0609020204030204" pitchFamily="49" charset="0"/>
+              <a:cs typeface="Consolas" panose="020B0609020204030204" pitchFamily="49" charset="0"/>
+            </a:endParaRPr>
+          </a:p>
+        </p:txBody>
+      </p:sp>
+    </p:spTree>
+    <p:extLst>
+      <p:ext uri="{BB962C8B-B14F-4D97-AF65-F5344CB8AC3E}">
+        <p14:creationId xmlns:p14="http://schemas.microsoft.com/office/powerpoint/2010/main" val="112357979"/>
+      </p:ext>
+    </p:extLst>
+  </p:cSld>
+  <p:clrMapOvr>
+    <a:masterClrMapping/>
+  </p:clrMapOvr>
+  <p:timing>
+    <p:tnLst>
+      <p:par>
+        <p:cTn id="1" dur="indefinite" restart="never" nodeType="tmRoot"/>
+      </p:par>
+    </p:tnLst>
+  </p:timing>
+</p:sld>
+</file>
+
+<file path=ppt/slides/slide14.xml><?xml version="1.0" encoding="utf-8"?>
+<p:sld xmlns:a="http://schemas.openxmlformats.org/drawingml/2006/main" xmlns:r="http://schemas.openxmlformats.org/officeDocument/2006/relationships" xmlns:p="http://schemas.openxmlformats.org/presentationml/2006/main">
+  <p:cSld>
+    <p:spTree>
+      <p:nvGrpSpPr>
+        <p:cNvPr id="1" name=""/>
+        <p:cNvGrpSpPr/>
+        <p:nvPr/>
+      </p:nvGrpSpPr>
+      <p:grpSpPr>
+        <a:xfrm>
+          <a:off x="0" y="0"/>
+          <a:ext cx="0" cy="0"/>
+          <a:chOff x="0" y="0"/>
+          <a:chExt cx="0" cy="0"/>
+        </a:xfrm>
+      </p:grpSpPr>
+      <p:sp>
+        <p:nvSpPr>
+          <p:cNvPr id="2" name="Content Placeholder 1"/>
           <p:cNvSpPr>
             <a:spLocks noGrp="1"/>
           </p:cNvSpPr>
           <p:nvPr>
-            <p:ph sz="quarter" idx="2"/>
+            <p:ph sz="half" idx="1"/>
           </p:nvPr>
         </p:nvSpPr>
         <p:spPr>
           <a:xfrm>
-            <a:off x="457200" y="1447800"/>
-            <a:ext cx="4040188" cy="4724401"/>
+            <a:off x="381000" y="1481328"/>
+            <a:ext cx="4114800" cy="4081272"/>
+          </a:xfrm>
+          <a:solidFill>
+            <a:schemeClr val="bg1">
+              <a:lumMod val="95000"/>
+            </a:schemeClr>
+          </a:solidFill>
+          <a:ln w="19050">
+            <a:solidFill>
+              <a:schemeClr val="accent1"/>
+            </a:solidFill>
+          </a:ln>
+        </p:spPr>
+        <p:txBody>
+          <a:bodyPr>
+            <a:normAutofit/>
+          </a:bodyPr>
+          <a:lstStyle/>
+          <a:p>
+            <a:pPr>
+              <a:spcBef>
+                <a:spcPts val="1800"/>
+              </a:spcBef>
+            </a:pPr>
+            <a:r>
+              <a:rPr lang="en-US" sz="2400" dirty="0" smtClean="0"/>
+              <a:t>Creation &amp; Insertion</a:t>
+            </a:r>
+          </a:p>
+          <a:p>
+            <a:pPr>
+              <a:spcBef>
+                <a:spcPts val="1800"/>
+              </a:spcBef>
+            </a:pPr>
+            <a:endParaRPr lang="en-US" sz="2400" dirty="0"/>
+          </a:p>
+          <a:p>
+            <a:pPr lvl="1">
+              <a:spcBef>
+                <a:spcPts val="1200"/>
+              </a:spcBef>
+            </a:pPr>
+            <a:r>
+              <a:rPr lang="en-US" sz="2000" dirty="0"/>
+              <a:t>Use brackets (</a:t>
+            </a:r>
+            <a:r>
+              <a:rPr lang="en-US" sz="2000" dirty="0">
+                <a:solidFill>
+                  <a:schemeClr val="accent1"/>
+                </a:solidFill>
+                <a:latin typeface="Consolas" panose="020B0609020204030204" pitchFamily="49" charset="0"/>
+                <a:cs typeface="Consolas" panose="020B0609020204030204" pitchFamily="49" charset="0"/>
+              </a:rPr>
+              <a:t>&lt;&gt;</a:t>
+            </a:r>
+            <a:r>
+              <a:rPr lang="en-US" sz="2000" dirty="0"/>
+              <a:t>) for element creation</a:t>
+            </a:r>
+          </a:p>
+          <a:p>
+            <a:pPr lvl="1">
+              <a:spcBef>
+                <a:spcPts val="400"/>
+              </a:spcBef>
+            </a:pPr>
+            <a:r>
+              <a:rPr lang="en-US" sz="2000" dirty="0" smtClean="0">
+                <a:solidFill>
+                  <a:schemeClr val="accent1"/>
+                </a:solidFill>
+                <a:latin typeface="Consolas" panose="020B0609020204030204" pitchFamily="49" charset="0"/>
+                <a:cs typeface="Consolas" panose="020B0609020204030204" pitchFamily="49" charset="0"/>
+              </a:rPr>
+              <a:t>.append  </a:t>
+            </a:r>
+            <a:r>
+              <a:rPr lang="en-US" sz="1800" dirty="0" smtClean="0"/>
+              <a:t>and</a:t>
+            </a:r>
+            <a:r>
+              <a:rPr lang="en-US" sz="2000" dirty="0" smtClean="0"/>
+              <a:t> </a:t>
+            </a:r>
+            <a:r>
+              <a:rPr lang="en-US" sz="2000" dirty="0" smtClean="0">
+                <a:solidFill>
+                  <a:schemeClr val="accent1"/>
+                </a:solidFill>
+                <a:latin typeface="Consolas" panose="020B0609020204030204" pitchFamily="49" charset="0"/>
+                <a:cs typeface="Consolas" panose="020B0609020204030204" pitchFamily="49" charset="0"/>
+              </a:rPr>
+              <a:t>.</a:t>
+            </a:r>
+            <a:r>
+              <a:rPr lang="en-US" sz="2000" dirty="0" err="1" smtClean="0">
+                <a:solidFill>
+                  <a:schemeClr val="accent1"/>
+                </a:solidFill>
+                <a:latin typeface="Consolas" panose="020B0609020204030204" pitchFamily="49" charset="0"/>
+                <a:cs typeface="Consolas" panose="020B0609020204030204" pitchFamily="49" charset="0"/>
+              </a:rPr>
+              <a:t>appendTo</a:t>
+            </a:r>
+            <a:endParaRPr lang="en-US" sz="2000" dirty="0" smtClean="0">
+              <a:solidFill>
+                <a:schemeClr val="accent1"/>
+              </a:solidFill>
+              <a:latin typeface="Consolas" panose="020B0609020204030204" pitchFamily="49" charset="0"/>
+              <a:cs typeface="Consolas" panose="020B0609020204030204" pitchFamily="49" charset="0"/>
+            </a:endParaRPr>
+          </a:p>
+          <a:p>
+            <a:pPr lvl="1">
+              <a:spcBef>
+                <a:spcPts val="400"/>
+              </a:spcBef>
+            </a:pPr>
+            <a:r>
+              <a:rPr lang="en-US" sz="2000" dirty="0">
+                <a:solidFill>
+                  <a:schemeClr val="accent1"/>
+                </a:solidFill>
+                <a:latin typeface="Consolas" panose="020B0609020204030204" pitchFamily="49" charset="0"/>
+                <a:cs typeface="Consolas" panose="020B0609020204030204" pitchFamily="49" charset="0"/>
+              </a:rPr>
+              <a:t>.</a:t>
+            </a:r>
+            <a:r>
+              <a:rPr lang="en-US" sz="2000" dirty="0" smtClean="0">
+                <a:solidFill>
+                  <a:schemeClr val="accent1"/>
+                </a:solidFill>
+                <a:latin typeface="Consolas" panose="020B0609020204030204" pitchFamily="49" charset="0"/>
+                <a:cs typeface="Consolas" panose="020B0609020204030204" pitchFamily="49" charset="0"/>
+              </a:rPr>
+              <a:t>prepend </a:t>
+            </a:r>
+            <a:r>
+              <a:rPr lang="en-US" sz="1800" dirty="0" smtClean="0"/>
+              <a:t>and</a:t>
+            </a:r>
+            <a:r>
+              <a:rPr lang="en-US" sz="2000" dirty="0" smtClean="0"/>
+              <a:t> </a:t>
+            </a:r>
+            <a:r>
+              <a:rPr lang="en-US" sz="2000" dirty="0" smtClean="0">
+                <a:solidFill>
+                  <a:schemeClr val="accent1"/>
+                </a:solidFill>
+                <a:latin typeface="Consolas" panose="020B0609020204030204" pitchFamily="49" charset="0"/>
+                <a:cs typeface="Consolas" panose="020B0609020204030204" pitchFamily="49" charset="0"/>
+              </a:rPr>
+              <a:t>.</a:t>
+            </a:r>
+            <a:r>
+              <a:rPr lang="en-US" sz="2000" dirty="0" err="1" smtClean="0">
+                <a:solidFill>
+                  <a:schemeClr val="accent1"/>
+                </a:solidFill>
+                <a:latin typeface="Consolas" panose="020B0609020204030204" pitchFamily="49" charset="0"/>
+                <a:cs typeface="Consolas" panose="020B0609020204030204" pitchFamily="49" charset="0"/>
+              </a:rPr>
+              <a:t>prependTo</a:t>
+            </a:r>
+            <a:endParaRPr lang="en-US" sz="2000" dirty="0" smtClean="0">
+              <a:solidFill>
+                <a:schemeClr val="accent1"/>
+              </a:solidFill>
+              <a:latin typeface="Consolas" panose="020B0609020204030204" pitchFamily="49" charset="0"/>
+              <a:cs typeface="Consolas" panose="020B0609020204030204" pitchFamily="49" charset="0"/>
+            </a:endParaRPr>
+          </a:p>
+          <a:p>
+            <a:r>
+              <a:rPr lang="en-US" sz="2400" dirty="0" smtClean="0"/>
+              <a:t>Text insertion</a:t>
+            </a:r>
+            <a:endParaRPr lang="en-US" sz="2000" dirty="0" smtClean="0">
+              <a:solidFill>
+                <a:schemeClr val="accent1"/>
+              </a:solidFill>
+              <a:latin typeface="Consolas" panose="020B0609020204030204" pitchFamily="49" charset="0"/>
+              <a:cs typeface="Consolas" panose="020B0609020204030204" pitchFamily="49" charset="0"/>
+            </a:endParaRPr>
+          </a:p>
+          <a:p>
+            <a:pPr lvl="1">
+              <a:spcBef>
+                <a:spcPts val="1800"/>
+              </a:spcBef>
+            </a:pPr>
+            <a:endParaRPr lang="en-US" sz="2000" dirty="0">
+              <a:latin typeface="Consolas" panose="020B0609020204030204" pitchFamily="49" charset="0"/>
+              <a:cs typeface="Consolas" panose="020B0609020204030204" pitchFamily="49" charset="0"/>
+            </a:endParaRPr>
+          </a:p>
+        </p:txBody>
+      </p:sp>
+      <p:sp>
+        <p:nvSpPr>
+          <p:cNvPr id="3" name="Content Placeholder 2"/>
+          <p:cNvSpPr>
+            <a:spLocks noGrp="1"/>
+          </p:cNvSpPr>
+          <p:nvPr>
+            <p:ph sz="half" idx="2"/>
+          </p:nvPr>
+        </p:nvSpPr>
+        <p:spPr>
+          <a:xfrm>
+            <a:off x="4648200" y="1481329"/>
+            <a:ext cx="4114800" cy="4081272"/>
           </a:xfrm>
           <a:solidFill>
             <a:schemeClr val="bg1">
@@ -6598,138 +7620,8 @@
           </a:solidFill>
           <a:ln>
             <a:solidFill>
-              <a:schemeClr val="tx2"/>
+              <a:schemeClr val="accent1"/>
             </a:solidFill>
-            <a:prstDash val="solid"/>
-          </a:ln>
-        </p:spPr>
-        <p:txBody>
-          <a:bodyPr/>
-          <a:lstStyle/>
-          <a:p>
-            <a:pPr>
-              <a:spcBef>
-                <a:spcPts val="1200"/>
-              </a:spcBef>
-            </a:pPr>
-            <a:r>
-              <a:rPr lang="en-US" dirty="0" smtClean="0"/>
-              <a:t>Simple syntax</a:t>
-            </a:r>
-          </a:p>
-          <a:p>
-            <a:pPr lvl="1">
-              <a:spcBef>
-                <a:spcPts val="600"/>
-              </a:spcBef>
-            </a:pPr>
-            <a:r>
-              <a:rPr lang="en-US" dirty="0" smtClean="0"/>
-              <a:t>Fast to code</a:t>
-            </a:r>
-          </a:p>
-          <a:p>
-            <a:pPr lvl="1">
-              <a:spcBef>
-                <a:spcPts val="600"/>
-              </a:spcBef>
-            </a:pPr>
-            <a:r>
-              <a:rPr lang="en-US" dirty="0" smtClean="0"/>
-              <a:t>Easy to learn</a:t>
-            </a:r>
-          </a:p>
-          <a:p>
-            <a:pPr>
-              <a:spcBef>
-                <a:spcPts val="1200"/>
-              </a:spcBef>
-            </a:pPr>
-            <a:r>
-              <a:rPr lang="en-US" dirty="0" smtClean="0"/>
-              <a:t>Cross-browser support</a:t>
-            </a:r>
-            <a:endParaRPr lang="en-US" dirty="0"/>
-          </a:p>
-          <a:p>
-            <a:pPr>
-              <a:spcBef>
-                <a:spcPts val="1200"/>
-              </a:spcBef>
-            </a:pPr>
-            <a:r>
-              <a:rPr lang="en-US" dirty="0" smtClean="0"/>
-              <a:t>Widely used</a:t>
-            </a:r>
-          </a:p>
-          <a:p>
-            <a:pPr lvl="1">
-              <a:spcBef>
-                <a:spcPts val="600"/>
-              </a:spcBef>
-            </a:pPr>
-            <a:r>
-              <a:rPr lang="en-US" dirty="0" smtClean="0"/>
-              <a:t>Easy to find developers</a:t>
-            </a:r>
-          </a:p>
-          <a:p>
-            <a:pPr lvl="1">
-              <a:spcBef>
-                <a:spcPts val="600"/>
-              </a:spcBef>
-            </a:pPr>
-            <a:r>
-              <a:rPr lang="en-US" dirty="0" smtClean="0"/>
-              <a:t>Frequent updates</a:t>
-            </a:r>
-          </a:p>
-          <a:p>
-            <a:pPr lvl="1">
-              <a:spcBef>
-                <a:spcPts val="600"/>
-              </a:spcBef>
-            </a:pPr>
-            <a:r>
-              <a:rPr lang="en-US" dirty="0" smtClean="0"/>
-              <a:t>Likely </a:t>
-            </a:r>
-            <a:r>
-              <a:rPr lang="en-US" dirty="0" err="1" smtClean="0"/>
-              <a:t>precached</a:t>
-            </a:r>
-            <a:r>
-              <a:rPr lang="en-US" dirty="0" smtClean="0"/>
-              <a:t> (if CDN)</a:t>
-            </a:r>
-          </a:p>
-        </p:txBody>
-      </p:sp>
-      <p:sp>
-        <p:nvSpPr>
-          <p:cNvPr id="6" name="Content Placeholder 5"/>
-          <p:cNvSpPr>
-            <a:spLocks noGrp="1"/>
-          </p:cNvSpPr>
-          <p:nvPr>
-            <p:ph sz="quarter" idx="4"/>
-          </p:nvPr>
-        </p:nvSpPr>
-        <p:spPr>
-          <a:xfrm>
-            <a:off x="4645025" y="1447800"/>
-            <a:ext cx="4041775" cy="4724401"/>
-          </a:xfrm>
-          <a:solidFill>
-            <a:schemeClr val="bg1">
-              <a:lumMod val="95000"/>
-            </a:schemeClr>
-          </a:solidFill>
-          <a:ln>
-            <a:solidFill>
-              <a:schemeClr val="tx2"/>
-            </a:solidFill>
-            <a:prstDash val="solid"/>
           </a:ln>
         </p:spPr>
         <p:txBody>
@@ -6738,122 +7630,762 @@
           </a:bodyPr>
           <a:lstStyle/>
           <a:p>
-            <a:pPr>
-              <a:spcBef>
-                <a:spcPts val="1200"/>
-              </a:spcBef>
-            </a:pPr>
-            <a:endParaRPr lang="en-US" b="1" i="1" dirty="0" smtClean="0"/>
-          </a:p>
-          <a:p>
-            <a:pPr>
-              <a:spcBef>
-                <a:spcPts val="1200"/>
-              </a:spcBef>
-            </a:pPr>
-            <a:r>
-              <a:rPr lang="en-US" b="1" dirty="0" smtClean="0"/>
-              <a:t>Reduced Performance</a:t>
-            </a:r>
-          </a:p>
-          <a:p>
-            <a:pPr>
-              <a:spcBef>
-                <a:spcPts val="1200"/>
-              </a:spcBef>
-            </a:pPr>
-            <a:r>
-              <a:rPr lang="en-US" dirty="0" smtClean="0"/>
-              <a:t>Increased codebase</a:t>
-            </a:r>
-            <a:endParaRPr lang="en-US" dirty="0"/>
-          </a:p>
-          <a:p>
-            <a:pPr lvl="1">
-              <a:spcBef>
-                <a:spcPts val="600"/>
-              </a:spcBef>
-            </a:pPr>
-            <a:r>
-              <a:rPr lang="en-US" sz="2000" dirty="0" smtClean="0"/>
-              <a:t>10,000+ lines of code</a:t>
-            </a:r>
-          </a:p>
-          <a:p>
-            <a:pPr lvl="1">
-              <a:spcBef>
-                <a:spcPts val="600"/>
-              </a:spcBef>
-            </a:pPr>
-            <a:r>
-              <a:rPr lang="en-US" dirty="0" smtClean="0"/>
-              <a:t>Still, </a:t>
-            </a:r>
-            <a:r>
-              <a:rPr lang="en-US" dirty="0" err="1" smtClean="0"/>
-              <a:t>filesize</a:t>
-            </a:r>
-            <a:r>
-              <a:rPr lang="en-US" dirty="0" smtClean="0"/>
-              <a:t> is &lt;</a:t>
-            </a:r>
-            <a:r>
-              <a:rPr lang="en-US" sz="2000" dirty="0" smtClean="0"/>
-              <a:t>100kb</a:t>
-            </a:r>
-          </a:p>
-          <a:p>
-            <a:pPr>
-              <a:spcBef>
-                <a:spcPts val="1200"/>
-              </a:spcBef>
-            </a:pPr>
-            <a:r>
-              <a:rPr lang="en-US" dirty="0" smtClean="0"/>
-              <a:t>Potential conflicts with other JS plugins</a:t>
-            </a:r>
-          </a:p>
-          <a:p>
-            <a:pPr>
-              <a:spcBef>
-                <a:spcPts val="1200"/>
-              </a:spcBef>
-            </a:pPr>
-            <a:r>
-              <a:rPr lang="en-US" dirty="0" smtClean="0"/>
-              <a:t>Can complicate </a:t>
-            </a:r>
-            <a:r>
-              <a:rPr lang="en-US" dirty="0" err="1" smtClean="0"/>
-              <a:t>clientside</a:t>
-            </a:r>
-            <a:r>
-              <a:rPr lang="en-US" dirty="0" smtClean="0"/>
-              <a:t> debugging</a:t>
-            </a:r>
-          </a:p>
-          <a:p>
-            <a:pPr>
-              <a:spcBef>
-                <a:spcPts val="1200"/>
-              </a:spcBef>
-            </a:pPr>
-            <a:endParaRPr lang="en-US" dirty="0" smtClean="0"/>
-          </a:p>
-          <a:p>
-            <a:pPr>
-              <a:spcBef>
-                <a:spcPts val="1200"/>
-              </a:spcBef>
-            </a:pPr>
-            <a:endParaRPr lang="en-US" dirty="0"/>
+            <a:r>
+              <a:rPr lang="en-US" sz="2200" dirty="0" smtClean="0"/>
+              <a:t>DOM Replacement</a:t>
+            </a:r>
+          </a:p>
+          <a:p>
+            <a:endParaRPr lang="en-US" sz="2200" dirty="0"/>
+          </a:p>
+          <a:p>
+            <a:endParaRPr lang="en-US" sz="2200" dirty="0" smtClean="0"/>
+          </a:p>
+          <a:p>
+            <a:r>
+              <a:rPr lang="en-US" sz="2200" dirty="0" smtClean="0"/>
+              <a:t>DOM Removal</a:t>
+            </a:r>
+          </a:p>
+          <a:p>
+            <a:endParaRPr lang="en-US" sz="2200" dirty="0"/>
+          </a:p>
+          <a:p>
+            <a:endParaRPr lang="en-US" sz="2200" dirty="0" smtClean="0"/>
+          </a:p>
+          <a:p>
+            <a:endParaRPr lang="en-US" sz="2200" dirty="0"/>
+          </a:p>
+          <a:p>
+            <a:endParaRPr lang="en-US" sz="2200" dirty="0" smtClean="0"/>
+          </a:p>
+          <a:p>
+            <a:endParaRPr lang="en-US" sz="2200" i="1" dirty="0"/>
+          </a:p>
+          <a:p>
+            <a:endParaRPr lang="en-US" sz="2200" i="1" dirty="0" smtClean="0"/>
+          </a:p>
+          <a:p>
+            <a:endParaRPr lang="en-US" sz="2200" i="1" dirty="0"/>
+          </a:p>
+        </p:txBody>
+      </p:sp>
+      <p:sp>
+        <p:nvSpPr>
+          <p:cNvPr id="4" name="Title 3"/>
+          <p:cNvSpPr>
+            <a:spLocks noGrp="1"/>
+          </p:cNvSpPr>
+          <p:nvPr>
+            <p:ph type="title"/>
+          </p:nvPr>
+        </p:nvSpPr>
+        <p:spPr/>
+        <p:txBody>
+          <a:bodyPr/>
+          <a:lstStyle/>
+          <a:p>
+            <a:r>
+              <a:rPr lang="en-US" dirty="0" smtClean="0">
+                <a:latin typeface="Berlin Sans FB Demi" panose="020E0802020502020306" pitchFamily="34" charset="0"/>
+              </a:rPr>
+              <a:t>DOM Manipulation</a:t>
+            </a:r>
+            <a:endParaRPr lang="en-US" dirty="0">
+              <a:latin typeface="Berlin Sans FB Demi" panose="020E0802020502020306" pitchFamily="34" charset="0"/>
+            </a:endParaRPr>
+          </a:p>
+        </p:txBody>
+      </p:sp>
+      <p:sp>
+        <p:nvSpPr>
+          <p:cNvPr id="6" name="TextBox 5"/>
+          <p:cNvSpPr txBox="1"/>
+          <p:nvPr/>
+        </p:nvSpPr>
+        <p:spPr>
+          <a:xfrm>
+            <a:off x="685800" y="1901250"/>
+            <a:ext cx="3581400" cy="584775"/>
+          </a:xfrm>
+          <a:prstGeom prst="rect">
+            <a:avLst/>
+          </a:prstGeom>
+        </p:spPr>
+        <p:style>
+          <a:lnRef idx="0">
+            <a:schemeClr val="dk1"/>
+          </a:lnRef>
+          <a:fillRef idx="3">
+            <a:schemeClr val="dk1"/>
+          </a:fillRef>
+          <a:effectRef idx="3">
+            <a:schemeClr val="dk1"/>
+          </a:effectRef>
+          <a:fontRef idx="minor">
+            <a:schemeClr val="lt1"/>
+          </a:fontRef>
+        </p:style>
+        <p:txBody>
+          <a:bodyPr wrap="square" rtlCol="0">
+            <a:spAutoFit/>
+          </a:bodyPr>
+          <a:lstStyle/>
+          <a:p>
+            <a:r>
+              <a:rPr lang="en-US" sz="1600" dirty="0" smtClean="0">
+                <a:latin typeface="Consolas" panose="020B0609020204030204" pitchFamily="49" charset="0"/>
+                <a:cs typeface="Consolas" panose="020B0609020204030204" pitchFamily="49" charset="0"/>
+              </a:rPr>
+              <a:t>$(</a:t>
+            </a:r>
+            <a:r>
+              <a:rPr lang="en-US" sz="1600" dirty="0" smtClean="0">
+                <a:solidFill>
+                  <a:schemeClr val="accent3"/>
+                </a:solidFill>
+                <a:latin typeface="Consolas" panose="020B0609020204030204" pitchFamily="49" charset="0"/>
+                <a:cs typeface="Consolas" panose="020B0609020204030204" pitchFamily="49" charset="0"/>
+              </a:rPr>
+              <a:t>'&lt;input&gt;'</a:t>
+            </a:r>
+            <a:r>
+              <a:rPr lang="en-US" sz="1600" dirty="0" smtClean="0">
+                <a:latin typeface="Consolas" panose="020B0609020204030204" pitchFamily="49" charset="0"/>
+                <a:cs typeface="Consolas" panose="020B0609020204030204" pitchFamily="49" charset="0"/>
+              </a:rPr>
+              <a:t>).</a:t>
+            </a:r>
+            <a:r>
+              <a:rPr lang="en-US" sz="1600" dirty="0" err="1" smtClean="0">
+                <a:latin typeface="Consolas" panose="020B0609020204030204" pitchFamily="49" charset="0"/>
+                <a:cs typeface="Consolas" panose="020B0609020204030204" pitchFamily="49" charset="0"/>
+              </a:rPr>
+              <a:t>appendTo</a:t>
+            </a:r>
+            <a:r>
+              <a:rPr lang="en-US" sz="1600" dirty="0" smtClean="0">
+                <a:latin typeface="Consolas" panose="020B0609020204030204" pitchFamily="49" charset="0"/>
+                <a:cs typeface="Consolas" panose="020B0609020204030204" pitchFamily="49" charset="0"/>
+              </a:rPr>
+              <a:t>(parent);</a:t>
+            </a:r>
+          </a:p>
+          <a:p>
+            <a:r>
+              <a:rPr lang="en-US" sz="1600" dirty="0" err="1" smtClean="0">
+                <a:latin typeface="Consolas" panose="020B0609020204030204" pitchFamily="49" charset="0"/>
+                <a:cs typeface="Consolas" panose="020B0609020204030204" pitchFamily="49" charset="0"/>
+              </a:rPr>
+              <a:t>parent.append</a:t>
+            </a:r>
+            <a:r>
+              <a:rPr lang="en-US" sz="1600" dirty="0" smtClean="0">
+                <a:latin typeface="Consolas" panose="020B0609020204030204" pitchFamily="49" charset="0"/>
+                <a:cs typeface="Consolas" panose="020B0609020204030204" pitchFamily="49" charset="0"/>
+              </a:rPr>
+              <a:t>(</a:t>
+            </a:r>
+            <a:r>
+              <a:rPr lang="en-US" sz="1600" dirty="0">
+                <a:solidFill>
+                  <a:schemeClr val="accent3"/>
+                </a:solidFill>
+                <a:latin typeface="Consolas" panose="020B0609020204030204" pitchFamily="49" charset="0"/>
+                <a:cs typeface="Consolas" panose="020B0609020204030204" pitchFamily="49" charset="0"/>
+              </a:rPr>
+              <a:t>'&lt;input</a:t>
+            </a:r>
+            <a:r>
+              <a:rPr lang="en-US" sz="1600" dirty="0" smtClean="0">
+                <a:solidFill>
+                  <a:schemeClr val="accent3"/>
+                </a:solidFill>
+                <a:latin typeface="Consolas" panose="020B0609020204030204" pitchFamily="49" charset="0"/>
+                <a:cs typeface="Consolas" panose="020B0609020204030204" pitchFamily="49" charset="0"/>
+              </a:rPr>
+              <a:t>&gt;'</a:t>
+            </a:r>
+            <a:r>
+              <a:rPr lang="en-US" sz="1600" dirty="0" smtClean="0">
+                <a:solidFill>
+                  <a:schemeClr val="bg1"/>
+                </a:solidFill>
+                <a:latin typeface="Consolas" panose="020B0609020204030204" pitchFamily="49" charset="0"/>
+                <a:cs typeface="Consolas" panose="020B0609020204030204" pitchFamily="49" charset="0"/>
+              </a:rPr>
+              <a:t>);</a:t>
+            </a:r>
+            <a:endParaRPr lang="en-US" sz="1600" dirty="0">
+              <a:solidFill>
+                <a:schemeClr val="bg1"/>
+              </a:solidFill>
+              <a:latin typeface="Consolas" panose="020B0609020204030204" pitchFamily="49" charset="0"/>
+              <a:cs typeface="Consolas" panose="020B0609020204030204" pitchFamily="49" charset="0"/>
+            </a:endParaRPr>
+          </a:p>
+        </p:txBody>
+      </p:sp>
+      <p:sp>
+        <p:nvSpPr>
+          <p:cNvPr id="7" name="TextBox 6"/>
+          <p:cNvSpPr txBox="1"/>
+          <p:nvPr/>
+        </p:nvSpPr>
+        <p:spPr>
+          <a:xfrm>
+            <a:off x="4895850" y="3048000"/>
+            <a:ext cx="3657600" cy="2062103"/>
+          </a:xfrm>
+          <a:prstGeom prst="rect">
+            <a:avLst/>
+          </a:prstGeom>
+        </p:spPr>
+        <p:style>
+          <a:lnRef idx="0">
+            <a:schemeClr val="dk1"/>
+          </a:lnRef>
+          <a:fillRef idx="3">
+            <a:schemeClr val="dk1"/>
+          </a:fillRef>
+          <a:effectRef idx="3">
+            <a:schemeClr val="dk1"/>
+          </a:effectRef>
+          <a:fontRef idx="minor">
+            <a:schemeClr val="lt1"/>
+          </a:fontRef>
+        </p:style>
+        <p:txBody>
+          <a:bodyPr wrap="square" rtlCol="0">
+            <a:spAutoFit/>
+          </a:bodyPr>
+          <a:lstStyle/>
+          <a:p>
+            <a:r>
+              <a:rPr lang="en-US" sz="1600" dirty="0" smtClean="0">
+                <a:solidFill>
+                  <a:schemeClr val="tx1">
+                    <a:lumMod val="50000"/>
+                    <a:lumOff val="50000"/>
+                  </a:schemeClr>
+                </a:solidFill>
+                <a:latin typeface="Consolas" panose="020B0609020204030204" pitchFamily="49" charset="0"/>
+                <a:cs typeface="Consolas" panose="020B0609020204030204" pitchFamily="49" charset="0"/>
+              </a:rPr>
+              <a:t>// Remove and delete child:</a:t>
+            </a:r>
+          </a:p>
+          <a:p>
+            <a:r>
+              <a:rPr lang="en-US" sz="1600" dirty="0" smtClean="0">
+                <a:latin typeface="Consolas" panose="020B0609020204030204" pitchFamily="49" charset="0"/>
+                <a:cs typeface="Consolas" panose="020B0609020204030204" pitchFamily="49" charset="0"/>
+              </a:rPr>
+              <a:t>$(child).remove();</a:t>
+            </a:r>
+          </a:p>
+          <a:p>
+            <a:r>
+              <a:rPr lang="en-US" sz="1600" dirty="0" smtClean="0">
+                <a:solidFill>
+                  <a:schemeClr val="tx1">
+                    <a:lumMod val="50000"/>
+                    <a:lumOff val="50000"/>
+                  </a:schemeClr>
+                </a:solidFill>
+                <a:latin typeface="Consolas" panose="020B0609020204030204" pitchFamily="49" charset="0"/>
+                <a:cs typeface="Consolas" panose="020B0609020204030204" pitchFamily="49" charset="0"/>
+              </a:rPr>
+              <a:t>// Remove child w/o deletion:</a:t>
+            </a:r>
+          </a:p>
+          <a:p>
+            <a:r>
+              <a:rPr lang="en-US" sz="1600" dirty="0">
+                <a:latin typeface="Consolas" panose="020B0609020204030204" pitchFamily="49" charset="0"/>
+                <a:cs typeface="Consolas" panose="020B0609020204030204" pitchFamily="49" charset="0"/>
+              </a:rPr>
+              <a:t>$(child).detach</a:t>
+            </a:r>
+            <a:r>
+              <a:rPr lang="en-US" sz="1600" dirty="0" smtClean="0">
+                <a:latin typeface="Consolas" panose="020B0609020204030204" pitchFamily="49" charset="0"/>
+                <a:cs typeface="Consolas" panose="020B0609020204030204" pitchFamily="49" charset="0"/>
+              </a:rPr>
+              <a:t>();</a:t>
+            </a:r>
+            <a:endParaRPr lang="en-US" sz="1600" dirty="0" smtClean="0">
+              <a:solidFill>
+                <a:schemeClr val="tx1">
+                  <a:lumMod val="50000"/>
+                  <a:lumOff val="50000"/>
+                </a:schemeClr>
+              </a:solidFill>
+              <a:latin typeface="Consolas" panose="020B0609020204030204" pitchFamily="49" charset="0"/>
+              <a:cs typeface="Consolas" panose="020B0609020204030204" pitchFamily="49" charset="0"/>
+            </a:endParaRPr>
+          </a:p>
+          <a:p>
+            <a:r>
+              <a:rPr lang="en-US" sz="1600" dirty="0" smtClean="0">
+                <a:solidFill>
+                  <a:schemeClr val="tx1">
+                    <a:lumMod val="50000"/>
+                    <a:lumOff val="50000"/>
+                  </a:schemeClr>
+                </a:solidFill>
+                <a:latin typeface="Consolas" panose="020B0609020204030204" pitchFamily="49" charset="0"/>
+                <a:cs typeface="Consolas" panose="020B0609020204030204" pitchFamily="49" charset="0"/>
+              </a:rPr>
+              <a:t>// Replace parent with child:</a:t>
+            </a:r>
+            <a:endParaRPr lang="en-US" sz="1600" dirty="0" smtClean="0">
+              <a:solidFill>
+                <a:schemeClr val="tx1">
+                  <a:lumMod val="50000"/>
+                  <a:lumOff val="50000"/>
+                </a:schemeClr>
+              </a:solidFill>
+              <a:latin typeface="Consolas" panose="020B0609020204030204" pitchFamily="49" charset="0"/>
+              <a:cs typeface="Consolas" panose="020B0609020204030204" pitchFamily="49" charset="0"/>
+            </a:endParaRPr>
+          </a:p>
+          <a:p>
+            <a:r>
+              <a:rPr lang="en-US" sz="1600" dirty="0" smtClean="0">
+                <a:latin typeface="Consolas" panose="020B0609020204030204" pitchFamily="49" charset="0"/>
+                <a:cs typeface="Consolas" panose="020B0609020204030204" pitchFamily="49" charset="0"/>
+              </a:rPr>
+              <a:t>$(child).unwrap();</a:t>
+            </a:r>
+          </a:p>
+          <a:p>
+            <a:r>
+              <a:rPr lang="en-US" sz="1600" dirty="0">
+                <a:solidFill>
+                  <a:schemeClr val="tx1">
+                    <a:lumMod val="50000"/>
+                    <a:lumOff val="50000"/>
+                  </a:schemeClr>
+                </a:solidFill>
+                <a:latin typeface="Consolas" panose="020B0609020204030204" pitchFamily="49" charset="0"/>
+                <a:cs typeface="Consolas" panose="020B0609020204030204" pitchFamily="49" charset="0"/>
+              </a:rPr>
+              <a:t>// </a:t>
+            </a:r>
+            <a:r>
+              <a:rPr lang="en-US" sz="1600" dirty="0" smtClean="0">
+                <a:solidFill>
+                  <a:schemeClr val="tx1">
+                    <a:lumMod val="50000"/>
+                    <a:lumOff val="50000"/>
+                  </a:schemeClr>
+                </a:solidFill>
+                <a:latin typeface="Consolas" panose="020B0609020204030204" pitchFamily="49" charset="0"/>
+                <a:cs typeface="Consolas" panose="020B0609020204030204" pitchFamily="49" charset="0"/>
+              </a:rPr>
+              <a:t>Remove children (and text):</a:t>
+            </a:r>
+          </a:p>
+          <a:p>
+            <a:r>
+              <a:rPr lang="en-US" sz="1600" dirty="0" err="1" smtClean="0">
+                <a:latin typeface="Consolas" panose="020B0609020204030204" pitchFamily="49" charset="0"/>
+                <a:cs typeface="Consolas" panose="020B0609020204030204" pitchFamily="49" charset="0"/>
+              </a:rPr>
+              <a:t>parent.empty</a:t>
+            </a:r>
+            <a:r>
+              <a:rPr lang="en-US" sz="1600" dirty="0" smtClean="0">
+                <a:latin typeface="Consolas" panose="020B0609020204030204" pitchFamily="49" charset="0"/>
+                <a:cs typeface="Consolas" panose="020B0609020204030204" pitchFamily="49" charset="0"/>
+              </a:rPr>
+              <a:t>();</a:t>
+            </a:r>
+          </a:p>
+        </p:txBody>
+      </p:sp>
+      <p:sp>
+        <p:nvSpPr>
+          <p:cNvPr id="8" name="TextBox 7"/>
+          <p:cNvSpPr txBox="1"/>
+          <p:nvPr/>
+        </p:nvSpPr>
+        <p:spPr>
+          <a:xfrm>
+            <a:off x="4895850" y="1901250"/>
+            <a:ext cx="3581400" cy="584775"/>
+          </a:xfrm>
+          <a:prstGeom prst="rect">
+            <a:avLst/>
+          </a:prstGeom>
+        </p:spPr>
+        <p:style>
+          <a:lnRef idx="0">
+            <a:schemeClr val="dk1"/>
+          </a:lnRef>
+          <a:fillRef idx="3">
+            <a:schemeClr val="dk1"/>
+          </a:fillRef>
+          <a:effectRef idx="3">
+            <a:schemeClr val="dk1"/>
+          </a:effectRef>
+          <a:fontRef idx="minor">
+            <a:schemeClr val="lt1"/>
+          </a:fontRef>
+        </p:style>
+        <p:txBody>
+          <a:bodyPr wrap="square" rtlCol="0">
+            <a:spAutoFit/>
+          </a:bodyPr>
+          <a:lstStyle/>
+          <a:p>
+            <a:r>
+              <a:rPr lang="en-US" sz="1600" dirty="0" smtClean="0">
+                <a:latin typeface="Consolas" panose="020B0609020204030204" pitchFamily="49" charset="0"/>
+                <a:cs typeface="Consolas" panose="020B0609020204030204" pitchFamily="49" charset="0"/>
+              </a:rPr>
+              <a:t>$(</a:t>
+            </a:r>
+            <a:r>
+              <a:rPr lang="en-US" sz="1600" dirty="0" smtClean="0">
+                <a:solidFill>
+                  <a:schemeClr val="accent3"/>
+                </a:solidFill>
+                <a:latin typeface="Consolas" panose="020B0609020204030204" pitchFamily="49" charset="0"/>
+                <a:cs typeface="Consolas" panose="020B0609020204030204" pitchFamily="49" charset="0"/>
+              </a:rPr>
+              <a:t>'.new'</a:t>
+            </a:r>
+            <a:r>
+              <a:rPr lang="en-US" sz="1600" dirty="0" smtClean="0">
+                <a:latin typeface="Consolas" panose="020B0609020204030204" pitchFamily="49" charset="0"/>
+                <a:cs typeface="Consolas" panose="020B0609020204030204" pitchFamily="49" charset="0"/>
+              </a:rPr>
+              <a:t>).</a:t>
+            </a:r>
+            <a:r>
+              <a:rPr lang="en-US" sz="1600" dirty="0" err="1" smtClean="0">
+                <a:latin typeface="Consolas" panose="020B0609020204030204" pitchFamily="49" charset="0"/>
+                <a:cs typeface="Consolas" panose="020B0609020204030204" pitchFamily="49" charset="0"/>
+              </a:rPr>
+              <a:t>replaceAll</a:t>
+            </a:r>
+            <a:r>
+              <a:rPr lang="en-US" sz="1600" dirty="0" smtClean="0">
+                <a:latin typeface="Consolas" panose="020B0609020204030204" pitchFamily="49" charset="0"/>
+                <a:cs typeface="Consolas" panose="020B0609020204030204" pitchFamily="49" charset="0"/>
+              </a:rPr>
+              <a:t>(</a:t>
+            </a:r>
+            <a:r>
+              <a:rPr lang="en-US" sz="1600" dirty="0" smtClean="0">
+                <a:solidFill>
+                  <a:schemeClr val="accent3"/>
+                </a:solidFill>
+                <a:latin typeface="Consolas" panose="020B0609020204030204" pitchFamily="49" charset="0"/>
+                <a:cs typeface="Consolas" panose="020B0609020204030204" pitchFamily="49" charset="0"/>
+              </a:rPr>
+              <a:t>'.old'</a:t>
+            </a:r>
+            <a:r>
+              <a:rPr lang="en-US" sz="1600" dirty="0" smtClean="0">
+                <a:solidFill>
+                  <a:schemeClr val="bg1"/>
+                </a:solidFill>
+                <a:latin typeface="Consolas" panose="020B0609020204030204" pitchFamily="49" charset="0"/>
+                <a:cs typeface="Consolas" panose="020B0609020204030204" pitchFamily="49" charset="0"/>
+              </a:rPr>
+              <a:t>);</a:t>
+            </a:r>
+          </a:p>
+          <a:p>
+            <a:r>
+              <a:rPr lang="en-US" sz="1600" dirty="0" smtClean="0">
+                <a:latin typeface="Consolas" panose="020B0609020204030204" pitchFamily="49" charset="0"/>
+                <a:cs typeface="Consolas" panose="020B0609020204030204" pitchFamily="49" charset="0"/>
+              </a:rPr>
+              <a:t>$(</a:t>
+            </a:r>
+            <a:r>
+              <a:rPr lang="en-US" sz="1600" dirty="0" smtClean="0">
+                <a:solidFill>
+                  <a:schemeClr val="accent3"/>
+                </a:solidFill>
+                <a:latin typeface="Consolas" panose="020B0609020204030204" pitchFamily="49" charset="0"/>
+                <a:cs typeface="Consolas" panose="020B0609020204030204" pitchFamily="49" charset="0"/>
+              </a:rPr>
+              <a:t>'.old'</a:t>
+            </a:r>
+            <a:r>
+              <a:rPr lang="en-US" sz="1600" dirty="0" smtClean="0">
+                <a:latin typeface="Consolas" panose="020B0609020204030204" pitchFamily="49" charset="0"/>
+                <a:cs typeface="Consolas" panose="020B0609020204030204" pitchFamily="49" charset="0"/>
+              </a:rPr>
+              <a:t>).</a:t>
+            </a:r>
+            <a:r>
+              <a:rPr lang="en-US" sz="1600" dirty="0" err="1" smtClean="0">
+                <a:latin typeface="Consolas" panose="020B0609020204030204" pitchFamily="49" charset="0"/>
+                <a:cs typeface="Consolas" panose="020B0609020204030204" pitchFamily="49" charset="0"/>
+              </a:rPr>
+              <a:t>replaceWith</a:t>
+            </a:r>
+            <a:r>
+              <a:rPr lang="en-US" sz="1600" dirty="0" smtClean="0">
+                <a:latin typeface="Consolas" panose="020B0609020204030204" pitchFamily="49" charset="0"/>
+                <a:cs typeface="Consolas" panose="020B0609020204030204" pitchFamily="49" charset="0"/>
+              </a:rPr>
+              <a:t>(</a:t>
+            </a:r>
+            <a:r>
+              <a:rPr lang="en-US" sz="1600" dirty="0" smtClean="0">
+                <a:solidFill>
+                  <a:schemeClr val="accent3"/>
+                </a:solidFill>
+                <a:latin typeface="Consolas" panose="020B0609020204030204" pitchFamily="49" charset="0"/>
+                <a:cs typeface="Consolas" panose="020B0609020204030204" pitchFamily="49" charset="0"/>
+              </a:rPr>
+              <a:t>'.new'</a:t>
+            </a:r>
+            <a:r>
+              <a:rPr lang="en-US" sz="1600" dirty="0" smtClean="0">
+                <a:solidFill>
+                  <a:schemeClr val="bg1"/>
+                </a:solidFill>
+                <a:latin typeface="Consolas" panose="020B0609020204030204" pitchFamily="49" charset="0"/>
+                <a:cs typeface="Consolas" panose="020B0609020204030204" pitchFamily="49" charset="0"/>
+              </a:rPr>
+              <a:t>);</a:t>
+            </a:r>
+            <a:endParaRPr lang="en-US" sz="1600" dirty="0">
+              <a:solidFill>
+                <a:schemeClr val="bg1"/>
+              </a:solidFill>
+              <a:latin typeface="Consolas" panose="020B0609020204030204" pitchFamily="49" charset="0"/>
+              <a:cs typeface="Consolas" panose="020B0609020204030204" pitchFamily="49" charset="0"/>
+            </a:endParaRPr>
+          </a:p>
+        </p:txBody>
+      </p:sp>
+      <p:sp>
+        <p:nvSpPr>
+          <p:cNvPr id="10" name="TextBox 9"/>
+          <p:cNvSpPr txBox="1"/>
+          <p:nvPr/>
+        </p:nvSpPr>
+        <p:spPr>
+          <a:xfrm>
+            <a:off x="685800" y="4419600"/>
+            <a:ext cx="3581400" cy="584775"/>
+          </a:xfrm>
+          <a:prstGeom prst="rect">
+            <a:avLst/>
+          </a:prstGeom>
+        </p:spPr>
+        <p:style>
+          <a:lnRef idx="0">
+            <a:schemeClr val="dk1"/>
+          </a:lnRef>
+          <a:fillRef idx="3">
+            <a:schemeClr val="dk1"/>
+          </a:fillRef>
+          <a:effectRef idx="3">
+            <a:schemeClr val="dk1"/>
+          </a:effectRef>
+          <a:fontRef idx="minor">
+            <a:schemeClr val="lt1"/>
+          </a:fontRef>
+        </p:style>
+        <p:txBody>
+          <a:bodyPr wrap="square" rtlCol="0">
+            <a:spAutoFit/>
+          </a:bodyPr>
+          <a:lstStyle/>
+          <a:p>
+            <a:r>
+              <a:rPr lang="en-US" sz="1600" dirty="0" err="1" smtClean="0">
+                <a:latin typeface="Consolas" panose="020B0609020204030204" pitchFamily="49" charset="0"/>
+                <a:cs typeface="Consolas" panose="020B0609020204030204" pitchFamily="49" charset="0"/>
+              </a:rPr>
+              <a:t>parent.text</a:t>
+            </a:r>
+            <a:r>
+              <a:rPr lang="en-US" sz="1600" dirty="0" smtClean="0">
+                <a:latin typeface="Consolas" panose="020B0609020204030204" pitchFamily="49" charset="0"/>
+                <a:cs typeface="Consolas" panose="020B0609020204030204" pitchFamily="49" charset="0"/>
+              </a:rPr>
+              <a:t>(</a:t>
+            </a:r>
+            <a:r>
+              <a:rPr lang="en-US" sz="1600" dirty="0" smtClean="0">
+                <a:solidFill>
+                  <a:schemeClr val="accent3"/>
+                </a:solidFill>
+                <a:latin typeface="Consolas" panose="020B0609020204030204" pitchFamily="49" charset="0"/>
+                <a:cs typeface="Consolas" panose="020B0609020204030204" pitchFamily="49" charset="0"/>
+              </a:rPr>
+              <a:t>'&lt;escaped html&gt;'</a:t>
+            </a:r>
+            <a:r>
+              <a:rPr lang="en-US" sz="1600" dirty="0" smtClean="0">
+                <a:solidFill>
+                  <a:schemeClr val="bg1"/>
+                </a:solidFill>
+                <a:latin typeface="Consolas" panose="020B0609020204030204" pitchFamily="49" charset="0"/>
+                <a:cs typeface="Consolas" panose="020B0609020204030204" pitchFamily="49" charset="0"/>
+              </a:rPr>
+              <a:t>);</a:t>
+            </a:r>
+            <a:endParaRPr lang="en-US" sz="1600" dirty="0" smtClean="0">
+              <a:solidFill>
+                <a:schemeClr val="bg1"/>
+              </a:solidFill>
+              <a:latin typeface="Consolas" panose="020B0609020204030204" pitchFamily="49" charset="0"/>
+              <a:cs typeface="Consolas" panose="020B0609020204030204" pitchFamily="49" charset="0"/>
+            </a:endParaRPr>
+          </a:p>
+          <a:p>
+            <a:r>
+              <a:rPr lang="en-US" sz="1600" dirty="0" smtClean="0">
+                <a:latin typeface="Consolas" panose="020B0609020204030204" pitchFamily="49" charset="0"/>
+                <a:cs typeface="Consolas" panose="020B0609020204030204" pitchFamily="49" charset="0"/>
+              </a:rPr>
+              <a:t>parent.html(</a:t>
+            </a:r>
+            <a:r>
+              <a:rPr lang="en-US" sz="1600" dirty="0" smtClean="0">
+                <a:solidFill>
+                  <a:schemeClr val="accent3"/>
+                </a:solidFill>
+                <a:latin typeface="Consolas" panose="020B0609020204030204" pitchFamily="49" charset="0"/>
+                <a:cs typeface="Consolas" panose="020B0609020204030204" pitchFamily="49" charset="0"/>
+              </a:rPr>
+              <a:t>'</a:t>
+            </a:r>
+            <a:r>
+              <a:rPr lang="en-US" sz="1600" dirty="0" err="1" smtClean="0">
+                <a:solidFill>
+                  <a:schemeClr val="accent3"/>
+                </a:solidFill>
+                <a:latin typeface="Consolas" panose="020B0609020204030204" pitchFamily="49" charset="0"/>
+                <a:cs typeface="Consolas" panose="020B0609020204030204" pitchFamily="49" charset="0"/>
+              </a:rPr>
+              <a:t>raw&amp;nbsp;html</a:t>
+            </a:r>
+            <a:r>
+              <a:rPr lang="en-US" sz="1600" dirty="0" smtClean="0">
+                <a:solidFill>
+                  <a:schemeClr val="accent3"/>
+                </a:solidFill>
+                <a:latin typeface="Consolas" panose="020B0609020204030204" pitchFamily="49" charset="0"/>
+                <a:cs typeface="Consolas" panose="020B0609020204030204" pitchFamily="49" charset="0"/>
+              </a:rPr>
+              <a:t>'</a:t>
+            </a:r>
+            <a:r>
+              <a:rPr lang="en-US" sz="1600" dirty="0" smtClean="0">
+                <a:latin typeface="Consolas" panose="020B0609020204030204" pitchFamily="49" charset="0"/>
+                <a:cs typeface="Consolas" panose="020B0609020204030204" pitchFamily="49" charset="0"/>
+              </a:rPr>
+              <a:t>);</a:t>
+            </a:r>
+            <a:endParaRPr lang="en-US" sz="1600" dirty="0">
+              <a:solidFill>
+                <a:schemeClr val="bg1"/>
+              </a:solidFill>
+              <a:latin typeface="Consolas" panose="020B0609020204030204" pitchFamily="49" charset="0"/>
+              <a:cs typeface="Consolas" panose="020B0609020204030204" pitchFamily="49" charset="0"/>
+            </a:endParaRPr>
           </a:p>
         </p:txBody>
       </p:sp>
     </p:spTree>
     <p:extLst>
       <p:ext uri="{BB962C8B-B14F-4D97-AF65-F5344CB8AC3E}">
-        <p14:creationId xmlns:p14="http://schemas.microsoft.com/office/powerpoint/2010/main" val="624932043"/>
+        <p14:creationId xmlns:p14="http://schemas.microsoft.com/office/powerpoint/2010/main" val="2182222446"/>
+      </p:ext>
+    </p:extLst>
+  </p:cSld>
+  <p:clrMapOvr>
+    <a:masterClrMapping/>
+  </p:clrMapOvr>
+  <p:timing>
+    <p:tnLst>
+      <p:par>
+        <p:cTn id="1" dur="indefinite" restart="never" nodeType="tmRoot"/>
+      </p:par>
+    </p:tnLst>
+  </p:timing>
+</p:sld>
+</file>
+
+<file path=ppt/slides/slide15.xml><?xml version="1.0" encoding="utf-8"?>
+<p:sld xmlns:a="http://schemas.openxmlformats.org/drawingml/2006/main" xmlns:r="http://schemas.openxmlformats.org/officeDocument/2006/relationships" xmlns:p="http://schemas.openxmlformats.org/presentationml/2006/main">
+  <p:cSld>
+    <p:spTree>
+      <p:nvGrpSpPr>
+        <p:cNvPr id="1" name=""/>
+        <p:cNvGrpSpPr/>
+        <p:nvPr/>
+      </p:nvGrpSpPr>
+      <p:grpSpPr>
+        <a:xfrm>
+          <a:off x="0" y="0"/>
+          <a:ext cx="0" cy="0"/>
+          <a:chOff x="0" y="0"/>
+          <a:chExt cx="0" cy="0"/>
+        </a:xfrm>
+      </p:grpSpPr>
+      <p:sp>
+        <p:nvSpPr>
+          <p:cNvPr id="2" name="Content Placeholder 1"/>
+          <p:cNvSpPr>
+            <a:spLocks noGrp="1"/>
+          </p:cNvSpPr>
+          <p:nvPr>
+            <p:ph idx="1"/>
+          </p:nvPr>
+        </p:nvSpPr>
+        <p:spPr/>
+        <p:txBody>
+          <a:bodyPr/>
+          <a:lstStyle/>
+          <a:p>
+            <a:r>
+              <a:rPr lang="en-US" dirty="0" smtClean="0"/>
+              <a:t>.</a:t>
+            </a:r>
+            <a:endParaRPr lang="en-US" dirty="0"/>
+          </a:p>
+        </p:txBody>
+      </p:sp>
+      <p:sp>
+        <p:nvSpPr>
+          <p:cNvPr id="3" name="Title 2"/>
+          <p:cNvSpPr>
+            <a:spLocks noGrp="1"/>
+          </p:cNvSpPr>
+          <p:nvPr>
+            <p:ph type="title"/>
+          </p:nvPr>
+        </p:nvSpPr>
+        <p:spPr/>
+        <p:txBody>
+          <a:bodyPr/>
+          <a:lstStyle/>
+          <a:p>
+            <a:r>
+              <a:rPr lang="en-US" dirty="0"/>
+              <a:t>.</a:t>
+            </a:r>
+          </a:p>
+        </p:txBody>
+      </p:sp>
+    </p:spTree>
+    <p:extLst>
+      <p:ext uri="{BB962C8B-B14F-4D97-AF65-F5344CB8AC3E}">
+        <p14:creationId xmlns:p14="http://schemas.microsoft.com/office/powerpoint/2010/main" val="3725613058"/>
       </p:ext>
     </p:extLst>
   </p:cSld>
@@ -6911,12 +8443,18 @@
           <a:p>
             <a:pPr algn="ctr"/>
             <a:r>
-              <a:rPr lang="en-US" sz="2400" dirty="0">
+              <a:rPr lang="en-US" sz="2000" dirty="0">
                 <a:latin typeface="Berlin Sans FB Demi" panose="020E0802020502020306" pitchFamily="34" charset="0"/>
               </a:rPr>
-              <a:t>Part One:</a:t>
-            </a:r>
-            <a:endParaRPr lang="en-US" sz="2400" dirty="0">
+              <a:t>Part </a:t>
+            </a:r>
+            <a:r>
+              <a:rPr lang="en-US" sz="2000" dirty="0" smtClean="0">
+                <a:latin typeface="Berlin Sans FB Demi" panose="020E0802020502020306" pitchFamily="34" charset="0"/>
+              </a:rPr>
+              <a:t>One:</a:t>
+            </a:r>
+            <a:endParaRPr lang="en-US" sz="2000" dirty="0">
               <a:latin typeface="Berlin Sans FB Demi" panose="020E0802020502020306" pitchFamily="34" charset="0"/>
             </a:endParaRPr>
           </a:p>
@@ -7028,8 +8566,8 @@
         </p:nvSpPr>
         <p:spPr>
           <a:xfrm>
-            <a:off x="457200" y="2667001"/>
-            <a:ext cx="8229600" cy="2514599"/>
+            <a:off x="457200" y="3124201"/>
+            <a:ext cx="8229600" cy="2895599"/>
           </a:xfrm>
           <a:solidFill>
             <a:schemeClr val="bg1">
@@ -7099,23 +8637,14 @@
             </a:pPr>
             <a:r>
               <a:rPr lang="en-US" sz="2400" dirty="0" smtClean="0"/>
-              <a:t>Number of parameters is not </a:t>
-            </a:r>
-            <a:r>
-              <a:rPr lang="en-US" sz="2400" dirty="0" smtClean="0"/>
-              <a:t>constrained</a:t>
-            </a:r>
-            <a:endParaRPr lang="en-US" sz="2400" dirty="0" smtClean="0"/>
+              <a:t>Number of parameters is not constrained</a:t>
+            </a:r>
           </a:p>
           <a:p>
             <a:pPr lvl="1"/>
             <a:r>
               <a:rPr lang="en-US" sz="1800" dirty="0" smtClean="0"/>
-              <a:t>Allowed to </a:t>
-            </a:r>
-            <a:r>
-              <a:rPr lang="en-US" sz="1800" dirty="0" smtClean="0"/>
-              <a:t>pass more or fewer parameters than specified</a:t>
+              <a:t>Allowed to pass more or fewer parameters than specified</a:t>
             </a:r>
           </a:p>
           <a:p>
@@ -7136,16 +8665,32 @@
             </a:r>
             <a:r>
               <a:rPr lang="en-US" sz="1800" dirty="0" smtClean="0"/>
-              <a:t> </a:t>
+              <a:t> to access all parameters from within a </a:t>
             </a:r>
             <a:r>
               <a:rPr lang="en-US" sz="1800" dirty="0" smtClean="0"/>
-              <a:t>to </a:t>
-            </a:r>
-            <a:r>
-              <a:rPr lang="en-US" sz="1800" dirty="0" smtClean="0"/>
-              <a:t>access all parameters from within a function</a:t>
-            </a:r>
+              <a:t>function</a:t>
+            </a:r>
+          </a:p>
+          <a:p>
+            <a:pPr>
+              <a:spcBef>
+                <a:spcPts val="1200"/>
+              </a:spcBef>
+            </a:pPr>
+            <a:r>
+              <a:rPr lang="en-US" sz="2400" dirty="0" smtClean="0"/>
+              <a:t>Named functions </a:t>
+            </a:r>
+            <a:r>
+              <a:rPr lang="en-US" sz="2000" dirty="0" smtClean="0"/>
+              <a:t>vs</a:t>
+            </a:r>
+            <a:r>
+              <a:rPr lang="en-US" sz="2400" dirty="0" smtClean="0"/>
+              <a:t> anonymous functions</a:t>
+            </a:r>
+            <a:endParaRPr lang="en-US" sz="2000" dirty="0" smtClean="0"/>
           </a:p>
         </p:txBody>
       </p:sp>
@@ -7168,7 +8713,7 @@
               <a:rPr lang="en-US" dirty="0" smtClean="0">
                 <a:latin typeface="Berlin Sans FB Demi" panose="020E0802020502020306" pitchFamily="34" charset="0"/>
               </a:rPr>
-              <a:t>JS Functions</a:t>
+              <a:t>Functions</a:t>
             </a:r>
             <a:endParaRPr lang="en-US" dirty="0">
               <a:latin typeface="Berlin Sans FB Demi" panose="020E0802020502020306" pitchFamily="34" charset="0"/>
@@ -7185,7 +8730,7 @@
         <p:spPr>
           <a:xfrm>
             <a:off x="457200" y="1295400"/>
-            <a:ext cx="8229600" cy="1200329"/>
+            <a:ext cx="8229600" cy="1754326"/>
           </a:xfrm>
           <a:prstGeom prst="rect">
             <a:avLst/>
@@ -7212,202 +8757,64 @@
           <a:lstStyle/>
           <a:p>
             <a:r>
+              <a:rPr lang="en-US" dirty="0" err="1">
+                <a:solidFill>
+                  <a:schemeClr val="accent1"/>
+                </a:solidFill>
+                <a:latin typeface="Consolas" panose="020B0609020204030204" pitchFamily="49" charset="0"/>
+                <a:cs typeface="Consolas" panose="020B0609020204030204" pitchFamily="49" charset="0"/>
+              </a:rPr>
+              <a:t>var</a:t>
+            </a:r>
+            <a:r>
+              <a:rPr lang="en-US" dirty="0">
+                <a:solidFill>
+                  <a:schemeClr val="accent1"/>
+                </a:solidFill>
+                <a:latin typeface="Consolas" panose="020B0609020204030204" pitchFamily="49" charset="0"/>
+                <a:cs typeface="Consolas" panose="020B0609020204030204" pitchFamily="49" charset="0"/>
+              </a:rPr>
+              <a:t> </a:t>
+            </a:r>
+            <a:r>
+              <a:rPr lang="en-US" dirty="0" err="1" smtClean="0">
+                <a:solidFill>
+                  <a:schemeClr val="bg1"/>
+                </a:solidFill>
+                <a:latin typeface="Consolas" panose="020B0609020204030204" pitchFamily="49" charset="0"/>
+                <a:cs typeface="Consolas" panose="020B0609020204030204" pitchFamily="49" charset="0"/>
+              </a:rPr>
+              <a:t>someAlias</a:t>
+            </a:r>
+            <a:r>
               <a:rPr lang="en-US" dirty="0" smtClean="0">
                 <a:solidFill>
-                  <a:schemeClr val="accent1"/>
-                </a:solidFill>
-                <a:latin typeface="Consolas" panose="020B0609020204030204" pitchFamily="49" charset="0"/>
-                <a:cs typeface="Consolas" panose="020B0609020204030204" pitchFamily="49" charset="0"/>
-              </a:rPr>
-              <a:t>function</a:t>
+                  <a:schemeClr val="bg1"/>
+                </a:solidFill>
+                <a:latin typeface="Consolas" panose="020B0609020204030204" pitchFamily="49" charset="0"/>
+                <a:cs typeface="Consolas" panose="020B0609020204030204" pitchFamily="49" charset="0"/>
+              </a:rPr>
+              <a:t> = </a:t>
+            </a:r>
+            <a:r>
+              <a:rPr lang="en-US" dirty="0" err="1">
+                <a:solidFill>
+                  <a:schemeClr val="bg1"/>
+                </a:solidFill>
+                <a:latin typeface="Consolas" panose="020B0609020204030204" pitchFamily="49" charset="0"/>
+                <a:cs typeface="Consolas" panose="020B0609020204030204" pitchFamily="49" charset="0"/>
+              </a:rPr>
+              <a:t>someFunction</a:t>
             </a:r>
             <a:r>
               <a:rPr lang="en-US" dirty="0" smtClean="0">
-                <a:latin typeface="Consolas" panose="020B0609020204030204" pitchFamily="49" charset="0"/>
-                <a:cs typeface="Consolas" panose="020B0609020204030204" pitchFamily="49" charset="0"/>
-              </a:rPr>
-              <a:t> </a:t>
-            </a:r>
-            <a:r>
-              <a:rPr lang="en-US" dirty="0" err="1" smtClean="0">
                 <a:solidFill>
                   <a:schemeClr val="bg1"/>
                 </a:solidFill>
                 <a:latin typeface="Consolas" panose="020B0609020204030204" pitchFamily="49" charset="0"/>
                 <a:cs typeface="Consolas" panose="020B0609020204030204" pitchFamily="49" charset="0"/>
               </a:rPr>
-              <a:t>myFunc</a:t>
-            </a:r>
-            <a:r>
-              <a:rPr lang="en-US" dirty="0" smtClean="0">
-                <a:solidFill>
-                  <a:schemeClr val="bg1"/>
-                </a:solidFill>
-                <a:latin typeface="Consolas" panose="020B0609020204030204" pitchFamily="49" charset="0"/>
-                <a:cs typeface="Consolas" panose="020B0609020204030204" pitchFamily="49" charset="0"/>
-              </a:rPr>
-              <a:t>(arg1, arg2) </a:t>
-            </a:r>
-            <a:r>
-              <a:rPr lang="en-US" dirty="0" smtClean="0">
-                <a:solidFill>
-                  <a:schemeClr val="bg1"/>
-                </a:solidFill>
-                <a:latin typeface="Consolas" panose="020B0609020204030204" pitchFamily="49" charset="0"/>
-                <a:cs typeface="Consolas" panose="020B0609020204030204" pitchFamily="49" charset="0"/>
-              </a:rPr>
-              <a:t>{</a:t>
-            </a:r>
-          </a:p>
-          <a:p>
-            <a:r>
-              <a:rPr lang="en-US" dirty="0">
-                <a:solidFill>
-                  <a:schemeClr val="bg1"/>
-                </a:solidFill>
-                <a:latin typeface="Consolas" panose="020B0609020204030204" pitchFamily="49" charset="0"/>
-                <a:cs typeface="Consolas" panose="020B0609020204030204" pitchFamily="49" charset="0"/>
-              </a:rPr>
-              <a:t> </a:t>
-            </a:r>
-            <a:r>
-              <a:rPr lang="en-US" dirty="0" smtClean="0">
-                <a:solidFill>
-                  <a:schemeClr val="bg1"/>
-                </a:solidFill>
-                <a:latin typeface="Consolas" panose="020B0609020204030204" pitchFamily="49" charset="0"/>
-                <a:cs typeface="Consolas" panose="020B0609020204030204" pitchFamily="49" charset="0"/>
-              </a:rPr>
-              <a:t>   console.log(last3Args);</a:t>
-            </a:r>
-            <a:endParaRPr lang="en-US" dirty="0" smtClean="0">
-              <a:solidFill>
-                <a:schemeClr val="bg1"/>
-              </a:solidFill>
-              <a:latin typeface="Consolas" panose="020B0609020204030204" pitchFamily="49" charset="0"/>
-              <a:cs typeface="Consolas" panose="020B0609020204030204" pitchFamily="49" charset="0"/>
-            </a:endParaRPr>
-          </a:p>
-          <a:p>
-            <a:r>
-              <a:rPr lang="en-US" dirty="0">
-                <a:latin typeface="Consolas" panose="020B0609020204030204" pitchFamily="49" charset="0"/>
-                <a:cs typeface="Consolas" panose="020B0609020204030204" pitchFamily="49" charset="0"/>
-              </a:rPr>
-              <a:t> </a:t>
-            </a:r>
-            <a:r>
-              <a:rPr lang="en-US" dirty="0" smtClean="0">
-                <a:latin typeface="Consolas" panose="020B0609020204030204" pitchFamily="49" charset="0"/>
-                <a:cs typeface="Consolas" panose="020B0609020204030204" pitchFamily="49" charset="0"/>
-              </a:rPr>
-              <a:t>   </a:t>
-            </a:r>
-            <a:r>
-              <a:rPr lang="en-US" dirty="0" err="1" smtClean="0">
-                <a:solidFill>
-                  <a:schemeClr val="accent1"/>
-                </a:solidFill>
-                <a:latin typeface="Consolas" panose="020B0609020204030204" pitchFamily="49" charset="0"/>
-                <a:cs typeface="Consolas" panose="020B0609020204030204" pitchFamily="49" charset="0"/>
-              </a:rPr>
-              <a:t>var</a:t>
-            </a:r>
-            <a:r>
-              <a:rPr lang="en-US" dirty="0" smtClean="0">
-                <a:latin typeface="Consolas" panose="020B0609020204030204" pitchFamily="49" charset="0"/>
-                <a:cs typeface="Consolas" panose="020B0609020204030204" pitchFamily="49" charset="0"/>
-              </a:rPr>
-              <a:t> last3Args = </a:t>
-            </a:r>
-            <a:r>
-              <a:rPr lang="en-US" dirty="0" smtClean="0">
-                <a:solidFill>
-                  <a:schemeClr val="bg1"/>
-                </a:solidFill>
-                <a:latin typeface="Consolas" panose="020B0609020204030204" pitchFamily="49" charset="0"/>
-                <a:cs typeface="Consolas" panose="020B0609020204030204" pitchFamily="49" charset="0"/>
-              </a:rPr>
-              <a:t>[]</a:t>
-            </a:r>
-            <a:r>
-              <a:rPr lang="en-US" dirty="0" smtClean="0">
-                <a:latin typeface="Consolas" panose="020B0609020204030204" pitchFamily="49" charset="0"/>
-                <a:cs typeface="Consolas" panose="020B0609020204030204" pitchFamily="49" charset="0"/>
-              </a:rPr>
-              <a:t>.</a:t>
-            </a:r>
-            <a:r>
-              <a:rPr lang="en-US" dirty="0" err="1" smtClean="0">
-                <a:solidFill>
-                  <a:schemeClr val="bg1"/>
-                </a:solidFill>
-                <a:latin typeface="Consolas" panose="020B0609020204030204" pitchFamily="49" charset="0"/>
-                <a:cs typeface="Consolas" panose="020B0609020204030204" pitchFamily="49" charset="0"/>
-              </a:rPr>
-              <a:t>slice.call</a:t>
-            </a:r>
-            <a:r>
-              <a:rPr lang="en-US" dirty="0" smtClean="0">
-                <a:solidFill>
-                  <a:schemeClr val="bg1"/>
-                </a:solidFill>
-                <a:latin typeface="Consolas" panose="020B0609020204030204" pitchFamily="49" charset="0"/>
-                <a:cs typeface="Consolas" panose="020B0609020204030204" pitchFamily="49" charset="0"/>
-              </a:rPr>
-              <a:t>(</a:t>
-            </a:r>
-            <a:r>
-              <a:rPr lang="en-US" dirty="0" smtClean="0">
-                <a:solidFill>
-                  <a:schemeClr val="accent1"/>
-                </a:solidFill>
-                <a:latin typeface="Consolas" panose="020B0609020204030204" pitchFamily="49" charset="0"/>
-                <a:cs typeface="Consolas" panose="020B0609020204030204" pitchFamily="49" charset="0"/>
-              </a:rPr>
-              <a:t>arguments</a:t>
-            </a:r>
-            <a:r>
-              <a:rPr lang="en-US" dirty="0" smtClean="0">
-                <a:solidFill>
-                  <a:schemeClr val="bg1"/>
-                </a:solidFill>
-                <a:latin typeface="Consolas" panose="020B0609020204030204" pitchFamily="49" charset="0"/>
-                <a:cs typeface="Consolas" panose="020B0609020204030204" pitchFamily="49" charset="0"/>
-              </a:rPr>
-              <a:t>, </a:t>
-            </a:r>
-            <a:r>
-              <a:rPr lang="en-US" dirty="0" smtClean="0">
-                <a:solidFill>
-                  <a:srgbClr val="FFC000"/>
-                </a:solidFill>
-                <a:latin typeface="Consolas" panose="020B0609020204030204" pitchFamily="49" charset="0"/>
-                <a:cs typeface="Consolas" panose="020B0609020204030204" pitchFamily="49" charset="0"/>
-              </a:rPr>
-              <a:t>3</a:t>
-            </a:r>
-            <a:r>
-              <a:rPr lang="en-US" dirty="0" smtClean="0">
-                <a:solidFill>
-                  <a:schemeClr val="bg1"/>
-                </a:solidFill>
-                <a:latin typeface="Consolas" panose="020B0609020204030204" pitchFamily="49" charset="0"/>
-                <a:cs typeface="Consolas" panose="020B0609020204030204" pitchFamily="49" charset="0"/>
-              </a:rPr>
-              <a:t>);</a:t>
-            </a:r>
-          </a:p>
-          <a:p>
-            <a:r>
-              <a:rPr lang="en-US" dirty="0" smtClean="0">
-                <a:solidFill>
-                  <a:schemeClr val="bg1"/>
-                </a:solidFill>
-                <a:latin typeface="Consolas" panose="020B0609020204030204" pitchFamily="49" charset="0"/>
-                <a:cs typeface="Consolas" panose="020B0609020204030204" pitchFamily="49" charset="0"/>
-              </a:rPr>
-              <a:t>}</a:t>
+              <a:t>;</a:t>
             </a:r>
             <a:endParaRPr lang="en-US" dirty="0">
               <a:solidFill>
@@ -7416,6 +8823,228 @@
               <a:latin typeface="Consolas" panose="020B0609020204030204" pitchFamily="49" charset="0"/>
               <a:cs typeface="Consolas" panose="020B0609020204030204" pitchFamily="49" charset="0"/>
             </a:endParaRPr>
+          </a:p>
+          <a:p>
+            <a:endParaRPr lang="en-US" dirty="0" smtClean="0">
+              <a:solidFill>
+                <a:schemeClr val="accent1"/>
+              </a:solidFill>
+              <a:latin typeface="Consolas" panose="020B0609020204030204" pitchFamily="49" charset="0"/>
+              <a:cs typeface="Consolas" panose="020B0609020204030204" pitchFamily="49" charset="0"/>
+            </a:endParaRPr>
+          </a:p>
+          <a:p>
+            <a:r>
+              <a:rPr lang="en-US" dirty="0" smtClean="0">
+                <a:solidFill>
+                  <a:schemeClr val="accent1"/>
+                </a:solidFill>
+                <a:latin typeface="Consolas" panose="020B0609020204030204" pitchFamily="49" charset="0"/>
+                <a:cs typeface="Consolas" panose="020B0609020204030204" pitchFamily="49" charset="0"/>
+              </a:rPr>
+              <a:t>function</a:t>
+            </a:r>
+            <a:r>
+              <a:rPr lang="en-US" dirty="0" smtClean="0">
+                <a:latin typeface="Consolas" panose="020B0609020204030204" pitchFamily="49" charset="0"/>
+                <a:cs typeface="Consolas" panose="020B0609020204030204" pitchFamily="49" charset="0"/>
+              </a:rPr>
+              <a:t> </a:t>
+            </a:r>
+            <a:r>
+              <a:rPr lang="en-US" dirty="0" err="1" smtClean="0">
+                <a:solidFill>
+                  <a:schemeClr val="bg1"/>
+                </a:solidFill>
+                <a:latin typeface="Consolas" panose="020B0609020204030204" pitchFamily="49" charset="0"/>
+                <a:cs typeface="Consolas" panose="020B0609020204030204" pitchFamily="49" charset="0"/>
+              </a:rPr>
+              <a:t>someFunction</a:t>
+            </a:r>
+            <a:r>
+              <a:rPr lang="en-US" dirty="0" smtClean="0">
+                <a:solidFill>
+                  <a:schemeClr val="bg1"/>
+                </a:solidFill>
+                <a:latin typeface="Consolas" panose="020B0609020204030204" pitchFamily="49" charset="0"/>
+                <a:cs typeface="Consolas" panose="020B0609020204030204" pitchFamily="49" charset="0"/>
+              </a:rPr>
+              <a:t>(arg1</a:t>
+            </a:r>
+            <a:r>
+              <a:rPr lang="en-US" dirty="0" smtClean="0">
+                <a:solidFill>
+                  <a:schemeClr val="bg1"/>
+                </a:solidFill>
+                <a:latin typeface="Consolas" panose="020B0609020204030204" pitchFamily="49" charset="0"/>
+                <a:cs typeface="Consolas" panose="020B0609020204030204" pitchFamily="49" charset="0"/>
+              </a:rPr>
+              <a:t>, arg2) {</a:t>
+            </a:r>
+          </a:p>
+          <a:p>
+            <a:r>
+              <a:rPr lang="en-US" dirty="0">
+                <a:solidFill>
+                  <a:schemeClr val="bg1"/>
+                </a:solidFill>
+                <a:latin typeface="Consolas" panose="020B0609020204030204" pitchFamily="49" charset="0"/>
+                <a:cs typeface="Consolas" panose="020B0609020204030204" pitchFamily="49" charset="0"/>
+              </a:rPr>
+              <a:t> </a:t>
+            </a:r>
+            <a:r>
+              <a:rPr lang="en-US" dirty="0" smtClean="0">
+                <a:solidFill>
+                  <a:schemeClr val="bg1"/>
+                </a:solidFill>
+                <a:latin typeface="Consolas" panose="020B0609020204030204" pitchFamily="49" charset="0"/>
+                <a:cs typeface="Consolas" panose="020B0609020204030204" pitchFamily="49" charset="0"/>
+              </a:rPr>
+              <a:t>   console.log(last3Args</a:t>
+            </a:r>
+            <a:r>
+              <a:rPr lang="en-US" dirty="0" smtClean="0">
+                <a:solidFill>
+                  <a:schemeClr val="bg1"/>
+                </a:solidFill>
+                <a:latin typeface="Consolas" panose="020B0609020204030204" pitchFamily="49" charset="0"/>
+                <a:cs typeface="Consolas" panose="020B0609020204030204" pitchFamily="49" charset="0"/>
+              </a:rPr>
+              <a:t>);</a:t>
+            </a:r>
+            <a:endParaRPr lang="en-US" dirty="0" smtClean="0">
+              <a:solidFill>
+                <a:schemeClr val="tx1">
+                  <a:lumMod val="50000"/>
+                  <a:lumOff val="50000"/>
+                </a:schemeClr>
+              </a:solidFill>
+              <a:latin typeface="Consolas" panose="020B0609020204030204" pitchFamily="49" charset="0"/>
+              <a:cs typeface="Consolas" panose="020B0609020204030204" pitchFamily="49" charset="0"/>
+            </a:endParaRPr>
+          </a:p>
+          <a:p>
+            <a:r>
+              <a:rPr lang="en-US" dirty="0">
+                <a:latin typeface="Consolas" panose="020B0609020204030204" pitchFamily="49" charset="0"/>
+                <a:cs typeface="Consolas" panose="020B0609020204030204" pitchFamily="49" charset="0"/>
+              </a:rPr>
+              <a:t> </a:t>
+            </a:r>
+            <a:r>
+              <a:rPr lang="en-US" dirty="0" smtClean="0">
+                <a:latin typeface="Consolas" panose="020B0609020204030204" pitchFamily="49" charset="0"/>
+                <a:cs typeface="Consolas" panose="020B0609020204030204" pitchFamily="49" charset="0"/>
+              </a:rPr>
+              <a:t>   </a:t>
+            </a:r>
+            <a:r>
+              <a:rPr lang="en-US" dirty="0" err="1" smtClean="0">
+                <a:solidFill>
+                  <a:schemeClr val="accent1"/>
+                </a:solidFill>
+                <a:latin typeface="Consolas" panose="020B0609020204030204" pitchFamily="49" charset="0"/>
+                <a:cs typeface="Consolas" panose="020B0609020204030204" pitchFamily="49" charset="0"/>
+              </a:rPr>
+              <a:t>var</a:t>
+            </a:r>
+            <a:r>
+              <a:rPr lang="en-US" dirty="0" smtClean="0">
+                <a:latin typeface="Consolas" panose="020B0609020204030204" pitchFamily="49" charset="0"/>
+                <a:cs typeface="Consolas" panose="020B0609020204030204" pitchFamily="49" charset="0"/>
+              </a:rPr>
+              <a:t> last3Args = </a:t>
+            </a:r>
+            <a:r>
+              <a:rPr lang="en-US" dirty="0" smtClean="0">
+                <a:solidFill>
+                  <a:schemeClr val="bg1"/>
+                </a:solidFill>
+                <a:latin typeface="Consolas" panose="020B0609020204030204" pitchFamily="49" charset="0"/>
+                <a:cs typeface="Consolas" panose="020B0609020204030204" pitchFamily="49" charset="0"/>
+              </a:rPr>
+              <a:t>[]</a:t>
+            </a:r>
+            <a:r>
+              <a:rPr lang="en-US" dirty="0" smtClean="0">
+                <a:latin typeface="Consolas" panose="020B0609020204030204" pitchFamily="49" charset="0"/>
+                <a:cs typeface="Consolas" panose="020B0609020204030204" pitchFamily="49" charset="0"/>
+              </a:rPr>
+              <a:t>.</a:t>
+            </a:r>
+            <a:r>
+              <a:rPr lang="en-US" dirty="0" err="1" smtClean="0">
+                <a:solidFill>
+                  <a:schemeClr val="bg1"/>
+                </a:solidFill>
+                <a:latin typeface="Consolas" panose="020B0609020204030204" pitchFamily="49" charset="0"/>
+                <a:cs typeface="Consolas" panose="020B0609020204030204" pitchFamily="49" charset="0"/>
+              </a:rPr>
+              <a:t>slice.call</a:t>
+            </a:r>
+            <a:r>
+              <a:rPr lang="en-US" dirty="0" smtClean="0">
+                <a:solidFill>
+                  <a:schemeClr val="bg1"/>
+                </a:solidFill>
+                <a:latin typeface="Consolas" panose="020B0609020204030204" pitchFamily="49" charset="0"/>
+                <a:cs typeface="Consolas" panose="020B0609020204030204" pitchFamily="49" charset="0"/>
+              </a:rPr>
+              <a:t>(</a:t>
+            </a:r>
+            <a:r>
+              <a:rPr lang="en-US" dirty="0" smtClean="0">
+                <a:solidFill>
+                  <a:schemeClr val="accent1"/>
+                </a:solidFill>
+                <a:latin typeface="Consolas" panose="020B0609020204030204" pitchFamily="49" charset="0"/>
+                <a:cs typeface="Consolas" panose="020B0609020204030204" pitchFamily="49" charset="0"/>
+              </a:rPr>
+              <a:t>arguments</a:t>
+            </a:r>
+            <a:r>
+              <a:rPr lang="en-US" dirty="0" smtClean="0">
+                <a:solidFill>
+                  <a:schemeClr val="bg1"/>
+                </a:solidFill>
+                <a:latin typeface="Consolas" panose="020B0609020204030204" pitchFamily="49" charset="0"/>
+                <a:cs typeface="Consolas" panose="020B0609020204030204" pitchFamily="49" charset="0"/>
+              </a:rPr>
+              <a:t>, </a:t>
+            </a:r>
+            <a:r>
+              <a:rPr lang="en-US" dirty="0" smtClean="0">
+                <a:solidFill>
+                  <a:srgbClr val="FFC000"/>
+                </a:solidFill>
+                <a:latin typeface="Consolas" panose="020B0609020204030204" pitchFamily="49" charset="0"/>
+                <a:cs typeface="Consolas" panose="020B0609020204030204" pitchFamily="49" charset="0"/>
+              </a:rPr>
+              <a:t>3</a:t>
+            </a:r>
+            <a:r>
+              <a:rPr lang="en-US" dirty="0" smtClean="0">
+                <a:solidFill>
+                  <a:schemeClr val="bg1"/>
+                </a:solidFill>
+                <a:latin typeface="Consolas" panose="020B0609020204030204" pitchFamily="49" charset="0"/>
+                <a:cs typeface="Consolas" panose="020B0609020204030204" pitchFamily="49" charset="0"/>
+              </a:rPr>
+              <a:t>);</a:t>
+            </a:r>
+          </a:p>
+          <a:p>
+            <a:r>
+              <a:rPr lang="en-US" dirty="0" smtClean="0">
+                <a:solidFill>
+                  <a:schemeClr val="bg1"/>
+                </a:solidFill>
+                <a:latin typeface="Consolas" panose="020B0609020204030204" pitchFamily="49" charset="0"/>
+                <a:cs typeface="Consolas" panose="020B0609020204030204" pitchFamily="49" charset="0"/>
+              </a:rPr>
+              <a:t>}</a:t>
+            </a:r>
           </a:p>
         </p:txBody>
       </p:sp>
@@ -7490,9 +9119,20 @@
           <a:p>
             <a:r>
               <a:rPr lang="en-US" sz="2400" dirty="0" smtClean="0"/>
-              <a:t>No true classes, but any function can be instantiated and used like a class. </a:t>
-            </a:r>
-            <a:endParaRPr lang="en-US" sz="2800" dirty="0"/>
+              <a:t>JS does not have classes in the traditional sense</a:t>
+            </a:r>
+          </a:p>
+          <a:p>
+            <a:pPr lvl="1"/>
+            <a:r>
+              <a:rPr lang="en-US" sz="1800" dirty="0" smtClean="0"/>
+              <a:t>Any </a:t>
+            </a:r>
+            <a:r>
+              <a:rPr lang="en-US" sz="1800" dirty="0" smtClean="0"/>
+              <a:t>function can be instantiated and used like a class. </a:t>
+            </a:r>
+            <a:endParaRPr lang="en-US" sz="2400" dirty="0"/>
           </a:p>
           <a:p>
             <a:pPr lvl="1"/>
@@ -7504,7 +9144,6 @@
               <a:rPr lang="en-US" sz="1800" dirty="0" smtClean="0"/>
               <a:t>class inheritance</a:t>
             </a:r>
-            <a:endParaRPr lang="en-US" sz="1800" dirty="0" smtClean="0"/>
           </a:p>
           <a:p>
             <a:pPr lvl="1"/>
@@ -7518,15 +9157,7 @@
             </a:r>
             <a:r>
               <a:rPr lang="en-US" sz="1800" dirty="0" smtClean="0"/>
-              <a:t> inheritance </a:t>
-            </a:r>
-            <a:r>
-              <a:rPr lang="en-US" sz="1800" dirty="0" smtClean="0"/>
-              <a:t>is fully </a:t>
-            </a:r>
-            <a:r>
-              <a:rPr lang="en-US" sz="1800" dirty="0" smtClean="0"/>
-              <a:t>supported</a:t>
+              <a:t> inheritance is fully supported</a:t>
             </a:r>
           </a:p>
           <a:p>
@@ -7547,11 +9178,7 @@
             </a:r>
             <a:r>
               <a:rPr lang="en-US" sz="1800" dirty="0" smtClean="0"/>
-              <a:t> keyword, though basically just syntactic </a:t>
-            </a:r>
-            <a:r>
-              <a:rPr lang="en-US" sz="1800" dirty="0" smtClean="0"/>
-              <a:t>sugar</a:t>
+              <a:t> keyword, though basically just syntactic sugar</a:t>
             </a:r>
             <a:endParaRPr lang="en-US" sz="1800" dirty="0" smtClean="0">
               <a:solidFill>
@@ -7581,12 +9208,13 @@
             </a:r>
             <a:r>
               <a:rPr lang="en-US" sz="2400" dirty="0" smtClean="0"/>
-              <a:t> can </a:t>
+              <a:t> can change in nested </a:t>
             </a:r>
             <a:r>
               <a:rPr lang="en-US" sz="2400" dirty="0" smtClean="0"/>
-              <a:t>change in nested functions.</a:t>
-            </a:r>
+              <a:t>functions</a:t>
+            </a:r>
+            <a:endParaRPr lang="en-US" sz="2400" dirty="0" smtClean="0"/>
           </a:p>
           <a:p>
             <a:pPr lvl="1"/>
@@ -7606,11 +9234,7 @@
             </a:r>
             <a:r>
               <a:rPr lang="en-US" sz="1800" dirty="0" smtClean="0"/>
-              <a:t> to another variable (e.g. “self”) in top level of a function to use as a fixed point of </a:t>
-            </a:r>
-            <a:r>
-              <a:rPr lang="en-US" sz="1800" dirty="0" smtClean="0"/>
-              <a:t>reference</a:t>
+              <a:t> to another variable (e.g. “self”) in top level of a function to use as a fixed point of reference</a:t>
             </a:r>
           </a:p>
           <a:p>
@@ -7627,19 +9251,19 @@
           <a:p>
             <a:pPr lvl="1"/>
             <a:r>
-              <a:rPr lang="en-US" sz="1600" dirty="0" smtClean="0"/>
-              <a:t>Some tools (e.g. </a:t>
-            </a:r>
-            <a:r>
-              <a:rPr lang="en-US" sz="1600" dirty="0" err="1" smtClean="0"/>
-              <a:t>jslint</a:t>
-            </a:r>
-            <a:r>
-              <a:rPr lang="en-US" sz="1600" dirty="0" smtClean="0"/>
-              <a:t>) will warn of a forgotten </a:t>
-            </a:r>
-            <a:r>
-              <a:rPr lang="en-US" sz="1600" dirty="0" smtClean="0">
+              <a:rPr lang="en-US" sz="1800" dirty="0" smtClean="0"/>
+              <a:t>Some tools </a:t>
+            </a:r>
+            <a:r>
+              <a:rPr lang="en-US" sz="1800" dirty="0" smtClean="0"/>
+              <a:t>will </a:t>
+            </a:r>
+            <a:r>
+              <a:rPr lang="en-US" sz="1800" dirty="0" smtClean="0"/>
+              <a:t>warn of a forgotten </a:t>
+            </a:r>
+            <a:r>
+              <a:rPr lang="en-US" sz="1800" dirty="0" smtClean="0">
                 <a:solidFill>
                   <a:schemeClr val="accent1"/>
                 </a:solidFill>
@@ -7649,10 +9273,18 @@
               <a:t>new</a:t>
             </a:r>
             <a:r>
-              <a:rPr lang="en-US" sz="1600" dirty="0" smtClean="0"/>
-              <a:t> using this convention.</a:t>
-            </a:r>
-            <a:endParaRPr lang="en-US" sz="1600" dirty="0"/>
+              <a:rPr lang="en-US" sz="1800" dirty="0" smtClean="0"/>
+              <a:t> using </a:t>
+            </a:r>
+            <a:r>
+              <a:rPr lang="en-US" sz="1800" dirty="0" smtClean="0"/>
+              <a:t>this </a:t>
+            </a:r>
+            <a:r>
+              <a:rPr lang="en-US" sz="1800" dirty="0" smtClean="0"/>
+              <a:t>convention.</a:t>
+            </a:r>
+            <a:endParaRPr lang="en-US" sz="1800" dirty="0"/>
           </a:p>
         </p:txBody>
       </p:sp>
@@ -7675,7 +9307,7 @@
               <a:rPr lang="en-US" dirty="0" smtClean="0">
                 <a:latin typeface="Berlin Sans FB Demi" panose="020E0802020502020306" pitchFamily="34" charset="0"/>
               </a:rPr>
-              <a:t>JS Classes</a:t>
+              <a:t>Classes</a:t>
             </a:r>
             <a:endParaRPr lang="en-US" dirty="0">
               <a:latin typeface="Berlin Sans FB Demi" panose="020E0802020502020306" pitchFamily="34" charset="0"/>
@@ -7743,10 +9375,8 @@
                 <a:latin typeface="Consolas" panose="020B0609020204030204" pitchFamily="49" charset="0"/>
                 <a:cs typeface="Consolas" panose="020B0609020204030204" pitchFamily="49" charset="0"/>
               </a:rPr>
-              <a:t>Person(name) {</a:t>
-            </a:r>
-          </a:p>
-          <a:p>
+              <a:t>Color(r, g, b) </a:t>
+            </a:r>
             <a:r>
               <a:rPr lang="en-US" dirty="0" smtClean="0">
                 <a:solidFill>
@@ -7755,17 +9385,210 @@
                 <a:latin typeface="Consolas" panose="020B0609020204030204" pitchFamily="49" charset="0"/>
                 <a:cs typeface="Consolas" panose="020B0609020204030204" pitchFamily="49" charset="0"/>
               </a:rPr>
+              <a:t>{</a:t>
+            </a:r>
+          </a:p>
+          <a:p>
+            <a:r>
+              <a:rPr lang="en-US" dirty="0" smtClean="0">
+                <a:solidFill>
+                  <a:schemeClr val="bg1"/>
+                </a:solidFill>
+                <a:latin typeface="Consolas" panose="020B0609020204030204" pitchFamily="49" charset="0"/>
+                <a:cs typeface="Consolas" panose="020B0609020204030204" pitchFamily="49" charset="0"/>
+              </a:rPr>
               <a:t>    </a:t>
             </a:r>
             <a:r>
+              <a:rPr lang="en-US" dirty="0" err="1" smtClean="0">
+                <a:solidFill>
+                  <a:schemeClr val="accent1"/>
+                </a:solidFill>
+                <a:latin typeface="Consolas" panose="020B0609020204030204" pitchFamily="49" charset="0"/>
+                <a:cs typeface="Consolas" panose="020B0609020204030204" pitchFamily="49" charset="0"/>
+              </a:rPr>
+              <a:t>this</a:t>
+            </a:r>
+            <a:r>
+              <a:rPr lang="en-US" dirty="0" err="1" smtClean="0">
+                <a:solidFill>
+                  <a:schemeClr val="bg1"/>
+                </a:solidFill>
+                <a:latin typeface="Consolas" panose="020B0609020204030204" pitchFamily="49" charset="0"/>
+                <a:cs typeface="Consolas" panose="020B0609020204030204" pitchFamily="49" charset="0"/>
+              </a:rPr>
+              <a:t>.hex</a:t>
+            </a:r>
+            <a:r>
               <a:rPr lang="en-US" dirty="0" smtClean="0">
                 <a:solidFill>
+                  <a:schemeClr val="bg1"/>
+                </a:solidFill>
+                <a:latin typeface="Consolas" panose="020B0609020204030204" pitchFamily="49" charset="0"/>
+                <a:cs typeface="Consolas" panose="020B0609020204030204" pitchFamily="49" charset="0"/>
+              </a:rPr>
+              <a:t> </a:t>
+            </a:r>
+            <a:r>
+              <a:rPr lang="en-US" dirty="0" smtClean="0">
+                <a:solidFill>
+                  <a:schemeClr val="bg1"/>
+                </a:solidFill>
+                <a:latin typeface="Consolas" panose="020B0609020204030204" pitchFamily="49" charset="0"/>
+                <a:cs typeface="Consolas" panose="020B0609020204030204" pitchFamily="49" charset="0"/>
+              </a:rPr>
+              <a:t>= </a:t>
+            </a:r>
+            <a:r>
+              <a:rPr lang="en-US" dirty="0" err="1" smtClean="0">
+                <a:solidFill>
+                  <a:schemeClr val="bg1"/>
+                </a:solidFill>
+                <a:latin typeface="Consolas" panose="020B0609020204030204" pitchFamily="49" charset="0"/>
+                <a:cs typeface="Consolas" panose="020B0609020204030204" pitchFamily="49" charset="0"/>
+              </a:rPr>
+              <a:t>r.toString</a:t>
+            </a:r>
+            <a:r>
+              <a:rPr lang="en-US" dirty="0" smtClean="0">
+                <a:solidFill>
+                  <a:schemeClr val="bg1"/>
+                </a:solidFill>
+                <a:latin typeface="Consolas" panose="020B0609020204030204" pitchFamily="49" charset="0"/>
+                <a:cs typeface="Consolas" panose="020B0609020204030204" pitchFamily="49" charset="0"/>
+              </a:rPr>
+              <a:t>(</a:t>
+            </a:r>
+            <a:r>
+              <a:rPr lang="en-US" dirty="0" smtClean="0">
+                <a:solidFill>
+                  <a:srgbClr val="FFC000"/>
+                </a:solidFill>
+                <a:latin typeface="Consolas" panose="020B0609020204030204" pitchFamily="49" charset="0"/>
+                <a:cs typeface="Consolas" panose="020B0609020204030204" pitchFamily="49" charset="0"/>
+              </a:rPr>
+              <a:t>16</a:t>
+            </a:r>
+            <a:r>
+              <a:rPr lang="en-US" dirty="0" smtClean="0">
+                <a:solidFill>
+                  <a:schemeClr val="bg1"/>
+                </a:solidFill>
+                <a:latin typeface="Consolas" panose="020B0609020204030204" pitchFamily="49" charset="0"/>
+                <a:cs typeface="Consolas" panose="020B0609020204030204" pitchFamily="49" charset="0"/>
+              </a:rPr>
+              <a:t>) + </a:t>
+            </a:r>
+            <a:r>
+              <a:rPr lang="en-US" dirty="0" err="1" smtClean="0">
+                <a:solidFill>
+                  <a:schemeClr val="bg1"/>
+                </a:solidFill>
+                <a:latin typeface="Consolas" panose="020B0609020204030204" pitchFamily="49" charset="0"/>
+                <a:cs typeface="Consolas" panose="020B0609020204030204" pitchFamily="49" charset="0"/>
+              </a:rPr>
+              <a:t>g.toString</a:t>
+            </a:r>
+            <a:r>
+              <a:rPr lang="en-US" dirty="0" smtClean="0">
+                <a:solidFill>
+                  <a:schemeClr val="bg1"/>
+                </a:solidFill>
+                <a:latin typeface="Consolas" panose="020B0609020204030204" pitchFamily="49" charset="0"/>
+                <a:cs typeface="Consolas" panose="020B0609020204030204" pitchFamily="49" charset="0"/>
+              </a:rPr>
+              <a:t>(</a:t>
+            </a:r>
+            <a:r>
+              <a:rPr lang="en-US" dirty="0" smtClean="0">
+                <a:solidFill>
+                  <a:srgbClr val="FFC000"/>
+                </a:solidFill>
+                <a:latin typeface="Consolas" panose="020B0609020204030204" pitchFamily="49" charset="0"/>
+                <a:cs typeface="Consolas" panose="020B0609020204030204" pitchFamily="49" charset="0"/>
+              </a:rPr>
+              <a:t>16</a:t>
+            </a:r>
+            <a:r>
+              <a:rPr lang="en-US" dirty="0" smtClean="0">
+                <a:solidFill>
+                  <a:schemeClr val="bg1"/>
+                </a:solidFill>
+                <a:latin typeface="Consolas" panose="020B0609020204030204" pitchFamily="49" charset="0"/>
+                <a:cs typeface="Consolas" panose="020B0609020204030204" pitchFamily="49" charset="0"/>
+              </a:rPr>
+              <a:t>) + </a:t>
+            </a:r>
+            <a:r>
+              <a:rPr lang="en-US" dirty="0" err="1" smtClean="0">
+                <a:solidFill>
+                  <a:schemeClr val="bg1"/>
+                </a:solidFill>
+                <a:latin typeface="Consolas" panose="020B0609020204030204" pitchFamily="49" charset="0"/>
+                <a:cs typeface="Consolas" panose="020B0609020204030204" pitchFamily="49" charset="0"/>
+              </a:rPr>
+              <a:t>b.toString</a:t>
+            </a:r>
+            <a:r>
+              <a:rPr lang="en-US" dirty="0" smtClean="0">
+                <a:solidFill>
+                  <a:schemeClr val="bg1"/>
+                </a:solidFill>
+                <a:latin typeface="Consolas" panose="020B0609020204030204" pitchFamily="49" charset="0"/>
+                <a:cs typeface="Consolas" panose="020B0609020204030204" pitchFamily="49" charset="0"/>
+              </a:rPr>
+              <a:t>(</a:t>
+            </a:r>
+            <a:r>
+              <a:rPr lang="en-US" dirty="0" smtClean="0">
+                <a:solidFill>
+                  <a:srgbClr val="FFC000"/>
+                </a:solidFill>
+                <a:latin typeface="Consolas" panose="020B0609020204030204" pitchFamily="49" charset="0"/>
+                <a:cs typeface="Consolas" panose="020B0609020204030204" pitchFamily="49" charset="0"/>
+              </a:rPr>
+              <a:t>16</a:t>
+            </a:r>
+            <a:r>
+              <a:rPr lang="en-US" dirty="0" smtClean="0">
+                <a:solidFill>
+                  <a:schemeClr val="bg1"/>
+                </a:solidFill>
+                <a:latin typeface="Consolas" panose="020B0609020204030204" pitchFamily="49" charset="0"/>
+                <a:cs typeface="Consolas" panose="020B0609020204030204" pitchFamily="49" charset="0"/>
+              </a:rPr>
+              <a:t>);</a:t>
+            </a:r>
+            <a:endParaRPr lang="en-US" dirty="0" smtClean="0">
+              <a:solidFill>
+                <a:schemeClr val="bg1"/>
+              </a:solidFill>
+              <a:latin typeface="Consolas" panose="020B0609020204030204" pitchFamily="49" charset="0"/>
+              <a:cs typeface="Consolas" panose="020B0609020204030204" pitchFamily="49" charset="0"/>
+            </a:endParaRPr>
+          </a:p>
+          <a:p>
+            <a:r>
+              <a:rPr lang="en-US" dirty="0" smtClean="0">
+                <a:solidFill>
+                  <a:schemeClr val="bg1"/>
+                </a:solidFill>
+                <a:latin typeface="Consolas" panose="020B0609020204030204" pitchFamily="49" charset="0"/>
+                <a:cs typeface="Consolas" panose="020B0609020204030204" pitchFamily="49" charset="0"/>
+              </a:rPr>
+              <a:t>}</a:t>
+            </a:r>
+          </a:p>
+          <a:p>
+            <a:r>
+              <a:rPr lang="en-US" dirty="0" smtClean="0">
+                <a:solidFill>
                   <a:schemeClr val="accent1"/>
                 </a:solidFill>
                 <a:latin typeface="Consolas" panose="020B0609020204030204" pitchFamily="49" charset="0"/>
                 <a:cs typeface="Consolas" panose="020B0609020204030204" pitchFamily="49" charset="0"/>
               </a:rPr>
-              <a:t>this</a:t>
+              <a:t>let </a:t>
             </a:r>
             <a:r>
               <a:rPr lang="en-US" dirty="0" smtClean="0">
@@ -7775,71 +9598,97 @@
                 <a:latin typeface="Consolas" panose="020B0609020204030204" pitchFamily="49" charset="0"/>
                 <a:cs typeface="Consolas" panose="020B0609020204030204" pitchFamily="49" charset="0"/>
               </a:rPr>
-              <a:t>.name = name;</a:t>
-            </a:r>
-          </a:p>
-          <a:p>
+              <a:t>red = </a:t>
+            </a:r>
             <a:r>
               <a:rPr lang="en-US" dirty="0" smtClean="0">
                 <a:solidFill>
+                  <a:schemeClr val="accent1"/>
+                </a:solidFill>
+                <a:latin typeface="Consolas" panose="020B0609020204030204" pitchFamily="49" charset="0"/>
+                <a:cs typeface="Consolas" panose="020B0609020204030204" pitchFamily="49" charset="0"/>
+              </a:rPr>
+              <a:t>new</a:t>
+            </a:r>
+            <a:r>
+              <a:rPr lang="en-US" dirty="0" smtClean="0">
+                <a:solidFill>
                   <a:schemeClr val="bg1"/>
                 </a:solidFill>
                 <a:latin typeface="Consolas" panose="020B0609020204030204" pitchFamily="49" charset="0"/>
                 <a:cs typeface="Consolas" panose="020B0609020204030204" pitchFamily="49" charset="0"/>
               </a:rPr>
-              <a:t>}</a:t>
-            </a:r>
-          </a:p>
-          <a:p>
+              <a:t> </a:t>
+            </a:r>
             <a:r>
               <a:rPr lang="en-US" dirty="0" smtClean="0">
                 <a:solidFill>
-                  <a:schemeClr val="accent1"/>
-                </a:solidFill>
-                <a:latin typeface="Consolas" panose="020B0609020204030204" pitchFamily="49" charset="0"/>
-                <a:cs typeface="Consolas" panose="020B0609020204030204" pitchFamily="49" charset="0"/>
-              </a:rPr>
-              <a:t>let </a:t>
+                  <a:schemeClr val="bg1"/>
+                </a:solidFill>
+                <a:latin typeface="Consolas" panose="020B0609020204030204" pitchFamily="49" charset="0"/>
+                <a:cs typeface="Consolas" panose="020B0609020204030204" pitchFamily="49" charset="0"/>
+              </a:rPr>
+              <a:t>Color(</a:t>
             </a:r>
             <a:r>
               <a:rPr lang="en-US" dirty="0" smtClean="0">
                 <a:solidFill>
+                  <a:srgbClr val="FFC000"/>
+                </a:solidFill>
+                <a:latin typeface="Consolas" panose="020B0609020204030204" pitchFamily="49" charset="0"/>
+                <a:cs typeface="Consolas" panose="020B0609020204030204" pitchFamily="49" charset="0"/>
+              </a:rPr>
+              <a:t>255</a:t>
+            </a:r>
+            <a:r>
+              <a:rPr lang="en-US" dirty="0" smtClean="0">
+                <a:solidFill>
                   <a:schemeClr val="bg1"/>
                 </a:solidFill>
                 <a:latin typeface="Consolas" panose="020B0609020204030204" pitchFamily="49" charset="0"/>
                 <a:cs typeface="Consolas" panose="020B0609020204030204" pitchFamily="49" charset="0"/>
               </a:rPr>
-              <a:t>bob = </a:t>
+              <a:t>,</a:t>
             </a:r>
             <a:r>
               <a:rPr lang="en-US" dirty="0" smtClean="0">
                 <a:solidFill>
-                  <a:schemeClr val="accent1"/>
-                </a:solidFill>
-                <a:latin typeface="Consolas" panose="020B0609020204030204" pitchFamily="49" charset="0"/>
-                <a:cs typeface="Consolas" panose="020B0609020204030204" pitchFamily="49" charset="0"/>
-              </a:rPr>
-              <a:t>new</a:t>
+                  <a:schemeClr val="accent3"/>
+                </a:solidFill>
+                <a:latin typeface="Consolas" panose="020B0609020204030204" pitchFamily="49" charset="0"/>
+                <a:cs typeface="Consolas" panose="020B0609020204030204" pitchFamily="49" charset="0"/>
+              </a:rPr>
+              <a:t> </a:t>
             </a:r>
             <a:r>
               <a:rPr lang="en-US" dirty="0" smtClean="0">
                 <a:solidFill>
+                  <a:srgbClr val="FFC000"/>
+                </a:solidFill>
+                <a:latin typeface="Consolas" panose="020B0609020204030204" pitchFamily="49" charset="0"/>
+                <a:cs typeface="Consolas" panose="020B0609020204030204" pitchFamily="49" charset="0"/>
+              </a:rPr>
+              <a:t>0</a:t>
+            </a:r>
+            <a:r>
+              <a:rPr lang="en-US" dirty="0" smtClean="0">
+                <a:solidFill>
                   <a:schemeClr val="bg1"/>
                 </a:solidFill>
                 <a:latin typeface="Consolas" panose="020B0609020204030204" pitchFamily="49" charset="0"/>
                 <a:cs typeface="Consolas" panose="020B0609020204030204" pitchFamily="49" charset="0"/>
               </a:rPr>
-              <a:t> Person(</a:t>
+              <a:t>, </a:t>
             </a:r>
             <a:r>
               <a:rPr lang="en-US" dirty="0" smtClean="0">
                 <a:solidFill>
-                  <a:schemeClr val="accent3"/>
-                </a:solidFill>
-                <a:latin typeface="Consolas" panose="020B0609020204030204" pitchFamily="49" charset="0"/>
-                <a:cs typeface="Consolas" panose="020B0609020204030204" pitchFamily="49" charset="0"/>
-              </a:rPr>
-              <a:t>'Bob'</a:t>
+                  <a:srgbClr val="FFC000"/>
+                </a:solidFill>
+                <a:latin typeface="Consolas" panose="020B0609020204030204" pitchFamily="49" charset="0"/>
+                <a:cs typeface="Consolas" panose="020B0609020204030204" pitchFamily="49" charset="0"/>
+              </a:rPr>
+              <a:t>0</a:t>
             </a:r>
             <a:r>
               <a:rPr lang="en-US" dirty="0" smtClean="0">
@@ -8013,7 +9862,6 @@
               <a:rPr lang="en-US" sz="1800" dirty="0" smtClean="0"/>
               <a:t>.</a:t>
             </a:r>
-            <a:endParaRPr lang="en-US" sz="1800" dirty="0" smtClean="0"/>
           </a:p>
           <a:p>
             <a:pPr>
@@ -8084,11 +9932,7 @@
             </a:r>
             <a:r>
               <a:rPr lang="en-US" sz="1800" dirty="0" smtClean="0"/>
-              <a:t> null === ‘object</a:t>
-            </a:r>
-            <a:r>
-              <a:rPr lang="en-US" sz="1800" dirty="0" smtClean="0"/>
-              <a:t>’</a:t>
+              <a:t> null === ‘object’</a:t>
             </a:r>
           </a:p>
           <a:p>
@@ -8180,11 +10024,7 @@
             </a:r>
             <a:r>
               <a:rPr lang="en-US" sz="1600" dirty="0" smtClean="0"/>
-              <a:t> Can use </a:t>
-            </a:r>
-            <a:r>
-              <a:rPr lang="en-US" sz="1600" dirty="0" smtClean="0"/>
-              <a:t>“</a:t>
+              <a:t> Can use “</a:t>
             </a:r>
             <a:r>
               <a:rPr lang="en-US" sz="1600" dirty="0" smtClean="0">
@@ -8194,27 +10034,7 @@
                 <a:latin typeface="Consolas" panose="020B0609020204030204" pitchFamily="49" charset="0"/>
                 <a:cs typeface="Consolas" panose="020B0609020204030204" pitchFamily="49" charset="0"/>
               </a:rPr>
-              <a:t>x </a:t>
-            </a:r>
-            <a:r>
-              <a:rPr lang="en-US" sz="1600" dirty="0" smtClean="0">
-                <a:solidFill>
-                  <a:schemeClr val="accent1"/>
-                </a:solidFill>
-                <a:latin typeface="Consolas" panose="020B0609020204030204" pitchFamily="49" charset="0"/>
-                <a:cs typeface="Consolas" panose="020B0609020204030204" pitchFamily="49" charset="0"/>
-              </a:rPr>
-              <a:t>== </a:t>
-            </a:r>
-            <a:r>
-              <a:rPr lang="en-US" sz="1600" dirty="0" smtClean="0">
-                <a:solidFill>
-                  <a:schemeClr val="accent1"/>
-                </a:solidFill>
-                <a:latin typeface="Consolas" panose="020B0609020204030204" pitchFamily="49" charset="0"/>
-                <a:cs typeface="Consolas" panose="020B0609020204030204" pitchFamily="49" charset="0"/>
-              </a:rPr>
-              <a:t>null</a:t>
+              <a:t>x == null</a:t>
             </a:r>
             <a:r>
               <a:rPr lang="en-US" sz="1600" dirty="0"/>
@@ -8222,15 +10042,7 @@
             </a:r>
             <a:r>
               <a:rPr lang="en-US" sz="1600" dirty="0" smtClean="0"/>
-              <a:t> </a:t>
-            </a:r>
-            <a:r>
-              <a:rPr lang="en-US" sz="1600" dirty="0" smtClean="0"/>
-              <a:t>to test for </a:t>
-            </a:r>
-            <a:r>
-              <a:rPr lang="en-US" sz="1600" dirty="0" smtClean="0"/>
-              <a:t>both </a:t>
+              <a:t> to test for both </a:t>
             </a:r>
             <a:r>
               <a:rPr lang="en-US" sz="1600" dirty="0" smtClean="0">
@@ -8254,7 +10066,6 @@
               <a:rPr lang="en-US" sz="1600" dirty="0" smtClean="0"/>
               <a:t>!</a:t>
             </a:r>
-            <a:endParaRPr lang="en-US" sz="1600" dirty="0" smtClean="0"/>
           </a:p>
         </p:txBody>
       </p:sp>
@@ -8337,9 +10148,16 @@
             <a:pPr lvl="1"/>
             <a:r>
               <a:rPr lang="en-US" sz="1800" dirty="0" smtClean="0"/>
-              <a:t>3* primitive types:</a:t>
-            </a:r>
-            <a:endParaRPr lang="en-US" sz="1800" dirty="0" smtClean="0"/>
+              <a:t>3</a:t>
+            </a:r>
+            <a:r>
+              <a:rPr lang="en-US" sz="1800" baseline="30000" dirty="0" smtClean="0"/>
+              <a:t>*</a:t>
+            </a:r>
+            <a:r>
+              <a:rPr lang="en-US" sz="1800" dirty="0" smtClean="0"/>
+              <a:t> primitive types:</a:t>
+            </a:r>
           </a:p>
           <a:p>
             <a:pPr lvl="2">
@@ -8391,7 +10209,11 @@
             </a:r>
             <a:r>
               <a:rPr lang="en-US" sz="1400" dirty="0" smtClean="0"/>
-              <a:t>(including </a:t>
+              <a:t>(</a:t>
+            </a:r>
+            <a:r>
+              <a:rPr lang="en-US" sz="1400" dirty="0" smtClean="0"/>
+              <a:t>includes </a:t>
             </a:r>
             <a:r>
               <a:rPr lang="en-US" sz="1400" dirty="0" smtClean="0">
@@ -8426,37 +10248,16 @@
               <a:t>NaN</a:t>
             </a:r>
             <a:r>
-              <a:rPr lang="en-US" sz="1400" dirty="0"/>
-              <a:t>, as well as </a:t>
-            </a:r>
-            <a:r>
-              <a:rPr lang="en-US" sz="1400" dirty="0">
+              <a:rPr lang="en-US" sz="1400" dirty="0" smtClean="0">
                 <a:solidFill>
                   <a:schemeClr val="accent1"/>
                 </a:solidFill>
                 <a:latin typeface="Consolas" panose="020B0609020204030204" pitchFamily="49" charset="0"/>
                 <a:cs typeface="Consolas" panose="020B0609020204030204" pitchFamily="49" charset="0"/>
               </a:rPr>
-              <a:t>-0</a:t>
-            </a:r>
-            <a:r>
-              <a:rPr lang="en-US" sz="1400" dirty="0"/>
-              <a:t> and </a:t>
-            </a:r>
-            <a:r>
-              <a:rPr lang="en-US" sz="1400" dirty="0">
-                <a:solidFill>
-                  <a:schemeClr val="accent1"/>
-                </a:solidFill>
-                <a:latin typeface="Consolas" panose="020B0609020204030204" pitchFamily="49" charset="0"/>
-                <a:cs typeface="Consolas" panose="020B0609020204030204" pitchFamily="49" charset="0"/>
-              </a:rPr>
-              <a:t>–Infinity</a:t>
-            </a:r>
-            <a:r>
-              <a:rPr lang="en-US" sz="1400" dirty="0" smtClean="0"/>
               <a:t>)</a:t>
             </a:r>
+            <a:endParaRPr lang="en-US" sz="1400" dirty="0" smtClean="0"/>
           </a:p>
           <a:p>
             <a:pPr lvl="2">
@@ -8474,13 +10275,6 @@
               </a:rPr>
               <a:t>string</a:t>
             </a:r>
-            <a:endParaRPr lang="en-US" sz="1600" b="1" dirty="0" smtClean="0">
-              <a:solidFill>
-                <a:schemeClr val="accent1"/>
-              </a:solidFill>
-              <a:latin typeface="Consolas" panose="020B0609020204030204" pitchFamily="49" charset="0"/>
-              <a:cs typeface="Consolas" panose="020B0609020204030204" pitchFamily="49" charset="0"/>
-            </a:endParaRPr>
           </a:p>
           <a:p>
             <a:pPr lvl="1">
@@ -8490,19 +10284,23 @@
             </a:pPr>
             <a:r>
               <a:rPr lang="en-US" sz="1800" dirty="0" smtClean="0"/>
-              <a:t>Each </a:t>
+              <a:t>Each p</a:t>
             </a:r>
             <a:r>
               <a:rPr lang="en-US" sz="1800" dirty="0" smtClean="0"/>
-              <a:t>primitive </a:t>
+              <a:t>rimitive has </a:t>
             </a:r>
             <a:r>
               <a:rPr lang="en-US" sz="1800" dirty="0" smtClean="0"/>
-              <a:t>has a </a:t>
+              <a:t>a </a:t>
             </a:r>
             <a:r>
               <a:rPr lang="en-US" sz="1800" dirty="0" smtClean="0"/>
-              <a:t>corresponding wrapper class</a:t>
+              <a:t>wrapper </a:t>
+            </a:r>
+            <a:r>
+              <a:rPr lang="en-US" sz="1800" dirty="0" smtClean="0"/>
+              <a:t>class</a:t>
             </a:r>
           </a:p>
           <a:p>
@@ -8516,12 +10314,16 @@
               <a:t>Wrappers </a:t>
             </a:r>
             <a:r>
+              <a:rPr lang="en-US" sz="1600" dirty="0"/>
+              <a:t>u</a:t>
+            </a:r>
+            <a:r>
               <a:rPr lang="en-US" sz="1600" dirty="0" smtClean="0"/>
-              <a:t>u</a:t>
+              <a:t>se uppercased </a:t>
             </a:r>
             <a:r>
               <a:rPr lang="en-US" sz="1600" dirty="0" smtClean="0"/>
-              <a:t>se uppercase name (e.g. “</a:t>
+              <a:t>name (e.g. “</a:t>
             </a:r>
             <a:r>
               <a:rPr lang="en-US" sz="1600" b="1" u="sng" dirty="0" smtClean="0">
@@ -8547,6 +10349,7 @@
               <a:rPr lang="en-US" sz="1600" dirty="0" smtClean="0"/>
               <a:t>”)</a:t>
             </a:r>
+            <a:endParaRPr lang="en-US" sz="1600" dirty="0" smtClean="0"/>
           </a:p>
           <a:p>
             <a:pPr>
@@ -8558,17 +10361,12 @@
               <a:rPr lang="en-US" sz="2400" dirty="0" smtClean="0"/>
               <a:t>Objects</a:t>
             </a:r>
-            <a:endParaRPr lang="en-US" sz="2400" dirty="0" smtClean="0"/>
           </a:p>
           <a:p>
             <a:pPr lvl="1"/>
             <a:r>
               <a:rPr lang="en-US" sz="1800" dirty="0" smtClean="0"/>
-              <a:t>Important built-in </a:t>
-            </a:r>
-            <a:r>
-              <a:rPr lang="en-US" sz="1800" dirty="0" smtClean="0"/>
-              <a:t>objects include:</a:t>
+              <a:t>Important built-in objects include:</a:t>
             </a:r>
           </a:p>
           <a:p>
@@ -8656,7 +10454,15 @@
             </a:r>
             <a:r>
               <a:rPr lang="en-US" sz="1800" dirty="0" smtClean="0"/>
-              <a:t>objects inherit** </a:t>
+              <a:t>JS objects inherit</a:t>
+            </a:r>
+            <a:r>
+              <a:rPr lang="en-US" sz="1600" baseline="50000" dirty="0"/>
+              <a:t>†</a:t>
+            </a:r>
+            <a:r>
+              <a:rPr lang="en-US" sz="1800" dirty="0" smtClean="0"/>
+              <a:t> </a:t>
             </a:r>
             <a:r>
               <a:rPr lang="en-US" sz="1800" dirty="0" smtClean="0">
@@ -8697,45 +10503,35 @@
               <a:rPr lang="en-US" sz="1600" dirty="0" smtClean="0"/>
               <a:t>”)</a:t>
             </a:r>
-            <a:endParaRPr lang="en-US" sz="1600" dirty="0" smtClean="0"/>
           </a:p>
           <a:p>
             <a:pPr lvl="2"/>
             <a:r>
               <a:rPr lang="en-US" sz="1600" dirty="0" smtClean="0"/>
-              <a:t>Modifying </a:t>
+              <a:t>Modifying the </a:t>
+            </a:r>
+            <a:r>
+              <a:rPr lang="en-US" sz="1600" dirty="0" smtClean="0">
+                <a:solidFill>
+                  <a:schemeClr val="accent1"/>
+                </a:solidFill>
+                <a:latin typeface="Consolas" panose="020B0609020204030204" pitchFamily="49" charset="0"/>
+                <a:cs typeface="Consolas" panose="020B0609020204030204" pitchFamily="49" charset="0"/>
+              </a:rPr>
+              <a:t>Object</a:t>
+            </a:r>
+            <a:r>
+              <a:rPr lang="en-US" sz="1600" dirty="0" smtClean="0">
+                <a:solidFill>
+                  <a:schemeClr val="accent1"/>
+                </a:solidFill>
+              </a:rPr>
+              <a:t> </a:t>
             </a:r>
             <a:r>
               <a:rPr lang="en-US" sz="1600" dirty="0" smtClean="0"/>
-              <a:t>the </a:t>
-            </a:r>
-            <a:r>
-              <a:rPr lang="en-US" sz="1600" dirty="0" smtClean="0">
-                <a:solidFill>
-                  <a:schemeClr val="accent1"/>
-                </a:solidFill>
-                <a:latin typeface="Consolas" panose="020B0609020204030204" pitchFamily="49" charset="0"/>
-                <a:cs typeface="Consolas" panose="020B0609020204030204" pitchFamily="49" charset="0"/>
-              </a:rPr>
-              <a:t>Object</a:t>
-            </a:r>
-            <a:r>
-              <a:rPr lang="en-US" sz="1600" dirty="0" smtClean="0">
-                <a:solidFill>
-                  <a:schemeClr val="accent1"/>
-                </a:solidFill>
-              </a:rPr>
-              <a:t> </a:t>
-            </a:r>
-            <a:r>
-              <a:rPr lang="en-US" sz="1600" dirty="0" smtClean="0"/>
-              <a:t>prototype </a:t>
-            </a:r>
-            <a:r>
-              <a:rPr lang="en-US" sz="1600" dirty="0" smtClean="0"/>
-              <a:t>will affect all of them.</a:t>
-            </a:r>
-            <a:endParaRPr lang="en-US" sz="1600" dirty="0" smtClean="0"/>
+              <a:t>prototype will affect all of them.</a:t>
+            </a:r>
           </a:p>
         </p:txBody>
       </p:sp>
@@ -8760,7 +10556,7 @@
               <a:rPr lang="en-US" dirty="0" smtClean="0">
                 <a:latin typeface="Berlin Sans FB Demi" panose="020E0802020502020306" pitchFamily="34" charset="0"/>
               </a:rPr>
-              <a:t>Object Types</a:t>
+              <a:t>Objects and Primitive Types</a:t>
             </a:r>
             <a:endParaRPr lang="en-US" dirty="0">
               <a:solidFill>
@@ -8780,8 +10576,8 @@
         </p:nvSpPr>
         <p:spPr>
           <a:xfrm>
-            <a:off x="3300486" y="6248400"/>
-            <a:ext cx="5391219" cy="523220"/>
+            <a:off x="2970267" y="6248400"/>
+            <a:ext cx="5721438" cy="523220"/>
           </a:xfrm>
           <a:prstGeom prst="rect">
             <a:avLst/>
@@ -8817,18 +10613,250 @@
           <a:p>
             <a:pPr algn="r"/>
             <a:r>
+              <a:rPr lang="en-US" sz="1400" baseline="30000" dirty="0"/>
+              <a:t>†</a:t>
+            </a:r>
+            <a:r>
               <a:rPr lang="en-US" sz="1400" dirty="0" smtClean="0"/>
-              <a:t>**Technically, the Object prototype </a:t>
-            </a:r>
-            <a:r>
-              <a:rPr lang="en-US" sz="1400" i="1" dirty="0" smtClean="0"/>
-              <a:t>delegates</a:t>
+              <a:t>Technically</a:t>
             </a:r>
             <a:r>
               <a:rPr lang="en-US" sz="1400" dirty="0" smtClean="0"/>
-              <a:t> to them.</a:t>
+              <a:t> </a:t>
+            </a:r>
+            <a:r>
+              <a:rPr lang="en-US" sz="1400" dirty="0" smtClean="0"/>
+              <a:t>the Object prototype delegates to </a:t>
+            </a:r>
+            <a:r>
+              <a:rPr lang="en-US" sz="1400" dirty="0" smtClean="0"/>
+              <a:t>their prototypes.</a:t>
             </a:r>
             <a:endParaRPr lang="en-US" sz="1100" dirty="0"/>
+          </a:p>
+        </p:txBody>
+      </p:sp>
+      <p:sp>
+        <p:nvSpPr>
+          <p:cNvPr id="5" name="TextBox 4"/>
+          <p:cNvSpPr txBox="1"/>
+          <p:nvPr/>
+        </p:nvSpPr>
+        <p:spPr>
+          <a:xfrm>
+            <a:off x="6324600" y="1522274"/>
+            <a:ext cx="2286000" cy="1754326"/>
+          </a:xfrm>
+          <a:prstGeom prst="rect">
+            <a:avLst/>
+          </a:prstGeom>
+        </p:spPr>
+        <p:style>
+          <a:lnRef idx="0">
+            <a:schemeClr val="dk1"/>
+          </a:lnRef>
+          <a:fillRef idx="3">
+            <a:schemeClr val="dk1"/>
+          </a:fillRef>
+          <a:effectRef idx="3">
+            <a:schemeClr val="dk1"/>
+          </a:effectRef>
+          <a:fontRef idx="minor">
+            <a:schemeClr val="lt1"/>
+          </a:fontRef>
+        </p:style>
+        <p:txBody>
+          <a:bodyPr wrap="square" rtlCol="0">
+            <a:spAutoFit/>
+          </a:bodyPr>
+          <a:lstStyle/>
+          <a:p>
+            <a:r>
+              <a:rPr lang="en-US" dirty="0">
+                <a:solidFill>
+                  <a:srgbClr val="FFC000"/>
+                </a:solidFill>
+                <a:latin typeface="Consolas" panose="020B0609020204030204" pitchFamily="49" charset="0"/>
+                <a:cs typeface="Consolas" panose="020B0609020204030204" pitchFamily="49" charset="0"/>
+              </a:rPr>
+              <a:t>6</a:t>
+            </a:r>
+            <a:r>
+              <a:rPr lang="en-US" dirty="0">
+                <a:solidFill>
+                  <a:schemeClr val="bg1"/>
+                </a:solidFill>
+                <a:latin typeface="Consolas" panose="020B0609020204030204" pitchFamily="49" charset="0"/>
+                <a:cs typeface="Consolas" panose="020B0609020204030204" pitchFamily="49" charset="0"/>
+              </a:rPr>
+              <a:t>.toString(); </a:t>
+            </a:r>
+            <a:endParaRPr lang="en-US" dirty="0" smtClean="0">
+              <a:solidFill>
+                <a:schemeClr val="bg1"/>
+              </a:solidFill>
+              <a:latin typeface="Consolas" panose="020B0609020204030204" pitchFamily="49" charset="0"/>
+              <a:cs typeface="Consolas" panose="020B0609020204030204" pitchFamily="49" charset="0"/>
+            </a:endParaRPr>
+          </a:p>
+          <a:p>
+            <a:r>
+              <a:rPr lang="en-US" dirty="0">
+                <a:solidFill>
+                  <a:schemeClr val="tx1">
+                    <a:lumMod val="50000"/>
+                    <a:lumOff val="50000"/>
+                  </a:schemeClr>
+                </a:solidFill>
+                <a:latin typeface="Consolas" panose="020B0609020204030204" pitchFamily="49" charset="0"/>
+                <a:cs typeface="Consolas" panose="020B0609020204030204" pitchFamily="49" charset="0"/>
+              </a:rPr>
+              <a:t>// </a:t>
+            </a:r>
+            <a:r>
+              <a:rPr lang="en-US" dirty="0" err="1" smtClean="0">
+                <a:solidFill>
+                  <a:schemeClr val="tx1">
+                    <a:lumMod val="50000"/>
+                    <a:lumOff val="50000"/>
+                  </a:schemeClr>
+                </a:solidFill>
+                <a:latin typeface="Consolas" panose="020B0609020204030204" pitchFamily="49" charset="0"/>
+                <a:cs typeface="Consolas" panose="020B0609020204030204" pitchFamily="49" charset="0"/>
+              </a:rPr>
+              <a:t>SyntaxError</a:t>
+            </a:r>
+            <a:r>
+              <a:rPr lang="en-US" dirty="0" smtClean="0">
+                <a:solidFill>
+                  <a:schemeClr val="tx1">
+                    <a:lumMod val="50000"/>
+                    <a:lumOff val="50000"/>
+                  </a:schemeClr>
+                </a:solidFill>
+                <a:latin typeface="Consolas" panose="020B0609020204030204" pitchFamily="49" charset="0"/>
+                <a:cs typeface="Consolas" panose="020B0609020204030204" pitchFamily="49" charset="0"/>
+              </a:rPr>
+              <a:t>!</a:t>
+            </a:r>
+            <a:endParaRPr lang="en-US" dirty="0">
+              <a:solidFill>
+                <a:schemeClr val="tx1">
+                  <a:lumMod val="50000"/>
+                  <a:lumOff val="50000"/>
+                </a:schemeClr>
+              </a:solidFill>
+              <a:latin typeface="Consolas" panose="020B0609020204030204" pitchFamily="49" charset="0"/>
+              <a:cs typeface="Consolas" panose="020B0609020204030204" pitchFamily="49" charset="0"/>
+            </a:endParaRPr>
+          </a:p>
+          <a:p>
+            <a:endParaRPr lang="en-US" dirty="0" smtClean="0">
+              <a:solidFill>
+                <a:schemeClr val="bg1"/>
+              </a:solidFill>
+              <a:latin typeface="Consolas" panose="020B0609020204030204" pitchFamily="49" charset="0"/>
+              <a:cs typeface="Consolas" panose="020B0609020204030204" pitchFamily="49" charset="0"/>
+            </a:endParaRPr>
+          </a:p>
+          <a:p>
+            <a:r>
+              <a:rPr lang="en-US" dirty="0" err="1" smtClean="0">
+                <a:solidFill>
+                  <a:schemeClr val="accent1"/>
+                </a:solidFill>
+                <a:latin typeface="Consolas" panose="020B0609020204030204" pitchFamily="49" charset="0"/>
+                <a:cs typeface="Consolas" panose="020B0609020204030204" pitchFamily="49" charset="0"/>
+              </a:rPr>
+              <a:t>var</a:t>
+            </a:r>
+            <a:r>
+              <a:rPr lang="en-US" dirty="0" smtClean="0">
+                <a:solidFill>
+                  <a:schemeClr val="accent1"/>
+                </a:solidFill>
+                <a:latin typeface="Consolas" panose="020B0609020204030204" pitchFamily="49" charset="0"/>
+                <a:cs typeface="Consolas" panose="020B0609020204030204" pitchFamily="49" charset="0"/>
+              </a:rPr>
+              <a:t> </a:t>
+            </a:r>
+            <a:r>
+              <a:rPr lang="en-US" dirty="0" smtClean="0">
+                <a:solidFill>
+                  <a:schemeClr val="bg1"/>
+                </a:solidFill>
+                <a:latin typeface="Consolas" panose="020B0609020204030204" pitchFamily="49" charset="0"/>
+                <a:cs typeface="Consolas" panose="020B0609020204030204" pitchFamily="49" charset="0"/>
+              </a:rPr>
+              <a:t>x = </a:t>
+            </a:r>
+            <a:r>
+              <a:rPr lang="en-US" dirty="0" smtClean="0">
+                <a:solidFill>
+                  <a:srgbClr val="FFC000"/>
+                </a:solidFill>
+                <a:latin typeface="Consolas" panose="020B0609020204030204" pitchFamily="49" charset="0"/>
+                <a:cs typeface="Consolas" panose="020B0609020204030204" pitchFamily="49" charset="0"/>
+              </a:rPr>
+              <a:t>6</a:t>
+            </a:r>
+            <a:r>
+              <a:rPr lang="en-US" dirty="0" smtClean="0">
+                <a:solidFill>
+                  <a:schemeClr val="bg1"/>
+                </a:solidFill>
+                <a:latin typeface="Consolas" panose="020B0609020204030204" pitchFamily="49" charset="0"/>
+                <a:cs typeface="Consolas" panose="020B0609020204030204" pitchFamily="49" charset="0"/>
+              </a:rPr>
+              <a:t>;</a:t>
+            </a:r>
+          </a:p>
+          <a:p>
+            <a:r>
+              <a:rPr lang="en-US" dirty="0" err="1" smtClean="0">
+                <a:solidFill>
+                  <a:schemeClr val="bg1"/>
+                </a:solidFill>
+                <a:latin typeface="Consolas" panose="020B0609020204030204" pitchFamily="49" charset="0"/>
+                <a:cs typeface="Consolas" panose="020B0609020204030204" pitchFamily="49" charset="0"/>
+              </a:rPr>
+              <a:t>x.toString</a:t>
+            </a:r>
+            <a:r>
+              <a:rPr lang="en-US" dirty="0" smtClean="0">
+                <a:solidFill>
+                  <a:schemeClr val="bg1"/>
+                </a:solidFill>
+                <a:latin typeface="Consolas" panose="020B0609020204030204" pitchFamily="49" charset="0"/>
+                <a:cs typeface="Consolas" panose="020B0609020204030204" pitchFamily="49" charset="0"/>
+              </a:rPr>
+              <a:t>();</a:t>
+            </a:r>
+          </a:p>
+          <a:p>
+            <a:r>
+              <a:rPr lang="en-US" dirty="0" smtClean="0">
+                <a:solidFill>
+                  <a:schemeClr val="tx1">
+                    <a:lumMod val="50000"/>
+                    <a:lumOff val="50000"/>
+                  </a:schemeClr>
+                </a:solidFill>
+                <a:latin typeface="Consolas" panose="020B0609020204030204" pitchFamily="49" charset="0"/>
+                <a:cs typeface="Consolas" panose="020B0609020204030204" pitchFamily="49" charset="0"/>
+              </a:rPr>
+              <a:t>// Returns '6' </a:t>
+            </a:r>
+            <a:endParaRPr lang="en-US" dirty="0">
+              <a:solidFill>
+                <a:schemeClr val="tx1">
+                  <a:lumMod val="50000"/>
+                  <a:lumOff val="50000"/>
+                </a:schemeClr>
+              </a:solidFill>
+              <a:latin typeface="Consolas" panose="020B0609020204030204" pitchFamily="49" charset="0"/>
+              <a:cs typeface="Consolas" panose="020B0609020204030204" pitchFamily="49" charset="0"/>
+            </a:endParaRPr>
           </a:p>
         </p:txBody>
       </p:sp>
@@ -8922,7 +10950,7 @@
             <a:r>
               <a:rPr lang="en-US" sz="1800" b="1" dirty="0">
                 <a:solidFill>
-                  <a:srgbClr val="FFC000"/>
+                  <a:schemeClr val="accent1"/>
                 </a:solidFill>
                 <a:latin typeface="Consolas" panose="020B0609020204030204" pitchFamily="49" charset="0"/>
                 <a:cs typeface="Consolas" panose="020B0609020204030204" pitchFamily="49" charset="0"/>
@@ -8944,7 +10972,7 @@
             <a:r>
               <a:rPr lang="en-US" sz="1800" b="1" dirty="0">
                 <a:solidFill>
-                  <a:srgbClr val="FFC000"/>
+                  <a:schemeClr val="accent1"/>
                 </a:solidFill>
                 <a:latin typeface="Consolas" panose="020B0609020204030204" pitchFamily="49" charset="0"/>
                 <a:cs typeface="Consolas" panose="020B0609020204030204" pitchFamily="49" charset="0"/>
@@ -8953,7 +10981,7 @@
             </a:r>
             <a:endParaRPr lang="en-US" sz="2800" b="1" dirty="0">
               <a:solidFill>
-                <a:srgbClr val="FFC000"/>
+                <a:schemeClr val="accent1"/>
               </a:solidFill>
               <a:latin typeface="Consolas" panose="020B0609020204030204" pitchFamily="49" charset="0"/>
               <a:cs typeface="Consolas" panose="020B0609020204030204" pitchFamily="49" charset="0"/>
@@ -8964,7 +10992,7 @@
             <a:r>
               <a:rPr lang="en-US" sz="1800" b="1" dirty="0" err="1" smtClean="0">
                 <a:solidFill>
-                  <a:srgbClr val="FFC000"/>
+                  <a:schemeClr val="accent1"/>
                 </a:solidFill>
                 <a:latin typeface="Consolas" panose="020B0609020204030204" pitchFamily="49" charset="0"/>
                 <a:cs typeface="Consolas" panose="020B0609020204030204" pitchFamily="49" charset="0"/>
@@ -8973,7 +11001,7 @@
             </a:r>
             <a:endParaRPr lang="en-US" sz="1800" b="1" dirty="0" smtClean="0">
               <a:solidFill>
-                <a:srgbClr val="FFC000"/>
+                <a:schemeClr val="accent1"/>
               </a:solidFill>
               <a:latin typeface="Consolas" panose="020B0609020204030204" pitchFamily="49" charset="0"/>
               <a:cs typeface="Consolas" panose="020B0609020204030204" pitchFamily="49" charset="0"/>
@@ -8984,7 +11012,7 @@
             <a:r>
               <a:rPr lang="en-US" sz="1800" b="1" dirty="0" smtClean="0">
                 <a:solidFill>
-                  <a:schemeClr val="accent3"/>
+                  <a:schemeClr val="accent1"/>
                 </a:solidFill>
                 <a:latin typeface="Consolas" panose="020B0609020204030204" pitchFamily="49" charset="0"/>
                 <a:cs typeface="Consolas" panose="020B0609020204030204" pitchFamily="49" charset="0"/>
@@ -8997,7 +11025,11 @@
             </a:r>
             <a:r>
               <a:rPr lang="en-US" sz="1400" dirty="0" smtClean="0"/>
-              <a:t>[an empty string]</a:t>
+              <a:t>[empty </a:t>
+            </a:r>
+            <a:r>
+              <a:rPr lang="en-US" sz="1400" dirty="0" smtClean="0"/>
+              <a:t>string]</a:t>
             </a:r>
             <a:endParaRPr lang="en-US" sz="1600" dirty="0" smtClean="0"/>
           </a:p>
@@ -9069,9 +11101,26 @@
               <a:rPr lang="en-US" sz="1400" i="1" dirty="0" smtClean="0"/>
             </a:br>
             <a:r>
+              <a:rPr lang="en-US" sz="1400" i="1" u="sng" dirty="0" smtClean="0"/>
+              <a:t>All</a:t>
+            </a:r>
+            <a:r>
               <a:rPr lang="en-US" sz="1400" i="1" dirty="0" smtClean="0"/>
-              <a:t>All others values amount to true in conditional evaluations!</a:t>
-            </a:r>
+              <a:t> others values amount to </a:t>
+            </a:r>
+            <a:r>
+              <a:rPr lang="en-US" sz="1400" b="1" dirty="0" smtClean="0"/>
+              <a:t>true</a:t>
+            </a:r>
+            <a:r>
+              <a:rPr lang="en-US" sz="1400" i="1" dirty="0" smtClean="0"/>
+              <a:t> in conditional </a:t>
+            </a:r>
+            <a:r>
+              <a:rPr lang="en-US" sz="1400" i="1" dirty="0" smtClean="0"/>
+              <a:t>expressions!</a:t>
+            </a:r>
+            <a:endParaRPr lang="en-US" sz="1400" i="1" dirty="0" smtClean="0"/>
           </a:p>
           <a:p>
             <a:pPr>
@@ -10524,19 +12573,7 @@
               <a:rPr lang="en-US" dirty="0" smtClean="0">
                 <a:latin typeface="Berlin Sans FB Demi" panose="020E0802020502020306" pitchFamily="34" charset="0"/>
               </a:rPr>
-              <a:t>Type Checking </a:t>
-            </a:r>
-            <a:r>
-              <a:rPr lang="en-US" sz="3600" dirty="0" smtClean="0">
-                <a:latin typeface="Berlin Sans FB Demi" panose="020E0802020502020306" pitchFamily="34" charset="0"/>
-              </a:rPr>
-              <a:t>&amp;</a:t>
-            </a:r>
-            <a:r>
-              <a:rPr lang="en-US" dirty="0" smtClean="0">
-                <a:latin typeface="Berlin Sans FB Demi" panose="020E0802020502020306" pitchFamily="34" charset="0"/>
-              </a:rPr>
-              <a:t> Input Validation</a:t>
+              <a:t>Type Checking &amp; Input Validation</a:t>
             </a:r>
             <a:endParaRPr lang="en-US" dirty="0">
               <a:solidFill>
@@ -11735,13 +13772,37 @@
             </a:r>
             <a:r>
               <a:rPr lang="en-US" sz="1800" dirty="0"/>
-              <a:t> and</a:t>
+              <a:t> </a:t>
+            </a:r>
+            <a:r>
+              <a:rPr lang="en-US" sz="1600" dirty="0"/>
+              <a:t>and</a:t>
             </a:r>
             <a:r>
               <a:rPr lang="en-US" sz="2000" dirty="0"/>
               <a:t> </a:t>
             </a:r>
             <a:r>
+              <a:rPr lang="en-US" sz="1800" dirty="0" err="1" smtClean="0">
+                <a:solidFill>
+                  <a:schemeClr val="accent1"/>
+                </a:solidFill>
+                <a:latin typeface="Consolas" panose="020B0609020204030204" pitchFamily="49" charset="0"/>
+                <a:cs typeface="Consolas" panose="020B0609020204030204" pitchFamily="49" charset="0"/>
+              </a:rPr>
+              <a:t>WeakMap</a:t>
+            </a:r>
+            <a:endParaRPr lang="en-US" sz="1800" dirty="0" smtClean="0">
+              <a:solidFill>
+                <a:schemeClr val="accent1"/>
+              </a:solidFill>
+              <a:latin typeface="Consolas" panose="020B0609020204030204" pitchFamily="49" charset="0"/>
+              <a:cs typeface="Consolas" panose="020B0609020204030204" pitchFamily="49" charset="0"/>
+            </a:endParaRPr>
+          </a:p>
+          <a:p>
+            <a:pPr lvl="1"/>
+            <a:r>
               <a:rPr lang="en-US" sz="1800" dirty="0" smtClean="0">
                 <a:solidFill>
                   <a:schemeClr val="accent1"/>
@@ -11751,21 +13812,8 @@
               </a:rPr>
               <a:t>Set</a:t>
             </a:r>
-          </a:p>
-          <a:p>
-            <a:pPr lvl="1"/>
-            <a:r>
-              <a:rPr lang="en-US" sz="1800" dirty="0" err="1" smtClean="0">
-                <a:solidFill>
-                  <a:schemeClr val="accent1"/>
-                </a:solidFill>
-                <a:latin typeface="Consolas" panose="020B0609020204030204" pitchFamily="49" charset="0"/>
-                <a:cs typeface="Consolas" panose="020B0609020204030204" pitchFamily="49" charset="0"/>
-              </a:rPr>
-              <a:t>WeakMap</a:t>
-            </a:r>
-            <a:r>
-              <a:rPr lang="en-US" sz="1800" dirty="0"/>
+            <a:r>
+              <a:rPr lang="en-US" sz="1800" dirty="0" smtClean="0"/>
               <a:t> </a:t>
             </a:r>
             <a:r>

--- a/JavaScript JQuery training.pptx
+++ b/JavaScript JQuery training.pptx
@@ -121,6 +121,22 @@
       </a:defRPr>
     </a:lvl9pPr>
   </p:defaultTextStyle>
+  <p:extLst>
+    <p:ext uri="{EFAFB233-063F-42B5-8137-9DF3F51BA10A}">
+      <p15:sldGuideLst xmlns:p15="http://schemas.microsoft.com/office/powerpoint/2012/main">
+        <p15:guide id="1" orient="horz" pos="2160">
+          <p15:clr>
+            <a:srgbClr val="A4A3A4"/>
+          </p15:clr>
+        </p15:guide>
+        <p15:guide id="2" pos="2880">
+          <p15:clr>
+            <a:srgbClr val="A4A3A4"/>
+          </p15:clr>
+        </p15:guide>
+      </p15:sldGuideLst>
+    </p:ext>
+  </p:extLst>
 </p:presentation>
 </file>
 
@@ -5036,7 +5052,17 @@
                 <a:latin typeface="Berlin Sans FB Demi" panose="020E0802020502020306" pitchFamily="34" charset="0"/>
                 <a:cs typeface="Consolas" panose="020B0609020204030204" pitchFamily="49" charset="0"/>
               </a:rPr>
-              <a:t>An Overview </a:t>
+              <a:t>An Overview of </a:t>
+            </a:r>
+            <a:r>
+              <a:rPr lang="en-US" b="1" dirty="0" err="1" smtClean="0">
+                <a:solidFill>
+                  <a:schemeClr val="accent1"/>
+                </a:solidFill>
+                <a:latin typeface="Berlin Sans FB Demi" panose="020E0802020502020306" pitchFamily="34" charset="0"/>
+                <a:cs typeface="Consolas" panose="020B0609020204030204" pitchFamily="49" charset="0"/>
+              </a:rPr>
+              <a:t>Clientside</a:t>
             </a:r>
             <a:r>
               <a:rPr lang="en-US" b="1" dirty="0" smtClean="0">
@@ -5046,37 +5072,7 @@
                 <a:latin typeface="Berlin Sans FB Demi" panose="020E0802020502020306" pitchFamily="34" charset="0"/>
                 <a:cs typeface="Consolas" panose="020B0609020204030204" pitchFamily="49" charset="0"/>
               </a:rPr>
-              <a:t>of </a:t>
-            </a:r>
-            <a:r>
-              <a:rPr lang="en-US" b="1" dirty="0" err="1" smtClean="0">
-                <a:solidFill>
-                  <a:schemeClr val="accent1"/>
-                </a:solidFill>
-                <a:latin typeface="Berlin Sans FB Demi" panose="020E0802020502020306" pitchFamily="34" charset="0"/>
-                <a:cs typeface="Consolas" panose="020B0609020204030204" pitchFamily="49" charset="0"/>
-              </a:rPr>
-              <a:t>Clientside</a:t>
-            </a:r>
-            <a:r>
-              <a:rPr lang="en-US" b="1" dirty="0" smtClean="0">
-                <a:solidFill>
-                  <a:schemeClr val="accent1"/>
-                </a:solidFill>
-                <a:latin typeface="Berlin Sans FB Demi" panose="020E0802020502020306" pitchFamily="34" charset="0"/>
-                <a:cs typeface="Consolas" panose="020B0609020204030204" pitchFamily="49" charset="0"/>
-              </a:rPr>
-              <a:t> </a:t>
-            </a:r>
-            <a:r>
-              <a:rPr lang="en-US" b="1" dirty="0" smtClean="0">
-                <a:solidFill>
-                  <a:schemeClr val="accent1"/>
-                </a:solidFill>
-                <a:latin typeface="Berlin Sans FB Demi" panose="020E0802020502020306" pitchFamily="34" charset="0"/>
-                <a:cs typeface="Consolas" panose="020B0609020204030204" pitchFamily="49" charset="0"/>
-              </a:rPr>
-              <a:t>Coding Concepts</a:t>
+              <a:t> Coding Concepts</a:t>
             </a:r>
             <a:endParaRPr lang="en-US" b="1" dirty="0">
               <a:solidFill>
@@ -5435,11 +5431,7 @@
             <a:pPr lvl="2"/>
             <a:r>
               <a:rPr lang="en-US" dirty="0" smtClean="0"/>
-              <a:t>JQuery</a:t>
-            </a:r>
-            <a:r>
-              <a:rPr lang="en-US" dirty="0" smtClean="0"/>
-              <a:t>:</a:t>
+              <a:t>JQuery:</a:t>
             </a:r>
           </a:p>
           <a:p>
@@ -5476,11 +5468,7 @@
             </a:pPr>
             <a:r>
               <a:rPr lang="en-US" dirty="0" smtClean="0"/>
-              <a:t>JQuery</a:t>
-            </a:r>
-            <a:r>
-              <a:rPr lang="en-US" dirty="0" smtClean="0"/>
-              <a:t>:</a:t>
+              <a:t>JQuery:</a:t>
             </a:r>
           </a:p>
           <a:p>
@@ -5517,11 +5505,7 @@
             </a:pPr>
             <a:r>
               <a:rPr lang="en-US" dirty="0" smtClean="0"/>
-              <a:t>JQuery</a:t>
-            </a:r>
-            <a:r>
-              <a:rPr lang="en-US" dirty="0" smtClean="0"/>
-              <a:t>:</a:t>
+              <a:t>JQuery:</a:t>
             </a:r>
           </a:p>
           <a:p>
@@ -6066,23 +6050,7 @@
             </a:pPr>
             <a:r>
               <a:rPr lang="en-US" sz="1600" dirty="0" smtClean="0"/>
-              <a:t>Many well-known </a:t>
-            </a:r>
-            <a:r>
-              <a:rPr lang="en-US" sz="1600" dirty="0" smtClean="0"/>
-              <a:t>JQuery </a:t>
-            </a:r>
-            <a:r>
-              <a:rPr lang="en-US" sz="1600" dirty="0" smtClean="0"/>
-              <a:t>features are essentially </a:t>
-            </a:r>
-            <a:r>
-              <a:rPr lang="en-US" sz="1600" dirty="0" smtClean="0"/>
-              <a:t>just </a:t>
-            </a:r>
-            <a:r>
-              <a:rPr lang="en-US" sz="1600" dirty="0" smtClean="0"/>
-              <a:t>wrappers of native JS functions.</a:t>
+              <a:t>Many well-known JQuery features are essentially just wrappers of native JS functions.</a:t>
             </a:r>
             <a:endParaRPr lang="en-US" sz="1600" dirty="0"/>
           </a:p>
@@ -6144,13 +6112,7 @@
               <a:rPr lang="en-US" dirty="0" smtClean="0">
                 <a:latin typeface="Berlin Sans FB Demi" panose="020E0802020502020306" pitchFamily="34" charset="0"/>
               </a:rPr>
-              <a:t>JQuery </a:t>
-            </a:r>
-            <a:r>
-              <a:rPr lang="en-US" dirty="0" smtClean="0">
-                <a:latin typeface="Berlin Sans FB Demi" panose="020E0802020502020306" pitchFamily="34" charset="0"/>
-              </a:rPr>
-              <a:t>Tradeoffs</a:t>
+              <a:t>JQuery Tradeoffs</a:t>
             </a:r>
             <a:endParaRPr lang="en-US" dirty="0">
               <a:latin typeface="Berlin Sans FB Demi" panose="020E0802020502020306" pitchFamily="34" charset="0"/>
@@ -6847,17 +6809,7 @@
                 <a:latin typeface="Consolas" panose="020B0609020204030204" pitchFamily="49" charset="0"/>
                 <a:cs typeface="Consolas" panose="020B0609020204030204" pitchFamily="49" charset="0"/>
               </a:rPr>
-              <a:t>:</a:t>
-            </a:r>
-            <a:r>
-              <a:rPr lang="en-US" sz="1400" dirty="0">
-                <a:solidFill>
-                  <a:schemeClr val="accent1"/>
-                </a:solidFill>
-                <a:latin typeface="Consolas" panose="020B0609020204030204" pitchFamily="49" charset="0"/>
-                <a:cs typeface="Consolas" panose="020B0609020204030204" pitchFamily="49" charset="0"/>
-              </a:rPr>
-              <a:t>checkbox</a:t>
+              <a:t>:checkbox</a:t>
             </a:r>
             <a:r>
               <a:rPr lang="en-US" sz="1400" dirty="0" smtClean="0"/>
@@ -6873,13 +6825,6 @@
               </a:rPr>
               <a:t>:button</a:t>
             </a:r>
-            <a:endParaRPr lang="en-US" sz="1400" dirty="0">
-              <a:solidFill>
-                <a:schemeClr val="accent1"/>
-              </a:solidFill>
-              <a:latin typeface="Consolas" panose="020B0609020204030204" pitchFamily="49" charset="0"/>
-              <a:cs typeface="Consolas" panose="020B0609020204030204" pitchFamily="49" charset="0"/>
-            </a:endParaRPr>
           </a:p>
           <a:p>
             <a:pPr lvl="2"/>
@@ -6891,17 +6836,7 @@
                 <a:latin typeface="Consolas" panose="020B0609020204030204" pitchFamily="49" charset="0"/>
                 <a:cs typeface="Consolas" panose="020B0609020204030204" pitchFamily="49" charset="0"/>
               </a:rPr>
-              <a:t>:a</a:t>
-            </a:r>
-            <a:r>
-              <a:rPr lang="en-US" sz="1400" dirty="0">
-                <a:solidFill>
-                  <a:schemeClr val="accent1"/>
-                </a:solidFill>
-                <a:latin typeface="Consolas" panose="020B0609020204030204" pitchFamily="49" charset="0"/>
-                <a:cs typeface="Consolas" panose="020B0609020204030204" pitchFamily="49" charset="0"/>
-              </a:rPr>
-              <a:t>nimated</a:t>
+              <a:t>:animated</a:t>
             </a:r>
           </a:p>
           <a:p>
@@ -7939,16 +7874,6 @@
               </a:rPr>
               <a:t>// Replace parent with child:</a:t>
             </a:r>
-            <a:endParaRPr lang="en-US" sz="1600" dirty="0" smtClean="0">
-              <a:solidFill>
-                <a:schemeClr val="tx1">
-                  <a:lumMod val="50000"/>
-                  <a:lumOff val="50000"/>
-                </a:schemeClr>
-              </a:solidFill>
-              <a:latin typeface="Consolas" panose="020B0609020204030204" pitchFamily="49" charset="0"/>
-              <a:cs typeface="Consolas" panose="020B0609020204030204" pitchFamily="49" charset="0"/>
-            </a:endParaRPr>
           </a:p>
           <a:p>
             <a:r>
@@ -8237,13 +8162,6 @@
               </a:rPr>
               <a:t>);</a:t>
             </a:r>
-            <a:endParaRPr lang="en-US" sz="1600" dirty="0" smtClean="0">
-              <a:solidFill>
-                <a:schemeClr val="bg1"/>
-              </a:solidFill>
-              <a:latin typeface="Consolas" panose="020B0609020204030204" pitchFamily="49" charset="0"/>
-              <a:cs typeface="Consolas" panose="020B0609020204030204" pitchFamily="49" charset="0"/>
-            </a:endParaRPr>
           </a:p>
           <a:p>
             <a:r>
@@ -8566,7 +8484,7 @@
         </p:nvSpPr>
         <p:spPr>
           <a:xfrm>
-            <a:off x="457200" y="3124201"/>
+            <a:off x="457200" y="3429001"/>
             <a:ext cx="8229600" cy="2895599"/>
           </a:xfrm>
           <a:solidFill>
@@ -8625,9 +8543,13 @@
             </a:r>
             <a:r>
               <a:rPr lang="en-US" sz="1800" dirty="0" smtClean="0"/>
-              <a:t>keyword provides block-level scope</a:t>
-            </a:r>
-            <a:endParaRPr lang="en-US" sz="1400" dirty="0" smtClean="0"/>
+              <a:t>keyword provides block-level </a:t>
+            </a:r>
+            <a:r>
+              <a:rPr lang="en-US" sz="1800" dirty="0" smtClean="0"/>
+              <a:t>scope</a:t>
+            </a:r>
+            <a:endParaRPr lang="en-US" sz="1800" dirty="0"/>
           </a:p>
           <a:p>
             <a:pPr>
@@ -8636,41 +8558,22 @@
               </a:spcBef>
             </a:pPr>
             <a:r>
+              <a:rPr lang="en-US" sz="2400" dirty="0"/>
+              <a:t>Named functions </a:t>
+            </a:r>
+            <a:r>
+              <a:rPr lang="en-US" sz="2000" dirty="0" err="1"/>
+              <a:t>vs</a:t>
+            </a:r>
+            <a:r>
+              <a:rPr lang="en-US" sz="2400" dirty="0"/>
+              <a:t> anonymous </a:t>
+            </a:r>
+            <a:r>
               <a:rPr lang="en-US" sz="2400" dirty="0" smtClean="0"/>
-              <a:t>Number of parameters is not constrained</a:t>
-            </a:r>
-          </a:p>
-          <a:p>
-            <a:pPr lvl="1"/>
-            <a:r>
-              <a:rPr lang="en-US" sz="1800" dirty="0" smtClean="0"/>
-              <a:t>Allowed to pass more or fewer parameters than specified</a:t>
-            </a:r>
-          </a:p>
-          <a:p>
-            <a:pPr lvl="1"/>
-            <a:r>
-              <a:rPr lang="en-US" sz="1800" dirty="0" smtClean="0"/>
-              <a:t>Use </a:t>
-            </a:r>
-            <a:r>
-              <a:rPr lang="en-US" sz="1800" dirty="0" smtClean="0">
-                <a:solidFill>
-                  <a:schemeClr val="accent1"/>
-                </a:solidFill>
-                <a:latin typeface="Consolas" panose="020B0609020204030204" pitchFamily="49" charset="0"/>
-                <a:cs typeface="Consolas" panose="020B0609020204030204" pitchFamily="49" charset="0"/>
-              </a:rPr>
-              <a:t>arguments</a:t>
-            </a:r>
-            <a:r>
-              <a:rPr lang="en-US" sz="1800" dirty="0" smtClean="0"/>
-              <a:t> to access all parameters from within a </a:t>
-            </a:r>
-            <a:r>
-              <a:rPr lang="en-US" sz="1800" dirty="0" smtClean="0"/>
-              <a:t>function</a:t>
-            </a:r>
+              <a:t>functions</a:t>
+            </a:r>
+            <a:endParaRPr lang="en-US" sz="1400" dirty="0" smtClean="0"/>
           </a:p>
           <a:p>
             <a:pPr>
@@ -8680,15 +8583,39 @@
             </a:pPr>
             <a:r>
               <a:rPr lang="en-US" sz="2400" dirty="0" smtClean="0"/>
-              <a:t>Named functions </a:t>
-            </a:r>
-            <a:r>
-              <a:rPr lang="en-US" sz="2000" dirty="0" smtClean="0"/>
-              <a:t>vs</a:t>
-            </a:r>
-            <a:r>
-              <a:rPr lang="en-US" sz="2400" dirty="0" smtClean="0"/>
-              <a:t> anonymous functions</a:t>
+              <a:t>Number of parameters is not constrained</a:t>
+            </a:r>
+          </a:p>
+          <a:p>
+            <a:pPr lvl="1"/>
+            <a:r>
+              <a:rPr lang="en-US" sz="1800" dirty="0" smtClean="0"/>
+              <a:t>Allowed to pass more or fewer parameters than specified</a:t>
+            </a:r>
+          </a:p>
+          <a:p>
+            <a:pPr lvl="1"/>
+            <a:r>
+              <a:rPr lang="en-US" sz="1800" dirty="0" smtClean="0"/>
+              <a:t>Use </a:t>
+            </a:r>
+            <a:r>
+              <a:rPr lang="en-US" sz="1800" dirty="0" smtClean="0">
+                <a:solidFill>
+                  <a:schemeClr val="accent1"/>
+                </a:solidFill>
+                <a:latin typeface="Consolas" panose="020B0609020204030204" pitchFamily="49" charset="0"/>
+                <a:cs typeface="Consolas" panose="020B0609020204030204" pitchFamily="49" charset="0"/>
+              </a:rPr>
+              <a:t>arguments</a:t>
+            </a:r>
+            <a:r>
+              <a:rPr lang="en-US" sz="1800" dirty="0" smtClean="0"/>
+              <a:t> to access all parameters from within a </a:t>
+            </a:r>
+            <a:r>
+              <a:rPr lang="en-US" sz="1800" dirty="0" smtClean="0"/>
+              <a:t>function</a:t>
             </a:r>
             <a:endParaRPr lang="en-US" sz="2000" dirty="0" smtClean="0"/>
           </a:p>
@@ -8730,7 +8657,7 @@
         <p:spPr>
           <a:xfrm>
             <a:off x="457200" y="1295400"/>
-            <a:ext cx="8229600" cy="1754326"/>
+            <a:ext cx="8229600" cy="2031325"/>
           </a:xfrm>
           <a:prstGeom prst="rect">
             <a:avLst/>
@@ -8769,7 +8696,7 @@
             <a:r>
               <a:rPr lang="en-US" dirty="0">
                 <a:solidFill>
-                  <a:schemeClr val="accent1"/>
+                  <a:schemeClr val="bg1"/>
                 </a:solidFill>
                 <a:latin typeface="Consolas" panose="020B0609020204030204" pitchFamily="49" charset="0"/>
                 <a:cs typeface="Consolas" panose="020B0609020204030204" pitchFamily="49" charset="0"/>
@@ -8784,7 +8711,7 @@
                 <a:latin typeface="Consolas" panose="020B0609020204030204" pitchFamily="49" charset="0"/>
                 <a:cs typeface="Consolas" panose="020B0609020204030204" pitchFamily="49" charset="0"/>
               </a:rPr>
-              <a:t>someAlias</a:t>
+              <a:t>returnVal</a:t>
             </a:r>
             <a:r>
               <a:rPr lang="en-US" dirty="0" smtClean="0">
@@ -8794,16 +8721,26 @@
                 <a:latin typeface="Consolas" panose="020B0609020204030204" pitchFamily="49" charset="0"/>
                 <a:cs typeface="Consolas" panose="020B0609020204030204" pitchFamily="49" charset="0"/>
               </a:rPr>
-              <a:t> = </a:t>
-            </a:r>
-            <a:r>
-              <a:rPr lang="en-US" dirty="0" err="1">
+              <a:t> </a:t>
+            </a:r>
+            <a:r>
+              <a:rPr lang="en-US" dirty="0" smtClean="0">
                 <a:solidFill>
                   <a:schemeClr val="bg1"/>
                 </a:solidFill>
                 <a:latin typeface="Consolas" panose="020B0609020204030204" pitchFamily="49" charset="0"/>
                 <a:cs typeface="Consolas" panose="020B0609020204030204" pitchFamily="49" charset="0"/>
               </a:rPr>
+              <a:t>= </a:t>
+            </a:r>
+            <a:r>
+              <a:rPr lang="en-US" dirty="0" err="1" smtClean="0">
+                <a:solidFill>
+                  <a:schemeClr val="bg1"/>
+                </a:solidFill>
+                <a:latin typeface="Consolas" panose="020B0609020204030204" pitchFamily="49" charset="0"/>
+                <a:cs typeface="Consolas" panose="020B0609020204030204" pitchFamily="49" charset="0"/>
+              </a:rPr>
               <a:t>someFunction</a:t>
             </a:r>
             <a:r>
@@ -8814,7 +8751,67 @@
                 <a:latin typeface="Consolas" panose="020B0609020204030204" pitchFamily="49" charset="0"/>
                 <a:cs typeface="Consolas" panose="020B0609020204030204" pitchFamily="49" charset="0"/>
               </a:rPr>
-              <a:t>;</a:t>
+              <a:t>(</a:t>
+            </a:r>
+            <a:r>
+              <a:rPr lang="en-US" dirty="0" smtClean="0">
+                <a:solidFill>
+                  <a:schemeClr val="accent3"/>
+                </a:solidFill>
+                <a:latin typeface="Consolas" panose="020B0609020204030204" pitchFamily="49" charset="0"/>
+                <a:cs typeface="Consolas" panose="020B0609020204030204" pitchFamily="49" charset="0"/>
+              </a:rPr>
+              <a:t>'a'</a:t>
+            </a:r>
+            <a:r>
+              <a:rPr lang="en-US" dirty="0" smtClean="0">
+                <a:solidFill>
+                  <a:schemeClr val="bg1"/>
+                </a:solidFill>
+                <a:latin typeface="Consolas" panose="020B0609020204030204" pitchFamily="49" charset="0"/>
+                <a:cs typeface="Consolas" panose="020B0609020204030204" pitchFamily="49" charset="0"/>
+              </a:rPr>
+              <a:t>, </a:t>
+            </a:r>
+            <a:r>
+              <a:rPr lang="en-US" dirty="0" smtClean="0">
+                <a:solidFill>
+                  <a:schemeClr val="accent3"/>
+                </a:solidFill>
+                <a:latin typeface="Consolas" panose="020B0609020204030204" pitchFamily="49" charset="0"/>
+                <a:cs typeface="Consolas" panose="020B0609020204030204" pitchFamily="49" charset="0"/>
+              </a:rPr>
+              <a:t>'b'</a:t>
+            </a:r>
+            <a:r>
+              <a:rPr lang="en-US" dirty="0" smtClean="0">
+                <a:solidFill>
+                  <a:schemeClr val="bg1"/>
+                </a:solidFill>
+                <a:latin typeface="Consolas" panose="020B0609020204030204" pitchFamily="49" charset="0"/>
+                <a:cs typeface="Consolas" panose="020B0609020204030204" pitchFamily="49" charset="0"/>
+              </a:rPr>
+              <a:t>, </a:t>
+            </a:r>
+            <a:r>
+              <a:rPr lang="en-US" dirty="0" smtClean="0">
+                <a:solidFill>
+                  <a:schemeClr val="accent3"/>
+                </a:solidFill>
+                <a:latin typeface="Consolas" panose="020B0609020204030204" pitchFamily="49" charset="0"/>
+                <a:cs typeface="Consolas" panose="020B0609020204030204" pitchFamily="49" charset="0"/>
+              </a:rPr>
+              <a:t>'c'</a:t>
+            </a:r>
+            <a:r>
+              <a:rPr lang="en-US" dirty="0" smtClean="0">
+                <a:solidFill>
+                  <a:schemeClr val="bg1"/>
+                </a:solidFill>
+                <a:latin typeface="Consolas" panose="020B0609020204030204" pitchFamily="49" charset="0"/>
+                <a:cs typeface="Consolas" panose="020B0609020204030204" pitchFamily="49" charset="0"/>
+              </a:rPr>
+              <a:t>);</a:t>
             </a:r>
             <a:endParaRPr lang="en-US" dirty="0">
               <a:solidFill>
@@ -8869,7 +8866,19 @@
                 <a:latin typeface="Consolas" panose="020B0609020204030204" pitchFamily="49" charset="0"/>
                 <a:cs typeface="Consolas" panose="020B0609020204030204" pitchFamily="49" charset="0"/>
               </a:rPr>
-              <a:t>(arg1</a:t>
+              <a:t>(arg1, arg2) {</a:t>
+            </a:r>
+          </a:p>
+          <a:p>
+            <a:r>
+              <a:rPr lang="en-US" dirty="0">
+                <a:solidFill>
+                  <a:schemeClr val="bg1"/>
+                </a:solidFill>
+                <a:latin typeface="Consolas" panose="020B0609020204030204" pitchFamily="49" charset="0"/>
+                <a:cs typeface="Consolas" panose="020B0609020204030204" pitchFamily="49" charset="0"/>
+              </a:rPr>
+              <a:t> </a:t>
             </a:r>
             <a:r>
               <a:rPr lang="en-US" dirty="0" smtClean="0">
@@ -8879,29 +8888,27 @@
                 <a:latin typeface="Consolas" panose="020B0609020204030204" pitchFamily="49" charset="0"/>
                 <a:cs typeface="Consolas" panose="020B0609020204030204" pitchFamily="49" charset="0"/>
               </a:rPr>
-              <a:t>, arg2) {</a:t>
-            </a:r>
-          </a:p>
-          <a:p>
-            <a:r>
-              <a:rPr lang="en-US" dirty="0">
+              <a:t>   </a:t>
+            </a:r>
+            <a:r>
+              <a:rPr lang="en-US" dirty="0" smtClean="0">
                 <a:solidFill>
                   <a:schemeClr val="bg1"/>
                 </a:solidFill>
                 <a:latin typeface="Consolas" panose="020B0609020204030204" pitchFamily="49" charset="0"/>
                 <a:cs typeface="Consolas" panose="020B0609020204030204" pitchFamily="49" charset="0"/>
               </a:rPr>
-              <a:t> </a:t>
-            </a:r>
-            <a:r>
-              <a:rPr lang="en-US" dirty="0" smtClean="0">
+              <a:t>console.log(</a:t>
+            </a:r>
+            <a:r>
+              <a:rPr lang="en-US" dirty="0" err="1" smtClean="0">
                 <a:solidFill>
                   <a:schemeClr val="bg1"/>
                 </a:solidFill>
                 <a:latin typeface="Consolas" panose="020B0609020204030204" pitchFamily="49" charset="0"/>
                 <a:cs typeface="Consolas" panose="020B0609020204030204" pitchFamily="49" charset="0"/>
               </a:rPr>
-              <a:t>   console.log(last3Args</a:t>
+              <a:t>moreArgs</a:t>
             </a:r>
             <a:r>
               <a:rPr lang="en-US" dirty="0" smtClean="0">
@@ -8954,7 +8961,17 @@
                 <a:latin typeface="Consolas" panose="020B0609020204030204" pitchFamily="49" charset="0"/>
                 <a:cs typeface="Consolas" panose="020B0609020204030204" pitchFamily="49" charset="0"/>
               </a:rPr>
-              <a:t> last3Args = </a:t>
+              <a:t> </a:t>
+            </a:r>
+            <a:r>
+              <a:rPr lang="en-US" dirty="0" err="1" smtClean="0">
+                <a:solidFill>
+                  <a:schemeClr val="bg1"/>
+                </a:solidFill>
+                <a:latin typeface="Consolas" panose="020B0609020204030204" pitchFamily="49" charset="0"/>
+                <a:cs typeface="Consolas" panose="020B0609020204030204" pitchFamily="49" charset="0"/>
+              </a:rPr>
+              <a:t>moreArgs</a:t>
             </a:r>
             <a:r>
               <a:rPr lang="en-US" dirty="0" smtClean="0">
@@ -8964,6 +8981,23 @@
                 <a:latin typeface="Consolas" panose="020B0609020204030204" pitchFamily="49" charset="0"/>
                 <a:cs typeface="Consolas" panose="020B0609020204030204" pitchFamily="49" charset="0"/>
               </a:rPr>
+              <a:t> </a:t>
+            </a:r>
+            <a:r>
+              <a:rPr lang="en-US" dirty="0" smtClean="0">
+                <a:latin typeface="Consolas" panose="020B0609020204030204" pitchFamily="49" charset="0"/>
+                <a:cs typeface="Consolas" panose="020B0609020204030204" pitchFamily="49" charset="0"/>
+              </a:rPr>
+              <a:t>= </a:t>
+            </a:r>
+            <a:r>
+              <a:rPr lang="en-US" dirty="0" smtClean="0">
+                <a:solidFill>
+                  <a:schemeClr val="bg1"/>
+                </a:solidFill>
+                <a:latin typeface="Consolas" panose="020B0609020204030204" pitchFamily="49" charset="0"/>
+                <a:cs typeface="Consolas" panose="020B0609020204030204" pitchFamily="49" charset="0"/>
+              </a:rPr>
               <a:t>[]</a:t>
             </a:r>
             <a:r>
@@ -9033,6 +9067,75 @@
               </a:rPr>
               <a:t>);</a:t>
             </a:r>
+          </a:p>
+          <a:p>
+            <a:r>
+              <a:rPr lang="en-US" dirty="0">
+                <a:solidFill>
+                  <a:schemeClr val="bg1"/>
+                </a:solidFill>
+                <a:latin typeface="Consolas" panose="020B0609020204030204" pitchFamily="49" charset="0"/>
+                <a:cs typeface="Consolas" panose="020B0609020204030204" pitchFamily="49" charset="0"/>
+              </a:rPr>
+              <a:t> </a:t>
+            </a:r>
+            <a:r>
+              <a:rPr lang="en-US" dirty="0" smtClean="0">
+                <a:solidFill>
+                  <a:schemeClr val="bg1"/>
+                </a:solidFill>
+                <a:latin typeface="Consolas" panose="020B0609020204030204" pitchFamily="49" charset="0"/>
+                <a:cs typeface="Consolas" panose="020B0609020204030204" pitchFamily="49" charset="0"/>
+              </a:rPr>
+              <a:t>   </a:t>
+            </a:r>
+            <a:r>
+              <a:rPr lang="en-US" dirty="0" smtClean="0">
+                <a:solidFill>
+                  <a:schemeClr val="accent1"/>
+                </a:solidFill>
+                <a:latin typeface="Consolas" panose="020B0609020204030204" pitchFamily="49" charset="0"/>
+                <a:cs typeface="Consolas" panose="020B0609020204030204" pitchFamily="49" charset="0"/>
+              </a:rPr>
+              <a:t>return</a:t>
+            </a:r>
+            <a:r>
+              <a:rPr lang="en-US" dirty="0" smtClean="0">
+                <a:solidFill>
+                  <a:schemeClr val="bg1"/>
+                </a:solidFill>
+                <a:latin typeface="Consolas" panose="020B0609020204030204" pitchFamily="49" charset="0"/>
+                <a:cs typeface="Consolas" panose="020B0609020204030204" pitchFamily="49" charset="0"/>
+              </a:rPr>
+              <a:t> </a:t>
+            </a:r>
+            <a:r>
+              <a:rPr lang="en-US" dirty="0" err="1" smtClean="0">
+                <a:solidFill>
+                  <a:schemeClr val="bg1"/>
+                </a:solidFill>
+                <a:latin typeface="Consolas" panose="020B0609020204030204" pitchFamily="49" charset="0"/>
+                <a:cs typeface="Consolas" panose="020B0609020204030204" pitchFamily="49" charset="0"/>
+              </a:rPr>
+              <a:t>moreArgs</a:t>
+            </a:r>
+            <a:r>
+              <a:rPr lang="en-US" dirty="0" smtClean="0">
+                <a:solidFill>
+                  <a:schemeClr val="bg1"/>
+                </a:solidFill>
+                <a:latin typeface="Consolas" panose="020B0609020204030204" pitchFamily="49" charset="0"/>
+                <a:cs typeface="Consolas" panose="020B0609020204030204" pitchFamily="49" charset="0"/>
+              </a:rPr>
+              <a:t>[0];</a:t>
+            </a:r>
+            <a:endParaRPr lang="en-US" dirty="0" smtClean="0">
+              <a:solidFill>
+                <a:schemeClr val="bg1"/>
+              </a:solidFill>
+              <a:latin typeface="Consolas" panose="020B0609020204030204" pitchFamily="49" charset="0"/>
+              <a:cs typeface="Consolas" panose="020B0609020204030204" pitchFamily="49" charset="0"/>
+            </a:endParaRPr>
           </a:p>
           <a:p>
             <a:r>
@@ -9126,11 +9229,7 @@
             <a:pPr lvl="1"/>
             <a:r>
               <a:rPr lang="en-US" sz="1800" dirty="0" smtClean="0"/>
-              <a:t>Any </a:t>
-            </a:r>
-            <a:r>
-              <a:rPr lang="en-US" sz="1800" dirty="0" smtClean="0"/>
-              <a:t>function can be instantiated and used like a class. </a:t>
+              <a:t>Any function can be instantiated and used like a class. </a:t>
             </a:r>
             <a:endParaRPr lang="en-US" sz="2400" dirty="0"/>
           </a:p>
@@ -9208,13 +9307,8 @@
             </a:r>
             <a:r>
               <a:rPr lang="en-US" sz="2400" dirty="0" smtClean="0"/>
-              <a:t> can change in nested </a:t>
-            </a:r>
-            <a:r>
-              <a:rPr lang="en-US" sz="2400" dirty="0" smtClean="0"/>
-              <a:t>functions</a:t>
-            </a:r>
-            <a:endParaRPr lang="en-US" sz="2400" dirty="0" smtClean="0"/>
+              <a:t> can change in nested functions</a:t>
+            </a:r>
           </a:p>
           <a:p>
             <a:pPr lvl="1"/>
@@ -9252,37 +9346,21 @@
             <a:pPr lvl="1"/>
             <a:r>
               <a:rPr lang="en-US" sz="1800" dirty="0" smtClean="0"/>
-              <a:t>Some tools </a:t>
+              <a:t>Some tools will warn of a forgotten </a:t>
+            </a:r>
+            <a:r>
+              <a:rPr lang="en-US" sz="1800" dirty="0" smtClean="0">
+                <a:solidFill>
+                  <a:schemeClr val="accent1"/>
+                </a:solidFill>
+                <a:latin typeface="Consolas" panose="020B0609020204030204" pitchFamily="49" charset="0"/>
+                <a:cs typeface="Consolas" panose="020B0609020204030204" pitchFamily="49" charset="0"/>
+              </a:rPr>
+              <a:t>new</a:t>
             </a:r>
             <a:r>
               <a:rPr lang="en-US" sz="1800" dirty="0" smtClean="0"/>
-              <a:t>will </a:t>
-            </a:r>
-            <a:r>
-              <a:rPr lang="en-US" sz="1800" dirty="0" smtClean="0"/>
-              <a:t>warn of a forgotten </a:t>
-            </a:r>
-            <a:r>
-              <a:rPr lang="en-US" sz="1800" dirty="0" smtClean="0">
-                <a:solidFill>
-                  <a:schemeClr val="accent1"/>
-                </a:solidFill>
-                <a:latin typeface="Consolas" panose="020B0609020204030204" pitchFamily="49" charset="0"/>
-                <a:cs typeface="Consolas" panose="020B0609020204030204" pitchFamily="49" charset="0"/>
-              </a:rPr>
-              <a:t>new</a:t>
-            </a:r>
-            <a:r>
-              <a:rPr lang="en-US" sz="1800" dirty="0" smtClean="0"/>
-              <a:t> using </a:t>
-            </a:r>
-            <a:r>
-              <a:rPr lang="en-US" sz="1800" dirty="0" smtClean="0"/>
-              <a:t>this </a:t>
-            </a:r>
-            <a:r>
-              <a:rPr lang="en-US" sz="1800" dirty="0" smtClean="0"/>
-              <a:t>convention.</a:t>
+              <a:t> using this convention.</a:t>
             </a:r>
             <a:endParaRPr lang="en-US" sz="1800" dirty="0"/>
           </a:p>
@@ -9375,8 +9453,10 @@
                 <a:latin typeface="Consolas" panose="020B0609020204030204" pitchFamily="49" charset="0"/>
                 <a:cs typeface="Consolas" panose="020B0609020204030204" pitchFamily="49" charset="0"/>
               </a:rPr>
-              <a:t>Color(r, g, b) </a:t>
-            </a:r>
+              <a:t>Color(r, g, b) {</a:t>
+            </a:r>
+          </a:p>
+          <a:p>
             <a:r>
               <a:rPr lang="en-US" dirty="0" smtClean="0">
                 <a:solidFill>
@@ -9385,10 +9465,28 @@
                 <a:latin typeface="Consolas" panose="020B0609020204030204" pitchFamily="49" charset="0"/>
                 <a:cs typeface="Consolas" panose="020B0609020204030204" pitchFamily="49" charset="0"/>
               </a:rPr>
-              <a:t>{</a:t>
-            </a:r>
-          </a:p>
-          <a:p>
+              <a:t>    </a:t>
+            </a:r>
+            <a:r>
+              <a:rPr lang="en-US" dirty="0" err="1" smtClean="0">
+                <a:solidFill>
+                  <a:schemeClr val="accent1"/>
+                </a:solidFill>
+                <a:latin typeface="Consolas" panose="020B0609020204030204" pitchFamily="49" charset="0"/>
+                <a:cs typeface="Consolas" panose="020B0609020204030204" pitchFamily="49" charset="0"/>
+              </a:rPr>
+              <a:t>this</a:t>
+            </a:r>
+            <a:r>
+              <a:rPr lang="en-US" dirty="0" err="1" smtClean="0">
+                <a:solidFill>
+                  <a:schemeClr val="bg1"/>
+                </a:solidFill>
+                <a:latin typeface="Consolas" panose="020B0609020204030204" pitchFamily="49" charset="0"/>
+                <a:cs typeface="Consolas" panose="020B0609020204030204" pitchFamily="49" charset="0"/>
+              </a:rPr>
+              <a:t>.hex</a:t>
+            </a:r>
             <a:r>
               <a:rPr lang="en-US" dirty="0" smtClean="0">
                 <a:solidFill>
@@ -9397,238 +9495,181 @@
                 <a:latin typeface="Consolas" panose="020B0609020204030204" pitchFamily="49" charset="0"/>
                 <a:cs typeface="Consolas" panose="020B0609020204030204" pitchFamily="49" charset="0"/>
               </a:rPr>
-              <a:t>    </a:t>
+              <a:t> = </a:t>
             </a:r>
             <a:r>
               <a:rPr lang="en-US" dirty="0" err="1" smtClean="0">
                 <a:solidFill>
+                  <a:schemeClr val="bg1"/>
+                </a:solidFill>
+                <a:latin typeface="Consolas" panose="020B0609020204030204" pitchFamily="49" charset="0"/>
+                <a:cs typeface="Consolas" panose="020B0609020204030204" pitchFamily="49" charset="0"/>
+              </a:rPr>
+              <a:t>r.toString</a:t>
+            </a:r>
+            <a:r>
+              <a:rPr lang="en-US" dirty="0" smtClean="0">
+                <a:solidFill>
+                  <a:schemeClr val="bg1"/>
+                </a:solidFill>
+                <a:latin typeface="Consolas" panose="020B0609020204030204" pitchFamily="49" charset="0"/>
+                <a:cs typeface="Consolas" panose="020B0609020204030204" pitchFamily="49" charset="0"/>
+              </a:rPr>
+              <a:t>(</a:t>
+            </a:r>
+            <a:r>
+              <a:rPr lang="en-US" dirty="0" smtClean="0">
+                <a:solidFill>
+                  <a:srgbClr val="FFC000"/>
+                </a:solidFill>
+                <a:latin typeface="Consolas" panose="020B0609020204030204" pitchFamily="49" charset="0"/>
+                <a:cs typeface="Consolas" panose="020B0609020204030204" pitchFamily="49" charset="0"/>
+              </a:rPr>
+              <a:t>16</a:t>
+            </a:r>
+            <a:r>
+              <a:rPr lang="en-US" dirty="0" smtClean="0">
+                <a:solidFill>
+                  <a:schemeClr val="bg1"/>
+                </a:solidFill>
+                <a:latin typeface="Consolas" panose="020B0609020204030204" pitchFamily="49" charset="0"/>
+                <a:cs typeface="Consolas" panose="020B0609020204030204" pitchFamily="49" charset="0"/>
+              </a:rPr>
+              <a:t>) + </a:t>
+            </a:r>
+            <a:r>
+              <a:rPr lang="en-US" dirty="0" err="1" smtClean="0">
+                <a:solidFill>
+                  <a:schemeClr val="bg1"/>
+                </a:solidFill>
+                <a:latin typeface="Consolas" panose="020B0609020204030204" pitchFamily="49" charset="0"/>
+                <a:cs typeface="Consolas" panose="020B0609020204030204" pitchFamily="49" charset="0"/>
+              </a:rPr>
+              <a:t>g.toString</a:t>
+            </a:r>
+            <a:r>
+              <a:rPr lang="en-US" dirty="0" smtClean="0">
+                <a:solidFill>
+                  <a:schemeClr val="bg1"/>
+                </a:solidFill>
+                <a:latin typeface="Consolas" panose="020B0609020204030204" pitchFamily="49" charset="0"/>
+                <a:cs typeface="Consolas" panose="020B0609020204030204" pitchFamily="49" charset="0"/>
+              </a:rPr>
+              <a:t>(</a:t>
+            </a:r>
+            <a:r>
+              <a:rPr lang="en-US" dirty="0" smtClean="0">
+                <a:solidFill>
+                  <a:srgbClr val="FFC000"/>
+                </a:solidFill>
+                <a:latin typeface="Consolas" panose="020B0609020204030204" pitchFamily="49" charset="0"/>
+                <a:cs typeface="Consolas" panose="020B0609020204030204" pitchFamily="49" charset="0"/>
+              </a:rPr>
+              <a:t>16</a:t>
+            </a:r>
+            <a:r>
+              <a:rPr lang="en-US" dirty="0" smtClean="0">
+                <a:solidFill>
+                  <a:schemeClr val="bg1"/>
+                </a:solidFill>
+                <a:latin typeface="Consolas" panose="020B0609020204030204" pitchFamily="49" charset="0"/>
+                <a:cs typeface="Consolas" panose="020B0609020204030204" pitchFamily="49" charset="0"/>
+              </a:rPr>
+              <a:t>) + </a:t>
+            </a:r>
+            <a:r>
+              <a:rPr lang="en-US" dirty="0" err="1" smtClean="0">
+                <a:solidFill>
+                  <a:schemeClr val="bg1"/>
+                </a:solidFill>
+                <a:latin typeface="Consolas" panose="020B0609020204030204" pitchFamily="49" charset="0"/>
+                <a:cs typeface="Consolas" panose="020B0609020204030204" pitchFamily="49" charset="0"/>
+              </a:rPr>
+              <a:t>b.toString</a:t>
+            </a:r>
+            <a:r>
+              <a:rPr lang="en-US" dirty="0" smtClean="0">
+                <a:solidFill>
+                  <a:schemeClr val="bg1"/>
+                </a:solidFill>
+                <a:latin typeface="Consolas" panose="020B0609020204030204" pitchFamily="49" charset="0"/>
+                <a:cs typeface="Consolas" panose="020B0609020204030204" pitchFamily="49" charset="0"/>
+              </a:rPr>
+              <a:t>(</a:t>
+            </a:r>
+            <a:r>
+              <a:rPr lang="en-US" dirty="0" smtClean="0">
+                <a:solidFill>
+                  <a:srgbClr val="FFC000"/>
+                </a:solidFill>
+                <a:latin typeface="Consolas" panose="020B0609020204030204" pitchFamily="49" charset="0"/>
+                <a:cs typeface="Consolas" panose="020B0609020204030204" pitchFamily="49" charset="0"/>
+              </a:rPr>
+              <a:t>16</a:t>
+            </a:r>
+            <a:r>
+              <a:rPr lang="en-US" dirty="0" smtClean="0">
+                <a:solidFill>
+                  <a:schemeClr val="bg1"/>
+                </a:solidFill>
+                <a:latin typeface="Consolas" panose="020B0609020204030204" pitchFamily="49" charset="0"/>
+                <a:cs typeface="Consolas" panose="020B0609020204030204" pitchFamily="49" charset="0"/>
+              </a:rPr>
+              <a:t>);</a:t>
+            </a:r>
+          </a:p>
+          <a:p>
+            <a:r>
+              <a:rPr lang="en-US" dirty="0" smtClean="0">
+                <a:solidFill>
+                  <a:schemeClr val="bg1"/>
+                </a:solidFill>
+                <a:latin typeface="Consolas" panose="020B0609020204030204" pitchFamily="49" charset="0"/>
+                <a:cs typeface="Consolas" panose="020B0609020204030204" pitchFamily="49" charset="0"/>
+              </a:rPr>
+              <a:t>}</a:t>
+            </a:r>
+          </a:p>
+          <a:p>
+            <a:r>
+              <a:rPr lang="en-US" dirty="0" smtClean="0">
+                <a:solidFill>
                   <a:schemeClr val="accent1"/>
                 </a:solidFill>
                 <a:latin typeface="Consolas" panose="020B0609020204030204" pitchFamily="49" charset="0"/>
                 <a:cs typeface="Consolas" panose="020B0609020204030204" pitchFamily="49" charset="0"/>
               </a:rPr>
-              <a:t>this</a:t>
-            </a:r>
-            <a:r>
-              <a:rPr lang="en-US" dirty="0" err="1" smtClean="0">
+              <a:t>let </a:t>
+            </a:r>
+            <a:r>
+              <a:rPr lang="en-US" dirty="0" smtClean="0">
                 <a:solidFill>
                   <a:schemeClr val="bg1"/>
                 </a:solidFill>
                 <a:latin typeface="Consolas" panose="020B0609020204030204" pitchFamily="49" charset="0"/>
                 <a:cs typeface="Consolas" panose="020B0609020204030204" pitchFamily="49" charset="0"/>
               </a:rPr>
-              <a:t>.hex</a:t>
+              <a:t>red = </a:t>
             </a:r>
             <a:r>
               <a:rPr lang="en-US" dirty="0" smtClean="0">
                 <a:solidFill>
+                  <a:schemeClr val="accent1"/>
+                </a:solidFill>
+                <a:latin typeface="Consolas" panose="020B0609020204030204" pitchFamily="49" charset="0"/>
+                <a:cs typeface="Consolas" panose="020B0609020204030204" pitchFamily="49" charset="0"/>
+              </a:rPr>
+              <a:t>new</a:t>
+            </a:r>
+            <a:r>
+              <a:rPr lang="en-US" dirty="0" smtClean="0">
+                <a:solidFill>
                   <a:schemeClr val="bg1"/>
                 </a:solidFill>
                 <a:latin typeface="Consolas" panose="020B0609020204030204" pitchFamily="49" charset="0"/>
                 <a:cs typeface="Consolas" panose="020B0609020204030204" pitchFamily="49" charset="0"/>
               </a:rPr>
-              <a:t> </a:t>
-            </a:r>
-            <a:r>
-              <a:rPr lang="en-US" dirty="0" smtClean="0">
-                <a:solidFill>
-                  <a:schemeClr val="bg1"/>
-                </a:solidFill>
-                <a:latin typeface="Consolas" panose="020B0609020204030204" pitchFamily="49" charset="0"/>
-                <a:cs typeface="Consolas" panose="020B0609020204030204" pitchFamily="49" charset="0"/>
-              </a:rPr>
-              <a:t>= </a:t>
-            </a:r>
-            <a:r>
-              <a:rPr lang="en-US" dirty="0" err="1" smtClean="0">
-                <a:solidFill>
-                  <a:schemeClr val="bg1"/>
-                </a:solidFill>
-                <a:latin typeface="Consolas" panose="020B0609020204030204" pitchFamily="49" charset="0"/>
-                <a:cs typeface="Consolas" panose="020B0609020204030204" pitchFamily="49" charset="0"/>
-              </a:rPr>
-              <a:t>r.toString</a:t>
-            </a:r>
-            <a:r>
-              <a:rPr lang="en-US" dirty="0" smtClean="0">
-                <a:solidFill>
-                  <a:schemeClr val="bg1"/>
-                </a:solidFill>
-                <a:latin typeface="Consolas" panose="020B0609020204030204" pitchFamily="49" charset="0"/>
-                <a:cs typeface="Consolas" panose="020B0609020204030204" pitchFamily="49" charset="0"/>
-              </a:rPr>
-              <a:t>(</a:t>
-            </a:r>
-            <a:r>
-              <a:rPr lang="en-US" dirty="0" smtClean="0">
-                <a:solidFill>
-                  <a:srgbClr val="FFC000"/>
-                </a:solidFill>
-                <a:latin typeface="Consolas" panose="020B0609020204030204" pitchFamily="49" charset="0"/>
-                <a:cs typeface="Consolas" panose="020B0609020204030204" pitchFamily="49" charset="0"/>
-              </a:rPr>
-              <a:t>16</a:t>
-            </a:r>
-            <a:r>
-              <a:rPr lang="en-US" dirty="0" smtClean="0">
-                <a:solidFill>
-                  <a:schemeClr val="bg1"/>
-                </a:solidFill>
-                <a:latin typeface="Consolas" panose="020B0609020204030204" pitchFamily="49" charset="0"/>
-                <a:cs typeface="Consolas" panose="020B0609020204030204" pitchFamily="49" charset="0"/>
-              </a:rPr>
-              <a:t>) + </a:t>
-            </a:r>
-            <a:r>
-              <a:rPr lang="en-US" dirty="0" err="1" smtClean="0">
-                <a:solidFill>
-                  <a:schemeClr val="bg1"/>
-                </a:solidFill>
-                <a:latin typeface="Consolas" panose="020B0609020204030204" pitchFamily="49" charset="0"/>
-                <a:cs typeface="Consolas" panose="020B0609020204030204" pitchFamily="49" charset="0"/>
-              </a:rPr>
-              <a:t>g.toString</a:t>
-            </a:r>
-            <a:r>
-              <a:rPr lang="en-US" dirty="0" smtClean="0">
-                <a:solidFill>
-                  <a:schemeClr val="bg1"/>
-                </a:solidFill>
-                <a:latin typeface="Consolas" panose="020B0609020204030204" pitchFamily="49" charset="0"/>
-                <a:cs typeface="Consolas" panose="020B0609020204030204" pitchFamily="49" charset="0"/>
-              </a:rPr>
-              <a:t>(</a:t>
-            </a:r>
-            <a:r>
-              <a:rPr lang="en-US" dirty="0" smtClean="0">
-                <a:solidFill>
-                  <a:srgbClr val="FFC000"/>
-                </a:solidFill>
-                <a:latin typeface="Consolas" panose="020B0609020204030204" pitchFamily="49" charset="0"/>
-                <a:cs typeface="Consolas" panose="020B0609020204030204" pitchFamily="49" charset="0"/>
-              </a:rPr>
-              <a:t>16</a:t>
-            </a:r>
-            <a:r>
-              <a:rPr lang="en-US" dirty="0" smtClean="0">
-                <a:solidFill>
-                  <a:schemeClr val="bg1"/>
-                </a:solidFill>
-                <a:latin typeface="Consolas" panose="020B0609020204030204" pitchFamily="49" charset="0"/>
-                <a:cs typeface="Consolas" panose="020B0609020204030204" pitchFamily="49" charset="0"/>
-              </a:rPr>
-              <a:t>) + </a:t>
-            </a:r>
-            <a:r>
-              <a:rPr lang="en-US" dirty="0" err="1" smtClean="0">
-                <a:solidFill>
-                  <a:schemeClr val="bg1"/>
-                </a:solidFill>
-                <a:latin typeface="Consolas" panose="020B0609020204030204" pitchFamily="49" charset="0"/>
-                <a:cs typeface="Consolas" panose="020B0609020204030204" pitchFamily="49" charset="0"/>
-              </a:rPr>
-              <a:t>b.toString</a:t>
-            </a:r>
-            <a:r>
-              <a:rPr lang="en-US" dirty="0" smtClean="0">
-                <a:solidFill>
-                  <a:schemeClr val="bg1"/>
-                </a:solidFill>
-                <a:latin typeface="Consolas" panose="020B0609020204030204" pitchFamily="49" charset="0"/>
-                <a:cs typeface="Consolas" panose="020B0609020204030204" pitchFamily="49" charset="0"/>
-              </a:rPr>
-              <a:t>(</a:t>
-            </a:r>
-            <a:r>
-              <a:rPr lang="en-US" dirty="0" smtClean="0">
-                <a:solidFill>
-                  <a:srgbClr val="FFC000"/>
-                </a:solidFill>
-                <a:latin typeface="Consolas" panose="020B0609020204030204" pitchFamily="49" charset="0"/>
-                <a:cs typeface="Consolas" panose="020B0609020204030204" pitchFamily="49" charset="0"/>
-              </a:rPr>
-              <a:t>16</a:t>
-            </a:r>
-            <a:r>
-              <a:rPr lang="en-US" dirty="0" smtClean="0">
-                <a:solidFill>
-                  <a:schemeClr val="bg1"/>
-                </a:solidFill>
-                <a:latin typeface="Consolas" panose="020B0609020204030204" pitchFamily="49" charset="0"/>
-                <a:cs typeface="Consolas" panose="020B0609020204030204" pitchFamily="49" charset="0"/>
-              </a:rPr>
-              <a:t>);</a:t>
-            </a:r>
-            <a:endParaRPr lang="en-US" dirty="0" smtClean="0">
-              <a:solidFill>
-                <a:schemeClr val="bg1"/>
-              </a:solidFill>
-              <a:latin typeface="Consolas" panose="020B0609020204030204" pitchFamily="49" charset="0"/>
-              <a:cs typeface="Consolas" panose="020B0609020204030204" pitchFamily="49" charset="0"/>
-            </a:endParaRPr>
-          </a:p>
-          <a:p>
-            <a:r>
-              <a:rPr lang="en-US" dirty="0" smtClean="0">
-                <a:solidFill>
-                  <a:schemeClr val="bg1"/>
-                </a:solidFill>
-                <a:latin typeface="Consolas" panose="020B0609020204030204" pitchFamily="49" charset="0"/>
-                <a:cs typeface="Consolas" panose="020B0609020204030204" pitchFamily="49" charset="0"/>
-              </a:rPr>
-              <a:t>}</a:t>
-            </a:r>
-          </a:p>
-          <a:p>
-            <a:r>
-              <a:rPr lang="en-US" dirty="0" smtClean="0">
-                <a:solidFill>
-                  <a:schemeClr val="accent1"/>
-                </a:solidFill>
-                <a:latin typeface="Consolas" panose="020B0609020204030204" pitchFamily="49" charset="0"/>
-                <a:cs typeface="Consolas" panose="020B0609020204030204" pitchFamily="49" charset="0"/>
-              </a:rPr>
-              <a:t>let </a:t>
-            </a:r>
-            <a:r>
-              <a:rPr lang="en-US" dirty="0" smtClean="0">
-                <a:solidFill>
-                  <a:schemeClr val="bg1"/>
-                </a:solidFill>
-                <a:latin typeface="Consolas" panose="020B0609020204030204" pitchFamily="49" charset="0"/>
-                <a:cs typeface="Consolas" panose="020B0609020204030204" pitchFamily="49" charset="0"/>
-              </a:rPr>
-              <a:t>red = </a:t>
-            </a:r>
-            <a:r>
-              <a:rPr lang="en-US" dirty="0" smtClean="0">
-                <a:solidFill>
-                  <a:schemeClr val="accent1"/>
-                </a:solidFill>
-                <a:latin typeface="Consolas" panose="020B0609020204030204" pitchFamily="49" charset="0"/>
-                <a:cs typeface="Consolas" panose="020B0609020204030204" pitchFamily="49" charset="0"/>
-              </a:rPr>
-              <a:t>new</a:t>
-            </a:r>
-            <a:r>
-              <a:rPr lang="en-US" dirty="0" smtClean="0">
-                <a:solidFill>
-                  <a:schemeClr val="bg1"/>
-                </a:solidFill>
-                <a:latin typeface="Consolas" panose="020B0609020204030204" pitchFamily="49" charset="0"/>
-                <a:cs typeface="Consolas" panose="020B0609020204030204" pitchFamily="49" charset="0"/>
-              </a:rPr>
-              <a:t> </a:t>
-            </a:r>
-            <a:r>
-              <a:rPr lang="en-US" dirty="0" smtClean="0">
-                <a:solidFill>
-                  <a:schemeClr val="bg1"/>
-                </a:solidFill>
-                <a:latin typeface="Consolas" panose="020B0609020204030204" pitchFamily="49" charset="0"/>
-                <a:cs typeface="Consolas" panose="020B0609020204030204" pitchFamily="49" charset="0"/>
-              </a:rPr>
-              <a:t>Color(</a:t>
+              <a:t> Color(</a:t>
             </a:r>
             <a:r>
               <a:rPr lang="en-US" dirty="0" smtClean="0">
@@ -10209,11 +10250,7 @@
             </a:r>
             <a:r>
               <a:rPr lang="en-US" sz="1400" dirty="0" smtClean="0"/>
-              <a:t>(</a:t>
-            </a:r>
-            <a:r>
-              <a:rPr lang="en-US" sz="1400" dirty="0" smtClean="0"/>
-              <a:t>includes </a:t>
+              <a:t>(includes </a:t>
             </a:r>
             <a:r>
               <a:rPr lang="en-US" sz="1400" dirty="0" smtClean="0">
@@ -10284,23 +10321,7 @@
             </a:pPr>
             <a:r>
               <a:rPr lang="en-US" sz="1800" dirty="0" smtClean="0"/>
-              <a:t>Each p</a:t>
-            </a:r>
-            <a:r>
-              <a:rPr lang="en-US" sz="1800" dirty="0" smtClean="0"/>
-              <a:t>rimitive has </a:t>
-            </a:r>
-            <a:r>
-              <a:rPr lang="en-US" sz="1800" dirty="0" smtClean="0"/>
-              <a:t>a </a:t>
-            </a:r>
-            <a:r>
-              <a:rPr lang="en-US" sz="1800" dirty="0" smtClean="0"/>
-              <a:t>wrapper </a:t>
-            </a:r>
-            <a:r>
-              <a:rPr lang="en-US" sz="1800" dirty="0" smtClean="0"/>
-              <a:t>class</a:t>
+              <a:t>Each primitive has a wrapper class</a:t>
             </a:r>
           </a:p>
           <a:p>
@@ -10319,11 +10340,7 @@
             </a:r>
             <a:r>
               <a:rPr lang="en-US" sz="1600" dirty="0" smtClean="0"/>
-              <a:t>se uppercased </a:t>
-            </a:r>
-            <a:r>
-              <a:rPr lang="en-US" sz="1600" dirty="0" smtClean="0"/>
-              <a:t>name (e.g. “</a:t>
+              <a:t>se uppercased name (e.g. “</a:t>
             </a:r>
             <a:r>
               <a:rPr lang="en-US" sz="1600" b="1" u="sng" dirty="0" smtClean="0">
@@ -10349,7 +10366,6 @@
               <a:rPr lang="en-US" sz="1600" dirty="0" smtClean="0"/>
               <a:t>”)</a:t>
             </a:r>
-            <a:endParaRPr lang="en-US" sz="1600" dirty="0" smtClean="0"/>
           </a:p>
           <a:p>
             <a:pPr>
@@ -10450,11 +10466,7 @@
             </a:pPr>
             <a:r>
               <a:rPr lang="en-US" sz="1800" dirty="0" smtClean="0"/>
-              <a:t>All </a:t>
-            </a:r>
-            <a:r>
-              <a:rPr lang="en-US" sz="1800" dirty="0" smtClean="0"/>
-              <a:t>JS objects inherit</a:t>
+              <a:t>All JS objects inherit</a:t>
             </a:r>
             <a:r>
               <a:rPr lang="en-US" sz="1600" baseline="50000" dirty="0"/>
@@ -10618,19 +10630,7 @@
             </a:r>
             <a:r>
               <a:rPr lang="en-US" sz="1400" dirty="0" smtClean="0"/>
-              <a:t>Technically</a:t>
-            </a:r>
-            <a:r>
-              <a:rPr lang="en-US" sz="1400" dirty="0" smtClean="0"/>
-              <a:t> </a:t>
-            </a:r>
-            <a:r>
-              <a:rPr lang="en-US" sz="1400" dirty="0" smtClean="0"/>
-              <a:t>the Object prototype delegates to </a:t>
-            </a:r>
-            <a:r>
-              <a:rPr lang="en-US" sz="1400" dirty="0" smtClean="0"/>
-              <a:t>their prototypes.</a:t>
+              <a:t>Technically the Object prototype delegates to their prototypes.</a:t>
             </a:r>
             <a:endParaRPr lang="en-US" sz="1100" dirty="0"/>
           </a:p>
@@ -11025,11 +11025,7 @@
             </a:r>
             <a:r>
               <a:rPr lang="en-US" sz="1400" dirty="0" smtClean="0"/>
-              <a:t>[empty </a:t>
-            </a:r>
-            <a:r>
-              <a:rPr lang="en-US" sz="1400" dirty="0" smtClean="0"/>
-              <a:t>string]</a:t>
+              <a:t>[empty string]</a:t>
             </a:r>
             <a:endParaRPr lang="en-US" sz="1600" dirty="0" smtClean="0"/>
           </a:p>
@@ -11114,13 +11110,8 @@
             </a:r>
             <a:r>
               <a:rPr lang="en-US" sz="1400" i="1" dirty="0" smtClean="0"/>
-              <a:t> in conditional </a:t>
-            </a:r>
-            <a:r>
-              <a:rPr lang="en-US" sz="1400" i="1" dirty="0" smtClean="0"/>
-              <a:t>expressions!</a:t>
-            </a:r>
-            <a:endParaRPr lang="en-US" sz="1400" i="1" dirty="0" smtClean="0"/>
+              <a:t> in conditional expressions!</a:t>
+            </a:r>
           </a:p>
           <a:p>
             <a:pPr>

--- a/JavaScript JQuery training.pptx
+++ b/JavaScript JQuery training.pptx
@@ -491,6 +491,90 @@
 </file>
 
 <file path=ppt/notesSlides/notesSlide1.xml><?xml version="1.0" encoding="utf-8"?>
+<p:notes xmlns:a="http://schemas.openxmlformats.org/drawingml/2006/main" xmlns:r="http://schemas.openxmlformats.org/officeDocument/2006/relationships" xmlns:p="http://schemas.openxmlformats.org/presentationml/2006/main">
+  <p:cSld>
+    <p:spTree>
+      <p:nvGrpSpPr>
+        <p:cNvPr id="1" name=""/>
+        <p:cNvGrpSpPr/>
+        <p:nvPr/>
+      </p:nvGrpSpPr>
+      <p:grpSpPr>
+        <a:xfrm>
+          <a:off x="0" y="0"/>
+          <a:ext cx="0" cy="0"/>
+          <a:chOff x="0" y="0"/>
+          <a:chExt cx="0" cy="0"/>
+        </a:xfrm>
+      </p:grpSpPr>
+      <p:sp>
+        <p:nvSpPr>
+          <p:cNvPr id="2" name="Slide Image Placeholder 1"/>
+          <p:cNvSpPr>
+            <a:spLocks noGrp="1" noRot="1" noChangeAspect="1"/>
+          </p:cNvSpPr>
+          <p:nvPr>
+            <p:ph type="sldImg"/>
+          </p:nvPr>
+        </p:nvSpPr>
+        <p:spPr/>
+      </p:sp>
+      <p:sp>
+        <p:nvSpPr>
+          <p:cNvPr id="3" name="Notes Placeholder 2"/>
+          <p:cNvSpPr>
+            <a:spLocks noGrp="1"/>
+          </p:cNvSpPr>
+          <p:nvPr>
+            <p:ph type="body" idx="1"/>
+          </p:nvPr>
+        </p:nvSpPr>
+        <p:spPr/>
+        <p:txBody>
+          <a:bodyPr/>
+          <a:lstStyle/>
+          <a:p>
+            <a:endParaRPr lang="en-US" dirty="0"/>
+          </a:p>
+        </p:txBody>
+      </p:sp>
+      <p:sp>
+        <p:nvSpPr>
+          <p:cNvPr id="4" name="Slide Number Placeholder 3"/>
+          <p:cNvSpPr>
+            <a:spLocks noGrp="1"/>
+          </p:cNvSpPr>
+          <p:nvPr>
+            <p:ph type="sldNum" sz="quarter" idx="10"/>
+          </p:nvPr>
+        </p:nvSpPr>
+        <p:spPr/>
+        <p:txBody>
+          <a:bodyPr/>
+          <a:lstStyle/>
+          <a:p>
+            <a:fld id="{6070BBD5-2F8E-412B-9D94-1AC8B27A600C}" type="slidenum">
+              <a:rPr lang="en-US" smtClean="0"/>
+              <a:t>3</a:t>
+            </a:fld>
+            <a:endParaRPr lang="en-US"/>
+          </a:p>
+        </p:txBody>
+      </p:sp>
+    </p:spTree>
+    <p:extLst>
+      <p:ext uri="{BB962C8B-B14F-4D97-AF65-F5344CB8AC3E}">
+        <p14:creationId xmlns:p14="http://schemas.microsoft.com/office/powerpoint/2010/main" val="2318038311"/>
+      </p:ext>
+    </p:extLst>
+  </p:cSld>
+  <p:clrMapOvr>
+    <a:masterClrMapping/>
+  </p:clrMapOvr>
+</p:notes>
+</file>
+
+<file path=ppt/notesSlides/notesSlide2.xml><?xml version="1.0" encoding="utf-8"?>
 <p:notes xmlns:a="http://schemas.openxmlformats.org/drawingml/2006/main" xmlns:r="http://schemas.openxmlformats.org/officeDocument/2006/relationships" xmlns:p="http://schemas.openxmlformats.org/presentationml/2006/main">
   <p:cSld>
     <p:spTree>
@@ -8543,11 +8627,7 @@
             </a:r>
             <a:r>
               <a:rPr lang="en-US" sz="1800" dirty="0" smtClean="0"/>
-              <a:t>keyword provides block-level </a:t>
-            </a:r>
-            <a:r>
-              <a:rPr lang="en-US" sz="1800" dirty="0" smtClean="0"/>
-              <a:t>scope</a:t>
+              <a:t>keyword provides block-level scope</a:t>
             </a:r>
             <a:endParaRPr lang="en-US" sz="1800" dirty="0"/>
           </a:p>
@@ -8611,11 +8691,7 @@
             </a:r>
             <a:r>
               <a:rPr lang="en-US" sz="1800" dirty="0" smtClean="0"/>
-              <a:t> to access all parameters from within a </a:t>
-            </a:r>
-            <a:r>
-              <a:rPr lang="en-US" sz="1800" dirty="0" smtClean="0"/>
-              <a:t>function</a:t>
+              <a:t> to access all parameters from within a function</a:t>
             </a:r>
             <a:endParaRPr lang="en-US" sz="2000" dirty="0" smtClean="0"/>
           </a:p>
@@ -8721,17 +8797,7 @@
                 <a:latin typeface="Consolas" panose="020B0609020204030204" pitchFamily="49" charset="0"/>
                 <a:cs typeface="Consolas" panose="020B0609020204030204" pitchFamily="49" charset="0"/>
               </a:rPr>
-              <a:t> </a:t>
-            </a:r>
-            <a:r>
-              <a:rPr lang="en-US" dirty="0" smtClean="0">
-                <a:solidFill>
-                  <a:schemeClr val="bg1"/>
-                </a:solidFill>
-                <a:latin typeface="Consolas" panose="020B0609020204030204" pitchFamily="49" charset="0"/>
-                <a:cs typeface="Consolas" panose="020B0609020204030204" pitchFamily="49" charset="0"/>
-              </a:rPr>
-              <a:t>= </a:t>
+              <a:t> = </a:t>
             </a:r>
             <a:r>
               <a:rPr lang="en-US" dirty="0" err="1" smtClean="0">
@@ -8888,17 +8954,7 @@
                 <a:latin typeface="Consolas" panose="020B0609020204030204" pitchFamily="49" charset="0"/>
                 <a:cs typeface="Consolas" panose="020B0609020204030204" pitchFamily="49" charset="0"/>
               </a:rPr>
-              <a:t>   </a:t>
-            </a:r>
-            <a:r>
-              <a:rPr lang="en-US" dirty="0" smtClean="0">
-                <a:solidFill>
-                  <a:schemeClr val="bg1"/>
-                </a:solidFill>
-                <a:latin typeface="Consolas" panose="020B0609020204030204" pitchFamily="49" charset="0"/>
-                <a:cs typeface="Consolas" panose="020B0609020204030204" pitchFamily="49" charset="0"/>
-              </a:rPr>
-              <a:t>console.log(</a:t>
+              <a:t>   console.log(</a:t>
             </a:r>
             <a:r>
               <a:rPr lang="en-US" dirty="0" err="1" smtClean="0">
@@ -9055,7 +9111,7 @@
                 <a:latin typeface="Consolas" panose="020B0609020204030204" pitchFamily="49" charset="0"/>
                 <a:cs typeface="Consolas" panose="020B0609020204030204" pitchFamily="49" charset="0"/>
               </a:rPr>
-              <a:t>3</a:t>
+              <a:t>2</a:t>
             </a:r>
             <a:r>
               <a:rPr lang="en-US" dirty="0" smtClean="0">
@@ -9066,68 +9122,6 @@
                 <a:cs typeface="Consolas" panose="020B0609020204030204" pitchFamily="49" charset="0"/>
               </a:rPr>
               <a:t>);</a:t>
-            </a:r>
-          </a:p>
-          <a:p>
-            <a:r>
-              <a:rPr lang="en-US" dirty="0">
-                <a:solidFill>
-                  <a:schemeClr val="bg1"/>
-                </a:solidFill>
-                <a:latin typeface="Consolas" panose="020B0609020204030204" pitchFamily="49" charset="0"/>
-                <a:cs typeface="Consolas" panose="020B0609020204030204" pitchFamily="49" charset="0"/>
-              </a:rPr>
-              <a:t> </a:t>
-            </a:r>
-            <a:r>
-              <a:rPr lang="en-US" dirty="0" smtClean="0">
-                <a:solidFill>
-                  <a:schemeClr val="bg1"/>
-                </a:solidFill>
-                <a:latin typeface="Consolas" panose="020B0609020204030204" pitchFamily="49" charset="0"/>
-                <a:cs typeface="Consolas" panose="020B0609020204030204" pitchFamily="49" charset="0"/>
-              </a:rPr>
-              <a:t>   </a:t>
-            </a:r>
-            <a:r>
-              <a:rPr lang="en-US" dirty="0" smtClean="0">
-                <a:solidFill>
-                  <a:schemeClr val="accent1"/>
-                </a:solidFill>
-                <a:latin typeface="Consolas" panose="020B0609020204030204" pitchFamily="49" charset="0"/>
-                <a:cs typeface="Consolas" panose="020B0609020204030204" pitchFamily="49" charset="0"/>
-              </a:rPr>
-              <a:t>return</a:t>
-            </a:r>
-            <a:r>
-              <a:rPr lang="en-US" dirty="0" smtClean="0">
-                <a:solidFill>
-                  <a:schemeClr val="bg1"/>
-                </a:solidFill>
-                <a:latin typeface="Consolas" panose="020B0609020204030204" pitchFamily="49" charset="0"/>
-                <a:cs typeface="Consolas" panose="020B0609020204030204" pitchFamily="49" charset="0"/>
-              </a:rPr>
-              <a:t> </a:t>
-            </a:r>
-            <a:r>
-              <a:rPr lang="en-US" dirty="0" err="1" smtClean="0">
-                <a:solidFill>
-                  <a:schemeClr val="bg1"/>
-                </a:solidFill>
-                <a:latin typeface="Consolas" panose="020B0609020204030204" pitchFamily="49" charset="0"/>
-                <a:cs typeface="Consolas" panose="020B0609020204030204" pitchFamily="49" charset="0"/>
-              </a:rPr>
-              <a:t>moreArgs</a:t>
-            </a:r>
-            <a:r>
-              <a:rPr lang="en-US" dirty="0" smtClean="0">
-                <a:solidFill>
-                  <a:schemeClr val="bg1"/>
-                </a:solidFill>
-                <a:latin typeface="Consolas" panose="020B0609020204030204" pitchFamily="49" charset="0"/>
-                <a:cs typeface="Consolas" panose="020B0609020204030204" pitchFamily="49" charset="0"/>
-              </a:rPr>
-              <a:t>[0];</a:t>
             </a:r>
             <a:endParaRPr lang="en-US" dirty="0" smtClean="0">
               <a:solidFill>
@@ -9136,6 +9130,68 @@
               <a:latin typeface="Consolas" panose="020B0609020204030204" pitchFamily="49" charset="0"/>
               <a:cs typeface="Consolas" panose="020B0609020204030204" pitchFamily="49" charset="0"/>
             </a:endParaRPr>
+          </a:p>
+          <a:p>
+            <a:r>
+              <a:rPr lang="en-US" dirty="0">
+                <a:solidFill>
+                  <a:schemeClr val="bg1"/>
+                </a:solidFill>
+                <a:latin typeface="Consolas" panose="020B0609020204030204" pitchFamily="49" charset="0"/>
+                <a:cs typeface="Consolas" panose="020B0609020204030204" pitchFamily="49" charset="0"/>
+              </a:rPr>
+              <a:t> </a:t>
+            </a:r>
+            <a:r>
+              <a:rPr lang="en-US" dirty="0" smtClean="0">
+                <a:solidFill>
+                  <a:schemeClr val="bg1"/>
+                </a:solidFill>
+                <a:latin typeface="Consolas" panose="020B0609020204030204" pitchFamily="49" charset="0"/>
+                <a:cs typeface="Consolas" panose="020B0609020204030204" pitchFamily="49" charset="0"/>
+              </a:rPr>
+              <a:t>   </a:t>
+            </a:r>
+            <a:r>
+              <a:rPr lang="en-US" dirty="0" smtClean="0">
+                <a:solidFill>
+                  <a:schemeClr val="accent1"/>
+                </a:solidFill>
+                <a:latin typeface="Consolas" panose="020B0609020204030204" pitchFamily="49" charset="0"/>
+                <a:cs typeface="Consolas" panose="020B0609020204030204" pitchFamily="49" charset="0"/>
+              </a:rPr>
+              <a:t>return</a:t>
+            </a:r>
+            <a:r>
+              <a:rPr lang="en-US" dirty="0" smtClean="0">
+                <a:solidFill>
+                  <a:schemeClr val="bg1"/>
+                </a:solidFill>
+                <a:latin typeface="Consolas" panose="020B0609020204030204" pitchFamily="49" charset="0"/>
+                <a:cs typeface="Consolas" panose="020B0609020204030204" pitchFamily="49" charset="0"/>
+              </a:rPr>
+              <a:t> </a:t>
+            </a:r>
+            <a:r>
+              <a:rPr lang="en-US" dirty="0" err="1" smtClean="0">
+                <a:solidFill>
+                  <a:schemeClr val="bg1"/>
+                </a:solidFill>
+                <a:latin typeface="Consolas" panose="020B0609020204030204" pitchFamily="49" charset="0"/>
+                <a:cs typeface="Consolas" panose="020B0609020204030204" pitchFamily="49" charset="0"/>
+              </a:rPr>
+              <a:t>moreArgs</a:t>
+            </a:r>
+            <a:r>
+              <a:rPr lang="en-US" dirty="0" smtClean="0">
+                <a:solidFill>
+                  <a:schemeClr val="bg1"/>
+                </a:solidFill>
+                <a:latin typeface="Consolas" panose="020B0609020204030204" pitchFamily="49" charset="0"/>
+                <a:cs typeface="Consolas" panose="020B0609020204030204" pitchFamily="49" charset="0"/>
+              </a:rPr>
+              <a:t>[0];</a:t>
+            </a:r>
           </a:p>
           <a:p>
             <a:r>

--- a/JavaScript JQuery training.pptx
+++ b/JavaScript JQuery training.pptx
@@ -8797,27 +8797,27 @@
                 <a:latin typeface="Consolas" panose="020B0609020204030204" pitchFamily="49" charset="0"/>
                 <a:cs typeface="Consolas" panose="020B0609020204030204" pitchFamily="49" charset="0"/>
               </a:rPr>
-              <a:t> = </a:t>
-            </a:r>
-            <a:r>
-              <a:rPr lang="en-US" dirty="0" err="1" smtClean="0">
+              <a:t> </a:t>
+            </a:r>
+            <a:r>
+              <a:rPr lang="en-US" smtClean="0">
                 <a:solidFill>
                   <a:schemeClr val="bg1"/>
                 </a:solidFill>
                 <a:latin typeface="Consolas" panose="020B0609020204030204" pitchFamily="49" charset="0"/>
                 <a:cs typeface="Consolas" panose="020B0609020204030204" pitchFamily="49" charset="0"/>
               </a:rPr>
-              <a:t>someFunction</a:t>
-            </a:r>
-            <a:r>
-              <a:rPr lang="en-US" dirty="0" smtClean="0">
+              <a:t>= </a:t>
+            </a:r>
+            <a:r>
+              <a:rPr lang="en-US" smtClean="0">
                 <a:solidFill>
                   <a:schemeClr val="bg1"/>
                 </a:solidFill>
                 <a:latin typeface="Consolas" panose="020B0609020204030204" pitchFamily="49" charset="0"/>
                 <a:cs typeface="Consolas" panose="020B0609020204030204" pitchFamily="49" charset="0"/>
               </a:rPr>
-              <a:t>(</a:t>
+              <a:t>demo(</a:t>
             </a:r>
             <a:r>
               <a:rPr lang="en-US" dirty="0" smtClean="0">
@@ -8915,14 +8915,14 @@
               <a:t> </a:t>
             </a:r>
             <a:r>
-              <a:rPr lang="en-US" dirty="0" err="1" smtClean="0">
+              <a:rPr lang="en-US" dirty="0" smtClean="0">
                 <a:solidFill>
                   <a:schemeClr val="bg1"/>
                 </a:solidFill>
                 <a:latin typeface="Consolas" panose="020B0609020204030204" pitchFamily="49" charset="0"/>
                 <a:cs typeface="Consolas" panose="020B0609020204030204" pitchFamily="49" charset="0"/>
               </a:rPr>
-              <a:t>someFunction</a:t>
+              <a:t>demo(arg1</a:t>
             </a:r>
             <a:r>
               <a:rPr lang="en-US" dirty="0" smtClean="0">
@@ -8932,7 +8932,7 @@
                 <a:latin typeface="Consolas" panose="020B0609020204030204" pitchFamily="49" charset="0"/>
                 <a:cs typeface="Consolas" panose="020B0609020204030204" pitchFamily="49" charset="0"/>
               </a:rPr>
-              <a:t>(arg1, arg2) {</a:t>
+              <a:t>, arg2) {</a:t>
             </a:r>
           </a:p>
           <a:p>

--- a/JavaScript JQuery training.pptx
+++ b/JavaScript JQuery training.pptx
@@ -649,6 +649,90 @@
     <p:extLst>
       <p:ext uri="{BB962C8B-B14F-4D97-AF65-F5344CB8AC3E}">
         <p14:creationId xmlns:p14="http://schemas.microsoft.com/office/powerpoint/2010/main" val="3582168237"/>
+      </p:ext>
+    </p:extLst>
+  </p:cSld>
+  <p:clrMapOvr>
+    <a:masterClrMapping/>
+  </p:clrMapOvr>
+</p:notes>
+</file>
+
+<file path=ppt/notesSlides/notesSlide3.xml><?xml version="1.0" encoding="utf-8"?>
+<p:notes xmlns:a="http://schemas.openxmlformats.org/drawingml/2006/main" xmlns:r="http://schemas.openxmlformats.org/officeDocument/2006/relationships" xmlns:p="http://schemas.openxmlformats.org/presentationml/2006/main">
+  <p:cSld>
+    <p:spTree>
+      <p:nvGrpSpPr>
+        <p:cNvPr id="1" name=""/>
+        <p:cNvGrpSpPr/>
+        <p:nvPr/>
+      </p:nvGrpSpPr>
+      <p:grpSpPr>
+        <a:xfrm>
+          <a:off x="0" y="0"/>
+          <a:ext cx="0" cy="0"/>
+          <a:chOff x="0" y="0"/>
+          <a:chExt cx="0" cy="0"/>
+        </a:xfrm>
+      </p:grpSpPr>
+      <p:sp>
+        <p:nvSpPr>
+          <p:cNvPr id="2" name="Slide Image Placeholder 1"/>
+          <p:cNvSpPr>
+            <a:spLocks noGrp="1" noRot="1" noChangeAspect="1"/>
+          </p:cNvSpPr>
+          <p:nvPr>
+            <p:ph type="sldImg"/>
+          </p:nvPr>
+        </p:nvSpPr>
+        <p:spPr/>
+      </p:sp>
+      <p:sp>
+        <p:nvSpPr>
+          <p:cNvPr id="3" name="Notes Placeholder 2"/>
+          <p:cNvSpPr>
+            <a:spLocks noGrp="1"/>
+          </p:cNvSpPr>
+          <p:nvPr>
+            <p:ph type="body" idx="1"/>
+          </p:nvPr>
+        </p:nvSpPr>
+        <p:spPr/>
+        <p:txBody>
+          <a:bodyPr/>
+          <a:lstStyle/>
+          <a:p>
+            <a:endParaRPr lang="en-US" dirty="0"/>
+          </a:p>
+        </p:txBody>
+      </p:sp>
+      <p:sp>
+        <p:nvSpPr>
+          <p:cNvPr id="4" name="Slide Number Placeholder 3"/>
+          <p:cNvSpPr>
+            <a:spLocks noGrp="1"/>
+          </p:cNvSpPr>
+          <p:nvPr>
+            <p:ph type="sldNum" sz="quarter" idx="10"/>
+          </p:nvPr>
+        </p:nvSpPr>
+        <p:spPr/>
+        <p:txBody>
+          <a:bodyPr/>
+          <a:lstStyle/>
+          <a:p>
+            <a:fld id="{6070BBD5-2F8E-412B-9D94-1AC8B27A600C}" type="slidenum">
+              <a:rPr lang="en-US" smtClean="0"/>
+              <a:t>7</a:t>
+            </a:fld>
+            <a:endParaRPr lang="en-US"/>
+          </a:p>
+        </p:txBody>
+      </p:sp>
+    </p:spTree>
+    <p:extLst>
+      <p:ext uri="{BB962C8B-B14F-4D97-AF65-F5344CB8AC3E}">
+        <p14:creationId xmlns:p14="http://schemas.microsoft.com/office/powerpoint/2010/main" val="3409542882"/>
       </p:ext>
     </p:extLst>
   </p:cSld>
@@ -8691,7 +8775,11 @@
             </a:r>
             <a:r>
               <a:rPr lang="en-US" sz="1800" dirty="0" smtClean="0"/>
-              <a:t> to access all parameters from within a function</a:t>
+              <a:t> to </a:t>
+            </a:r>
+            <a:r>
+              <a:rPr lang="en-US" sz="1800" dirty="0" smtClean="0"/>
+              <a:t>access all parameters from within a function</a:t>
             </a:r>
             <a:endParaRPr lang="en-US" sz="2000" dirty="0" smtClean="0"/>
           </a:p>
@@ -8797,20 +8885,10 @@
                 <a:latin typeface="Consolas" panose="020B0609020204030204" pitchFamily="49" charset="0"/>
                 <a:cs typeface="Consolas" panose="020B0609020204030204" pitchFamily="49" charset="0"/>
               </a:rPr>
-              <a:t> </a:t>
-            </a:r>
-            <a:r>
-              <a:rPr lang="en-US" smtClean="0">
-                <a:solidFill>
-                  <a:schemeClr val="bg1"/>
-                </a:solidFill>
-                <a:latin typeface="Consolas" panose="020B0609020204030204" pitchFamily="49" charset="0"/>
-                <a:cs typeface="Consolas" panose="020B0609020204030204" pitchFamily="49" charset="0"/>
-              </a:rPr>
-              <a:t>= </a:t>
-            </a:r>
-            <a:r>
-              <a:rPr lang="en-US" smtClean="0">
+              <a:t> = </a:t>
+            </a:r>
+            <a:r>
+              <a:rPr lang="en-US" dirty="0" smtClean="0">
                 <a:solidFill>
                   <a:schemeClr val="bg1"/>
                 </a:solidFill>
@@ -9402,7 +9480,11 @@
             <a:pPr lvl="1"/>
             <a:r>
               <a:rPr lang="en-US" sz="1800" dirty="0" smtClean="0"/>
-              <a:t>Some tools will warn of a forgotten </a:t>
+              <a:t>Some </a:t>
+            </a:r>
+            <a:r>
+              <a:rPr lang="en-US" sz="1800" dirty="0" smtClean="0"/>
+              <a:t>tools will warn of a forgotten </a:t>
             </a:r>
             <a:r>
               <a:rPr lang="en-US" sz="1800" dirty="0" smtClean="0">
@@ -9509,8 +9591,25 @@
                 <a:latin typeface="Consolas" panose="020B0609020204030204" pitchFamily="49" charset="0"/>
                 <a:cs typeface="Consolas" panose="020B0609020204030204" pitchFamily="49" charset="0"/>
               </a:rPr>
-              <a:t>Color(r, g, b) {</a:t>
-            </a:r>
+              <a:t>Color(r, g, b) </a:t>
+            </a:r>
+            <a:r>
+              <a:rPr lang="en-US" dirty="0" smtClean="0">
+                <a:solidFill>
+                  <a:schemeClr val="bg1"/>
+                </a:solidFill>
+                <a:latin typeface="Consolas" panose="020B0609020204030204" pitchFamily="49" charset="0"/>
+                <a:cs typeface="Consolas" panose="020B0609020204030204" pitchFamily="49" charset="0"/>
+              </a:rPr>
+              <a:t>{</a:t>
+            </a:r>
+            <a:endParaRPr lang="en-US" dirty="0" smtClean="0">
+              <a:solidFill>
+                <a:schemeClr val="bg1"/>
+              </a:solidFill>
+              <a:latin typeface="Consolas" panose="020B0609020204030204" pitchFamily="49" charset="0"/>
+              <a:cs typeface="Consolas" panose="020B0609020204030204" pitchFamily="49" charset="0"/>
+            </a:endParaRPr>
           </a:p>
           <a:p>
             <a:r>
@@ -9857,7 +9956,7 @@
         <p:spPr>
           <a:xfrm>
             <a:off x="457200" y="1447800"/>
-            <a:ext cx="8229600" cy="4267200"/>
+            <a:ext cx="8229600" cy="4343400"/>
           </a:xfrm>
           <a:solidFill>
             <a:schemeClr val="bg1">
@@ -9878,6 +9977,9 @@
           <a:p>
             <a:r>
               <a:rPr lang="en-US" sz="2400" b="1" dirty="0" smtClean="0">
+                <a:solidFill>
+                  <a:schemeClr val="accent1"/>
+                </a:solidFill>
                 <a:latin typeface="Consolas" panose="020B0609020204030204" pitchFamily="49" charset="0"/>
                 <a:cs typeface="Consolas" panose="020B0609020204030204" pitchFamily="49" charset="0"/>
               </a:rPr>
@@ -9892,8 +9994,24 @@
           <a:p>
             <a:pPr lvl="1"/>
             <a:r>
+              <a:rPr lang="en-US" sz="1800" dirty="0"/>
+              <a:t>Indicates an </a:t>
+            </a:r>
+            <a:r>
               <a:rPr lang="en-US" sz="1800" dirty="0" smtClean="0"/>
-              <a:t>Most commonly seen with:</a:t>
+              <a:t>uninitialized value</a:t>
+            </a:r>
+            <a:endParaRPr lang="en-US" sz="1800" dirty="0" smtClean="0"/>
+          </a:p>
+          <a:p>
+            <a:pPr lvl="1"/>
+            <a:r>
+              <a:rPr lang="en-US" sz="1800" dirty="0" smtClean="0"/>
+              <a:t>Most </a:t>
+            </a:r>
+            <a:r>
+              <a:rPr lang="en-US" sz="1800" dirty="0" smtClean="0"/>
+              <a:t>commonly seen with:</a:t>
             </a:r>
           </a:p>
           <a:p>
@@ -9936,20 +10054,24 @@
             <a:pPr lvl="1"/>
             <a:r>
               <a:rPr lang="en-US" sz="1800" dirty="0" smtClean="0"/>
-              <a:t>Indicates an unknown value that may or may not be nothing.</a:t>
-            </a:r>
-          </a:p>
-          <a:p>
-            <a:pPr lvl="1"/>
+              <a:t>Use </a:t>
+            </a:r>
+            <a:r>
+              <a:rPr lang="en-US" sz="1800" dirty="0" smtClean="0">
+                <a:solidFill>
+                  <a:schemeClr val="accent1"/>
+                </a:solidFill>
+                <a:latin typeface="Consolas" panose="020B0609020204030204" pitchFamily="49" charset="0"/>
+                <a:cs typeface="Consolas" panose="020B0609020204030204" pitchFamily="49" charset="0"/>
+              </a:rPr>
+              <a:t>del</a:t>
+            </a:r>
             <a:r>
               <a:rPr lang="en-US" sz="1800" dirty="0" smtClean="0"/>
-              <a:t>Rarely if ever should a variable be explicitly set to </a:t>
+              <a:t> operator to reset to </a:t>
             </a:r>
             <a:r>
               <a:rPr lang="en-US" sz="1800" dirty="0" smtClean="0">
-                <a:solidFill>
-                  <a:schemeClr val="accent1"/>
-                </a:solidFill>
                 <a:latin typeface="Consolas" panose="020B0609020204030204" pitchFamily="49" charset="0"/>
                 <a:cs typeface="Consolas" panose="020B0609020204030204" pitchFamily="49" charset="0"/>
               </a:rPr>
@@ -9957,8 +10079,9 @@
             </a:r>
             <a:r>
               <a:rPr lang="en-US" sz="1800" dirty="0" smtClean="0"/>
-              <a:t>.</a:t>
-            </a:r>
+              <a:t>:</a:t>
+            </a:r>
+            <a:endParaRPr lang="en-US" sz="1800" dirty="0" smtClean="0"/>
           </a:p>
           <a:p>
             <a:pPr>
@@ -9968,13 +10091,16 @@
             </a:pPr>
             <a:r>
               <a:rPr lang="en-US" sz="2400" b="1" dirty="0" smtClean="0">
+                <a:solidFill>
+                  <a:schemeClr val="accent1"/>
+                </a:solidFill>
                 <a:latin typeface="Consolas" panose="020B0609020204030204" pitchFamily="49" charset="0"/>
                 <a:cs typeface="Consolas" panose="020B0609020204030204" pitchFamily="49" charset="0"/>
               </a:rPr>
               <a:t>null</a:t>
             </a:r>
             <a:r>
-              <a:rPr lang="en-US" sz="2400" dirty="0"/>
+              <a:rPr lang="en-US" sz="2400" dirty="0" smtClean="0"/>
               <a:t>:</a:t>
             </a:r>
             <a:endParaRPr lang="en-US" sz="2400" b="1" dirty="0" smtClean="0">
@@ -9985,20 +10111,12 @@
           <a:p>
             <a:pPr lvl="1"/>
             <a:r>
-              <a:rPr lang="en-US" sz="1800" dirty="0"/>
-              <a:t>U</a:t>
-            </a:r>
-            <a:r>
               <a:rPr lang="en-US" sz="1800" dirty="0" smtClean="0"/>
-              <a:t>sed when the value is </a:t>
-            </a:r>
-            <a:r>
-              <a:rPr lang="en-US" sz="1800" i="1" dirty="0" smtClean="0"/>
-              <a:t>known</a:t>
+              <a:t>Indicates a value of </a:t>
             </a:r>
             <a:r>
               <a:rPr lang="en-US" sz="1800" dirty="0" smtClean="0"/>
-              <a:t> to be nothing.</a:t>
+              <a:t>nothing.</a:t>
             </a:r>
           </a:p>
           <a:p>
@@ -10013,34 +10131,64 @@
             </a:r>
             <a:r>
               <a:rPr lang="en-US" sz="1800" dirty="0" smtClean="0"/>
-              <a:t> bug</a:t>
-            </a:r>
-            <a:r>
-              <a:rPr lang="en-US" sz="1800" dirty="0"/>
-              <a:t>,</a:t>
+              <a:t> bug, </a:t>
+            </a:r>
+            <a:r>
+              <a:rPr lang="en-US" sz="1800" dirty="0" err="1" smtClean="0"/>
+              <a:t>typeof</a:t>
             </a:r>
             <a:r>
               <a:rPr lang="en-US" sz="1800" dirty="0" smtClean="0"/>
               <a:t> </a:t>
             </a:r>
             <a:r>
-              <a:rPr lang="en-US" sz="1800" dirty="0" err="1" smtClean="0"/>
-              <a:t>typeof</a:t>
+              <a:rPr lang="en-US" sz="1800" dirty="0" smtClean="0">
+                <a:latin typeface="Consolas" panose="020B0609020204030204" pitchFamily="49" charset="0"/>
+                <a:cs typeface="Consolas" panose="020B0609020204030204" pitchFamily="49" charset="0"/>
+              </a:rPr>
+              <a:t>null</a:t>
             </a:r>
             <a:r>
               <a:rPr lang="en-US" sz="1800" dirty="0" smtClean="0"/>
-              <a:t> null === ‘object’</a:t>
-            </a:r>
-          </a:p>
-          <a:p>
-            <a:pPr lvl="2"/>
-            <a:r>
-              <a:rPr lang="en-US" sz="1600" dirty="0" smtClean="0"/>
-              <a:t>Will not be fixed to preserve backwards compatibility</a:t>
-            </a:r>
-          </a:p>
-          <a:p>
-            <a:endParaRPr lang="en-US" sz="2200" dirty="0" smtClean="0"/>
+              <a:t> === ‘object’</a:t>
+            </a:r>
+          </a:p>
+          <a:p>
+            <a:pPr>
+              <a:spcBef>
+                <a:spcPts val="1200"/>
+              </a:spcBef>
+            </a:pPr>
+            <a:r>
+              <a:rPr lang="en-US" sz="2400" dirty="0"/>
+              <a:t>Can use “</a:t>
+            </a:r>
+            <a:r>
+              <a:rPr lang="en-US" sz="2400" dirty="0">
+                <a:solidFill>
+                  <a:schemeClr val="accent1"/>
+                </a:solidFill>
+                <a:latin typeface="Consolas" panose="020B0609020204030204" pitchFamily="49" charset="0"/>
+                <a:cs typeface="Consolas" panose="020B0609020204030204" pitchFamily="49" charset="0"/>
+              </a:rPr>
+              <a:t>x == null</a:t>
+            </a:r>
+            <a:r>
+              <a:rPr lang="en-US" sz="2400" dirty="0"/>
+              <a:t>” to test for </a:t>
+            </a:r>
+            <a:r>
+              <a:rPr lang="en-US" sz="2400" dirty="0" smtClean="0"/>
+              <a:t>both values!</a:t>
+            </a:r>
+          </a:p>
+          <a:p>
+            <a:pPr lvl="1">
+              <a:spcBef>
+                <a:spcPts val="1200"/>
+              </a:spcBef>
+            </a:pPr>
+            <a:endParaRPr lang="en-US" sz="2000" dirty="0" smtClean="0"/>
           </a:p>
         </p:txBody>
       </p:sp>
@@ -10094,75 +10242,141 @@
       </p:sp>
       <p:sp>
         <p:nvSpPr>
-          <p:cNvPr id="5" name="TextBox 4"/>
+          <p:cNvPr id="6" name="TextBox 5"/>
           <p:cNvSpPr txBox="1"/>
           <p:nvPr/>
         </p:nvSpPr>
         <p:spPr>
           <a:xfrm>
-            <a:off x="457200" y="5801992"/>
-            <a:ext cx="8229600" cy="338554"/>
+            <a:off x="5715000" y="3505200"/>
+            <a:ext cx="2590800" cy="646331"/>
           </a:xfrm>
           <a:prstGeom prst="rect">
             <a:avLst/>
           </a:prstGeom>
-          <a:noFill/>
         </p:spPr>
+        <p:style>
+          <a:lnRef idx="0">
+            <a:schemeClr val="dk1"/>
+          </a:lnRef>
+          <a:fillRef idx="3">
+            <a:schemeClr val="dk1"/>
+          </a:fillRef>
+          <a:effectRef idx="3">
+            <a:schemeClr val="dk1"/>
+          </a:effectRef>
+          <a:fontRef idx="minor">
+            <a:schemeClr val="lt1"/>
+          </a:fontRef>
+        </p:style>
         <p:txBody>
           <a:bodyPr wrap="square" rtlCol="0">
             <a:spAutoFit/>
           </a:bodyPr>
           <a:lstStyle/>
           <a:p>
-            <a:pPr algn="r"/>
-            <a:r>
-              <a:rPr lang="en-US" sz="1600" b="1" dirty="0" smtClean="0"/>
-              <a:t>TIP:</a:t>
-            </a:r>
-            <a:r>
-              <a:rPr lang="en-US" sz="1600" dirty="0" smtClean="0"/>
-              <a:t> Can use “</a:t>
-            </a:r>
-            <a:r>
-              <a:rPr lang="en-US" sz="1600" dirty="0" smtClean="0">
+            <a:r>
+              <a:rPr lang="en-US" dirty="0" smtClean="0">
                 <a:solidFill>
                   <a:schemeClr val="accent1"/>
                 </a:solidFill>
                 <a:latin typeface="Consolas" panose="020B0609020204030204" pitchFamily="49" charset="0"/>
                 <a:cs typeface="Consolas" panose="020B0609020204030204" pitchFamily="49" charset="0"/>
               </a:rPr>
-              <a:t>x == null</a:t>
-            </a:r>
-            <a:r>
-              <a:rPr lang="en-US" sz="1600" dirty="0"/>
-              <a:t>”</a:t>
-            </a:r>
-            <a:r>
-              <a:rPr lang="en-US" sz="1600" dirty="0" smtClean="0"/>
-              <a:t> to test for both </a:t>
-            </a:r>
-            <a:r>
-              <a:rPr lang="en-US" sz="1600" dirty="0" smtClean="0">
-                <a:latin typeface="Consolas" panose="020B0609020204030204" pitchFamily="49" charset="0"/>
-                <a:cs typeface="Consolas" panose="020B0609020204030204" pitchFamily="49" charset="0"/>
-              </a:rPr>
-              <a:t>null</a:t>
-            </a:r>
-            <a:r>
-              <a:rPr lang="en-US" sz="1600" dirty="0" smtClean="0"/>
-              <a:t> and </a:t>
-            </a:r>
-            <a:r>
-              <a:rPr lang="en-US" sz="1600" dirty="0" smtClean="0">
-                <a:latin typeface="Consolas" panose="020B0609020204030204" pitchFamily="49" charset="0"/>
-                <a:cs typeface="Consolas" panose="020B0609020204030204" pitchFamily="49" charset="0"/>
-              </a:rPr>
-              <a:t>undefined</a:t>
-            </a:r>
-            <a:r>
-              <a:rPr lang="en-US" sz="1600" dirty="0" smtClean="0"/>
-              <a:t>!</a:t>
-            </a:r>
+              <a:t>let</a:t>
+            </a:r>
+            <a:r>
+              <a:rPr lang="en-US" dirty="0" smtClean="0">
+                <a:solidFill>
+                  <a:schemeClr val="bg1"/>
+                </a:solidFill>
+                <a:latin typeface="Consolas" panose="020B0609020204030204" pitchFamily="49" charset="0"/>
+                <a:cs typeface="Consolas" panose="020B0609020204030204" pitchFamily="49" charset="0"/>
+              </a:rPr>
+              <a:t> </a:t>
+            </a:r>
+            <a:r>
+              <a:rPr lang="en-US" dirty="0" err="1" smtClean="0">
+                <a:solidFill>
+                  <a:schemeClr val="bg1"/>
+                </a:solidFill>
+                <a:latin typeface="Consolas" panose="020B0609020204030204" pitchFamily="49" charset="0"/>
+                <a:cs typeface="Consolas" panose="020B0609020204030204" pitchFamily="49" charset="0"/>
+              </a:rPr>
+              <a:t>obj</a:t>
+            </a:r>
+            <a:r>
+              <a:rPr lang="en-US" dirty="0" smtClean="0">
+                <a:solidFill>
+                  <a:schemeClr val="bg1"/>
+                </a:solidFill>
+                <a:latin typeface="Consolas" panose="020B0609020204030204" pitchFamily="49" charset="0"/>
+                <a:cs typeface="Consolas" panose="020B0609020204030204" pitchFamily="49" charset="0"/>
+              </a:rPr>
+              <a:t> = {prop: </a:t>
+            </a:r>
+            <a:r>
+              <a:rPr lang="en-US" dirty="0" smtClean="0">
+                <a:solidFill>
+                  <a:srgbClr val="FFC000"/>
+                </a:solidFill>
+                <a:latin typeface="Consolas" panose="020B0609020204030204" pitchFamily="49" charset="0"/>
+                <a:cs typeface="Consolas" panose="020B0609020204030204" pitchFamily="49" charset="0"/>
+              </a:rPr>
+              <a:t>5</a:t>
+            </a:r>
+            <a:r>
+              <a:rPr lang="en-US" dirty="0" smtClean="0">
+                <a:solidFill>
+                  <a:schemeClr val="bg1"/>
+                </a:solidFill>
+                <a:latin typeface="Consolas" panose="020B0609020204030204" pitchFamily="49" charset="0"/>
+                <a:cs typeface="Consolas" panose="020B0609020204030204" pitchFamily="49" charset="0"/>
+              </a:rPr>
+              <a:t>}</a:t>
+            </a:r>
+          </a:p>
+          <a:p>
+            <a:r>
+              <a:rPr lang="en-US" dirty="0" smtClean="0">
+                <a:solidFill>
+                  <a:schemeClr val="accent1"/>
+                </a:solidFill>
+                <a:latin typeface="Consolas" panose="020B0609020204030204" pitchFamily="49" charset="0"/>
+                <a:cs typeface="Consolas" panose="020B0609020204030204" pitchFamily="49" charset="0"/>
+              </a:rPr>
+              <a:t>del</a:t>
+            </a:r>
+            <a:r>
+              <a:rPr lang="en-US" dirty="0" smtClean="0">
+                <a:solidFill>
+                  <a:schemeClr val="bg1"/>
+                </a:solidFill>
+                <a:latin typeface="Consolas" panose="020B0609020204030204" pitchFamily="49" charset="0"/>
+                <a:cs typeface="Consolas" panose="020B0609020204030204" pitchFamily="49" charset="0"/>
+              </a:rPr>
+              <a:t> </a:t>
+            </a:r>
+            <a:r>
+              <a:rPr lang="en-US" dirty="0" err="1" smtClean="0">
+                <a:solidFill>
+                  <a:schemeClr val="bg1"/>
+                </a:solidFill>
+                <a:latin typeface="Consolas" panose="020B0609020204030204" pitchFamily="49" charset="0"/>
+                <a:cs typeface="Consolas" panose="020B0609020204030204" pitchFamily="49" charset="0"/>
+              </a:rPr>
+              <a:t>obj.prop</a:t>
+            </a:r>
+            <a:endParaRPr lang="en-US" dirty="0">
+              <a:solidFill>
+                <a:schemeClr val="tx1">
+                  <a:lumMod val="50000"/>
+                  <a:lumOff val="50000"/>
+                </a:schemeClr>
+              </a:solidFill>
+              <a:latin typeface="Consolas" panose="020B0609020204030204" pitchFamily="49" charset="0"/>
+              <a:cs typeface="Consolas" panose="020B0609020204030204" pitchFamily="49" charset="0"/>
+            </a:endParaRPr>
           </a:p>
         </p:txBody>
       </p:sp>
@@ -10522,15 +10736,11 @@
             </a:pPr>
             <a:r>
               <a:rPr lang="en-US" sz="1800" dirty="0" smtClean="0"/>
-              <a:t>All JS objects inherit</a:t>
-            </a:r>
-            <a:r>
-              <a:rPr lang="en-US" sz="1600" baseline="50000" dirty="0"/>
-              <a:t>†</a:t>
+              <a:t>All JS objects </a:t>
             </a:r>
             <a:r>
               <a:rPr lang="en-US" sz="1800" dirty="0" smtClean="0"/>
-              <a:t> </a:t>
+              <a:t>inherit </a:t>
             </a:r>
             <a:r>
               <a:rPr lang="en-US" sz="1800" dirty="0" smtClean="0">
@@ -10644,8 +10854,8 @@
         </p:nvSpPr>
         <p:spPr>
           <a:xfrm>
-            <a:off x="2970267" y="6248400"/>
-            <a:ext cx="5721438" cy="523220"/>
+            <a:off x="3316516" y="6248400"/>
+            <a:ext cx="5375189" cy="307777"/>
           </a:xfrm>
           <a:prstGeom prst="rect">
             <a:avLst/>
@@ -10675,20 +10885,13 @@
             </a:r>
             <a:r>
               <a:rPr lang="en-US" sz="1400" dirty="0" smtClean="0"/>
-              <a:t>, was introduced in ES2015.</a:t>
-            </a:r>
-          </a:p>
-          <a:p>
-            <a:pPr algn="r"/>
-            <a:r>
-              <a:rPr lang="en-US" sz="1400" baseline="30000" dirty="0"/>
-              <a:t>†</a:t>
+              <a:t>, was introduced in ES2015</a:t>
             </a:r>
             <a:r>
               <a:rPr lang="en-US" sz="1400" dirty="0" smtClean="0"/>
-              <a:t>Technically the Object prototype delegates to their prototypes.</a:t>
-            </a:r>
-            <a:endParaRPr lang="en-US" sz="1100" dirty="0"/>
+              <a:t>.</a:t>
+            </a:r>
+            <a:endParaRPr lang="en-US" sz="1400" dirty="0" smtClean="0"/>
           </a:p>
         </p:txBody>
       </p:sp>
@@ -10700,7 +10903,7 @@
         </p:nvSpPr>
         <p:spPr>
           <a:xfrm>
-            <a:off x="6324600" y="1522274"/>
+            <a:off x="6248400" y="1676400"/>
             <a:ext cx="2286000" cy="1754326"/>
           </a:xfrm>
           <a:prstGeom prst="rect">
@@ -11263,16 +11466,6 @@
               <a:cs typeface="Consolas" panose="020B0609020204030204" pitchFamily="49" charset="0"/>
             </a:endParaRPr>
           </a:p>
-          <a:p>
-            <a:pPr lvl="1"/>
-            <a:endParaRPr lang="en-US" sz="1800" dirty="0" smtClean="0">
-              <a:solidFill>
-                <a:schemeClr val="accent1"/>
-              </a:solidFill>
-              <a:latin typeface="Consolas" panose="020B0609020204030204" pitchFamily="49" charset="0"/>
-              <a:cs typeface="Consolas" panose="020B0609020204030204" pitchFamily="49" charset="0"/>
-            </a:endParaRPr>
-          </a:p>
         </p:txBody>
       </p:sp>
       <p:sp>
@@ -13355,8 +13548,8 @@
         </p:nvSpPr>
         <p:spPr>
           <a:xfrm>
-            <a:off x="3857576" y="6477000"/>
-            <a:ext cx="4833374" cy="307777"/>
+            <a:off x="4404199" y="6477000"/>
+            <a:ext cx="4286751" cy="307777"/>
           </a:xfrm>
           <a:prstGeom prst="rect">
             <a:avLst/>
@@ -13392,7 +13585,17 @@
                 <a:latin typeface="Consolas" panose="020B0609020204030204" pitchFamily="49" charset="0"/>
                 <a:cs typeface="Consolas" panose="020B0609020204030204" pitchFamily="49" charset="0"/>
               </a:rPr>
-              <a:t> null</a:t>
+              <a:t> </a:t>
+            </a:r>
+            <a:r>
+              <a:rPr lang="en-US" sz="1400" dirty="0" smtClean="0">
+                <a:solidFill>
+                  <a:schemeClr val="accent1"/>
+                </a:solidFill>
+                <a:latin typeface="Consolas" panose="020B0609020204030204" pitchFamily="49" charset="0"/>
+                <a:cs typeface="Consolas" panose="020B0609020204030204" pitchFamily="49" charset="0"/>
+              </a:rPr>
+              <a:t>null</a:t>
             </a:r>
             <a:r>
               <a:rPr lang="en-US" sz="1400" dirty="0"/>
@@ -13400,7 +13603,7 @@
             </a:r>
             <a:r>
               <a:rPr lang="en-US" sz="1400" dirty="0" smtClean="0"/>
-              <a:t>is technically  “</a:t>
+              <a:t>returns “</a:t>
             </a:r>
             <a:r>
               <a:rPr lang="en-US" sz="1400" dirty="0" smtClean="0">

--- a/JavaScript JQuery training.pptx
+++ b/JavaScript JQuery training.pptx
@@ -10,12 +10,12 @@
   <p:sldIdLst>
     <p:sldId id="270" r:id="rId2"/>
     <p:sldId id="269" r:id="rId3"/>
-    <p:sldId id="257" r:id="rId4"/>
-    <p:sldId id="277" r:id="rId5"/>
-    <p:sldId id="258" r:id="rId6"/>
-    <p:sldId id="261" r:id="rId7"/>
-    <p:sldId id="259" r:id="rId8"/>
-    <p:sldId id="265" r:id="rId9"/>
+    <p:sldId id="261" r:id="rId4"/>
+    <p:sldId id="259" r:id="rId5"/>
+    <p:sldId id="265" r:id="rId6"/>
+    <p:sldId id="258" r:id="rId7"/>
+    <p:sldId id="257" r:id="rId8"/>
+    <p:sldId id="277" r:id="rId9"/>
     <p:sldId id="267" r:id="rId10"/>
     <p:sldId id="278" r:id="rId11"/>
     <p:sldId id="271" r:id="rId12"/>
@@ -124,7 +124,7 @@
   </p:defaultTextStyle>
   <p:extLst>
     <p:ext uri="{EFAFB233-063F-42B5-8137-9DF3F51BA10A}">
-      <p15:sldGuideLst xmlns="" xmlns:p15="http://schemas.microsoft.com/office/powerpoint/2012/main">
+      <p15:sldGuideLst xmlns:p15="http://schemas.microsoft.com/office/powerpoint/2012/main" xmlns="">
         <p15:guide id="1" orient="horz" pos="2160">
           <p15:clr>
             <a:srgbClr val="A4A3A4"/>
@@ -223,7 +223,7 @@
           <a:p>
             <a:fld id="{1D63CA61-FB8F-4910-ACF6-8EE3F9C3F4FD}" type="datetimeFigureOut">
               <a:rPr lang="en-US" smtClean="0"/>
-              <a:t>6/24/2016</a:t>
+              <a:t>6/29/2016</a:t>
             </a:fld>
             <a:endParaRPr lang="en-US"/>
           </a:p>
@@ -565,7 +565,7 @@
     </p:spTree>
     <p:extLst>
       <p:ext uri="{BB962C8B-B14F-4D97-AF65-F5344CB8AC3E}">
-        <p14:creationId xmlns:p14="http://schemas.microsoft.com/office/powerpoint/2010/main" val="2318038311"/>
+        <p14:creationId xmlns:p14="http://schemas.microsoft.com/office/powerpoint/2010/main" val="3582168237"/>
       </p:ext>
     </p:extLst>
   </p:cSld>
@@ -619,7 +619,47 @@
           <a:bodyPr/>
           <a:lstStyle/>
           <a:p>
-            <a:endParaRPr lang="en-US" dirty="0"/>
+            <a:r>
+              <a:rPr lang="en-US" dirty="0" smtClean="0"/>
+              <a:t>Strict equality is</a:t>
+            </a:r>
+            <a:r>
+              <a:rPr lang="en-US" baseline="0" dirty="0" smtClean="0"/>
+              <a:t> ‘exact match’, only matches same instance of objects</a:t>
+            </a:r>
+            <a:endParaRPr lang="en-US" dirty="0" smtClean="0"/>
+          </a:p>
+          <a:p>
+            <a:r>
+              <a:rPr lang="en-US" dirty="0" smtClean="0"/>
+              <a:t>Note</a:t>
+            </a:r>
+            <a:r>
+              <a:rPr lang="en-US" baseline="0" dirty="0" smtClean="0"/>
+              <a:t> that some </a:t>
+            </a:r>
+            <a:r>
+              <a:rPr lang="en-US" baseline="0" dirty="0" err="1" smtClean="0"/>
+              <a:t>falsey</a:t>
+            </a:r>
+            <a:r>
+              <a:rPr lang="en-US" baseline="0" dirty="0" smtClean="0"/>
+              <a:t> values are not loosely equal to false, and some </a:t>
+            </a:r>
+            <a:r>
+              <a:rPr lang="en-US" baseline="0" dirty="0" err="1" smtClean="0"/>
+              <a:t>truthy</a:t>
+            </a:r>
+            <a:r>
+              <a:rPr lang="en-US" baseline="0" dirty="0" smtClean="0"/>
+              <a:t> values (e.g. []) are!</a:t>
+            </a:r>
+          </a:p>
+          <a:p>
+            <a:r>
+              <a:rPr lang="en-US" baseline="0" dirty="0" smtClean="0"/>
+              <a:t>Array is converted to string for loose comparison, hence odd behavior</a:t>
+            </a:r>
           </a:p>
         </p:txBody>
       </p:sp>
@@ -640,7 +680,7 @@
           <a:p>
             <a:fld id="{6070BBD5-2F8E-412B-9D94-1AC8B27A600C}" type="slidenum">
               <a:rPr lang="en-US" smtClean="0"/>
-              <a:t>4</a:t>
+              <a:t>5</a:t>
             </a:fld>
             <a:endParaRPr lang="en-US"/>
           </a:p>
@@ -649,7 +689,7 @@
     </p:spTree>
     <p:extLst>
       <p:ext uri="{BB962C8B-B14F-4D97-AF65-F5344CB8AC3E}">
-        <p14:creationId xmlns:p14="http://schemas.microsoft.com/office/powerpoint/2010/main" val="2318038311"/>
+        <p14:creationId xmlns:p14="http://schemas.microsoft.com/office/powerpoint/2010/main" val="3409542882"/>
       </p:ext>
     </p:extLst>
   </p:cSld>
@@ -703,6 +743,22 @@
           <a:bodyPr/>
           <a:lstStyle/>
           <a:p>
+            <a:r>
+              <a:rPr lang="en-US" dirty="0" smtClean="0"/>
+              <a:t>Reason for hoisting:</a:t>
+            </a:r>
+            <a:r>
+              <a:rPr lang="en-US" baseline="0" dirty="0" smtClean="0"/>
+              <a:t> </a:t>
+            </a:r>
+            <a:r>
+              <a:rPr lang="en-US" baseline="0" dirty="0" err="1" smtClean="0"/>
+              <a:t>javascript</a:t>
+            </a:r>
+            <a:r>
+              <a:rPr lang="en-US" baseline="0" dirty="0" smtClean="0"/>
+              <a:t> doesn’t like to fail</a:t>
+            </a:r>
             <a:endParaRPr lang="en-US" dirty="0"/>
           </a:p>
         </p:txBody>
@@ -724,7 +780,7 @@
           <a:p>
             <a:fld id="{6070BBD5-2F8E-412B-9D94-1AC8B27A600C}" type="slidenum">
               <a:rPr lang="en-US" smtClean="0"/>
-              <a:t>6</a:t>
+              <a:t>7</a:t>
             </a:fld>
             <a:endParaRPr lang="en-US"/>
           </a:p>
@@ -733,7 +789,7 @@
     </p:spTree>
     <p:extLst>
       <p:ext uri="{BB962C8B-B14F-4D97-AF65-F5344CB8AC3E}">
-        <p14:creationId xmlns:p14="http://schemas.microsoft.com/office/powerpoint/2010/main" val="3582168237"/>
+        <p14:creationId xmlns:p14="http://schemas.microsoft.com/office/powerpoint/2010/main" val="2318038311"/>
       </p:ext>
     </p:extLst>
   </p:cSld>
@@ -787,47 +843,11 @@
           <a:bodyPr/>
           <a:lstStyle/>
           <a:p>
-            <a:r>
-              <a:rPr lang="en-US" dirty="0" smtClean="0"/>
-              <a:t>Strict equality is</a:t>
-            </a:r>
-            <a:r>
-              <a:rPr lang="en-US" baseline="0" dirty="0" smtClean="0"/>
-              <a:t> ‘exact match’, only matches same instance of objects</a:t>
-            </a:r>
+            <a:pPr marL="171450" indent="-171450">
+              <a:buFontTx/>
+              <a:buChar char="-"/>
+            </a:pPr>
             <a:endParaRPr lang="en-US" dirty="0" smtClean="0"/>
-          </a:p>
-          <a:p>
-            <a:r>
-              <a:rPr lang="en-US" dirty="0" smtClean="0"/>
-              <a:t>Note</a:t>
-            </a:r>
-            <a:r>
-              <a:rPr lang="en-US" baseline="0" dirty="0" smtClean="0"/>
-              <a:t> that some </a:t>
-            </a:r>
-            <a:r>
-              <a:rPr lang="en-US" baseline="0" dirty="0" err="1" smtClean="0"/>
-              <a:t>falsey</a:t>
-            </a:r>
-            <a:r>
-              <a:rPr lang="en-US" baseline="0" dirty="0" smtClean="0"/>
-              <a:t> values are not loosely equal to false, and some </a:t>
-            </a:r>
-            <a:r>
-              <a:rPr lang="en-US" baseline="0" dirty="0" err="1" smtClean="0"/>
-              <a:t>truthy</a:t>
-            </a:r>
-            <a:r>
-              <a:rPr lang="en-US" baseline="0" dirty="0" smtClean="0"/>
-              <a:t> values (e.g. []) are!</a:t>
-            </a:r>
-          </a:p>
-          <a:p>
-            <a:r>
-              <a:rPr lang="en-US" baseline="0" dirty="0" smtClean="0"/>
-              <a:t>Array is converted to string for loose comparison, hence odd behavior</a:t>
-            </a:r>
           </a:p>
         </p:txBody>
       </p:sp>
@@ -857,7 +877,7 @@
     </p:spTree>
     <p:extLst>
       <p:ext uri="{BB962C8B-B14F-4D97-AF65-F5344CB8AC3E}">
-        <p14:creationId xmlns:p14="http://schemas.microsoft.com/office/powerpoint/2010/main" val="3409542882"/>
+        <p14:creationId xmlns:p14="http://schemas.microsoft.com/office/powerpoint/2010/main" val="2318038311"/>
       </p:ext>
     </p:extLst>
   </p:cSld>
@@ -1492,7 +1512,7 @@
           <a:p>
             <a:fld id="{0168367C-DC51-42B5-998B-D29FFC7E72CB}" type="datetimeFigureOut">
               <a:rPr lang="en-US" smtClean="0"/>
-              <a:t>6/24/2016</a:t>
+              <a:t>6/29/2016</a:t>
             </a:fld>
             <a:endParaRPr lang="en-US"/>
           </a:p>
@@ -1688,7 +1708,7 @@
           <a:p>
             <a:fld id="{0168367C-DC51-42B5-998B-D29FFC7E72CB}" type="datetimeFigureOut">
               <a:rPr lang="en-US" smtClean="0"/>
-              <a:t>6/24/2016</a:t>
+              <a:t>6/29/2016</a:t>
             </a:fld>
             <a:endParaRPr lang="en-US"/>
           </a:p>
@@ -1873,7 +1893,7 @@
           <a:p>
             <a:fld id="{0168367C-DC51-42B5-998B-D29FFC7E72CB}" type="datetimeFigureOut">
               <a:rPr lang="en-US" smtClean="0"/>
-              <a:t>6/24/2016</a:t>
+              <a:t>6/29/2016</a:t>
             </a:fld>
             <a:endParaRPr lang="en-US"/>
           </a:p>
@@ -2023,7 +2043,7 @@
           <a:p>
             <a:fld id="{0168367C-DC51-42B5-998B-D29FFC7E72CB}" type="datetimeFigureOut">
               <a:rPr lang="en-US" smtClean="0"/>
-              <a:t>6/24/2016</a:t>
+              <a:t>6/29/2016</a:t>
             </a:fld>
             <a:endParaRPr lang="en-US"/>
           </a:p>
@@ -2273,7 +2293,7 @@
           <a:p>
             <a:fld id="{0168367C-DC51-42B5-998B-D29FFC7E72CB}" type="datetimeFigureOut">
               <a:rPr lang="en-US" smtClean="0"/>
-              <a:t>6/24/2016</a:t>
+              <a:t>6/29/2016</a:t>
             </a:fld>
             <a:endParaRPr lang="en-US"/>
           </a:p>
@@ -2677,7 +2697,7 @@
           <a:p>
             <a:fld id="{0168367C-DC51-42B5-998B-D29FFC7E72CB}" type="datetimeFigureOut">
               <a:rPr lang="en-US" smtClean="0"/>
-              <a:t>6/24/2016</a:t>
+              <a:t>6/29/2016</a:t>
             </a:fld>
             <a:endParaRPr lang="en-US"/>
           </a:p>
@@ -3118,7 +3138,7 @@
           <a:p>
             <a:fld id="{0168367C-DC51-42B5-998B-D29FFC7E72CB}" type="datetimeFigureOut">
               <a:rPr lang="en-US" smtClean="0"/>
-              <a:t>6/24/2016</a:t>
+              <a:t>6/29/2016</a:t>
             </a:fld>
             <a:endParaRPr lang="en-US"/>
           </a:p>
@@ -3214,7 +3234,7 @@
           <a:p>
             <a:fld id="{0168367C-DC51-42B5-998B-D29FFC7E72CB}" type="datetimeFigureOut">
               <a:rPr lang="en-US" smtClean="0"/>
-              <a:t>6/24/2016</a:t>
+              <a:t>6/29/2016</a:t>
             </a:fld>
             <a:endParaRPr lang="en-US"/>
           </a:p>
@@ -3335,7 +3355,7 @@
           <a:p>
             <a:fld id="{0168367C-DC51-42B5-998B-D29FFC7E72CB}" type="datetimeFigureOut">
               <a:rPr lang="en-US" smtClean="0"/>
-              <a:t>6/24/2016</a:t>
+              <a:t>6/29/2016</a:t>
             </a:fld>
             <a:endParaRPr lang="en-US"/>
           </a:p>
@@ -3604,7 +3624,7 @@
           <a:p>
             <a:fld id="{0168367C-DC51-42B5-998B-D29FFC7E72CB}" type="datetimeFigureOut">
               <a:rPr lang="en-US" smtClean="0"/>
-              <a:t>6/24/2016</a:t>
+              <a:t>6/29/2016</a:t>
             </a:fld>
             <a:endParaRPr lang="en-US"/>
           </a:p>
@@ -3804,7 +3824,7 @@
           <a:p>
             <a:fld id="{0168367C-DC51-42B5-998B-D29FFC7E72CB}" type="datetimeFigureOut">
               <a:rPr lang="en-US" smtClean="0"/>
-              <a:t>6/24/2016</a:t>
+              <a:t>6/29/2016</a:t>
             </a:fld>
             <a:endParaRPr lang="en-US"/>
           </a:p>
@@ -4913,7 +4933,7 @@
           <a:p>
             <a:fld id="{0168367C-DC51-42B5-998B-D29FFC7E72CB}" type="datetimeFigureOut">
               <a:rPr lang="en-US" smtClean="0"/>
-              <a:t>6/24/2016</a:t>
+              <a:t>6/29/2016</a:t>
             </a:fld>
             <a:endParaRPr lang="en-US"/>
           </a:p>
@@ -6530,15 +6550,7 @@
             </a:br>
             <a:r>
               <a:rPr lang="en-US" sz="1600" dirty="0" smtClean="0"/>
-              <a:t>and utilities like Babel will compile ES2015 code to </a:t>
-            </a:r>
-            <a:r>
-              <a:rPr lang="en-US" sz="1600" dirty="0" smtClean="0"/>
-              <a:t>ES5 </a:t>
-            </a:r>
-            <a:r>
-              <a:rPr lang="en-US" sz="1600" dirty="0" smtClean="0"/>
-              <a:t>for older browsers.</a:t>
+              <a:t>and utilities like Babel will compile ES2015 code to ES5 for older browsers.</a:t>
             </a:r>
             <a:endParaRPr lang="en-US" sz="1600" dirty="0"/>
           </a:p>
@@ -7568,22 +7580,14 @@
             </a:pPr>
             <a:r>
               <a:rPr lang="en-US" dirty="0" smtClean="0"/>
-              <a:t>Likely </a:t>
-            </a:r>
-            <a:r>
-              <a:rPr lang="en-US" dirty="0" smtClean="0"/>
-              <a:t>pre-cached </a:t>
+              <a:t>Likely pre-cached </a:t>
             </a:r>
             <a:br>
               <a:rPr lang="en-US" dirty="0" smtClean="0"/>
             </a:br>
             <a:r>
               <a:rPr lang="en-US" dirty="0" smtClean="0"/>
-              <a:t>(if using CDN</a:t>
-            </a:r>
-            <a:r>
-              <a:rPr lang="en-US" dirty="0" smtClean="0"/>
-              <a:t>)</a:t>
+              <a:t>(if using CDN)</a:t>
             </a:r>
           </a:p>
         </p:txBody>
@@ -10482,8 +10486,8 @@
         </p:nvSpPr>
         <p:spPr>
           <a:xfrm>
-            <a:off x="457200" y="3733800"/>
-            <a:ext cx="8229600" cy="2587823"/>
+            <a:off x="404123" y="1598474"/>
+            <a:ext cx="8229600" cy="4878526"/>
           </a:xfrm>
           <a:ln/>
         </p:spPr>
@@ -10509,24 +10513,221 @@
           <a:p>
             <a:r>
               <a:rPr lang="en-US" sz="2400" dirty="0" smtClean="0"/>
-              <a:t>Functions provide the only scope level</a:t>
-            </a:r>
-            <a:r>
-              <a:rPr lang="en-US" sz="2400" baseline="30000" dirty="0" smtClean="0"/>
+              <a:t>Primitives</a:t>
+            </a:r>
+            <a:endParaRPr lang="en-US" sz="2400" dirty="0"/>
+          </a:p>
+          <a:p>
+            <a:pPr lvl="1"/>
+            <a:r>
+              <a:rPr lang="en-US" sz="1800" dirty="0" smtClean="0"/>
+              <a:t>3</a:t>
+            </a:r>
+            <a:r>
+              <a:rPr lang="en-US" sz="1800" baseline="30000" dirty="0" smtClean="0"/>
               <a:t>*</a:t>
             </a:r>
-            <a:endParaRPr lang="en-US" dirty="0"/>
+            <a:r>
+              <a:rPr lang="en-US" sz="1800" dirty="0" smtClean="0"/>
+              <a:t> Types:</a:t>
+            </a:r>
+          </a:p>
+          <a:p>
+            <a:pPr lvl="2">
+              <a:spcBef>
+                <a:spcPts val="0"/>
+              </a:spcBef>
+            </a:pPr>
+            <a:r>
+              <a:rPr lang="en-US" sz="1600" b="1" dirty="0" err="1" smtClean="0">
+                <a:solidFill>
+                  <a:schemeClr val="accent1"/>
+                </a:solidFill>
+                <a:latin typeface="Consolas" panose="020B0609020204030204" pitchFamily="49" charset="0"/>
+                <a:cs typeface="Consolas" panose="020B0609020204030204" pitchFamily="49" charset="0"/>
+              </a:rPr>
+              <a:t>boolean</a:t>
+            </a:r>
+            <a:endParaRPr lang="en-US" sz="1600" b="1" dirty="0" smtClean="0">
+              <a:solidFill>
+                <a:schemeClr val="accent1"/>
+              </a:solidFill>
+              <a:latin typeface="Consolas" panose="020B0609020204030204" pitchFamily="49" charset="0"/>
+              <a:cs typeface="Consolas" panose="020B0609020204030204" pitchFamily="49" charset="0"/>
+            </a:endParaRPr>
+          </a:p>
+          <a:p>
+            <a:pPr lvl="2">
+              <a:spcBef>
+                <a:spcPts val="0"/>
+              </a:spcBef>
+            </a:pPr>
+            <a:r>
+              <a:rPr lang="en-US" sz="1600" b="1" dirty="0" smtClean="0">
+                <a:solidFill>
+                  <a:schemeClr val="accent1"/>
+                </a:solidFill>
+                <a:latin typeface="Consolas" panose="020B0609020204030204" pitchFamily="49" charset="0"/>
+                <a:cs typeface="Consolas" panose="020B0609020204030204" pitchFamily="49" charset="0"/>
+              </a:rPr>
+              <a:t>number</a:t>
+            </a:r>
+            <a:r>
+              <a:rPr lang="en-US" sz="1600" dirty="0" smtClean="0">
+                <a:solidFill>
+                  <a:schemeClr val="accent1"/>
+                </a:solidFill>
+              </a:rPr>
+              <a:t> </a:t>
+            </a:r>
+            <a:r>
+              <a:rPr lang="en-US" sz="1400" dirty="0" smtClean="0"/>
+              <a:t>(including </a:t>
+            </a:r>
+            <a:r>
+              <a:rPr lang="en-US" sz="1400" dirty="0" smtClean="0">
+                <a:solidFill>
+                  <a:schemeClr val="accent1"/>
+                </a:solidFill>
+                <a:latin typeface="Consolas" panose="020B0609020204030204" pitchFamily="49" charset="0"/>
+                <a:cs typeface="Consolas" panose="020B0609020204030204" pitchFamily="49" charset="0"/>
+              </a:rPr>
+              <a:t>Infinity</a:t>
+            </a:r>
+            <a:r>
+              <a:rPr lang="en-US" sz="1400" dirty="0" smtClean="0">
+                <a:solidFill>
+                  <a:schemeClr val="accent1"/>
+                </a:solidFill>
+              </a:rPr>
+              <a:t> </a:t>
+            </a:r>
+            <a:r>
+              <a:rPr lang="en-US" sz="1400" dirty="0" smtClean="0"/>
+              <a:t>and </a:t>
+            </a:r>
+            <a:r>
+              <a:rPr lang="en-US" sz="1400" dirty="0" err="1" smtClean="0">
+                <a:solidFill>
+                  <a:schemeClr val="accent1"/>
+                </a:solidFill>
+                <a:latin typeface="Consolas" panose="020B0609020204030204" pitchFamily="49" charset="0"/>
+                <a:cs typeface="Consolas" panose="020B0609020204030204" pitchFamily="49" charset="0"/>
+              </a:rPr>
+              <a:t>NaN</a:t>
+            </a:r>
+            <a:r>
+              <a:rPr lang="en-US" sz="1400" dirty="0" smtClean="0">
+                <a:solidFill>
+                  <a:schemeClr val="accent1"/>
+                </a:solidFill>
+                <a:latin typeface="Consolas" panose="020B0609020204030204" pitchFamily="49" charset="0"/>
+                <a:cs typeface="Consolas" panose="020B0609020204030204" pitchFamily="49" charset="0"/>
+              </a:rPr>
+              <a:t>)</a:t>
+            </a:r>
+            <a:endParaRPr lang="en-US" sz="1400" dirty="0" smtClean="0"/>
+          </a:p>
+          <a:p>
+            <a:pPr lvl="2">
+              <a:spcBef>
+                <a:spcPts val="0"/>
+              </a:spcBef>
+            </a:pPr>
+            <a:r>
+              <a:rPr lang="en-US" sz="1600" b="1" dirty="0" smtClean="0">
+                <a:solidFill>
+                  <a:schemeClr val="accent1"/>
+                </a:solidFill>
+                <a:latin typeface="Consolas" panose="020B0609020204030204" pitchFamily="49" charset="0"/>
+                <a:cs typeface="Consolas" panose="020B0609020204030204" pitchFamily="49" charset="0"/>
+              </a:rPr>
+              <a:t>string</a:t>
+            </a:r>
           </a:p>
           <a:p>
             <a:pPr lvl="1">
               <a:spcBef>
-                <a:spcPts val="400"/>
+                <a:spcPts val="1200"/>
               </a:spcBef>
             </a:pPr>
             <a:r>
               <a:rPr lang="en-US" sz="1800" dirty="0" smtClean="0"/>
-              <a:t>Variable declaration (not instantiation!) hoisted to top of scope</a:t>
-            </a:r>
+              <a:t>Each primitive has a wrapper </a:t>
+            </a:r>
+            <a:r>
+              <a:rPr lang="en-US" sz="1800" dirty="0" smtClean="0"/>
+              <a:t>class </a:t>
+            </a:r>
+            <a:r>
+              <a:rPr lang="en-US" sz="1600" dirty="0" smtClean="0"/>
+              <a:t>(e.g</a:t>
+            </a:r>
+            <a:r>
+              <a:rPr lang="en-US" sz="1600" dirty="0" smtClean="0"/>
+              <a:t>. “</a:t>
+            </a:r>
+            <a:r>
+              <a:rPr lang="en-US" sz="1600" u="sng" dirty="0" smtClean="0">
+                <a:solidFill>
+                  <a:schemeClr val="tx1"/>
+                </a:solidFill>
+                <a:latin typeface="Consolas" panose="020B0609020204030204" pitchFamily="49" charset="0"/>
+                <a:cs typeface="Consolas" panose="020B0609020204030204" pitchFamily="49" charset="0"/>
+              </a:rPr>
+              <a:t>S</a:t>
+            </a:r>
+            <a:r>
+              <a:rPr lang="en-US" sz="1600" dirty="0" smtClean="0">
+                <a:solidFill>
+                  <a:schemeClr val="tx1"/>
+                </a:solidFill>
+                <a:latin typeface="Consolas" panose="020B0609020204030204" pitchFamily="49" charset="0"/>
+                <a:cs typeface="Consolas" panose="020B0609020204030204" pitchFamily="49" charset="0"/>
+              </a:rPr>
+              <a:t>tring</a:t>
+            </a:r>
+            <a:r>
+              <a:rPr lang="en-US" sz="1600" dirty="0" smtClean="0"/>
+              <a:t>” for </a:t>
+            </a:r>
+            <a:r>
+              <a:rPr lang="en-US" sz="1600" dirty="0" smtClean="0">
+                <a:latin typeface="Consolas" panose="020B0609020204030204" pitchFamily="49" charset="0"/>
+                <a:cs typeface="Consolas" panose="020B0609020204030204" pitchFamily="49" charset="0"/>
+              </a:rPr>
+              <a:t>string</a:t>
+            </a:r>
+            <a:r>
+              <a:rPr lang="en-US" sz="1600" dirty="0" smtClean="0"/>
+              <a:t>)</a:t>
+            </a:r>
+          </a:p>
+          <a:p>
+            <a:pPr lvl="1">
+              <a:spcBef>
+                <a:spcPts val="600"/>
+              </a:spcBef>
+            </a:pPr>
+            <a:r>
+              <a:rPr lang="en-US" sz="1800" dirty="0" smtClean="0"/>
+              <a:t>Can override </a:t>
+            </a:r>
+            <a:r>
+              <a:rPr lang="en-US" sz="1800" dirty="0" err="1" smtClean="0">
+                <a:solidFill>
+                  <a:schemeClr val="accent1"/>
+                </a:solidFill>
+                <a:latin typeface="Consolas" panose="020B0609020204030204" pitchFamily="49" charset="0"/>
+                <a:cs typeface="Consolas" panose="020B0609020204030204" pitchFamily="49" charset="0"/>
+              </a:rPr>
+              <a:t>Object.prototype.valueOf</a:t>
+            </a:r>
+            <a:r>
+              <a:rPr lang="en-US" sz="1800" dirty="0" smtClean="0"/>
+              <a:t> method in a class to specify how to convert an object to a primitive </a:t>
+            </a:r>
+            <a:endParaRPr lang="en-US" sz="1800" dirty="0" smtClean="0"/>
           </a:p>
           <a:p>
             <a:pPr>
@@ -10536,50 +10737,363 @@
             </a:pPr>
             <a:r>
               <a:rPr lang="en-US" sz="2400" dirty="0" smtClean="0"/>
-              <a:t>Named Functions: </a:t>
-            </a:r>
+              <a:t>Objects</a:t>
+            </a:r>
+          </a:p>
+          <a:p>
+            <a:pPr lvl="1"/>
             <a:r>
               <a:rPr lang="en-US" sz="1800" dirty="0" smtClean="0"/>
-              <a:t>Usable anywhere within scope</a:t>
-            </a:r>
-            <a:endParaRPr lang="en-US" sz="2400" dirty="0" smtClean="0"/>
-          </a:p>
-          <a:p>
-            <a:pPr>
+              <a:t>Important </a:t>
+            </a:r>
+            <a:r>
+              <a:rPr lang="en-US" sz="1800" b="1" dirty="0" smtClean="0">
+                <a:solidFill>
+                  <a:schemeClr val="accent3"/>
+                </a:solidFill>
+              </a:rPr>
+              <a:t>built-in </a:t>
+            </a:r>
+            <a:r>
+              <a:rPr lang="en-US" sz="1800" b="1" dirty="0" smtClean="0">
+                <a:solidFill>
+                  <a:schemeClr val="accent3"/>
+                </a:solidFill>
+              </a:rPr>
+              <a:t>objects </a:t>
+            </a:r>
+            <a:r>
+              <a:rPr lang="en-US" sz="1800" b="1" dirty="0" smtClean="0">
+                <a:solidFill>
+                  <a:schemeClr val="accent3"/>
+                </a:solidFill>
+              </a:rPr>
+              <a:t> </a:t>
+            </a:r>
+            <a:r>
+              <a:rPr lang="en-US" sz="1800" dirty="0" smtClean="0"/>
+              <a:t>include</a:t>
+            </a:r>
+            <a:r>
+              <a:rPr lang="en-US" sz="1800" dirty="0" smtClean="0"/>
+              <a:t>:</a:t>
+            </a:r>
+            <a:br>
+              <a:rPr lang="en-US" sz="1800" dirty="0" smtClean="0"/>
+            </a:br>
+            <a:r>
+              <a:rPr lang="en-US" sz="1100" dirty="0">
+                <a:solidFill>
+                  <a:srgbClr val="C00000"/>
+                </a:solidFill>
+                <a:latin typeface="Consolas" panose="020B0609020204030204" pitchFamily="49" charset="0"/>
+                <a:cs typeface="Consolas" panose="020B0609020204030204" pitchFamily="49" charset="0"/>
+              </a:rPr>
+              <a:t>•</a:t>
+            </a:r>
+            <a:r>
+              <a:rPr lang="en-US" sz="1100" dirty="0">
+                <a:solidFill>
+                  <a:prstClr val="black"/>
+                </a:solidFill>
+                <a:latin typeface="Consolas" panose="020B0609020204030204" pitchFamily="49" charset="0"/>
+                <a:cs typeface="Consolas" panose="020B0609020204030204" pitchFamily="49" charset="0"/>
+              </a:rPr>
+              <a:t> </a:t>
+            </a:r>
+            <a:r>
+              <a:rPr lang="en-US" sz="1600" dirty="0" smtClean="0">
+                <a:solidFill>
+                  <a:srgbClr val="2DA2BF"/>
+                </a:solidFill>
+                <a:latin typeface="Consolas" panose="020B0609020204030204" pitchFamily="49" charset="0"/>
+                <a:cs typeface="Consolas" panose="020B0609020204030204" pitchFamily="49" charset="0"/>
+              </a:rPr>
+              <a:t>Function</a:t>
+            </a:r>
+            <a:r>
+              <a:rPr lang="en-US" sz="1800" dirty="0" smtClean="0">
+                <a:solidFill>
+                  <a:srgbClr val="2DA2BF"/>
+                </a:solidFill>
+                <a:latin typeface="Consolas" panose="020B0609020204030204" pitchFamily="49" charset="0"/>
+                <a:cs typeface="Consolas" panose="020B0609020204030204" pitchFamily="49" charset="0"/>
+              </a:rPr>
+              <a:t>  </a:t>
+            </a:r>
+            <a:r>
+              <a:rPr lang="en-US" sz="1100" dirty="0" smtClean="0">
+                <a:solidFill>
+                  <a:srgbClr val="C00000"/>
+                </a:solidFill>
+                <a:latin typeface="Consolas" panose="020B0609020204030204" pitchFamily="49" charset="0"/>
+                <a:cs typeface="Consolas" panose="020B0609020204030204" pitchFamily="49" charset="0"/>
+              </a:rPr>
+              <a:t>• </a:t>
+            </a:r>
+            <a:r>
+              <a:rPr lang="en-US" sz="1600" dirty="0" smtClean="0">
+                <a:solidFill>
+                  <a:schemeClr val="accent1"/>
+                </a:solidFill>
+                <a:latin typeface="Consolas" panose="020B0609020204030204" pitchFamily="49" charset="0"/>
+                <a:cs typeface="Consolas" panose="020B0609020204030204" pitchFamily="49" charset="0"/>
+              </a:rPr>
+              <a:t>Object</a:t>
+            </a:r>
+            <a:r>
+              <a:rPr lang="en-US" sz="1800" dirty="0" smtClean="0">
+                <a:solidFill>
+                  <a:schemeClr val="accent1"/>
+                </a:solidFill>
+                <a:latin typeface="Consolas" panose="020B0609020204030204" pitchFamily="49" charset="0"/>
+                <a:cs typeface="Consolas" panose="020B0609020204030204" pitchFamily="49" charset="0"/>
+              </a:rPr>
+              <a:t>  </a:t>
+            </a:r>
+            <a:r>
+              <a:rPr lang="en-US" sz="1100" dirty="0" smtClean="0">
+                <a:solidFill>
+                  <a:srgbClr val="C00000"/>
+                </a:solidFill>
+                <a:latin typeface="Consolas" panose="020B0609020204030204" pitchFamily="49" charset="0"/>
+                <a:cs typeface="Consolas" panose="020B0609020204030204" pitchFamily="49" charset="0"/>
+              </a:rPr>
+              <a:t>• </a:t>
+            </a:r>
+            <a:r>
+              <a:rPr lang="en-US" sz="1600" dirty="0" smtClean="0">
+                <a:solidFill>
+                  <a:schemeClr val="accent1"/>
+                </a:solidFill>
+                <a:latin typeface="Consolas" panose="020B0609020204030204" pitchFamily="49" charset="0"/>
+                <a:cs typeface="Consolas" panose="020B0609020204030204" pitchFamily="49" charset="0"/>
+              </a:rPr>
+              <a:t>Array</a:t>
+            </a:r>
+            <a:r>
+              <a:rPr lang="en-US" sz="1800" dirty="0" smtClean="0">
+                <a:latin typeface="Consolas" panose="020B0609020204030204" pitchFamily="49" charset="0"/>
+                <a:cs typeface="Consolas" panose="020B0609020204030204" pitchFamily="49" charset="0"/>
+              </a:rPr>
+              <a:t>  </a:t>
+            </a:r>
+            <a:r>
+              <a:rPr lang="en-US" sz="1100" dirty="0" smtClean="0">
+                <a:solidFill>
+                  <a:srgbClr val="C00000"/>
+                </a:solidFill>
+                <a:latin typeface="Consolas" panose="020B0609020204030204" pitchFamily="49" charset="0"/>
+                <a:cs typeface="Consolas" panose="020B0609020204030204" pitchFamily="49" charset="0"/>
+              </a:rPr>
+              <a:t>•</a:t>
+            </a:r>
+            <a:r>
+              <a:rPr lang="en-US" sz="1100" dirty="0" smtClean="0">
+                <a:latin typeface="Consolas" panose="020B0609020204030204" pitchFamily="49" charset="0"/>
+                <a:cs typeface="Consolas" panose="020B0609020204030204" pitchFamily="49" charset="0"/>
+              </a:rPr>
+              <a:t> </a:t>
+            </a:r>
+            <a:r>
+              <a:rPr lang="en-US" sz="1600" dirty="0" smtClean="0">
+                <a:solidFill>
+                  <a:schemeClr val="accent1"/>
+                </a:solidFill>
+                <a:latin typeface="Consolas" panose="020B0609020204030204" pitchFamily="49" charset="0"/>
+                <a:cs typeface="Consolas" panose="020B0609020204030204" pitchFamily="49" charset="0"/>
+              </a:rPr>
+              <a:t>Date</a:t>
+            </a:r>
+            <a:r>
+              <a:rPr lang="en-US" sz="1800" dirty="0" smtClean="0">
+                <a:solidFill>
+                  <a:schemeClr val="accent1"/>
+                </a:solidFill>
+                <a:latin typeface="Consolas" panose="020B0609020204030204" pitchFamily="49" charset="0"/>
+                <a:cs typeface="Consolas" panose="020B0609020204030204" pitchFamily="49" charset="0"/>
+              </a:rPr>
+              <a:t>  </a:t>
+            </a:r>
+            <a:r>
+              <a:rPr lang="en-US" sz="1100" dirty="0" smtClean="0">
+                <a:solidFill>
+                  <a:srgbClr val="C00000"/>
+                </a:solidFill>
+                <a:latin typeface="Consolas" panose="020B0609020204030204" pitchFamily="49" charset="0"/>
+                <a:cs typeface="Consolas" panose="020B0609020204030204" pitchFamily="49" charset="0"/>
+              </a:rPr>
+              <a:t>•</a:t>
+            </a:r>
+            <a:r>
+              <a:rPr lang="en-US" sz="1100" dirty="0" smtClean="0">
+                <a:solidFill>
+                  <a:schemeClr val="accent1"/>
+                </a:solidFill>
+                <a:latin typeface="Consolas" panose="020B0609020204030204" pitchFamily="49" charset="0"/>
+                <a:cs typeface="Consolas" panose="020B0609020204030204" pitchFamily="49" charset="0"/>
+              </a:rPr>
+              <a:t> </a:t>
+            </a:r>
+            <a:r>
+              <a:rPr lang="en-US" sz="1600" dirty="0" err="1" smtClean="0">
+                <a:solidFill>
+                  <a:schemeClr val="accent1"/>
+                </a:solidFill>
+                <a:latin typeface="Consolas" panose="020B0609020204030204" pitchFamily="49" charset="0"/>
+                <a:cs typeface="Consolas" panose="020B0609020204030204" pitchFamily="49" charset="0"/>
+              </a:rPr>
+              <a:t>RegExp</a:t>
+            </a:r>
+            <a:r>
+              <a:rPr lang="en-US" sz="1800" dirty="0" smtClean="0">
+                <a:solidFill>
+                  <a:schemeClr val="accent1"/>
+                </a:solidFill>
+                <a:latin typeface="Consolas" panose="020B0609020204030204" pitchFamily="49" charset="0"/>
+                <a:cs typeface="Consolas" panose="020B0609020204030204" pitchFamily="49" charset="0"/>
+              </a:rPr>
+              <a:t> </a:t>
+            </a:r>
+            <a:r>
+              <a:rPr lang="en-US" sz="1800" dirty="0" smtClean="0">
+                <a:solidFill>
+                  <a:srgbClr val="2DA2BF"/>
+                </a:solidFill>
+                <a:latin typeface="Consolas" panose="020B0609020204030204" pitchFamily="49" charset="0"/>
+                <a:cs typeface="Consolas" panose="020B0609020204030204" pitchFamily="49" charset="0"/>
+              </a:rPr>
+              <a:t> </a:t>
+            </a:r>
+            <a:r>
+              <a:rPr lang="en-US" sz="1100" dirty="0">
+                <a:solidFill>
+                  <a:srgbClr val="C00000"/>
+                </a:solidFill>
+                <a:latin typeface="Consolas" panose="020B0609020204030204" pitchFamily="49" charset="0"/>
+                <a:cs typeface="Consolas" panose="020B0609020204030204" pitchFamily="49" charset="0"/>
+              </a:rPr>
+              <a:t>•</a:t>
+            </a:r>
+            <a:r>
+              <a:rPr lang="en-US" sz="1100" dirty="0">
+                <a:solidFill>
+                  <a:srgbClr val="2DA2BF"/>
+                </a:solidFill>
+                <a:latin typeface="Consolas" panose="020B0609020204030204" pitchFamily="49" charset="0"/>
+                <a:cs typeface="Consolas" panose="020B0609020204030204" pitchFamily="49" charset="0"/>
+              </a:rPr>
+              <a:t> </a:t>
+            </a:r>
+            <a:r>
+              <a:rPr lang="en-US" sz="1600" dirty="0" smtClean="0">
+                <a:solidFill>
+                  <a:srgbClr val="2DA2BF"/>
+                </a:solidFill>
+                <a:latin typeface="Consolas" panose="020B0609020204030204" pitchFamily="49" charset="0"/>
+                <a:cs typeface="Consolas" panose="020B0609020204030204" pitchFamily="49" charset="0"/>
+              </a:rPr>
+              <a:t>Error</a:t>
+            </a:r>
+            <a:endParaRPr lang="en-US" sz="1600" dirty="0" smtClean="0">
+              <a:latin typeface="Consolas" panose="020B0609020204030204" pitchFamily="49" charset="0"/>
+              <a:cs typeface="Consolas" panose="020B0609020204030204" pitchFamily="49" charset="0"/>
+            </a:endParaRPr>
+          </a:p>
+          <a:p>
+            <a:pPr lvl="1">
               <a:spcBef>
                 <a:spcPts val="1200"/>
               </a:spcBef>
             </a:pPr>
             <a:r>
-              <a:rPr lang="en-US" sz="2400" dirty="0" smtClean="0"/>
-              <a:t>Anonymous functions:</a:t>
-            </a:r>
-          </a:p>
-          <a:p>
-            <a:pPr lvl="1">
-              <a:spcBef>
-                <a:spcPts val="400"/>
-              </a:spcBef>
-            </a:pPr>
-            <a:r>
               <a:rPr lang="en-US" sz="1800" dirty="0" smtClean="0"/>
-              <a:t>Can be assigned to variable and used like a named </a:t>
+              <a:t>All </a:t>
             </a:r>
             <a:r>
               <a:rPr lang="en-US" sz="1800" dirty="0" smtClean="0"/>
-              <a:t>function</a:t>
+              <a:t>objects inherit the </a:t>
+            </a:r>
+            <a:r>
+              <a:rPr lang="en-US" sz="1800" b="1" dirty="0" smtClean="0">
+                <a:solidFill>
+                  <a:schemeClr val="accent1"/>
+                </a:solidFill>
+                <a:latin typeface="Consolas" panose="020B0609020204030204" pitchFamily="49" charset="0"/>
+                <a:cs typeface="Consolas" panose="020B0609020204030204" pitchFamily="49" charset="0"/>
+              </a:rPr>
+              <a:t>Object</a:t>
+            </a:r>
+            <a:r>
+              <a:rPr lang="en-US" sz="1800" b="1" dirty="0" smtClean="0"/>
+              <a:t> </a:t>
+            </a:r>
+            <a:r>
+              <a:rPr lang="en-US" sz="1800" dirty="0"/>
+              <a:t>prototype</a:t>
             </a:r>
             <a:endParaRPr lang="en-US" sz="1800" dirty="0" smtClean="0"/>
           </a:p>
           <a:p>
-            <a:pPr lvl="1">
+            <a:pPr lvl="2">
               <a:spcBef>
                 <a:spcPts val="600"/>
               </a:spcBef>
             </a:pPr>
             <a:r>
-              <a:rPr lang="en-US" sz="1800" dirty="0" smtClean="0"/>
-              <a:t>Can be immediately invoked to provide a private namespace</a:t>
+              <a:rPr lang="en-US" sz="1600" dirty="0" smtClean="0"/>
+              <a:t>Includes wrapper classes and even empty objects (“</a:t>
+            </a:r>
+            <a:r>
+              <a:rPr lang="en-US" sz="1600" dirty="0" smtClean="0">
+                <a:solidFill>
+                  <a:schemeClr val="accent1"/>
+                </a:solidFill>
+                <a:latin typeface="Consolas" panose="020B0609020204030204" pitchFamily="49" charset="0"/>
+                <a:cs typeface="Consolas" panose="020B0609020204030204" pitchFamily="49" charset="0"/>
+              </a:rPr>
+              <a:t>{}</a:t>
+            </a:r>
+            <a:r>
+              <a:rPr lang="en-US" sz="1600" dirty="0" smtClean="0"/>
+              <a:t>”)</a:t>
+            </a:r>
+          </a:p>
+          <a:p>
+            <a:pPr lvl="2"/>
+            <a:r>
+              <a:rPr lang="en-US" sz="1600" dirty="0" smtClean="0"/>
+              <a:t>Modifying </a:t>
+            </a:r>
+            <a:r>
+              <a:rPr lang="en-US" sz="1600" dirty="0" smtClean="0"/>
+              <a:t>the </a:t>
+            </a:r>
+            <a:r>
+              <a:rPr lang="en-US" sz="1600" dirty="0" smtClean="0">
+                <a:solidFill>
+                  <a:schemeClr val="accent1"/>
+                </a:solidFill>
+                <a:latin typeface="Consolas" panose="020B0609020204030204" pitchFamily="49" charset="0"/>
+                <a:cs typeface="Consolas" panose="020B0609020204030204" pitchFamily="49" charset="0"/>
+              </a:rPr>
+              <a:t>Object</a:t>
+            </a:r>
+            <a:r>
+              <a:rPr lang="en-US" sz="1600" dirty="0" smtClean="0">
+                <a:solidFill>
+                  <a:schemeClr val="accent1"/>
+                </a:solidFill>
+              </a:rPr>
+              <a:t> </a:t>
+            </a:r>
+            <a:r>
+              <a:rPr lang="en-US" sz="1600" dirty="0" smtClean="0"/>
+              <a:t>prototype will affect all of </a:t>
+            </a:r>
+            <a:r>
+              <a:rPr lang="en-US" sz="1600" dirty="0" smtClean="0"/>
+              <a:t>them</a:t>
             </a:r>
           </a:p>
         </p:txBody>
@@ -10596,17 +11110,23 @@
         </p:nvSpPr>
         <p:spPr/>
         <p:txBody>
-          <a:bodyPr/>
+          <a:bodyPr>
+            <a:normAutofit/>
+          </a:bodyPr>
           <a:lstStyle/>
           <a:p>
             <a:r>
               <a:rPr lang="en-US" dirty="0" smtClean="0">
                 <a:latin typeface="Berlin Sans FB Demi" panose="020E0802020502020306" pitchFamily="34" charset="0"/>
               </a:rPr>
-              <a:t>Function Scope</a:t>
+              <a:t>Primitive Types and Objects</a:t>
             </a:r>
             <a:endParaRPr lang="en-US" dirty="0">
+              <a:solidFill>
+                <a:schemeClr val="accent1"/>
+              </a:solidFill>
               <a:latin typeface="Berlin Sans FB Demi" panose="020E0802020502020306" pitchFamily="34" charset="0"/>
+              <a:cs typeface="Consolas" panose="020B0609020204030204" pitchFamily="49" charset="0"/>
             </a:endParaRPr>
           </a:p>
         </p:txBody>
@@ -10619,328 +11139,8 @@
         </p:nvSpPr>
         <p:spPr>
           <a:xfrm>
-            <a:off x="457200" y="1295400"/>
-            <a:ext cx="3733800" cy="2308324"/>
-          </a:xfrm>
-          <a:prstGeom prst="rect">
-            <a:avLst/>
-          </a:prstGeom>
-        </p:spPr>
-        <p:style>
-          <a:lnRef idx="0">
-            <a:schemeClr val="dk1"/>
-          </a:lnRef>
-          <a:fillRef idx="3">
-            <a:schemeClr val="dk1"/>
-          </a:fillRef>
-          <a:effectRef idx="3">
-            <a:schemeClr val="dk1"/>
-          </a:effectRef>
-          <a:fontRef idx="minor">
-            <a:schemeClr val="lt1"/>
-          </a:fontRef>
-        </p:style>
-        <p:txBody>
-          <a:bodyPr wrap="square" rtlCol="0">
-            <a:spAutoFit/>
-          </a:bodyPr>
-          <a:lstStyle/>
-          <a:p>
-            <a:r>
-              <a:rPr lang="en-US" dirty="0" smtClean="0">
-                <a:solidFill>
-                  <a:schemeClr val="bg1"/>
-                </a:solidFill>
-                <a:latin typeface="Consolas" panose="020B0609020204030204" pitchFamily="49" charset="0"/>
-                <a:cs typeface="Consolas" panose="020B0609020204030204" pitchFamily="49" charset="0"/>
-              </a:rPr>
-              <a:t>(</a:t>
-            </a:r>
-            <a:r>
-              <a:rPr lang="en-US" dirty="0" smtClean="0">
-                <a:solidFill>
-                  <a:schemeClr val="accent1"/>
-                </a:solidFill>
-                <a:latin typeface="Consolas" panose="020B0609020204030204" pitchFamily="49" charset="0"/>
-                <a:cs typeface="Consolas" panose="020B0609020204030204" pitchFamily="49" charset="0"/>
-              </a:rPr>
-              <a:t>function</a:t>
-            </a:r>
-            <a:r>
-              <a:rPr lang="en-US" dirty="0" smtClean="0">
-                <a:solidFill>
-                  <a:schemeClr val="bg1"/>
-                </a:solidFill>
-                <a:latin typeface="Consolas" panose="020B0609020204030204" pitchFamily="49" charset="0"/>
-                <a:cs typeface="Consolas" panose="020B0609020204030204" pitchFamily="49" charset="0"/>
-              </a:rPr>
-              <a:t>() {</a:t>
-            </a:r>
-          </a:p>
-          <a:p>
-            <a:r>
-              <a:rPr lang="en-US" dirty="0" smtClean="0">
-                <a:solidFill>
-                  <a:schemeClr val="bg1"/>
-                </a:solidFill>
-                <a:latin typeface="Consolas" panose="020B0609020204030204" pitchFamily="49" charset="0"/>
-                <a:cs typeface="Consolas" panose="020B0609020204030204" pitchFamily="49" charset="0"/>
-              </a:rPr>
-              <a:t>    </a:t>
-            </a:r>
-            <a:r>
-              <a:rPr lang="en-US" dirty="0" err="1" smtClean="0">
-                <a:solidFill>
-                  <a:schemeClr val="accent1"/>
-                </a:solidFill>
-                <a:latin typeface="Consolas" panose="020B0609020204030204" pitchFamily="49" charset="0"/>
-                <a:cs typeface="Consolas" panose="020B0609020204030204" pitchFamily="49" charset="0"/>
-              </a:rPr>
-              <a:t>var</a:t>
-            </a:r>
-            <a:r>
-              <a:rPr lang="en-US" dirty="0" smtClean="0">
-                <a:solidFill>
-                  <a:schemeClr val="accent1"/>
-                </a:solidFill>
-                <a:latin typeface="Consolas" panose="020B0609020204030204" pitchFamily="49" charset="0"/>
-                <a:cs typeface="Consolas" panose="020B0609020204030204" pitchFamily="49" charset="0"/>
-              </a:rPr>
-              <a:t> </a:t>
-            </a:r>
-            <a:r>
-              <a:rPr lang="en-US" dirty="0" smtClean="0">
-                <a:solidFill>
-                  <a:schemeClr val="bg1"/>
-                </a:solidFill>
-                <a:latin typeface="Consolas" panose="020B0609020204030204" pitchFamily="49" charset="0"/>
-                <a:cs typeface="Consolas" panose="020B0609020204030204" pitchFamily="49" charset="0"/>
-              </a:rPr>
-              <a:t>value = </a:t>
-            </a:r>
-            <a:r>
-              <a:rPr lang="en-US" dirty="0" smtClean="0">
-                <a:solidFill>
-                  <a:schemeClr val="accent3"/>
-                </a:solidFill>
-                <a:latin typeface="Consolas" panose="020B0609020204030204" pitchFamily="49" charset="0"/>
-                <a:cs typeface="Consolas" panose="020B0609020204030204" pitchFamily="49" charset="0"/>
-              </a:rPr>
-              <a:t>'outer'</a:t>
-            </a:r>
-            <a:r>
-              <a:rPr lang="en-US" dirty="0" smtClean="0">
-                <a:solidFill>
-                  <a:schemeClr val="bg1"/>
-                </a:solidFill>
-                <a:latin typeface="Consolas" panose="020B0609020204030204" pitchFamily="49" charset="0"/>
-                <a:cs typeface="Consolas" panose="020B0609020204030204" pitchFamily="49" charset="0"/>
-              </a:rPr>
-              <a:t>;</a:t>
-            </a:r>
-          </a:p>
-          <a:p>
-            <a:endParaRPr lang="en-US" dirty="0">
-              <a:solidFill>
-                <a:schemeClr val="bg1"/>
-              </a:solidFill>
-              <a:latin typeface="Consolas" panose="020B0609020204030204" pitchFamily="49" charset="0"/>
-              <a:cs typeface="Consolas" panose="020B0609020204030204" pitchFamily="49" charset="0"/>
-            </a:endParaRPr>
-          </a:p>
-          <a:p>
-            <a:r>
-              <a:rPr lang="en-US" dirty="0" smtClean="0">
-                <a:solidFill>
-                  <a:schemeClr val="bg1"/>
-                </a:solidFill>
-                <a:latin typeface="Consolas" panose="020B0609020204030204" pitchFamily="49" charset="0"/>
-                <a:cs typeface="Consolas" panose="020B0609020204030204" pitchFamily="49" charset="0"/>
-              </a:rPr>
-              <a:t>    </a:t>
-            </a:r>
-            <a:r>
-              <a:rPr lang="en-US" dirty="0" smtClean="0">
-                <a:solidFill>
-                  <a:schemeClr val="accent1"/>
-                </a:solidFill>
-                <a:latin typeface="Consolas" panose="020B0609020204030204" pitchFamily="49" charset="0"/>
-                <a:cs typeface="Consolas" panose="020B0609020204030204" pitchFamily="49" charset="0"/>
-              </a:rPr>
-              <a:t>function</a:t>
-            </a:r>
-            <a:r>
-              <a:rPr lang="en-US" dirty="0" smtClean="0">
-                <a:latin typeface="Consolas" panose="020B0609020204030204" pitchFamily="49" charset="0"/>
-                <a:cs typeface="Consolas" panose="020B0609020204030204" pitchFamily="49" charset="0"/>
-              </a:rPr>
-              <a:t> </a:t>
-            </a:r>
-            <a:r>
-              <a:rPr lang="en-US" dirty="0" smtClean="0">
-                <a:solidFill>
-                  <a:schemeClr val="bg1"/>
-                </a:solidFill>
-                <a:latin typeface="Consolas" panose="020B0609020204030204" pitchFamily="49" charset="0"/>
-                <a:cs typeface="Consolas" panose="020B0609020204030204" pitchFamily="49" charset="0"/>
-              </a:rPr>
-              <a:t>demo() {</a:t>
-            </a:r>
-          </a:p>
-          <a:p>
-            <a:r>
-              <a:rPr lang="en-US" dirty="0">
-                <a:solidFill>
-                  <a:schemeClr val="bg1"/>
-                </a:solidFill>
-                <a:latin typeface="Consolas" panose="020B0609020204030204" pitchFamily="49" charset="0"/>
-                <a:cs typeface="Consolas" panose="020B0609020204030204" pitchFamily="49" charset="0"/>
-              </a:rPr>
-              <a:t> </a:t>
-            </a:r>
-            <a:r>
-              <a:rPr lang="en-US" dirty="0" smtClean="0">
-                <a:solidFill>
-                  <a:schemeClr val="bg1"/>
-                </a:solidFill>
-                <a:latin typeface="Consolas" panose="020B0609020204030204" pitchFamily="49" charset="0"/>
-                <a:cs typeface="Consolas" panose="020B0609020204030204" pitchFamily="49" charset="0"/>
-              </a:rPr>
-              <a:t>       console.log(value);</a:t>
-            </a:r>
-            <a:endParaRPr lang="en-US" dirty="0">
-              <a:solidFill>
-                <a:schemeClr val="tx1">
-                  <a:lumMod val="50000"/>
-                  <a:lumOff val="50000"/>
-                </a:schemeClr>
-              </a:solidFill>
-              <a:latin typeface="Consolas" panose="020B0609020204030204" pitchFamily="49" charset="0"/>
-              <a:cs typeface="Consolas" panose="020B0609020204030204" pitchFamily="49" charset="0"/>
-            </a:endParaRPr>
-          </a:p>
-          <a:p>
-            <a:r>
-              <a:rPr lang="en-US" dirty="0" smtClean="0">
-                <a:solidFill>
-                  <a:schemeClr val="tx1">
-                    <a:lumMod val="50000"/>
-                    <a:lumOff val="50000"/>
-                  </a:schemeClr>
-                </a:solidFill>
-                <a:latin typeface="Consolas" panose="020B0609020204030204" pitchFamily="49" charset="0"/>
-                <a:cs typeface="Consolas" panose="020B0609020204030204" pitchFamily="49" charset="0"/>
-              </a:rPr>
-              <a:t>        </a:t>
-            </a:r>
-            <a:r>
-              <a:rPr lang="en-US" dirty="0" err="1" smtClean="0">
-                <a:solidFill>
-                  <a:schemeClr val="accent1"/>
-                </a:solidFill>
-                <a:latin typeface="Consolas" panose="020B0609020204030204" pitchFamily="49" charset="0"/>
-                <a:cs typeface="Consolas" panose="020B0609020204030204" pitchFamily="49" charset="0"/>
-              </a:rPr>
-              <a:t>var</a:t>
-            </a:r>
-            <a:r>
-              <a:rPr lang="en-US" dirty="0" smtClean="0">
-                <a:latin typeface="Consolas" panose="020B0609020204030204" pitchFamily="49" charset="0"/>
-                <a:cs typeface="Consolas" panose="020B0609020204030204" pitchFamily="49" charset="0"/>
-              </a:rPr>
-              <a:t> </a:t>
-            </a:r>
-            <a:r>
-              <a:rPr lang="en-US" dirty="0" smtClean="0">
-                <a:solidFill>
-                  <a:schemeClr val="bg1"/>
-                </a:solidFill>
-                <a:latin typeface="Consolas" panose="020B0609020204030204" pitchFamily="49" charset="0"/>
-                <a:cs typeface="Consolas" panose="020B0609020204030204" pitchFamily="49" charset="0"/>
-              </a:rPr>
-              <a:t>value </a:t>
-            </a:r>
-            <a:r>
-              <a:rPr lang="en-US" dirty="0" smtClean="0">
-                <a:latin typeface="Consolas" panose="020B0609020204030204" pitchFamily="49" charset="0"/>
-                <a:cs typeface="Consolas" panose="020B0609020204030204" pitchFamily="49" charset="0"/>
-              </a:rPr>
-              <a:t>= </a:t>
-            </a:r>
-            <a:r>
-              <a:rPr lang="en-US" dirty="0">
-                <a:solidFill>
-                  <a:schemeClr val="accent3"/>
-                </a:solidFill>
-                <a:latin typeface="Consolas" panose="020B0609020204030204" pitchFamily="49" charset="0"/>
-                <a:cs typeface="Consolas" panose="020B0609020204030204" pitchFamily="49" charset="0"/>
-              </a:rPr>
-              <a:t>'</a:t>
-            </a:r>
-            <a:r>
-              <a:rPr lang="en-US" dirty="0" smtClean="0">
-                <a:solidFill>
-                  <a:schemeClr val="accent3"/>
-                </a:solidFill>
-                <a:latin typeface="Consolas" panose="020B0609020204030204" pitchFamily="49" charset="0"/>
-                <a:cs typeface="Consolas" panose="020B0609020204030204" pitchFamily="49" charset="0"/>
-              </a:rPr>
-              <a:t>inner'</a:t>
-            </a:r>
-            <a:r>
-              <a:rPr lang="en-US" dirty="0" smtClean="0">
-                <a:solidFill>
-                  <a:schemeClr val="bg1"/>
-                </a:solidFill>
-                <a:latin typeface="Consolas" panose="020B0609020204030204" pitchFamily="49" charset="0"/>
-                <a:cs typeface="Consolas" panose="020B0609020204030204" pitchFamily="49" charset="0"/>
-              </a:rPr>
-              <a:t>;</a:t>
-            </a:r>
-            <a:endParaRPr lang="en-US" dirty="0">
-              <a:solidFill>
-                <a:schemeClr val="bg1"/>
-              </a:solidFill>
-              <a:latin typeface="Consolas" panose="020B0609020204030204" pitchFamily="49" charset="0"/>
-              <a:cs typeface="Consolas" panose="020B0609020204030204" pitchFamily="49" charset="0"/>
-            </a:endParaRPr>
-          </a:p>
-          <a:p>
-            <a:r>
-              <a:rPr lang="en-US" dirty="0" smtClean="0">
-                <a:solidFill>
-                  <a:schemeClr val="bg1"/>
-                </a:solidFill>
-                <a:latin typeface="Consolas" panose="020B0609020204030204" pitchFamily="49" charset="0"/>
-                <a:cs typeface="Consolas" panose="020B0609020204030204" pitchFamily="49" charset="0"/>
-              </a:rPr>
-              <a:t>    }</a:t>
-            </a:r>
-          </a:p>
-          <a:p>
-            <a:r>
-              <a:rPr lang="en-US" dirty="0" smtClean="0">
-                <a:solidFill>
-                  <a:schemeClr val="bg1"/>
-                </a:solidFill>
-                <a:latin typeface="Consolas" panose="020B0609020204030204" pitchFamily="49" charset="0"/>
-                <a:cs typeface="Consolas" panose="020B0609020204030204" pitchFamily="49" charset="0"/>
-              </a:rPr>
-              <a:t>})();</a:t>
-            </a:r>
-          </a:p>
-        </p:txBody>
-      </p:sp>
-      <p:sp>
-        <p:nvSpPr>
-          <p:cNvPr id="5" name="TextBox 4"/>
-          <p:cNvSpPr txBox="1"/>
-          <p:nvPr/>
-        </p:nvSpPr>
-        <p:spPr>
-          <a:xfrm>
-            <a:off x="4706568" y="6581001"/>
-            <a:ext cx="4437432" cy="276999"/>
+            <a:off x="4518923" y="6590526"/>
+            <a:ext cx="4634602" cy="276999"/>
           </a:xfrm>
           <a:prstGeom prst="rect">
             <a:avLst/>
@@ -10968,8 +11168,8 @@
           <a:p>
             <a:pPr algn="r"/>
             <a:r>
-              <a:rPr lang="en-US" sz="1200" i="1" dirty="0" smtClean="0"/>
-              <a:t>* ES2015 keywords </a:t>
+              <a:rPr lang="en-US" sz="1200" dirty="0" smtClean="0"/>
+              <a:t>*A fourth primitive type, </a:t>
             </a:r>
             <a:r>
               <a:rPr lang="en-US" sz="1200" dirty="0" smtClean="0">
@@ -10979,47 +11179,37 @@
                 <a:latin typeface="Consolas" panose="020B0609020204030204" pitchFamily="49" charset="0"/>
                 <a:cs typeface="Consolas" panose="020B0609020204030204" pitchFamily="49" charset="0"/>
               </a:rPr>
-              <a:t>let</a:t>
-            </a:r>
-            <a:r>
-              <a:rPr lang="en-US" sz="1200" i="1" dirty="0" smtClean="0"/>
-              <a:t> </a:t>
-            </a:r>
-            <a:r>
-              <a:rPr lang="en-US" sz="1200" i="1" dirty="0" smtClean="0"/>
-              <a:t>and </a:t>
-            </a:r>
-            <a:r>
-              <a:rPr lang="en-US" sz="1200" dirty="0" err="1" smtClean="0">
-                <a:solidFill>
-                  <a:schemeClr val="accent1"/>
-                </a:solidFill>
-                <a:latin typeface="Consolas" panose="020B0609020204030204" pitchFamily="49" charset="0"/>
-                <a:cs typeface="Consolas" panose="020B0609020204030204" pitchFamily="49" charset="0"/>
-              </a:rPr>
-              <a:t>const</a:t>
-            </a:r>
-            <a:r>
-              <a:rPr lang="en-US" sz="1200" i="1" dirty="0" smtClean="0"/>
-              <a:t> use block-level scope.</a:t>
+              <a:t>symbol</a:t>
+            </a:r>
+            <a:r>
+              <a:rPr lang="en-US" sz="1200" dirty="0" smtClean="0"/>
+              <a:t>, was introduced in ES2015.</a:t>
             </a:r>
           </a:p>
         </p:txBody>
       </p:sp>
       <p:sp>
         <p:nvSpPr>
-          <p:cNvPr id="6" name="TextBox 5"/>
+          <p:cNvPr id="5" name="TextBox 4"/>
           <p:cNvSpPr txBox="1"/>
           <p:nvPr/>
         </p:nvSpPr>
         <p:spPr>
           <a:xfrm>
-            <a:off x="5191125" y="2104072"/>
-            <a:ext cx="3495675" cy="1477328"/>
+            <a:off x="5442134" y="1667470"/>
+            <a:ext cx="3092266" cy="923330"/>
           </a:xfrm>
           <a:prstGeom prst="rect">
             <a:avLst/>
           </a:prstGeom>
+          <a:ln w="19050">
+            <a:solidFill>
+              <a:schemeClr val="tx1">
+                <a:lumMod val="50000"/>
+                <a:lumOff val="50000"/>
+              </a:schemeClr>
+            </a:solidFill>
+          </a:ln>
         </p:spPr>
         <p:style>
           <a:lnRef idx="0">
@@ -11044,19 +11234,22 @@
             <a:r>
               <a:rPr lang="en-US" dirty="0" smtClean="0">
                 <a:solidFill>
-                  <a:schemeClr val="accent1"/>
-                </a:solidFill>
-                <a:latin typeface="Consolas" panose="020B0609020204030204" pitchFamily="49" charset="0"/>
-                <a:cs typeface="Consolas" panose="020B0609020204030204" pitchFamily="49" charset="0"/>
-              </a:rPr>
-              <a:t>function</a:t>
+                  <a:schemeClr val="bg1"/>
+                </a:solidFill>
+                <a:latin typeface="Consolas" panose="020B0609020204030204" pitchFamily="49" charset="0"/>
+                <a:cs typeface="Consolas" panose="020B0609020204030204" pitchFamily="49" charset="0"/>
+              </a:rPr>
+              <a:t>(</a:t>
             </a:r>
             <a:r>
               <a:rPr lang="en-US" dirty="0" smtClean="0">
-                <a:latin typeface="Consolas" panose="020B0609020204030204" pitchFamily="49" charset="0"/>
-                <a:cs typeface="Consolas" panose="020B0609020204030204" pitchFamily="49" charset="0"/>
-              </a:rPr>
-              <a:t> </a:t>
+                <a:solidFill>
+                  <a:srgbClr val="FFC000"/>
+                </a:solidFill>
+                <a:latin typeface="Consolas" panose="020B0609020204030204" pitchFamily="49" charset="0"/>
+                <a:cs typeface="Consolas" panose="020B0609020204030204" pitchFamily="49" charset="0"/>
+              </a:rPr>
+              <a:t>6</a:t>
             </a:r>
             <a:r>
               <a:rPr lang="en-US" dirty="0" smtClean="0">
@@ -11066,29 +11259,95 @@
                 <a:latin typeface="Consolas" panose="020B0609020204030204" pitchFamily="49" charset="0"/>
                 <a:cs typeface="Consolas" panose="020B0609020204030204" pitchFamily="49" charset="0"/>
               </a:rPr>
-              <a:t>demo() {</a:t>
-            </a:r>
-          </a:p>
-          <a:p>
+              <a:t>).</a:t>
+            </a:r>
+            <a:r>
+              <a:rPr lang="en-US" dirty="0" err="1" smtClean="0">
+                <a:solidFill>
+                  <a:schemeClr val="bg1"/>
+                </a:solidFill>
+                <a:latin typeface="Consolas" panose="020B0609020204030204" pitchFamily="49" charset="0"/>
+                <a:cs typeface="Consolas" panose="020B0609020204030204" pitchFamily="49" charset="0"/>
+              </a:rPr>
+              <a:t>toString</a:t>
+            </a:r>
             <a:r>
               <a:rPr lang="en-US" dirty="0" smtClean="0">
                 <a:solidFill>
-                  <a:schemeClr val="accent1"/>
-                </a:solidFill>
-                <a:latin typeface="Consolas" panose="020B0609020204030204" pitchFamily="49" charset="0"/>
-                <a:cs typeface="Consolas" panose="020B0609020204030204" pitchFamily="49" charset="0"/>
-              </a:rPr>
-              <a:t>    </a:t>
+                  <a:schemeClr val="bg1"/>
+                </a:solidFill>
+                <a:latin typeface="Consolas" panose="020B0609020204030204" pitchFamily="49" charset="0"/>
+                <a:cs typeface="Consolas" panose="020B0609020204030204" pitchFamily="49" charset="0"/>
+              </a:rPr>
+              <a:t>(); </a:t>
+            </a:r>
+            <a:r>
+              <a:rPr lang="en-US" dirty="0" smtClean="0">
+                <a:solidFill>
+                  <a:schemeClr val="tx1">
+                    <a:lumMod val="50000"/>
+                    <a:lumOff val="50000"/>
+                  </a:schemeClr>
+                </a:solidFill>
+                <a:latin typeface="Consolas" panose="020B0609020204030204" pitchFamily="49" charset="0"/>
+                <a:cs typeface="Consolas" panose="020B0609020204030204" pitchFamily="49" charset="0"/>
+              </a:rPr>
+              <a:t>// </a:t>
+            </a:r>
+            <a:r>
+              <a:rPr lang="en-US" dirty="0" smtClean="0">
+                <a:solidFill>
+                  <a:schemeClr val="tx1">
+                    <a:lumMod val="50000"/>
+                    <a:lumOff val="50000"/>
+                  </a:schemeClr>
+                </a:solidFill>
+                <a:latin typeface="Consolas" panose="020B0609020204030204" pitchFamily="49" charset="0"/>
+                <a:cs typeface="Consolas" panose="020B0609020204030204" pitchFamily="49" charset="0"/>
+              </a:rPr>
+              <a:t>'6'</a:t>
+            </a:r>
+            <a:endParaRPr lang="en-US" dirty="0" smtClean="0">
+              <a:solidFill>
+                <a:schemeClr val="tx1">
+                  <a:lumMod val="50000"/>
+                  <a:lumOff val="50000"/>
+                </a:schemeClr>
+              </a:solidFill>
+              <a:latin typeface="Consolas" panose="020B0609020204030204" pitchFamily="49" charset="0"/>
+              <a:cs typeface="Consolas" panose="020B0609020204030204" pitchFamily="49" charset="0"/>
+            </a:endParaRPr>
+          </a:p>
+          <a:p>
+            <a:r>
+              <a:rPr lang="en-US" dirty="0" smtClean="0">
+                <a:solidFill>
+                  <a:schemeClr val="accent3"/>
+                </a:solidFill>
+                <a:latin typeface="Consolas" panose="020B0609020204030204" pitchFamily="49" charset="0"/>
+                <a:cs typeface="Consolas" panose="020B0609020204030204" pitchFamily="49" charset="0"/>
+              </a:rPr>
+              <a:t>'</a:t>
             </a:r>
             <a:r>
               <a:rPr lang="en-US" dirty="0" err="1" smtClean="0">
                 <a:solidFill>
-                  <a:schemeClr val="accent1"/>
-                </a:solidFill>
-                <a:latin typeface="Consolas" panose="020B0609020204030204" pitchFamily="49" charset="0"/>
-                <a:cs typeface="Consolas" panose="020B0609020204030204" pitchFamily="49" charset="0"/>
-              </a:rPr>
-              <a:t>var</a:t>
+                  <a:schemeClr val="accent3"/>
+                </a:solidFill>
+                <a:latin typeface="Consolas" panose="020B0609020204030204" pitchFamily="49" charset="0"/>
+                <a:cs typeface="Consolas" panose="020B0609020204030204" pitchFamily="49" charset="0"/>
+              </a:rPr>
+              <a:t>ABCDE'</a:t>
+            </a:r>
+            <a:r>
+              <a:rPr lang="en-US" dirty="0" err="1" smtClean="0">
+                <a:solidFill>
+                  <a:schemeClr val="bg1"/>
+                </a:solidFill>
+                <a:latin typeface="Consolas" panose="020B0609020204030204" pitchFamily="49" charset="0"/>
+                <a:cs typeface="Consolas" panose="020B0609020204030204" pitchFamily="49" charset="0"/>
+              </a:rPr>
+              <a:t>.length</a:t>
             </a:r>
             <a:r>
               <a:rPr lang="en-US" dirty="0" smtClean="0">
@@ -11098,19 +11357,42 @@
                 <a:latin typeface="Consolas" panose="020B0609020204030204" pitchFamily="49" charset="0"/>
                 <a:cs typeface="Consolas" panose="020B0609020204030204" pitchFamily="49" charset="0"/>
               </a:rPr>
-              <a:t> value;</a:t>
-            </a:r>
-          </a:p>
-          <a:p>
-            <a:r>
-              <a:rPr lang="en-US" dirty="0">
+              <a:t>; </a:t>
+            </a:r>
+            <a:r>
+              <a:rPr lang="en-US" dirty="0" smtClean="0">
+                <a:solidFill>
+                  <a:schemeClr val="tx1">
+                    <a:lumMod val="50000"/>
+                    <a:lumOff val="50000"/>
+                  </a:schemeClr>
+                </a:solidFill>
+                <a:latin typeface="Consolas" panose="020B0609020204030204" pitchFamily="49" charset="0"/>
+                <a:cs typeface="Consolas" panose="020B0609020204030204" pitchFamily="49" charset="0"/>
+              </a:rPr>
+              <a:t>// 5</a:t>
+            </a:r>
+          </a:p>
+          <a:p>
+            <a:r>
+              <a:rPr lang="en-US" dirty="0" err="1" smtClean="0">
+                <a:solidFill>
+                  <a:schemeClr val="accent1"/>
+                </a:solidFill>
+                <a:latin typeface="Consolas" panose="020B0609020204030204" pitchFamily="49" charset="0"/>
+                <a:cs typeface="Consolas" panose="020B0609020204030204" pitchFamily="49" charset="0"/>
+              </a:rPr>
+              <a:t>true</a:t>
+            </a:r>
+            <a:r>
+              <a:rPr lang="en-US" dirty="0" err="1" smtClean="0">
                 <a:solidFill>
                   <a:schemeClr val="bg1"/>
                 </a:solidFill>
                 <a:latin typeface="Consolas" panose="020B0609020204030204" pitchFamily="49" charset="0"/>
                 <a:cs typeface="Consolas" panose="020B0609020204030204" pitchFamily="49" charset="0"/>
               </a:rPr>
-              <a:t> </a:t>
+              <a:t>.valueOf</a:t>
             </a:r>
             <a:r>
               <a:rPr lang="en-US" dirty="0" smtClean="0">
@@ -11120,7 +11402,20 @@
                 <a:latin typeface="Consolas" panose="020B0609020204030204" pitchFamily="49" charset="0"/>
                 <a:cs typeface="Consolas" panose="020B0609020204030204" pitchFamily="49" charset="0"/>
               </a:rPr>
-              <a:t>   console.log(value);</a:t>
+              <a:t>(); </a:t>
+            </a:r>
+            <a:r>
+              <a:rPr lang="en-US" dirty="0" smtClean="0">
+                <a:solidFill>
+                  <a:schemeClr val="tx1">
+                    <a:lumMod val="50000"/>
+                    <a:lumOff val="50000"/>
+                  </a:schemeClr>
+                </a:solidFill>
+                <a:latin typeface="Consolas" panose="020B0609020204030204" pitchFamily="49" charset="0"/>
+                <a:cs typeface="Consolas" panose="020B0609020204030204" pitchFamily="49" charset="0"/>
+              </a:rPr>
+              <a:t>// true </a:t>
             </a:r>
             <a:endParaRPr lang="en-US" dirty="0">
               <a:solidFill>
@@ -11133,137 +11428,56 @@
               <a:cs typeface="Consolas" panose="020B0609020204030204" pitchFamily="49" charset="0"/>
             </a:endParaRPr>
           </a:p>
-          <a:p>
-            <a:r>
-              <a:rPr lang="en-US" dirty="0" smtClean="0">
-                <a:solidFill>
-                  <a:schemeClr val="tx1">
-                    <a:lumMod val="50000"/>
-                    <a:lumOff val="50000"/>
-                  </a:schemeClr>
-                </a:solidFill>
-                <a:latin typeface="Consolas" panose="020B0609020204030204" pitchFamily="49" charset="0"/>
-                <a:cs typeface="Consolas" panose="020B0609020204030204" pitchFamily="49" charset="0"/>
-              </a:rPr>
-              <a:t>    </a:t>
-            </a:r>
-            <a:r>
-              <a:rPr lang="en-US" dirty="0" smtClean="0">
-                <a:solidFill>
-                  <a:schemeClr val="bg1"/>
-                </a:solidFill>
-                <a:latin typeface="Consolas" panose="020B0609020204030204" pitchFamily="49" charset="0"/>
-                <a:cs typeface="Consolas" panose="020B0609020204030204" pitchFamily="49" charset="0"/>
-              </a:rPr>
-              <a:t>value </a:t>
-            </a:r>
-            <a:r>
-              <a:rPr lang="en-US" dirty="0" smtClean="0">
-                <a:latin typeface="Consolas" panose="020B0609020204030204" pitchFamily="49" charset="0"/>
-                <a:cs typeface="Consolas" panose="020B0609020204030204" pitchFamily="49" charset="0"/>
-              </a:rPr>
-              <a:t>= </a:t>
-            </a:r>
-            <a:r>
-              <a:rPr lang="en-US" dirty="0">
-                <a:solidFill>
-                  <a:schemeClr val="accent3"/>
-                </a:solidFill>
-                <a:latin typeface="Consolas" panose="020B0609020204030204" pitchFamily="49" charset="0"/>
-                <a:cs typeface="Consolas" panose="020B0609020204030204" pitchFamily="49" charset="0"/>
-              </a:rPr>
-              <a:t>'</a:t>
-            </a:r>
-            <a:r>
-              <a:rPr lang="en-US" dirty="0" smtClean="0">
-                <a:solidFill>
-                  <a:schemeClr val="accent3"/>
-                </a:solidFill>
-                <a:latin typeface="Consolas" panose="020B0609020204030204" pitchFamily="49" charset="0"/>
-                <a:cs typeface="Consolas" panose="020B0609020204030204" pitchFamily="49" charset="0"/>
-              </a:rPr>
-              <a:t>inner'</a:t>
-            </a:r>
-            <a:r>
-              <a:rPr lang="en-US" dirty="0" smtClean="0">
-                <a:solidFill>
-                  <a:schemeClr val="bg1"/>
-                </a:solidFill>
-                <a:latin typeface="Consolas" panose="020B0609020204030204" pitchFamily="49" charset="0"/>
-                <a:cs typeface="Consolas" panose="020B0609020204030204" pitchFamily="49" charset="0"/>
-              </a:rPr>
-              <a:t>;</a:t>
-            </a:r>
-            <a:endParaRPr lang="en-US" dirty="0">
-              <a:solidFill>
-                <a:schemeClr val="bg1"/>
-              </a:solidFill>
-              <a:latin typeface="Consolas" panose="020B0609020204030204" pitchFamily="49" charset="0"/>
-              <a:cs typeface="Consolas" panose="020B0609020204030204" pitchFamily="49" charset="0"/>
-            </a:endParaRPr>
-          </a:p>
-          <a:p>
-            <a:r>
-              <a:rPr lang="en-US" dirty="0" smtClean="0">
-                <a:solidFill>
-                  <a:schemeClr val="bg1"/>
-                </a:solidFill>
-                <a:latin typeface="Consolas" panose="020B0609020204030204" pitchFamily="49" charset="0"/>
-                <a:cs typeface="Consolas" panose="020B0609020204030204" pitchFamily="49" charset="0"/>
-              </a:rPr>
-              <a:t>}</a:t>
-            </a:r>
-          </a:p>
         </p:txBody>
       </p:sp>
       <p:sp>
         <p:nvSpPr>
-          <p:cNvPr id="7" name="Chevron 6"/>
-          <p:cNvSpPr/>
+          <p:cNvPr id="6" name="TextBox 5"/>
+          <p:cNvSpPr txBox="1"/>
           <p:nvPr/>
         </p:nvSpPr>
         <p:spPr>
           <a:xfrm>
-            <a:off x="4495800" y="2297162"/>
-            <a:ext cx="457200" cy="522238"/>
+            <a:off x="5442134" y="2600325"/>
+            <a:ext cx="3092266" cy="461665"/>
           </a:xfrm>
-          <a:prstGeom prst="chevron">
+          <a:prstGeom prst="rect">
             <a:avLst/>
           </a:prstGeom>
+          <a:solidFill>
+            <a:schemeClr val="tx2">
+              <a:lumMod val="20000"/>
+              <a:lumOff val="80000"/>
+            </a:schemeClr>
+          </a:solidFill>
+          <a:ln w="19050">
+            <a:solidFill>
+              <a:schemeClr val="tx1">
+                <a:lumMod val="50000"/>
+                <a:lumOff val="50000"/>
+              </a:schemeClr>
+            </a:solidFill>
+          </a:ln>
         </p:spPr>
-        <p:style>
-          <a:lnRef idx="2">
-            <a:schemeClr val="accent1">
-              <a:shade val="50000"/>
-            </a:schemeClr>
-          </a:lnRef>
-          <a:fillRef idx="1">
-            <a:schemeClr val="accent1"/>
-          </a:fillRef>
-          <a:effectRef idx="0">
-            <a:schemeClr val="accent1"/>
-          </a:effectRef>
-          <a:fontRef idx="minor">
-            <a:schemeClr val="lt1"/>
-          </a:fontRef>
-        </p:style>
         <p:txBody>
-          <a:bodyPr rtlCol="0" anchor="ctr"/>
+          <a:bodyPr wrap="square" rtlCol="0">
+            <a:spAutoFit/>
+          </a:bodyPr>
           <a:lstStyle/>
           <a:p>
             <a:pPr algn="ctr"/>
-            <a:endParaRPr lang="en-US">
-              <a:solidFill>
-                <a:schemeClr val="tx1"/>
-              </a:solidFill>
-            </a:endParaRPr>
+            <a:r>
+              <a:rPr lang="en-US" sz="1200" i="1" dirty="0" smtClean="0"/>
+              <a:t>JS readily converts primitive values to wrapper class instances when needed.</a:t>
+            </a:r>
+            <a:endParaRPr lang="en-US" sz="1200" i="1" dirty="0"/>
           </a:p>
         </p:txBody>
       </p:sp>
     </p:spTree>
     <p:extLst>
       <p:ext uri="{BB962C8B-B14F-4D97-AF65-F5344CB8AC3E}">
-        <p14:creationId xmlns:p14="http://schemas.microsoft.com/office/powerpoint/2010/main" val="1807349476"/>
+        <p14:creationId xmlns:p14="http://schemas.microsoft.com/office/powerpoint/2010/main" val="3571801270"/>
       </p:ext>
     </p:extLst>
   </p:cSld>
@@ -11309,8 +11523,8 @@
         </p:nvSpPr>
         <p:spPr>
           <a:xfrm>
-            <a:off x="457200" y="3505200"/>
-            <a:ext cx="8229600" cy="2971800"/>
+            <a:off x="457200" y="1447800"/>
+            <a:ext cx="8229600" cy="5181600"/>
           </a:xfrm>
           <a:ln/>
         </p:spPr>
@@ -11330,9 +11544,138 @@
         </p:style>
         <p:txBody>
           <a:bodyPr>
-            <a:normAutofit/>
+            <a:normAutofit lnSpcReduction="10000"/>
           </a:bodyPr>
           <a:lstStyle/>
+          <a:p>
+            <a:r>
+              <a:rPr lang="en-US" sz="2400" b="1" dirty="0" smtClean="0">
+                <a:latin typeface="Consolas" panose="020B0609020204030204" pitchFamily="49" charset="0"/>
+                <a:cs typeface="Consolas" panose="020B0609020204030204" pitchFamily="49" charset="0"/>
+              </a:rPr>
+              <a:t>undefined</a:t>
+            </a:r>
+            <a:r>
+              <a:rPr lang="en-US" sz="2000" dirty="0"/>
+              <a:t>:</a:t>
+            </a:r>
+            <a:endParaRPr lang="en-US" sz="2400" b="1" dirty="0" smtClean="0"/>
+          </a:p>
+          <a:p>
+            <a:pPr lvl="1">
+              <a:spcBef>
+                <a:spcPts val="600"/>
+              </a:spcBef>
+            </a:pPr>
+            <a:r>
+              <a:rPr lang="en-US" sz="1800" dirty="0"/>
+              <a:t>Indicates an </a:t>
+            </a:r>
+            <a:r>
+              <a:rPr lang="en-US" sz="1800" dirty="0" smtClean="0"/>
+              <a:t>uninitialized value or nonexistent key</a:t>
+            </a:r>
+            <a:endParaRPr lang="en-US" sz="1800" dirty="0" smtClean="0"/>
+          </a:p>
+          <a:p>
+            <a:pPr lvl="1">
+              <a:spcBef>
+                <a:spcPts val="600"/>
+              </a:spcBef>
+            </a:pPr>
+            <a:r>
+              <a:rPr lang="en-US" sz="1800" dirty="0" smtClean="0"/>
+              <a:t>Necessary because JS allows accessing nonexistent properties</a:t>
+            </a:r>
+          </a:p>
+          <a:p>
+            <a:pPr lvl="1">
+              <a:spcBef>
+                <a:spcPts val="600"/>
+              </a:spcBef>
+            </a:pPr>
+            <a:r>
+              <a:rPr lang="en-US" sz="1800" dirty="0" smtClean="0"/>
+              <a:t>Most commonly seen with:</a:t>
+            </a:r>
+          </a:p>
+          <a:p>
+            <a:pPr lvl="2"/>
+            <a:r>
+              <a:rPr lang="en-US" sz="1600" dirty="0" smtClean="0"/>
+              <a:t>unspecified function parameters </a:t>
+            </a:r>
+          </a:p>
+          <a:p>
+            <a:pPr lvl="2"/>
+            <a:r>
+              <a:rPr lang="en-US" sz="1600" dirty="0" smtClean="0"/>
+              <a:t>uninitialized variables</a:t>
+            </a:r>
+          </a:p>
+          <a:p>
+            <a:pPr lvl="2"/>
+            <a:r>
+              <a:rPr lang="en-US" sz="1600" dirty="0"/>
+              <a:t>uninitialized </a:t>
+            </a:r>
+            <a:r>
+              <a:rPr lang="en-US" sz="1600" dirty="0" smtClean="0"/>
+              <a:t>array indices</a:t>
+            </a:r>
+          </a:p>
+          <a:p>
+            <a:pPr lvl="2"/>
+            <a:r>
+              <a:rPr lang="en-US" sz="1600" dirty="0"/>
+              <a:t>uninitialized </a:t>
+            </a:r>
+            <a:r>
+              <a:rPr lang="en-US" sz="1600" dirty="0" smtClean="0"/>
+              <a:t>object properties.</a:t>
+            </a:r>
+          </a:p>
+          <a:p>
+            <a:pPr lvl="1">
+              <a:spcBef>
+                <a:spcPts val="600"/>
+              </a:spcBef>
+            </a:pPr>
+            <a:r>
+              <a:rPr lang="en-US" sz="1800" dirty="0" smtClean="0"/>
+              <a:t>Use </a:t>
+            </a:r>
+            <a:r>
+              <a:rPr lang="en-US" sz="1800" dirty="0" smtClean="0">
+                <a:solidFill>
+                  <a:schemeClr val="accent1"/>
+                </a:solidFill>
+                <a:latin typeface="Consolas" panose="020B0609020204030204" pitchFamily="49" charset="0"/>
+                <a:cs typeface="Consolas" panose="020B0609020204030204" pitchFamily="49" charset="0"/>
+              </a:rPr>
+              <a:t>delete</a:t>
+            </a:r>
+            <a:r>
+              <a:rPr lang="en-US" sz="1800" dirty="0" smtClean="0"/>
+              <a:t> </a:t>
+            </a:r>
+            <a:r>
+              <a:rPr lang="en-US" sz="1800" dirty="0" smtClean="0"/>
+              <a:t>operator to reset to </a:t>
+            </a:r>
+            <a:r>
+              <a:rPr lang="en-US" sz="1800" dirty="0" smtClean="0">
+                <a:latin typeface="Consolas" panose="020B0609020204030204" pitchFamily="49" charset="0"/>
+                <a:cs typeface="Consolas" panose="020B0609020204030204" pitchFamily="49" charset="0"/>
+              </a:rPr>
+              <a:t>undefined</a:t>
+            </a:r>
+            <a:r>
+              <a:rPr lang="en-US" sz="1800" dirty="0"/>
+              <a:t>:</a:t>
+            </a:r>
+            <a:endParaRPr lang="en-US" sz="1800" dirty="0" smtClean="0"/>
+          </a:p>
           <a:p>
             <a:pPr>
               <a:spcBef>
@@ -11340,41 +11683,90 @@
               </a:spcBef>
             </a:pPr>
             <a:r>
+              <a:rPr lang="en-US" sz="2400" b="1" dirty="0" smtClean="0">
+                <a:latin typeface="Consolas" panose="020B0609020204030204" pitchFamily="49" charset="0"/>
+                <a:cs typeface="Consolas" panose="020B0609020204030204" pitchFamily="49" charset="0"/>
+              </a:rPr>
+              <a:t>null</a:t>
+            </a:r>
+            <a:r>
               <a:rPr lang="en-US" sz="2400" dirty="0" smtClean="0"/>
-              <a:t>Number of parameters is not constrained</a:t>
-            </a:r>
-          </a:p>
-          <a:p>
-            <a:pPr lvl="1"/>
+              <a:t>:</a:t>
+            </a:r>
+            <a:endParaRPr lang="en-US" sz="2400" b="1" dirty="0" smtClean="0">
+              <a:latin typeface="Consolas" panose="020B0609020204030204" pitchFamily="49" charset="0"/>
+              <a:cs typeface="Consolas" panose="020B0609020204030204" pitchFamily="49" charset="0"/>
+            </a:endParaRPr>
+          </a:p>
+          <a:p>
+            <a:pPr lvl="1">
+              <a:spcBef>
+                <a:spcPts val="600"/>
+              </a:spcBef>
+            </a:pPr>
             <a:r>
               <a:rPr lang="en-US" sz="1800" dirty="0" smtClean="0"/>
-              <a:t>Can pass more or fewer parameters than specified</a:t>
-            </a:r>
-          </a:p>
-          <a:p>
-            <a:pPr lvl="1"/>
+              <a:t>Indicates a value of nothing</a:t>
+            </a:r>
+          </a:p>
+          <a:p>
+            <a:pPr lvl="1">
+              <a:spcBef>
+                <a:spcPts val="600"/>
+              </a:spcBef>
+            </a:pPr>
+            <a:r>
+              <a:rPr lang="en-US" sz="1800" dirty="0" smtClean="0"/>
+              <a:t>Generally preferred over </a:t>
+            </a:r>
             <a:r>
               <a:rPr lang="en-US" sz="1800" dirty="0" smtClean="0">
-                <a:solidFill>
-                  <a:schemeClr val="accent1"/>
-                </a:solidFill>
-                <a:latin typeface="Consolas" panose="020B0609020204030204" pitchFamily="49" charset="0"/>
-                <a:cs typeface="Consolas" panose="020B0609020204030204" pitchFamily="49" charset="0"/>
-              </a:rPr>
-              <a:t>arguments</a:t>
+                <a:latin typeface="Consolas" panose="020B0609020204030204" pitchFamily="49" charset="0"/>
+                <a:cs typeface="Consolas" panose="020B0609020204030204" pitchFamily="49" charset="0"/>
+              </a:rPr>
+              <a:t>undefined</a:t>
             </a:r>
             <a:r>
               <a:rPr lang="en-US" sz="1800" dirty="0" smtClean="0"/>
-              <a:t> allows access </a:t>
-            </a:r>
+              <a:t> to clear a value</a:t>
+            </a:r>
+          </a:p>
+          <a:p>
+            <a:pPr lvl="1">
+              <a:spcBef>
+                <a:spcPts val="600"/>
+              </a:spcBef>
+            </a:pPr>
             <a:r>
               <a:rPr lang="en-US" sz="1800" dirty="0" smtClean="0"/>
-              <a:t>to all </a:t>
+              <a:t>Due to an old JS bug, </a:t>
+            </a:r>
+            <a:r>
+              <a:rPr lang="en-US" sz="1800" dirty="0" err="1" smtClean="0">
+                <a:latin typeface="Consolas" panose="020B0609020204030204" pitchFamily="49" charset="0"/>
+                <a:cs typeface="Consolas" panose="020B0609020204030204" pitchFamily="49" charset="0"/>
+              </a:rPr>
+              <a:t>typeof</a:t>
+            </a:r>
+            <a:r>
+              <a:rPr lang="en-US" sz="1800" dirty="0" smtClean="0">
+                <a:latin typeface="Consolas" panose="020B0609020204030204" pitchFamily="49" charset="0"/>
+                <a:cs typeface="Consolas" panose="020B0609020204030204" pitchFamily="49" charset="0"/>
+              </a:rPr>
+              <a:t> null </a:t>
             </a:r>
             <a:r>
               <a:rPr lang="en-US" sz="1800" dirty="0" smtClean="0"/>
-              <a:t>parameters passed to the function</a:t>
-            </a:r>
+              <a:t>returns </a:t>
+            </a:r>
+            <a:r>
+              <a:rPr lang="en-US" sz="1800" dirty="0" smtClean="0"/>
+              <a:t>“object”</a:t>
+            </a:r>
+            <a:endParaRPr lang="en-US" sz="1800" dirty="0" smtClean="0">
+              <a:latin typeface="Consolas" panose="020B0609020204030204" pitchFamily="49" charset="0"/>
+              <a:cs typeface="Consolas" panose="020B0609020204030204" pitchFamily="49" charset="0"/>
+            </a:endParaRPr>
           </a:p>
           <a:p>
             <a:pPr>
@@ -11384,109 +11776,68 @@
             </a:pPr>
             <a:r>
               <a:rPr lang="en-US" sz="2400" dirty="0" smtClean="0"/>
-              <a:t>Function Methods</a:t>
-            </a:r>
-          </a:p>
-          <a:p>
-            <a:pPr lvl="1"/>
-            <a:r>
-              <a:rPr lang="en-US" sz="2000" dirty="0"/>
-              <a:t>Each </a:t>
-            </a:r>
-            <a:r>
-              <a:rPr lang="en-US" sz="2000" dirty="0" smtClean="0"/>
-              <a:t>function </a:t>
-            </a:r>
-            <a:r>
-              <a:rPr lang="en-US" sz="2000" dirty="0"/>
-              <a:t>is an object with methods of its own</a:t>
-            </a:r>
-          </a:p>
-          <a:p>
-            <a:pPr lvl="2"/>
-            <a:r>
-              <a:rPr lang="en-US" sz="1600" b="1" dirty="0">
-                <a:solidFill>
-                  <a:schemeClr val="accent1"/>
-                </a:solidFill>
-              </a:rPr>
-              <a:t>.bind</a:t>
-            </a:r>
-            <a:r>
-              <a:rPr lang="en-US" sz="1600" dirty="0"/>
-              <a:t> creates a call to the function with some/all </a:t>
-            </a:r>
-            <a:r>
-              <a:rPr lang="en-US" sz="1600" dirty="0" err="1"/>
-              <a:t>params</a:t>
-            </a:r>
-            <a:r>
-              <a:rPr lang="en-US" sz="1600" dirty="0"/>
-              <a:t> </a:t>
-            </a:r>
-            <a:r>
-              <a:rPr lang="en-US" sz="1600" dirty="0" smtClean="0"/>
-              <a:t>set</a:t>
-            </a:r>
-            <a:endParaRPr lang="en-US" sz="1600" dirty="0" smtClean="0">
-              <a:solidFill>
-                <a:schemeClr val="accent1"/>
-              </a:solidFill>
-              <a:latin typeface="Consolas" panose="020B0609020204030204" pitchFamily="49" charset="0"/>
-              <a:cs typeface="Consolas" panose="020B0609020204030204" pitchFamily="49" charset="0"/>
-            </a:endParaRPr>
-          </a:p>
-          <a:p>
-            <a:pPr lvl="2"/>
-            <a:r>
-              <a:rPr lang="en-US" sz="1600" b="1" dirty="0" smtClean="0">
-                <a:solidFill>
-                  <a:schemeClr val="accent1"/>
-                </a:solidFill>
-                <a:latin typeface="Consolas" panose="020B0609020204030204" pitchFamily="49" charset="0"/>
-                <a:cs typeface="Consolas" panose="020B0609020204030204" pitchFamily="49" charset="0"/>
-              </a:rPr>
-              <a:t>.call</a:t>
-            </a:r>
-            <a:r>
-              <a:rPr lang="en-US" sz="1600" dirty="0" smtClean="0"/>
-              <a:t> allows invoking another object’s methods (sets the </a:t>
-            </a:r>
-            <a:r>
-              <a:rPr lang="en-US" sz="1600" dirty="0" smtClean="0">
-                <a:solidFill>
-                  <a:schemeClr val="accent1"/>
-                </a:solidFill>
-                <a:latin typeface="Consolas" panose="020B0609020204030204" pitchFamily="49" charset="0"/>
-                <a:cs typeface="Consolas" panose="020B0609020204030204" pitchFamily="49" charset="0"/>
-              </a:rPr>
-              <a:t>this</a:t>
-            </a:r>
-            <a:r>
-              <a:rPr lang="en-US" sz="1600" dirty="0" smtClean="0"/>
-              <a:t> context)</a:t>
-            </a:r>
-          </a:p>
-          <a:p>
-            <a:pPr lvl="2"/>
-            <a:r>
-              <a:rPr lang="en-US" sz="1600" b="1" dirty="0">
-                <a:solidFill>
-                  <a:schemeClr val="accent1"/>
-                </a:solidFill>
-                <a:latin typeface="Consolas" panose="020B0609020204030204" pitchFamily="49" charset="0"/>
-                <a:cs typeface="Consolas" panose="020B0609020204030204" pitchFamily="49" charset="0"/>
-              </a:rPr>
-              <a:t>.apply</a:t>
-            </a:r>
-            <a:r>
-              <a:rPr lang="en-US" sz="1600" dirty="0"/>
-              <a:t> </a:t>
-            </a:r>
-            <a:r>
-              <a:rPr lang="en-US" sz="1600" dirty="0" smtClean="0"/>
-              <a:t>is like call but lets you pass an array as the arguments</a:t>
-            </a:r>
+              <a:t>Both are often treated the same in code</a:t>
+            </a:r>
+          </a:p>
+          <a:p>
+            <a:pPr lvl="1">
+              <a:spcBef>
+                <a:spcPts val="600"/>
+              </a:spcBef>
+            </a:pPr>
+            <a:r>
+              <a:rPr lang="en-US" sz="1800" dirty="0" smtClean="0"/>
+              <a:t>Can </a:t>
+            </a:r>
+            <a:r>
+              <a:rPr lang="en-US" sz="1800" dirty="0"/>
+              <a:t>use “</a:t>
+            </a:r>
+            <a:r>
+              <a:rPr lang="en-US" sz="1800" dirty="0">
+                <a:solidFill>
+                  <a:schemeClr val="accent1"/>
+                </a:solidFill>
+                <a:latin typeface="Consolas" panose="020B0609020204030204" pitchFamily="49" charset="0"/>
+                <a:cs typeface="Consolas" panose="020B0609020204030204" pitchFamily="49" charset="0"/>
+              </a:rPr>
+              <a:t>x == null</a:t>
+            </a:r>
+            <a:r>
+              <a:rPr lang="en-US" sz="1800" dirty="0"/>
+              <a:t>” to test for </a:t>
+            </a:r>
+            <a:r>
+              <a:rPr lang="en-US" sz="1800" dirty="0" smtClean="0"/>
+              <a:t>both </a:t>
+            </a:r>
+            <a:r>
+              <a:rPr lang="en-US" sz="1800" dirty="0" smtClean="0">
+                <a:latin typeface="Consolas" panose="020B0609020204030204" pitchFamily="49" charset="0"/>
+                <a:cs typeface="Consolas" panose="020B0609020204030204" pitchFamily="49" charset="0"/>
+              </a:rPr>
+              <a:t>null</a:t>
+            </a:r>
+            <a:r>
+              <a:rPr lang="en-US" sz="1800" dirty="0" smtClean="0"/>
+              <a:t> and </a:t>
+            </a:r>
+            <a:r>
+              <a:rPr lang="en-US" sz="1800" dirty="0" smtClean="0">
+                <a:latin typeface="Consolas" panose="020B0609020204030204" pitchFamily="49" charset="0"/>
+                <a:cs typeface="Consolas" panose="020B0609020204030204" pitchFamily="49" charset="0"/>
+              </a:rPr>
+              <a:t>undefined</a:t>
+            </a:r>
+            <a:endParaRPr lang="en-US" sz="1800" dirty="0" smtClean="0"/>
+          </a:p>
+          <a:p>
+            <a:pPr lvl="1">
+              <a:spcBef>
+                <a:spcPts val="1200"/>
+              </a:spcBef>
+            </a:pPr>
+            <a:endParaRPr lang="en-US" sz="2000" dirty="0" smtClean="0"/>
           </a:p>
         </p:txBody>
       </p:sp>
@@ -11509,24 +11860,45 @@
               <a:rPr lang="en-US" dirty="0" smtClean="0">
                 <a:latin typeface="Berlin Sans FB Demi" panose="020E0802020502020306" pitchFamily="34" charset="0"/>
               </a:rPr>
-              <a:t>Function Invocation</a:t>
+              <a:t>Empty Values: </a:t>
+            </a:r>
+            <a:r>
+              <a:rPr lang="en-US" dirty="0" smtClean="0">
+                <a:latin typeface="Consolas" panose="020B0609020204030204" pitchFamily="49" charset="0"/>
+                <a:cs typeface="Consolas" panose="020B0609020204030204" pitchFamily="49" charset="0"/>
+              </a:rPr>
+              <a:t>null</a:t>
+            </a:r>
+            <a:r>
+              <a:rPr lang="en-US" dirty="0" smtClean="0">
+                <a:latin typeface="Berlin Sans FB Demi" panose="020E0802020502020306" pitchFamily="34" charset="0"/>
+              </a:rPr>
+              <a:t> vs </a:t>
+            </a:r>
+            <a:r>
+              <a:rPr lang="en-US" dirty="0" smtClean="0">
+                <a:latin typeface="Consolas" panose="020B0609020204030204" pitchFamily="49" charset="0"/>
+                <a:cs typeface="Consolas" panose="020B0609020204030204" pitchFamily="49" charset="0"/>
+              </a:rPr>
+              <a:t>undefined</a:t>
             </a:r>
             <a:endParaRPr lang="en-US" dirty="0">
-              <a:latin typeface="Berlin Sans FB Demi" panose="020E0802020502020306" pitchFamily="34" charset="0"/>
+              <a:latin typeface="Consolas" panose="020B0609020204030204" pitchFamily="49" charset="0"/>
+              <a:cs typeface="Consolas" panose="020B0609020204030204" pitchFamily="49" charset="0"/>
             </a:endParaRPr>
           </a:p>
         </p:txBody>
       </p:sp>
       <p:sp>
         <p:nvSpPr>
-          <p:cNvPr id="4" name="TextBox 3"/>
+          <p:cNvPr id="6" name="TextBox 5"/>
           <p:cNvSpPr txBox="1"/>
           <p:nvPr/>
         </p:nvSpPr>
         <p:spPr>
           <a:xfrm>
-            <a:off x="1066801" y="1295400"/>
-            <a:ext cx="7010398" cy="1477328"/>
+            <a:off x="6019800" y="3733800"/>
+            <a:ext cx="2590800" cy="646331"/>
           </a:xfrm>
           <a:prstGeom prst="rect">
             <a:avLst/>
@@ -11553,280 +11925,96 @@
           <a:lstStyle/>
           <a:p>
             <a:r>
+              <a:rPr lang="en-US" dirty="0" err="1" smtClean="0">
+                <a:solidFill>
+                  <a:schemeClr val="accent1"/>
+                </a:solidFill>
+                <a:latin typeface="Consolas" panose="020B0609020204030204" pitchFamily="49" charset="0"/>
+                <a:cs typeface="Consolas" panose="020B0609020204030204" pitchFamily="49" charset="0"/>
+              </a:rPr>
+              <a:t>var</a:t>
+            </a:r>
+            <a:r>
               <a:rPr lang="en-US" dirty="0" smtClean="0">
                 <a:solidFill>
-                  <a:schemeClr val="accent1"/>
-                </a:solidFill>
-                <a:latin typeface="Consolas" panose="020B0609020204030204" pitchFamily="49" charset="0"/>
-                <a:cs typeface="Consolas" panose="020B0609020204030204" pitchFamily="49" charset="0"/>
-              </a:rPr>
-              <a:t>function</a:t>
+                  <a:schemeClr val="bg1"/>
+                </a:solidFill>
+                <a:latin typeface="Consolas" panose="020B0609020204030204" pitchFamily="49" charset="0"/>
+                <a:cs typeface="Consolas" panose="020B0609020204030204" pitchFamily="49" charset="0"/>
+              </a:rPr>
+              <a:t> </a:t>
+            </a:r>
+            <a:r>
+              <a:rPr lang="en-US" dirty="0" err="1" smtClean="0">
+                <a:solidFill>
+                  <a:schemeClr val="bg1"/>
+                </a:solidFill>
+                <a:latin typeface="Consolas" panose="020B0609020204030204" pitchFamily="49" charset="0"/>
+                <a:cs typeface="Consolas" panose="020B0609020204030204" pitchFamily="49" charset="0"/>
+              </a:rPr>
+              <a:t>obj</a:t>
             </a:r>
             <a:r>
               <a:rPr lang="en-US" dirty="0" smtClean="0">
+                <a:solidFill>
+                  <a:schemeClr val="bg1"/>
+                </a:solidFill>
+                <a:latin typeface="Consolas" panose="020B0609020204030204" pitchFamily="49" charset="0"/>
+                <a:cs typeface="Consolas" panose="020B0609020204030204" pitchFamily="49" charset="0"/>
+              </a:rPr>
+              <a:t> = {prop: </a:t>
+            </a:r>
+            <a:r>
+              <a:rPr lang="en-US" dirty="0" smtClean="0">
+                <a:solidFill>
+                  <a:srgbClr val="FFC000"/>
+                </a:solidFill>
+                <a:latin typeface="Consolas" panose="020B0609020204030204" pitchFamily="49" charset="0"/>
+                <a:cs typeface="Consolas" panose="020B0609020204030204" pitchFamily="49" charset="0"/>
+              </a:rPr>
+              <a:t>5</a:t>
+            </a:r>
+            <a:r>
+              <a:rPr lang="en-US" dirty="0" smtClean="0">
+                <a:solidFill>
+                  <a:schemeClr val="bg1"/>
+                </a:solidFill>
+                <a:latin typeface="Consolas" panose="020B0609020204030204" pitchFamily="49" charset="0"/>
+                <a:cs typeface="Consolas" panose="020B0609020204030204" pitchFamily="49" charset="0"/>
+              </a:rPr>
+              <a:t>}</a:t>
+            </a:r>
+          </a:p>
+          <a:p>
+            <a:r>
+              <a:rPr lang="en-US" dirty="0" smtClean="0">
+                <a:solidFill>
+                  <a:schemeClr val="accent1"/>
+                </a:solidFill>
+                <a:latin typeface="Consolas" panose="020B0609020204030204" pitchFamily="49" charset="0"/>
+                <a:cs typeface="Consolas" panose="020B0609020204030204" pitchFamily="49" charset="0"/>
+              </a:rPr>
+              <a:t>delete</a:t>
+            </a:r>
+            <a:r>
+              <a:rPr lang="en-US" dirty="0" smtClean="0">
+                <a:solidFill>
+                  <a:schemeClr val="bg1"/>
+                </a:solidFill>
                 <a:latin typeface="Consolas" panose="020B0609020204030204" pitchFamily="49" charset="0"/>
                 <a:cs typeface="Consolas" panose="020B0609020204030204" pitchFamily="49" charset="0"/>
               </a:rPr>
               <a:t> </a:t>
             </a:r>
             <a:r>
-              <a:rPr lang="en-US" dirty="0" smtClean="0">
+              <a:rPr lang="en-US" dirty="0" err="1" smtClean="0">
                 <a:solidFill>
                   <a:schemeClr val="bg1"/>
                 </a:solidFill>
                 <a:latin typeface="Consolas" panose="020B0609020204030204" pitchFamily="49" charset="0"/>
                 <a:cs typeface="Consolas" panose="020B0609020204030204" pitchFamily="49" charset="0"/>
               </a:rPr>
-              <a:t>demo(arg1, arg2) {</a:t>
-            </a:r>
-            <a:endParaRPr lang="en-US" dirty="0" smtClean="0">
-              <a:solidFill>
-                <a:schemeClr val="tx1">
-                  <a:lumMod val="50000"/>
-                  <a:lumOff val="50000"/>
-                </a:schemeClr>
-              </a:solidFill>
-              <a:latin typeface="Consolas" panose="020B0609020204030204" pitchFamily="49" charset="0"/>
-              <a:cs typeface="Consolas" panose="020B0609020204030204" pitchFamily="49" charset="0"/>
-            </a:endParaRPr>
-          </a:p>
-          <a:p>
-            <a:r>
-              <a:rPr lang="en-US" dirty="0">
-                <a:latin typeface="Consolas" panose="020B0609020204030204" pitchFamily="49" charset="0"/>
-                <a:cs typeface="Consolas" panose="020B0609020204030204" pitchFamily="49" charset="0"/>
-              </a:rPr>
-              <a:t> </a:t>
-            </a:r>
-            <a:r>
-              <a:rPr lang="en-US" dirty="0" smtClean="0">
-                <a:latin typeface="Consolas" panose="020B0609020204030204" pitchFamily="49" charset="0"/>
-                <a:cs typeface="Consolas" panose="020B0609020204030204" pitchFamily="49" charset="0"/>
-              </a:rPr>
-              <a:t>   </a:t>
-            </a:r>
-            <a:r>
-              <a:rPr lang="en-US" dirty="0" smtClean="0">
-                <a:solidFill>
-                  <a:schemeClr val="accent1"/>
-                </a:solidFill>
-                <a:latin typeface="Consolas" panose="020B0609020204030204" pitchFamily="49" charset="0"/>
-                <a:cs typeface="Consolas" panose="020B0609020204030204" pitchFamily="49" charset="0"/>
-              </a:rPr>
-              <a:t>return</a:t>
-            </a:r>
-            <a:r>
-              <a:rPr lang="en-US" dirty="0" smtClean="0">
-                <a:latin typeface="Consolas" panose="020B0609020204030204" pitchFamily="49" charset="0"/>
-                <a:cs typeface="Consolas" panose="020B0609020204030204" pitchFamily="49" charset="0"/>
-              </a:rPr>
-              <a:t> </a:t>
-            </a:r>
-            <a:r>
-              <a:rPr lang="en-US" dirty="0" smtClean="0">
-                <a:solidFill>
-                  <a:schemeClr val="bg1"/>
-                </a:solidFill>
-                <a:latin typeface="Consolas" panose="020B0609020204030204" pitchFamily="49" charset="0"/>
-                <a:cs typeface="Consolas" panose="020B0609020204030204" pitchFamily="49" charset="0"/>
-              </a:rPr>
-              <a:t>[]</a:t>
-            </a:r>
-            <a:r>
-              <a:rPr lang="en-US" dirty="0" smtClean="0">
-                <a:latin typeface="Consolas" panose="020B0609020204030204" pitchFamily="49" charset="0"/>
-                <a:cs typeface="Consolas" panose="020B0609020204030204" pitchFamily="49" charset="0"/>
-              </a:rPr>
-              <a:t>.</a:t>
-            </a:r>
-            <a:r>
-              <a:rPr lang="en-US" dirty="0" err="1" smtClean="0">
-                <a:solidFill>
-                  <a:schemeClr val="bg1"/>
-                </a:solidFill>
-                <a:latin typeface="Consolas" panose="020B0609020204030204" pitchFamily="49" charset="0"/>
-                <a:cs typeface="Consolas" panose="020B0609020204030204" pitchFamily="49" charset="0"/>
-              </a:rPr>
-              <a:t>slice.call</a:t>
-            </a:r>
-            <a:r>
-              <a:rPr lang="en-US" dirty="0" smtClean="0">
-                <a:solidFill>
-                  <a:schemeClr val="bg1"/>
-                </a:solidFill>
-                <a:latin typeface="Consolas" panose="020B0609020204030204" pitchFamily="49" charset="0"/>
-                <a:cs typeface="Consolas" panose="020B0609020204030204" pitchFamily="49" charset="0"/>
-              </a:rPr>
-              <a:t>(</a:t>
-            </a:r>
-            <a:r>
-              <a:rPr lang="en-US" dirty="0" smtClean="0">
-                <a:solidFill>
-                  <a:schemeClr val="accent1"/>
-                </a:solidFill>
-                <a:latin typeface="Consolas" panose="020B0609020204030204" pitchFamily="49" charset="0"/>
-                <a:cs typeface="Consolas" panose="020B0609020204030204" pitchFamily="49" charset="0"/>
-              </a:rPr>
-              <a:t>arguments</a:t>
-            </a:r>
-            <a:r>
-              <a:rPr lang="en-US" dirty="0" smtClean="0">
-                <a:solidFill>
-                  <a:schemeClr val="bg1"/>
-                </a:solidFill>
-                <a:latin typeface="Consolas" panose="020B0609020204030204" pitchFamily="49" charset="0"/>
-                <a:cs typeface="Consolas" panose="020B0609020204030204" pitchFamily="49" charset="0"/>
-              </a:rPr>
-              <a:t>, </a:t>
-            </a:r>
-            <a:r>
-              <a:rPr lang="en-US" dirty="0" smtClean="0">
-                <a:solidFill>
-                  <a:srgbClr val="FFC000"/>
-                </a:solidFill>
-                <a:latin typeface="Consolas" panose="020B0609020204030204" pitchFamily="49" charset="0"/>
-                <a:cs typeface="Consolas" panose="020B0609020204030204" pitchFamily="49" charset="0"/>
-              </a:rPr>
-              <a:t>2</a:t>
-            </a:r>
-            <a:r>
-              <a:rPr lang="en-US" dirty="0" smtClean="0">
-                <a:solidFill>
-                  <a:schemeClr val="bg1"/>
-                </a:solidFill>
-                <a:latin typeface="Consolas" panose="020B0609020204030204" pitchFamily="49" charset="0"/>
-                <a:cs typeface="Consolas" panose="020B0609020204030204" pitchFamily="49" charset="0"/>
-              </a:rPr>
-              <a:t>);</a:t>
-            </a:r>
-          </a:p>
-          <a:p>
-            <a:r>
-              <a:rPr lang="en-US" dirty="0" smtClean="0">
-                <a:solidFill>
-                  <a:schemeClr val="bg1"/>
-                </a:solidFill>
-                <a:latin typeface="Consolas" panose="020B0609020204030204" pitchFamily="49" charset="0"/>
-                <a:cs typeface="Consolas" panose="020B0609020204030204" pitchFamily="49" charset="0"/>
-              </a:rPr>
-              <a:t>}</a:t>
-            </a:r>
-          </a:p>
-          <a:p>
-            <a:endParaRPr lang="en-US" dirty="0" smtClean="0">
-              <a:solidFill>
-                <a:schemeClr val="bg1"/>
-              </a:solidFill>
-              <a:latin typeface="Consolas" panose="020B0609020204030204" pitchFamily="49" charset="0"/>
-              <a:cs typeface="Consolas" panose="020B0609020204030204" pitchFamily="49" charset="0"/>
-            </a:endParaRPr>
-          </a:p>
-          <a:p>
-            <a:r>
-              <a:rPr lang="en-US" dirty="0" smtClean="0">
-                <a:solidFill>
-                  <a:schemeClr val="bg1"/>
-                </a:solidFill>
-                <a:latin typeface="Consolas" panose="020B0609020204030204" pitchFamily="49" charset="0"/>
-                <a:cs typeface="Consolas" panose="020B0609020204030204" pitchFamily="49" charset="0"/>
-              </a:rPr>
-              <a:t>demo</a:t>
-            </a:r>
-            <a:r>
-              <a:rPr lang="en-US" dirty="0">
-                <a:solidFill>
-                  <a:schemeClr val="bg1"/>
-                </a:solidFill>
-                <a:latin typeface="Consolas" panose="020B0609020204030204" pitchFamily="49" charset="0"/>
-                <a:cs typeface="Consolas" panose="020B0609020204030204" pitchFamily="49" charset="0"/>
-              </a:rPr>
-              <a:t>(</a:t>
-            </a:r>
-            <a:r>
-              <a:rPr lang="en-US" dirty="0">
-                <a:solidFill>
-                  <a:schemeClr val="accent3"/>
-                </a:solidFill>
-                <a:latin typeface="Consolas" panose="020B0609020204030204" pitchFamily="49" charset="0"/>
-                <a:cs typeface="Consolas" panose="020B0609020204030204" pitchFamily="49" charset="0"/>
-              </a:rPr>
-              <a:t>'a'</a:t>
-            </a:r>
-            <a:r>
-              <a:rPr lang="en-US" dirty="0">
-                <a:solidFill>
-                  <a:schemeClr val="bg1"/>
-                </a:solidFill>
-                <a:latin typeface="Consolas" panose="020B0609020204030204" pitchFamily="49" charset="0"/>
-                <a:cs typeface="Consolas" panose="020B0609020204030204" pitchFamily="49" charset="0"/>
-              </a:rPr>
-              <a:t>, </a:t>
-            </a:r>
-            <a:r>
-              <a:rPr lang="en-US" dirty="0">
-                <a:solidFill>
-                  <a:schemeClr val="accent3"/>
-                </a:solidFill>
-                <a:latin typeface="Consolas" panose="020B0609020204030204" pitchFamily="49" charset="0"/>
-                <a:cs typeface="Consolas" panose="020B0609020204030204" pitchFamily="49" charset="0"/>
-              </a:rPr>
-              <a:t>'b'</a:t>
-            </a:r>
-            <a:r>
-              <a:rPr lang="en-US" dirty="0">
-                <a:solidFill>
-                  <a:schemeClr val="bg1"/>
-                </a:solidFill>
-                <a:latin typeface="Consolas" panose="020B0609020204030204" pitchFamily="49" charset="0"/>
-                <a:cs typeface="Consolas" panose="020B0609020204030204" pitchFamily="49" charset="0"/>
-              </a:rPr>
-              <a:t>, </a:t>
-            </a:r>
-            <a:r>
-              <a:rPr lang="en-US" dirty="0">
-                <a:solidFill>
-                  <a:schemeClr val="accent3"/>
-                </a:solidFill>
-                <a:latin typeface="Consolas" panose="020B0609020204030204" pitchFamily="49" charset="0"/>
-                <a:cs typeface="Consolas" panose="020B0609020204030204" pitchFamily="49" charset="0"/>
-              </a:rPr>
-              <a:t>'c', 'd'</a:t>
-            </a:r>
-            <a:r>
-              <a:rPr lang="en-US" dirty="0">
-                <a:solidFill>
-                  <a:schemeClr val="bg1"/>
-                </a:solidFill>
-                <a:latin typeface="Consolas" panose="020B0609020204030204" pitchFamily="49" charset="0"/>
-                <a:cs typeface="Consolas" panose="020B0609020204030204" pitchFamily="49" charset="0"/>
-              </a:rPr>
-              <a:t>);  </a:t>
-            </a:r>
-            <a:r>
-              <a:rPr lang="en-US" dirty="0">
-                <a:solidFill>
-                  <a:schemeClr val="tx1">
-                    <a:lumMod val="50000"/>
-                    <a:lumOff val="50000"/>
-                  </a:schemeClr>
-                </a:solidFill>
-                <a:latin typeface="Consolas" panose="020B0609020204030204" pitchFamily="49" charset="0"/>
-                <a:cs typeface="Consolas" panose="020B0609020204030204" pitchFamily="49" charset="0"/>
-              </a:rPr>
-              <a:t>// returns ['c', 'd</a:t>
-            </a:r>
-            <a:r>
-              <a:rPr lang="en-US" dirty="0" smtClean="0">
-                <a:solidFill>
-                  <a:schemeClr val="tx1">
-                    <a:lumMod val="50000"/>
-                    <a:lumOff val="50000"/>
-                  </a:schemeClr>
-                </a:solidFill>
-                <a:latin typeface="Consolas" panose="020B0609020204030204" pitchFamily="49" charset="0"/>
-                <a:cs typeface="Consolas" panose="020B0609020204030204" pitchFamily="49" charset="0"/>
-              </a:rPr>
-              <a:t>']</a:t>
+              <a:t>obj.prop</a:t>
             </a:r>
             <a:endParaRPr lang="en-US" dirty="0">
               <a:solidFill>
@@ -11841,148 +12029,10 @@
           </a:p>
         </p:txBody>
       </p:sp>
-      <p:sp>
-        <p:nvSpPr>
-          <p:cNvPr id="5" name="TextBox 4"/>
-          <p:cNvSpPr txBox="1"/>
-          <p:nvPr/>
-        </p:nvSpPr>
-        <p:spPr>
-          <a:xfrm>
-            <a:off x="1066801" y="2791480"/>
-            <a:ext cx="7010398" cy="523220"/>
-          </a:xfrm>
-          <a:prstGeom prst="rect">
-            <a:avLst/>
-          </a:prstGeom>
-          <a:solidFill>
-            <a:schemeClr val="tx2">
-              <a:lumMod val="20000"/>
-              <a:lumOff val="80000"/>
-            </a:schemeClr>
-          </a:solidFill>
-          <a:ln w="19050">
-            <a:solidFill>
-              <a:schemeClr val="tx1">
-                <a:lumMod val="50000"/>
-                <a:lumOff val="50000"/>
-              </a:schemeClr>
-            </a:solidFill>
-          </a:ln>
-        </p:spPr>
-        <p:txBody>
-          <a:bodyPr wrap="square" rtlCol="0">
-            <a:spAutoFit/>
-          </a:bodyPr>
-          <a:lstStyle/>
-          <a:p>
-            <a:pPr algn="ctr"/>
-            <a:r>
-              <a:rPr lang="en-US" sz="1400" i="1" dirty="0" smtClean="0"/>
-              <a:t>Note that this code uses  </a:t>
-            </a:r>
-            <a:r>
-              <a:rPr lang="en-US" sz="1400" b="1" dirty="0" smtClean="0">
-                <a:solidFill>
-                  <a:schemeClr val="accent1"/>
-                </a:solidFill>
-                <a:latin typeface="Consolas" panose="020B0609020204030204" pitchFamily="49" charset="0"/>
-                <a:cs typeface="Consolas" panose="020B0609020204030204" pitchFamily="49" charset="0"/>
-              </a:rPr>
-              <a:t>[]</a:t>
-            </a:r>
-            <a:r>
-              <a:rPr lang="en-US" sz="1400" i="1" dirty="0" smtClean="0"/>
-              <a:t> as shorthand  to access  </a:t>
-            </a:r>
-            <a:r>
-              <a:rPr lang="en-US" sz="1400" b="1" dirty="0" err="1" smtClean="0">
-                <a:solidFill>
-                  <a:schemeClr val="accent1"/>
-                </a:solidFill>
-                <a:latin typeface="Consolas" panose="020B0609020204030204" pitchFamily="49" charset="0"/>
-                <a:cs typeface="Consolas" panose="020B0609020204030204" pitchFamily="49" charset="0"/>
-              </a:rPr>
-              <a:t>Array.prototype</a:t>
-            </a:r>
-            <a:r>
-              <a:rPr lang="en-US" sz="1400" i="1" dirty="0" smtClean="0"/>
-              <a:t>.</a:t>
-            </a:r>
-          </a:p>
-          <a:p>
-            <a:pPr algn="ctr"/>
-            <a:r>
-              <a:rPr lang="en-US" sz="1400" i="1" dirty="0" smtClean="0"/>
-              <a:t>The same may be done with </a:t>
-            </a:r>
-            <a:r>
-              <a:rPr lang="en-US" sz="1400" b="1" dirty="0" smtClean="0">
-                <a:solidFill>
-                  <a:schemeClr val="accent1"/>
-                </a:solidFill>
-                <a:latin typeface="Consolas" panose="020B0609020204030204" pitchFamily="49" charset="0"/>
-                <a:cs typeface="Consolas" panose="020B0609020204030204" pitchFamily="49" charset="0"/>
-              </a:rPr>
-              <a:t>''</a:t>
-            </a:r>
-            <a:r>
-              <a:rPr lang="en-US" sz="1400" dirty="0" smtClean="0"/>
-              <a:t> for </a:t>
-            </a:r>
-            <a:r>
-              <a:rPr lang="en-US" sz="1400" b="1" dirty="0" smtClean="0">
-                <a:solidFill>
-                  <a:schemeClr val="accent1"/>
-                </a:solidFill>
-                <a:latin typeface="Consolas" panose="020B0609020204030204" pitchFamily="49" charset="0"/>
-                <a:cs typeface="Consolas" panose="020B0609020204030204" pitchFamily="49" charset="0"/>
-              </a:rPr>
-              <a:t>String</a:t>
-            </a:r>
-            <a:r>
-              <a:rPr lang="en-US" sz="1400" dirty="0" smtClean="0"/>
-              <a:t> </a:t>
-            </a:r>
-            <a:r>
-              <a:rPr lang="en-US" sz="1400" i="1" dirty="0" smtClean="0"/>
-              <a:t>and  </a:t>
-            </a:r>
-            <a:r>
-              <a:rPr lang="en-US" sz="1400" b="1" dirty="0" smtClean="0">
-                <a:solidFill>
-                  <a:schemeClr val="accent1"/>
-                </a:solidFill>
-                <a:latin typeface="Consolas" panose="020B0609020204030204" pitchFamily="49" charset="0"/>
-                <a:cs typeface="Consolas" panose="020B0609020204030204" pitchFamily="49" charset="0"/>
-              </a:rPr>
-              <a:t>{}</a:t>
-            </a:r>
-            <a:r>
-              <a:rPr lang="en-US" sz="1400" i="1" dirty="0" smtClean="0"/>
-              <a:t> for  </a:t>
-            </a:r>
-            <a:r>
-              <a:rPr lang="en-US" sz="1400" b="1" dirty="0" smtClean="0">
-                <a:solidFill>
-                  <a:schemeClr val="accent1"/>
-                </a:solidFill>
-                <a:latin typeface="Consolas" panose="020B0609020204030204" pitchFamily="49" charset="0"/>
-                <a:cs typeface="Consolas" panose="020B0609020204030204" pitchFamily="49" charset="0"/>
-              </a:rPr>
-              <a:t>Object</a:t>
-            </a:r>
-            <a:r>
-              <a:rPr lang="en-US" sz="1400" i="1" dirty="0" smtClean="0"/>
-              <a:t>.</a:t>
-            </a:r>
-          </a:p>
-        </p:txBody>
-      </p:sp>
     </p:spTree>
     <p:extLst>
       <p:ext uri="{BB962C8B-B14F-4D97-AF65-F5344CB8AC3E}">
-        <p14:creationId xmlns:p14="http://schemas.microsoft.com/office/powerpoint/2010/main" val="4142559492"/>
+        <p14:creationId xmlns:p14="http://schemas.microsoft.com/office/powerpoint/2010/main" val="2039589176"/>
       </p:ext>
     </p:extLst>
   </p:cSld>
@@ -12000,6 +12050,1286 @@
 </file>
 
 <file path=ppt/slides/slide5.xml><?xml version="1.0" encoding="utf-8"?>
+<p:sld xmlns:a="http://schemas.openxmlformats.org/drawingml/2006/main" xmlns:r="http://schemas.openxmlformats.org/officeDocument/2006/relationships" xmlns:p="http://schemas.openxmlformats.org/presentationml/2006/main">
+  <p:cSld>
+    <p:spTree>
+      <p:nvGrpSpPr>
+        <p:cNvPr id="1" name=""/>
+        <p:cNvGrpSpPr/>
+        <p:nvPr/>
+      </p:nvGrpSpPr>
+      <p:grpSpPr>
+        <a:xfrm>
+          <a:off x="0" y="0"/>
+          <a:ext cx="0" cy="0"/>
+          <a:chOff x="0" y="0"/>
+          <a:chExt cx="0" cy="0"/>
+        </a:xfrm>
+      </p:grpSpPr>
+      <p:sp>
+        <p:nvSpPr>
+          <p:cNvPr id="2" name="Content Placeholder 1"/>
+          <p:cNvSpPr>
+            <a:spLocks noGrp="1"/>
+          </p:cNvSpPr>
+          <p:nvPr>
+            <p:ph sz="half" idx="1"/>
+          </p:nvPr>
+        </p:nvSpPr>
+        <p:spPr>
+          <a:xfrm>
+            <a:off x="457200" y="1481328"/>
+            <a:ext cx="4038600" cy="5071871"/>
+          </a:xfrm>
+          <a:ln/>
+        </p:spPr>
+        <p:style>
+          <a:lnRef idx="2">
+            <a:schemeClr val="accent5"/>
+          </a:lnRef>
+          <a:fillRef idx="1">
+            <a:schemeClr val="lt1"/>
+          </a:fillRef>
+          <a:effectRef idx="0">
+            <a:schemeClr val="accent5"/>
+          </a:effectRef>
+          <a:fontRef idx="minor">
+            <a:schemeClr val="dk1"/>
+          </a:fontRef>
+        </p:style>
+        <p:txBody>
+          <a:bodyPr>
+            <a:normAutofit/>
+          </a:bodyPr>
+          <a:lstStyle/>
+          <a:p>
+            <a:r>
+              <a:rPr lang="en-US" sz="2400" dirty="0" smtClean="0"/>
+              <a:t>‘</a:t>
+            </a:r>
+            <a:r>
+              <a:rPr lang="en-US" sz="2400" dirty="0" err="1" smtClean="0"/>
+              <a:t>Falsey</a:t>
+            </a:r>
+            <a:r>
+              <a:rPr lang="en-US" sz="2400" dirty="0" smtClean="0"/>
+              <a:t>’ values:</a:t>
+            </a:r>
+          </a:p>
+          <a:p>
+            <a:pPr lvl="1"/>
+            <a:r>
+              <a:rPr lang="en-US" sz="1800" b="1" dirty="0">
+                <a:solidFill>
+                  <a:schemeClr val="accent1"/>
+                </a:solidFill>
+                <a:latin typeface="Consolas" panose="020B0609020204030204" pitchFamily="49" charset="0"/>
+                <a:cs typeface="Consolas" panose="020B0609020204030204" pitchFamily="49" charset="0"/>
+              </a:rPr>
+              <a:t>0</a:t>
+            </a:r>
+            <a:r>
+              <a:rPr lang="en-US" sz="1600" dirty="0" smtClean="0"/>
+              <a:t> </a:t>
+            </a:r>
+            <a:r>
+              <a:rPr lang="en-US" sz="1400" dirty="0" smtClean="0"/>
+              <a:t>and</a:t>
+            </a:r>
+            <a:r>
+              <a:rPr lang="en-US" sz="1600" dirty="0" smtClean="0"/>
+              <a:t> </a:t>
+            </a:r>
+            <a:r>
+              <a:rPr lang="en-US" sz="1800" b="1" dirty="0">
+                <a:solidFill>
+                  <a:schemeClr val="accent1"/>
+                </a:solidFill>
+                <a:latin typeface="Consolas" panose="020B0609020204030204" pitchFamily="49" charset="0"/>
+                <a:cs typeface="Consolas" panose="020B0609020204030204" pitchFamily="49" charset="0"/>
+              </a:rPr>
+              <a:t>-0</a:t>
+            </a:r>
+            <a:endParaRPr lang="en-US" sz="2800" b="1" dirty="0">
+              <a:solidFill>
+                <a:schemeClr val="accent1"/>
+              </a:solidFill>
+              <a:latin typeface="Consolas" panose="020B0609020204030204" pitchFamily="49" charset="0"/>
+              <a:cs typeface="Consolas" panose="020B0609020204030204" pitchFamily="49" charset="0"/>
+            </a:endParaRPr>
+          </a:p>
+          <a:p>
+            <a:pPr lvl="1"/>
+            <a:r>
+              <a:rPr lang="en-US" sz="1800" b="1" dirty="0" err="1" smtClean="0">
+                <a:solidFill>
+                  <a:schemeClr val="accent1"/>
+                </a:solidFill>
+                <a:latin typeface="Consolas" panose="020B0609020204030204" pitchFamily="49" charset="0"/>
+                <a:cs typeface="Consolas" panose="020B0609020204030204" pitchFamily="49" charset="0"/>
+              </a:rPr>
+              <a:t>NaN</a:t>
+            </a:r>
+            <a:endParaRPr lang="en-US" sz="1800" b="1" dirty="0" smtClean="0">
+              <a:solidFill>
+                <a:schemeClr val="accent1"/>
+              </a:solidFill>
+              <a:latin typeface="Consolas" panose="020B0609020204030204" pitchFamily="49" charset="0"/>
+              <a:cs typeface="Consolas" panose="020B0609020204030204" pitchFamily="49" charset="0"/>
+            </a:endParaRPr>
+          </a:p>
+          <a:p>
+            <a:pPr lvl="1"/>
+            <a:r>
+              <a:rPr lang="en-US" sz="1800" b="1" dirty="0" smtClean="0">
+                <a:solidFill>
+                  <a:schemeClr val="accent1"/>
+                </a:solidFill>
+                <a:latin typeface="Consolas" panose="020B0609020204030204" pitchFamily="49" charset="0"/>
+                <a:cs typeface="Consolas" panose="020B0609020204030204" pitchFamily="49" charset="0"/>
+              </a:rPr>
+              <a:t>''</a:t>
+            </a:r>
+            <a:r>
+              <a:rPr lang="en-US" sz="1600" dirty="0" smtClean="0"/>
+              <a:t> </a:t>
+            </a:r>
+            <a:r>
+              <a:rPr lang="en-US" sz="1400" dirty="0" smtClean="0"/>
+              <a:t>[empty string]</a:t>
+            </a:r>
+            <a:endParaRPr lang="en-US" sz="1600" dirty="0" smtClean="0"/>
+          </a:p>
+          <a:p>
+            <a:pPr lvl="1"/>
+            <a:r>
+              <a:rPr lang="en-US" sz="1800" b="1" dirty="0" smtClean="0">
+                <a:solidFill>
+                  <a:schemeClr val="accent1"/>
+                </a:solidFill>
+                <a:latin typeface="Consolas" panose="020B0609020204030204" pitchFamily="49" charset="0"/>
+                <a:cs typeface="Consolas" panose="020B0609020204030204" pitchFamily="49" charset="0"/>
+              </a:rPr>
+              <a:t>false</a:t>
+            </a:r>
+          </a:p>
+          <a:p>
+            <a:pPr lvl="1"/>
+            <a:r>
+              <a:rPr lang="en-US" sz="1800" b="1" dirty="0" smtClean="0">
+                <a:solidFill>
+                  <a:schemeClr val="accent1"/>
+                </a:solidFill>
+                <a:latin typeface="Consolas" panose="020B0609020204030204" pitchFamily="49" charset="0"/>
+                <a:cs typeface="Consolas" panose="020B0609020204030204" pitchFamily="49" charset="0"/>
+              </a:rPr>
+              <a:t>null</a:t>
+            </a:r>
+            <a:r>
+              <a:rPr lang="en-US" sz="1600" dirty="0"/>
+              <a:t> </a:t>
+            </a:r>
+            <a:r>
+              <a:rPr lang="en-US" sz="1400" dirty="0"/>
+              <a:t>and</a:t>
+            </a:r>
+            <a:r>
+              <a:rPr lang="en-US" sz="1600" dirty="0"/>
+              <a:t> </a:t>
+            </a:r>
+            <a:r>
+              <a:rPr lang="en-US" sz="1800" b="1" dirty="0" smtClean="0">
+                <a:solidFill>
+                  <a:schemeClr val="accent1"/>
+                </a:solidFill>
+                <a:latin typeface="Consolas" panose="020B0609020204030204" pitchFamily="49" charset="0"/>
+                <a:cs typeface="Consolas" panose="020B0609020204030204" pitchFamily="49" charset="0"/>
+              </a:rPr>
+              <a:t>undefined</a:t>
+            </a:r>
+          </a:p>
+          <a:p>
+            <a:pPr marL="393192" lvl="1" indent="0">
+              <a:buNone/>
+            </a:pPr>
+            <a:r>
+              <a:rPr lang="en-US" sz="700" i="1" dirty="0" smtClean="0">
+                <a:solidFill>
+                  <a:schemeClr val="bg1"/>
+                </a:solidFill>
+              </a:rPr>
+              <a:t>.</a:t>
+            </a:r>
+            <a:r>
+              <a:rPr lang="en-US" sz="1400" i="1" dirty="0" smtClean="0"/>
+              <a:t/>
+            </a:r>
+            <a:br>
+              <a:rPr lang="en-US" sz="1400" i="1" dirty="0" smtClean="0"/>
+            </a:br>
+            <a:r>
+              <a:rPr lang="en-US" sz="1400" i="1" u="sng" dirty="0" smtClean="0"/>
+              <a:t>All</a:t>
+            </a:r>
+            <a:r>
+              <a:rPr lang="en-US" sz="1400" i="1" dirty="0" smtClean="0"/>
+              <a:t> others values amount to </a:t>
+            </a:r>
+            <a:r>
+              <a:rPr lang="en-US" sz="1400" b="1" dirty="0" smtClean="0"/>
+              <a:t>true</a:t>
+            </a:r>
+            <a:r>
+              <a:rPr lang="en-US" sz="1400" i="1" dirty="0" smtClean="0"/>
+              <a:t> in conditional expressions!</a:t>
+            </a:r>
+          </a:p>
+          <a:p>
+            <a:pPr>
+              <a:spcBef>
+                <a:spcPts val="1200"/>
+              </a:spcBef>
+            </a:pPr>
+            <a:r>
+              <a:rPr lang="en-US" sz="2400" dirty="0" smtClean="0"/>
+              <a:t>Use </a:t>
+            </a:r>
+            <a:r>
+              <a:rPr lang="en-US" sz="2400" dirty="0" smtClean="0">
+                <a:solidFill>
+                  <a:schemeClr val="accent1"/>
+                </a:solidFill>
+                <a:latin typeface="Consolas" panose="020B0609020204030204" pitchFamily="49" charset="0"/>
+                <a:cs typeface="Consolas" panose="020B0609020204030204" pitchFamily="49" charset="0"/>
+              </a:rPr>
+              <a:t>&amp;&amp;</a:t>
+            </a:r>
+            <a:r>
+              <a:rPr lang="en-US" sz="2400" dirty="0" smtClean="0"/>
+              <a:t> and </a:t>
+            </a:r>
+            <a:r>
+              <a:rPr lang="en-US" sz="2400" dirty="0" smtClean="0">
+                <a:solidFill>
+                  <a:schemeClr val="accent1"/>
+                </a:solidFill>
+                <a:latin typeface="Consolas" panose="020B0609020204030204" pitchFamily="49" charset="0"/>
+                <a:cs typeface="Consolas" panose="020B0609020204030204" pitchFamily="49" charset="0"/>
+              </a:rPr>
+              <a:t>||</a:t>
+            </a:r>
+            <a:r>
+              <a:rPr lang="en-US" sz="2400" dirty="0" smtClean="0"/>
+              <a:t>…</a:t>
+            </a:r>
+          </a:p>
+          <a:p>
+            <a:pPr lvl="1"/>
+            <a:r>
+              <a:rPr lang="en-US" sz="1800" dirty="0" smtClean="0"/>
+              <a:t>…to avoid </a:t>
+            </a:r>
+            <a:r>
+              <a:rPr lang="en-US" sz="1800" dirty="0"/>
+              <a:t>null </a:t>
+            </a:r>
+            <a:r>
+              <a:rPr lang="en-US" sz="1800" dirty="0" smtClean="0"/>
+              <a:t>references.</a:t>
+            </a:r>
+            <a:r>
+              <a:rPr lang="en-US" sz="1800" dirty="0"/>
+              <a:t/>
+            </a:r>
+            <a:br>
+              <a:rPr lang="en-US" sz="1800" dirty="0"/>
+            </a:br>
+            <a:r>
+              <a:rPr lang="en-US" sz="1800" dirty="0" smtClean="0">
+                <a:solidFill>
+                  <a:schemeClr val="bg1"/>
+                </a:solidFill>
+              </a:rPr>
+              <a:t>.</a:t>
+            </a:r>
+            <a:r>
+              <a:rPr lang="en-US" sz="1800" dirty="0"/>
+              <a:t/>
+            </a:r>
+            <a:br>
+              <a:rPr lang="en-US" sz="1800" dirty="0"/>
+            </a:br>
+            <a:endParaRPr lang="en-US" sz="1800" dirty="0"/>
+          </a:p>
+          <a:p>
+            <a:pPr lvl="1"/>
+            <a:r>
+              <a:rPr lang="en-US" sz="1800" dirty="0" smtClean="0"/>
+              <a:t>…to coalesce null values.</a:t>
+            </a:r>
+          </a:p>
+          <a:p>
+            <a:pPr lvl="1"/>
+            <a:endParaRPr lang="en-US" sz="1800" dirty="0"/>
+          </a:p>
+          <a:p>
+            <a:pPr lvl="1">
+              <a:spcBef>
+                <a:spcPts val="1200"/>
+              </a:spcBef>
+            </a:pPr>
+            <a:r>
+              <a:rPr lang="en-US" sz="1800" dirty="0" smtClean="0"/>
+              <a:t>Not converted to </a:t>
+            </a:r>
+            <a:r>
+              <a:rPr lang="en-US" sz="1800" dirty="0" err="1" smtClean="0"/>
+              <a:t>boolean</a:t>
+            </a:r>
+            <a:r>
+              <a:rPr lang="en-US" sz="1800" dirty="0" smtClean="0"/>
+              <a:t>!</a:t>
+            </a:r>
+          </a:p>
+          <a:p>
+            <a:pPr lvl="1"/>
+            <a:endParaRPr lang="en-US" sz="1800" dirty="0">
+              <a:solidFill>
+                <a:schemeClr val="accent1"/>
+              </a:solidFill>
+              <a:latin typeface="Consolas" panose="020B0609020204030204" pitchFamily="49" charset="0"/>
+              <a:cs typeface="Consolas" panose="020B0609020204030204" pitchFamily="49" charset="0"/>
+            </a:endParaRPr>
+          </a:p>
+        </p:txBody>
+      </p:sp>
+      <p:sp>
+        <p:nvSpPr>
+          <p:cNvPr id="3" name="Content Placeholder 2"/>
+          <p:cNvSpPr>
+            <a:spLocks noGrp="1"/>
+          </p:cNvSpPr>
+          <p:nvPr>
+            <p:ph sz="half" idx="2"/>
+          </p:nvPr>
+        </p:nvSpPr>
+        <p:spPr>
+          <a:xfrm>
+            <a:off x="4648200" y="1481328"/>
+            <a:ext cx="4038600" cy="5071872"/>
+          </a:xfrm>
+          <a:ln/>
+        </p:spPr>
+        <p:style>
+          <a:lnRef idx="2">
+            <a:schemeClr val="accent5"/>
+          </a:lnRef>
+          <a:fillRef idx="1">
+            <a:schemeClr val="lt1"/>
+          </a:fillRef>
+          <a:effectRef idx="0">
+            <a:schemeClr val="accent5"/>
+          </a:effectRef>
+          <a:fontRef idx="minor">
+            <a:schemeClr val="dk1"/>
+          </a:fontRef>
+        </p:style>
+        <p:txBody>
+          <a:bodyPr>
+            <a:normAutofit/>
+          </a:bodyPr>
+          <a:lstStyle/>
+          <a:p>
+            <a:r>
+              <a:rPr lang="en-US" sz="2400" dirty="0"/>
+              <a:t>Strict equality (</a:t>
+            </a:r>
+            <a:r>
+              <a:rPr lang="en-US" sz="2400" dirty="0">
+                <a:solidFill>
+                  <a:schemeClr val="accent1"/>
+                </a:solidFill>
+                <a:latin typeface="Consolas" panose="020B0609020204030204" pitchFamily="49" charset="0"/>
+                <a:cs typeface="Consolas" panose="020B0609020204030204" pitchFamily="49" charset="0"/>
+              </a:rPr>
+              <a:t>===</a:t>
+            </a:r>
+            <a:r>
+              <a:rPr lang="en-US" sz="2400" dirty="0"/>
+              <a:t>)</a:t>
+            </a:r>
+          </a:p>
+          <a:p>
+            <a:pPr lvl="1"/>
+            <a:r>
+              <a:rPr lang="en-US" sz="1800" dirty="0" smtClean="0"/>
+              <a:t>More predictable</a:t>
+            </a:r>
+          </a:p>
+          <a:p>
+            <a:pPr lvl="1"/>
+            <a:r>
+              <a:rPr lang="en-US" sz="1800" dirty="0" smtClean="0"/>
+              <a:t>Should be used most cases</a:t>
+            </a:r>
+          </a:p>
+          <a:p>
+            <a:r>
+              <a:rPr lang="en-US" sz="2400" dirty="0" smtClean="0"/>
+              <a:t>Loose </a:t>
+            </a:r>
+            <a:r>
+              <a:rPr lang="en-US" sz="2400" dirty="0"/>
+              <a:t>equality </a:t>
+            </a:r>
+            <a:r>
+              <a:rPr lang="en-US" sz="2400" dirty="0" smtClean="0"/>
+              <a:t>(</a:t>
+            </a:r>
+            <a:r>
+              <a:rPr lang="en-US" sz="2400" dirty="0" smtClean="0">
+                <a:solidFill>
+                  <a:schemeClr val="accent1"/>
+                </a:solidFill>
+                <a:latin typeface="Consolas" panose="020B0609020204030204" pitchFamily="49" charset="0"/>
+                <a:cs typeface="Consolas" panose="020B0609020204030204" pitchFamily="49" charset="0"/>
+              </a:rPr>
+              <a:t>==</a:t>
+            </a:r>
+            <a:r>
+              <a:rPr lang="en-US" sz="2400" dirty="0" smtClean="0"/>
+              <a:t>)</a:t>
+            </a:r>
+            <a:br>
+              <a:rPr lang="en-US" sz="2400" dirty="0" smtClean="0"/>
+            </a:br>
+            <a:r>
+              <a:rPr lang="en-US" sz="2400" dirty="0" smtClean="0"/>
+              <a:t/>
+            </a:r>
+            <a:br>
+              <a:rPr lang="en-US" sz="2400" dirty="0" smtClean="0"/>
+            </a:br>
+            <a:r>
+              <a:rPr lang="en-US" sz="2400" dirty="0" smtClean="0"/>
+              <a:t/>
+            </a:r>
+            <a:br>
+              <a:rPr lang="en-US" sz="2400" dirty="0" smtClean="0"/>
+            </a:br>
+            <a:r>
+              <a:rPr lang="en-US" sz="2400" dirty="0" smtClean="0"/>
+              <a:t/>
+            </a:r>
+            <a:br>
+              <a:rPr lang="en-US" sz="2400" dirty="0" smtClean="0"/>
+            </a:br>
+            <a:r>
+              <a:rPr lang="en-US" sz="2400" dirty="0" smtClean="0"/>
+              <a:t/>
+            </a:r>
+            <a:br>
+              <a:rPr lang="en-US" sz="2400" dirty="0" smtClean="0"/>
+            </a:br>
+            <a:endParaRPr lang="en-US" sz="1600" dirty="0" smtClean="0">
+              <a:solidFill>
+                <a:schemeClr val="bg1"/>
+              </a:solidFill>
+            </a:endParaRPr>
+          </a:p>
+          <a:p>
+            <a:pPr>
+              <a:spcBef>
+                <a:spcPts val="2400"/>
+              </a:spcBef>
+            </a:pPr>
+            <a:r>
+              <a:rPr lang="en-US" sz="2400" dirty="0" smtClean="0"/>
+              <a:t>Special Case: </a:t>
+            </a:r>
+            <a:r>
+              <a:rPr lang="en-US" sz="2400" b="1" dirty="0" err="1" smtClean="0">
+                <a:solidFill>
+                  <a:schemeClr val="accent1"/>
+                </a:solidFill>
+                <a:latin typeface="Consolas" panose="020B0609020204030204" pitchFamily="49" charset="0"/>
+                <a:cs typeface="Consolas" panose="020B0609020204030204" pitchFamily="49" charset="0"/>
+              </a:rPr>
+              <a:t>NaN</a:t>
+            </a:r>
+            <a:endParaRPr lang="en-US" sz="1800" dirty="0">
+              <a:solidFill>
+                <a:schemeClr val="accent1"/>
+              </a:solidFill>
+              <a:latin typeface="Consolas" panose="020B0609020204030204" pitchFamily="49" charset="0"/>
+              <a:cs typeface="Consolas" panose="020B0609020204030204" pitchFamily="49" charset="0"/>
+            </a:endParaRPr>
+          </a:p>
+        </p:txBody>
+      </p:sp>
+      <p:sp>
+        <p:nvSpPr>
+          <p:cNvPr id="4" name="Title 3"/>
+          <p:cNvSpPr>
+            <a:spLocks noGrp="1"/>
+          </p:cNvSpPr>
+          <p:nvPr>
+            <p:ph type="title"/>
+          </p:nvPr>
+        </p:nvSpPr>
+        <p:spPr/>
+        <p:txBody>
+          <a:bodyPr/>
+          <a:lstStyle/>
+          <a:p>
+            <a:r>
+              <a:rPr lang="en-US" dirty="0" smtClean="0">
+                <a:latin typeface="Berlin Sans FB Demi" panose="020E0802020502020306" pitchFamily="34" charset="0"/>
+              </a:rPr>
+              <a:t>Equality </a:t>
+            </a:r>
+            <a:r>
+              <a:rPr lang="en-US" sz="3600" dirty="0" smtClean="0">
+                <a:latin typeface="Berlin Sans FB Demi" panose="020E0802020502020306" pitchFamily="34" charset="0"/>
+              </a:rPr>
+              <a:t>and</a:t>
+            </a:r>
+            <a:r>
+              <a:rPr lang="en-US" dirty="0" smtClean="0">
+                <a:latin typeface="Berlin Sans FB Demi" panose="020E0802020502020306" pitchFamily="34" charset="0"/>
+              </a:rPr>
+              <a:t> Comparisons</a:t>
+            </a:r>
+            <a:endParaRPr lang="en-US" dirty="0">
+              <a:latin typeface="Berlin Sans FB Demi" panose="020E0802020502020306" pitchFamily="34" charset="0"/>
+            </a:endParaRPr>
+          </a:p>
+        </p:txBody>
+      </p:sp>
+      <p:sp>
+        <p:nvSpPr>
+          <p:cNvPr id="6" name="TextBox 5"/>
+          <p:cNvSpPr txBox="1"/>
+          <p:nvPr/>
+        </p:nvSpPr>
+        <p:spPr>
+          <a:xfrm>
+            <a:off x="1295400" y="4876800"/>
+            <a:ext cx="2667000" cy="369332"/>
+          </a:xfrm>
+          <a:prstGeom prst="rect">
+            <a:avLst/>
+          </a:prstGeom>
+        </p:spPr>
+        <p:style>
+          <a:lnRef idx="0">
+            <a:schemeClr val="dk1"/>
+          </a:lnRef>
+          <a:fillRef idx="3">
+            <a:schemeClr val="dk1"/>
+          </a:fillRef>
+          <a:effectRef idx="3">
+            <a:schemeClr val="dk1"/>
+          </a:effectRef>
+          <a:fontRef idx="minor">
+            <a:schemeClr val="lt1"/>
+          </a:fontRef>
+        </p:style>
+        <p:txBody>
+          <a:bodyPr wrap="square" rtlCol="0">
+            <a:spAutoFit/>
+          </a:bodyPr>
+          <a:lstStyle/>
+          <a:p>
+            <a:r>
+              <a:rPr lang="en-US" dirty="0" smtClean="0">
+                <a:solidFill>
+                  <a:schemeClr val="accent1"/>
+                </a:solidFill>
+                <a:latin typeface="Consolas" panose="020B0609020204030204" pitchFamily="49" charset="0"/>
+                <a:cs typeface="Consolas" panose="020B0609020204030204" pitchFamily="49" charset="0"/>
+              </a:rPr>
+              <a:t>return</a:t>
+            </a:r>
+            <a:r>
+              <a:rPr lang="en-US" dirty="0" smtClean="0">
+                <a:solidFill>
+                  <a:schemeClr val="bg1"/>
+                </a:solidFill>
+                <a:latin typeface="Consolas" panose="020B0609020204030204" pitchFamily="49" charset="0"/>
+                <a:cs typeface="Consolas" panose="020B0609020204030204" pitchFamily="49" charset="0"/>
+              </a:rPr>
+              <a:t> x &amp;&amp; </a:t>
+            </a:r>
+            <a:r>
+              <a:rPr lang="en-US" dirty="0" err="1" smtClean="0">
+                <a:solidFill>
+                  <a:schemeClr val="bg1"/>
+                </a:solidFill>
+                <a:latin typeface="Consolas" panose="020B0609020204030204" pitchFamily="49" charset="0"/>
+                <a:cs typeface="Consolas" panose="020B0609020204030204" pitchFamily="49" charset="0"/>
+              </a:rPr>
+              <a:t>x.prop</a:t>
+            </a:r>
+            <a:r>
+              <a:rPr lang="en-US" dirty="0" smtClean="0">
+                <a:solidFill>
+                  <a:schemeClr val="bg1"/>
+                </a:solidFill>
+                <a:latin typeface="Consolas" panose="020B0609020204030204" pitchFamily="49" charset="0"/>
+                <a:cs typeface="Consolas" panose="020B0609020204030204" pitchFamily="49" charset="0"/>
+              </a:rPr>
+              <a:t>;</a:t>
+            </a:r>
+            <a:endParaRPr lang="en-US" dirty="0">
+              <a:solidFill>
+                <a:schemeClr val="bg1"/>
+              </a:solidFill>
+              <a:latin typeface="Consolas" panose="020B0609020204030204" pitchFamily="49" charset="0"/>
+              <a:cs typeface="Consolas" panose="020B0609020204030204" pitchFamily="49" charset="0"/>
+            </a:endParaRPr>
+          </a:p>
+        </p:txBody>
+      </p:sp>
+      <p:sp>
+        <p:nvSpPr>
+          <p:cNvPr id="7" name="TextBox 6"/>
+          <p:cNvSpPr txBox="1"/>
+          <p:nvPr/>
+        </p:nvSpPr>
+        <p:spPr>
+          <a:xfrm>
+            <a:off x="1295400" y="5715000"/>
+            <a:ext cx="2667000" cy="369332"/>
+          </a:xfrm>
+          <a:prstGeom prst="rect">
+            <a:avLst/>
+          </a:prstGeom>
+        </p:spPr>
+        <p:style>
+          <a:lnRef idx="0">
+            <a:schemeClr val="dk1"/>
+          </a:lnRef>
+          <a:fillRef idx="3">
+            <a:schemeClr val="dk1"/>
+          </a:fillRef>
+          <a:effectRef idx="3">
+            <a:schemeClr val="dk1"/>
+          </a:effectRef>
+          <a:fontRef idx="minor">
+            <a:schemeClr val="lt1"/>
+          </a:fontRef>
+        </p:style>
+        <p:txBody>
+          <a:bodyPr wrap="square" rtlCol="0">
+            <a:spAutoFit/>
+          </a:bodyPr>
+          <a:lstStyle/>
+          <a:p>
+            <a:r>
+              <a:rPr lang="en-US" dirty="0" smtClean="0">
+                <a:solidFill>
+                  <a:schemeClr val="accent1"/>
+                </a:solidFill>
+                <a:latin typeface="Consolas" panose="020B0609020204030204" pitchFamily="49" charset="0"/>
+                <a:cs typeface="Consolas" panose="020B0609020204030204" pitchFamily="49" charset="0"/>
+              </a:rPr>
+              <a:t>return</a:t>
+            </a:r>
+            <a:r>
+              <a:rPr lang="en-US" dirty="0" smtClean="0">
+                <a:solidFill>
+                  <a:schemeClr val="bg1"/>
+                </a:solidFill>
+                <a:latin typeface="Consolas" panose="020B0609020204030204" pitchFamily="49" charset="0"/>
+                <a:cs typeface="Consolas" panose="020B0609020204030204" pitchFamily="49" charset="0"/>
+              </a:rPr>
+              <a:t> x || y</a:t>
+            </a:r>
+            <a:endParaRPr lang="en-US" dirty="0">
+              <a:solidFill>
+                <a:schemeClr val="bg1"/>
+              </a:solidFill>
+              <a:latin typeface="Consolas" panose="020B0609020204030204" pitchFamily="49" charset="0"/>
+              <a:cs typeface="Consolas" panose="020B0609020204030204" pitchFamily="49" charset="0"/>
+            </a:endParaRPr>
+          </a:p>
+        </p:txBody>
+      </p:sp>
+      <p:sp>
+        <p:nvSpPr>
+          <p:cNvPr id="8" name="TextBox 7"/>
+          <p:cNvSpPr txBox="1"/>
+          <p:nvPr/>
+        </p:nvSpPr>
+        <p:spPr>
+          <a:xfrm>
+            <a:off x="5257800" y="2971800"/>
+            <a:ext cx="2819400" cy="1754326"/>
+          </a:xfrm>
+          <a:prstGeom prst="rect">
+            <a:avLst/>
+          </a:prstGeom>
+        </p:spPr>
+        <p:style>
+          <a:lnRef idx="0">
+            <a:schemeClr val="dk1"/>
+          </a:lnRef>
+          <a:fillRef idx="3">
+            <a:schemeClr val="dk1"/>
+          </a:fillRef>
+          <a:effectRef idx="3">
+            <a:schemeClr val="dk1"/>
+          </a:effectRef>
+          <a:fontRef idx="minor">
+            <a:schemeClr val="lt1"/>
+          </a:fontRef>
+        </p:style>
+        <p:txBody>
+          <a:bodyPr wrap="square" rtlCol="0">
+            <a:spAutoFit/>
+          </a:bodyPr>
+          <a:lstStyle/>
+          <a:p>
+            <a:r>
+              <a:rPr lang="en-US" dirty="0" smtClean="0">
+                <a:solidFill>
+                  <a:srgbClr val="FFC000"/>
+                </a:solidFill>
+                <a:latin typeface="Consolas" panose="020B0609020204030204" pitchFamily="49" charset="0"/>
+                <a:cs typeface="Consolas" panose="020B0609020204030204" pitchFamily="49" charset="0"/>
+              </a:rPr>
+              <a:t>    </a:t>
+            </a:r>
+            <a:r>
+              <a:rPr lang="en-US" dirty="0" smtClean="0">
+                <a:solidFill>
+                  <a:schemeClr val="accent3"/>
+                </a:solidFill>
+                <a:latin typeface="Consolas" panose="020B0609020204030204" pitchFamily="49" charset="0"/>
+                <a:cs typeface="Consolas" panose="020B0609020204030204" pitchFamily="49" charset="0"/>
+              </a:rPr>
+              <a:t>'4</a:t>
+            </a:r>
+            <a:r>
+              <a:rPr lang="en-US" dirty="0">
+                <a:solidFill>
+                  <a:schemeClr val="accent3"/>
+                </a:solidFill>
+                <a:latin typeface="Consolas" panose="020B0609020204030204" pitchFamily="49" charset="0"/>
+                <a:cs typeface="Consolas" panose="020B0609020204030204" pitchFamily="49" charset="0"/>
+              </a:rPr>
+              <a:t>'</a:t>
+            </a:r>
+            <a:r>
+              <a:rPr lang="en-US" dirty="0" smtClean="0">
+                <a:solidFill>
+                  <a:schemeClr val="bg1"/>
+                </a:solidFill>
+                <a:latin typeface="Consolas" panose="020B0609020204030204" pitchFamily="49" charset="0"/>
+                <a:cs typeface="Consolas" panose="020B0609020204030204" pitchFamily="49" charset="0"/>
+              </a:rPr>
+              <a:t> == </a:t>
+            </a:r>
+            <a:r>
+              <a:rPr lang="en-US" dirty="0" smtClean="0">
+                <a:solidFill>
+                  <a:srgbClr val="FFC000"/>
+                </a:solidFill>
+                <a:latin typeface="Consolas" panose="020B0609020204030204" pitchFamily="49" charset="0"/>
+                <a:cs typeface="Consolas" panose="020B0609020204030204" pitchFamily="49" charset="0"/>
+              </a:rPr>
+              <a:t>4</a:t>
+            </a:r>
+            <a:endParaRPr lang="en-US" dirty="0">
+              <a:solidFill>
+                <a:srgbClr val="FFC000"/>
+              </a:solidFill>
+              <a:latin typeface="Consolas" panose="020B0609020204030204" pitchFamily="49" charset="0"/>
+              <a:cs typeface="Consolas" panose="020B0609020204030204" pitchFamily="49" charset="0"/>
+            </a:endParaRPr>
+          </a:p>
+          <a:p>
+            <a:r>
+              <a:rPr lang="en-US" dirty="0" smtClean="0">
+                <a:solidFill>
+                  <a:schemeClr val="accent3"/>
+                </a:solidFill>
+                <a:latin typeface="Consolas" panose="020B0609020204030204" pitchFamily="49" charset="0"/>
+                <a:cs typeface="Consolas" panose="020B0609020204030204" pitchFamily="49" charset="0"/>
+              </a:rPr>
+              <a:t>    '0'</a:t>
+            </a:r>
+            <a:r>
+              <a:rPr lang="en-US" dirty="0" smtClean="0">
+                <a:solidFill>
+                  <a:schemeClr val="bg1"/>
+                </a:solidFill>
+                <a:latin typeface="Consolas" panose="020B0609020204030204" pitchFamily="49" charset="0"/>
+                <a:cs typeface="Consolas" panose="020B0609020204030204" pitchFamily="49" charset="0"/>
+              </a:rPr>
+              <a:t> </a:t>
+            </a:r>
+            <a:r>
+              <a:rPr lang="en-US" dirty="0">
+                <a:solidFill>
+                  <a:schemeClr val="bg1"/>
+                </a:solidFill>
+                <a:latin typeface="Consolas" panose="020B0609020204030204" pitchFamily="49" charset="0"/>
+                <a:cs typeface="Consolas" panose="020B0609020204030204" pitchFamily="49" charset="0"/>
+              </a:rPr>
+              <a:t>== </a:t>
+            </a:r>
+            <a:r>
+              <a:rPr lang="en-US" dirty="0">
+                <a:solidFill>
+                  <a:schemeClr val="accent1"/>
+                </a:solidFill>
+                <a:latin typeface="Consolas" panose="020B0609020204030204" pitchFamily="49" charset="0"/>
+                <a:cs typeface="Consolas" panose="020B0609020204030204" pitchFamily="49" charset="0"/>
+              </a:rPr>
+              <a:t>false</a:t>
+            </a:r>
+          </a:p>
+          <a:p>
+            <a:r>
+              <a:rPr lang="en-US" dirty="0" smtClean="0">
+                <a:solidFill>
+                  <a:schemeClr val="accent3"/>
+                </a:solidFill>
+                <a:latin typeface="Consolas" panose="020B0609020204030204" pitchFamily="49" charset="0"/>
+                <a:cs typeface="Consolas" panose="020B0609020204030204" pitchFamily="49" charset="0"/>
+              </a:rPr>
+              <a:t>     ''</a:t>
+            </a:r>
+            <a:r>
+              <a:rPr lang="en-US" dirty="0" smtClean="0">
+                <a:solidFill>
+                  <a:schemeClr val="bg1"/>
+                </a:solidFill>
+                <a:latin typeface="Consolas" panose="020B0609020204030204" pitchFamily="49" charset="0"/>
+                <a:cs typeface="Consolas" panose="020B0609020204030204" pitchFamily="49" charset="0"/>
+              </a:rPr>
+              <a:t> == </a:t>
+            </a:r>
+            <a:r>
+              <a:rPr lang="en-US" dirty="0">
+                <a:solidFill>
+                  <a:schemeClr val="accent1"/>
+                </a:solidFill>
+                <a:latin typeface="Consolas" panose="020B0609020204030204" pitchFamily="49" charset="0"/>
+                <a:cs typeface="Consolas" panose="020B0609020204030204" pitchFamily="49" charset="0"/>
+              </a:rPr>
+              <a:t>false</a:t>
+            </a:r>
+          </a:p>
+          <a:p>
+            <a:r>
+              <a:rPr lang="en-US" dirty="0" smtClean="0">
+                <a:solidFill>
+                  <a:schemeClr val="bg1"/>
+                </a:solidFill>
+                <a:latin typeface="Consolas" panose="020B0609020204030204" pitchFamily="49" charset="0"/>
+                <a:cs typeface="Consolas" panose="020B0609020204030204" pitchFamily="49" charset="0"/>
+              </a:rPr>
+              <a:t>     [] == </a:t>
+            </a:r>
+            <a:r>
+              <a:rPr lang="en-US" dirty="0" smtClean="0">
+                <a:solidFill>
+                  <a:schemeClr val="accent1"/>
+                </a:solidFill>
+                <a:latin typeface="Consolas" panose="020B0609020204030204" pitchFamily="49" charset="0"/>
+                <a:cs typeface="Consolas" panose="020B0609020204030204" pitchFamily="49" charset="0"/>
+              </a:rPr>
+              <a:t>false</a:t>
+            </a:r>
+          </a:p>
+          <a:p>
+            <a:r>
+              <a:rPr lang="en-US" dirty="0" smtClean="0">
+                <a:solidFill>
+                  <a:schemeClr val="bg1"/>
+                </a:solidFill>
+                <a:latin typeface="Consolas" panose="020B0609020204030204" pitchFamily="49" charset="0"/>
+                <a:cs typeface="Consolas" panose="020B0609020204030204" pitchFamily="49" charset="0"/>
+              </a:rPr>
+              <a:t> [</a:t>
+            </a:r>
+            <a:r>
+              <a:rPr lang="en-US" dirty="0">
+                <a:solidFill>
+                  <a:srgbClr val="FFC000"/>
+                </a:solidFill>
+                <a:latin typeface="Consolas" panose="020B0609020204030204" pitchFamily="49" charset="0"/>
+                <a:cs typeface="Consolas" panose="020B0609020204030204" pitchFamily="49" charset="0"/>
+              </a:rPr>
+              <a:t>0</a:t>
+            </a:r>
+            <a:r>
+              <a:rPr lang="en-US" dirty="0">
+                <a:solidFill>
+                  <a:schemeClr val="bg1"/>
+                </a:solidFill>
+                <a:latin typeface="Consolas" panose="020B0609020204030204" pitchFamily="49" charset="0"/>
+                <a:cs typeface="Consolas" panose="020B0609020204030204" pitchFamily="49" charset="0"/>
+              </a:rPr>
+              <a:t>, </a:t>
+            </a:r>
+            <a:r>
+              <a:rPr lang="en-US" dirty="0">
+                <a:solidFill>
+                  <a:srgbClr val="FFC000"/>
+                </a:solidFill>
+                <a:latin typeface="Consolas" panose="020B0609020204030204" pitchFamily="49" charset="0"/>
+                <a:cs typeface="Consolas" panose="020B0609020204030204" pitchFamily="49" charset="0"/>
+              </a:rPr>
+              <a:t>1</a:t>
+            </a:r>
+            <a:r>
+              <a:rPr lang="en-US" dirty="0">
+                <a:solidFill>
+                  <a:schemeClr val="bg1"/>
+                </a:solidFill>
+                <a:latin typeface="Consolas" panose="020B0609020204030204" pitchFamily="49" charset="0"/>
+                <a:cs typeface="Consolas" panose="020B0609020204030204" pitchFamily="49" charset="0"/>
+              </a:rPr>
+              <a:t>] </a:t>
+            </a:r>
+            <a:r>
+              <a:rPr lang="en-US" dirty="0" smtClean="0">
+                <a:solidFill>
+                  <a:schemeClr val="bg1"/>
+                </a:solidFill>
+                <a:latin typeface="Consolas" panose="020B0609020204030204" pitchFamily="49" charset="0"/>
+                <a:cs typeface="Consolas" panose="020B0609020204030204" pitchFamily="49" charset="0"/>
+              </a:rPr>
+              <a:t>== </a:t>
+            </a:r>
+            <a:r>
+              <a:rPr lang="en-US" dirty="0">
+                <a:solidFill>
+                  <a:schemeClr val="accent3"/>
+                </a:solidFill>
+                <a:latin typeface="Consolas" panose="020B0609020204030204" pitchFamily="49" charset="0"/>
+                <a:cs typeface="Consolas" panose="020B0609020204030204" pitchFamily="49" charset="0"/>
+              </a:rPr>
+              <a:t>'0,1</a:t>
+            </a:r>
+            <a:r>
+              <a:rPr lang="en-US" dirty="0" smtClean="0">
+                <a:solidFill>
+                  <a:schemeClr val="accent3"/>
+                </a:solidFill>
+                <a:latin typeface="Consolas" panose="020B0609020204030204" pitchFamily="49" charset="0"/>
+                <a:cs typeface="Consolas" panose="020B0609020204030204" pitchFamily="49" charset="0"/>
+              </a:rPr>
+              <a:t>'</a:t>
+            </a:r>
+            <a:endParaRPr lang="en-US" dirty="0">
+              <a:solidFill>
+                <a:schemeClr val="accent1"/>
+              </a:solidFill>
+              <a:latin typeface="Consolas" panose="020B0609020204030204" pitchFamily="49" charset="0"/>
+              <a:cs typeface="Consolas" panose="020B0609020204030204" pitchFamily="49" charset="0"/>
+            </a:endParaRPr>
+          </a:p>
+          <a:p>
+            <a:r>
+              <a:rPr lang="en-US" dirty="0" smtClean="0">
+                <a:solidFill>
+                  <a:schemeClr val="accent1"/>
+                </a:solidFill>
+                <a:latin typeface="Consolas" panose="020B0609020204030204" pitchFamily="49" charset="0"/>
+                <a:cs typeface="Consolas" panose="020B0609020204030204" pitchFamily="49" charset="0"/>
+              </a:rPr>
+              <a:t>   null </a:t>
+            </a:r>
+            <a:r>
+              <a:rPr lang="en-US" dirty="0" smtClean="0">
+                <a:solidFill>
+                  <a:schemeClr val="bg1"/>
+                </a:solidFill>
+                <a:latin typeface="Consolas" panose="020B0609020204030204" pitchFamily="49" charset="0"/>
+                <a:cs typeface="Consolas" panose="020B0609020204030204" pitchFamily="49" charset="0"/>
+              </a:rPr>
+              <a:t>== </a:t>
+            </a:r>
+            <a:r>
+              <a:rPr lang="en-US" dirty="0" smtClean="0">
+                <a:solidFill>
+                  <a:schemeClr val="accent1"/>
+                </a:solidFill>
+                <a:latin typeface="Consolas" panose="020B0609020204030204" pitchFamily="49" charset="0"/>
+                <a:cs typeface="Consolas" panose="020B0609020204030204" pitchFamily="49" charset="0"/>
+              </a:rPr>
+              <a:t>undefined</a:t>
+            </a:r>
+          </a:p>
+        </p:txBody>
+      </p:sp>
+      <p:sp>
+        <p:nvSpPr>
+          <p:cNvPr id="9" name="TextBox 8"/>
+          <p:cNvSpPr txBox="1"/>
+          <p:nvPr/>
+        </p:nvSpPr>
+        <p:spPr>
+          <a:xfrm>
+            <a:off x="5181600" y="5334000"/>
+            <a:ext cx="3276600" cy="923330"/>
+          </a:xfrm>
+          <a:prstGeom prst="rect">
+            <a:avLst/>
+          </a:prstGeom>
+        </p:spPr>
+        <p:style>
+          <a:lnRef idx="0">
+            <a:schemeClr val="dk1"/>
+          </a:lnRef>
+          <a:fillRef idx="3">
+            <a:schemeClr val="dk1"/>
+          </a:fillRef>
+          <a:effectRef idx="3">
+            <a:schemeClr val="dk1"/>
+          </a:effectRef>
+          <a:fontRef idx="minor">
+            <a:schemeClr val="lt1"/>
+          </a:fontRef>
+        </p:style>
+        <p:txBody>
+          <a:bodyPr wrap="square" rtlCol="0">
+            <a:spAutoFit/>
+          </a:bodyPr>
+          <a:lstStyle/>
+          <a:p>
+            <a:r>
+              <a:rPr lang="en-US" dirty="0" err="1" smtClean="0">
+                <a:solidFill>
+                  <a:srgbClr val="FFC000"/>
+                </a:solidFill>
+                <a:latin typeface="Consolas" panose="020B0609020204030204" pitchFamily="49" charset="0"/>
+                <a:cs typeface="Consolas" panose="020B0609020204030204" pitchFamily="49" charset="0"/>
+              </a:rPr>
+              <a:t>NaN</a:t>
+            </a:r>
+            <a:r>
+              <a:rPr lang="en-US" dirty="0" smtClean="0">
+                <a:solidFill>
+                  <a:schemeClr val="bg1"/>
+                </a:solidFill>
+                <a:latin typeface="Consolas" panose="020B0609020204030204" pitchFamily="49" charset="0"/>
+                <a:cs typeface="Consolas" panose="020B0609020204030204" pitchFamily="49" charset="0"/>
+              </a:rPr>
+              <a:t> === </a:t>
+            </a:r>
+            <a:r>
+              <a:rPr lang="en-US" dirty="0" err="1" smtClean="0">
+                <a:solidFill>
+                  <a:srgbClr val="FFC000"/>
+                </a:solidFill>
+                <a:latin typeface="Consolas" panose="020B0609020204030204" pitchFamily="49" charset="0"/>
+                <a:cs typeface="Consolas" panose="020B0609020204030204" pitchFamily="49" charset="0"/>
+              </a:rPr>
+              <a:t>NaN</a:t>
+            </a:r>
+            <a:r>
+              <a:rPr lang="en-US" dirty="0" smtClean="0">
+                <a:solidFill>
+                  <a:srgbClr val="FFC000"/>
+                </a:solidFill>
+                <a:latin typeface="Consolas" panose="020B0609020204030204" pitchFamily="49" charset="0"/>
+                <a:cs typeface="Consolas" panose="020B0609020204030204" pitchFamily="49" charset="0"/>
+              </a:rPr>
+              <a:t>     </a:t>
+            </a:r>
+            <a:r>
+              <a:rPr lang="en-US" dirty="0" smtClean="0">
+                <a:solidFill>
+                  <a:schemeClr val="tx1">
+                    <a:lumMod val="50000"/>
+                    <a:lumOff val="50000"/>
+                  </a:schemeClr>
+                </a:solidFill>
+                <a:latin typeface="Consolas" panose="020B0609020204030204" pitchFamily="49" charset="0"/>
+                <a:cs typeface="Consolas" panose="020B0609020204030204" pitchFamily="49" charset="0"/>
+              </a:rPr>
+              <a:t>// false</a:t>
+            </a:r>
+          </a:p>
+          <a:p>
+            <a:r>
+              <a:rPr lang="en-US" dirty="0" smtClean="0">
+                <a:solidFill>
+                  <a:srgbClr val="FFC000"/>
+                </a:solidFill>
+                <a:latin typeface="Consolas" panose="020B0609020204030204" pitchFamily="49" charset="0"/>
+                <a:cs typeface="Consolas" panose="020B0609020204030204" pitchFamily="49" charset="0"/>
+              </a:rPr>
+              <a:t>Infinity </a:t>
+            </a:r>
+            <a:r>
+              <a:rPr lang="en-US" dirty="0">
+                <a:solidFill>
+                  <a:schemeClr val="bg1"/>
+                </a:solidFill>
+                <a:latin typeface="Consolas" panose="020B0609020204030204" pitchFamily="49" charset="0"/>
+                <a:cs typeface="Consolas" panose="020B0609020204030204" pitchFamily="49" charset="0"/>
+              </a:rPr>
+              <a:t>&gt;</a:t>
+            </a:r>
+            <a:r>
+              <a:rPr lang="en-US" dirty="0" smtClean="0">
+                <a:solidFill>
+                  <a:srgbClr val="FFC000"/>
+                </a:solidFill>
+                <a:latin typeface="Consolas" panose="020B0609020204030204" pitchFamily="49" charset="0"/>
+                <a:cs typeface="Consolas" panose="020B0609020204030204" pitchFamily="49" charset="0"/>
+              </a:rPr>
+              <a:t> </a:t>
+            </a:r>
+            <a:r>
+              <a:rPr lang="en-US" dirty="0" err="1" smtClean="0">
+                <a:solidFill>
+                  <a:srgbClr val="FFC000"/>
+                </a:solidFill>
+                <a:latin typeface="Consolas" panose="020B0609020204030204" pitchFamily="49" charset="0"/>
+                <a:cs typeface="Consolas" panose="020B0609020204030204" pitchFamily="49" charset="0"/>
+              </a:rPr>
+              <a:t>NaN</a:t>
+            </a:r>
+            <a:r>
+              <a:rPr lang="en-US" dirty="0" smtClean="0">
+                <a:solidFill>
+                  <a:srgbClr val="FFC000"/>
+                </a:solidFill>
+                <a:latin typeface="Consolas" panose="020B0609020204030204" pitchFamily="49" charset="0"/>
+                <a:cs typeface="Consolas" panose="020B0609020204030204" pitchFamily="49" charset="0"/>
+              </a:rPr>
+              <a:t>  </a:t>
+            </a:r>
+            <a:r>
+              <a:rPr lang="en-US" dirty="0" smtClean="0">
+                <a:solidFill>
+                  <a:schemeClr val="tx1">
+                    <a:lumMod val="50000"/>
+                    <a:lumOff val="50000"/>
+                  </a:schemeClr>
+                </a:solidFill>
+                <a:latin typeface="Consolas" panose="020B0609020204030204" pitchFamily="49" charset="0"/>
+                <a:cs typeface="Consolas" panose="020B0609020204030204" pitchFamily="49" charset="0"/>
+              </a:rPr>
+              <a:t>// false</a:t>
+            </a:r>
+            <a:endParaRPr lang="en-US" dirty="0">
+              <a:solidFill>
+                <a:schemeClr val="tx1">
+                  <a:lumMod val="50000"/>
+                  <a:lumOff val="50000"/>
+                </a:schemeClr>
+              </a:solidFill>
+              <a:latin typeface="Consolas" panose="020B0609020204030204" pitchFamily="49" charset="0"/>
+              <a:cs typeface="Consolas" panose="020B0609020204030204" pitchFamily="49" charset="0"/>
+            </a:endParaRPr>
+          </a:p>
+          <a:p>
+            <a:r>
+              <a:rPr lang="en-US" dirty="0" smtClean="0">
+                <a:solidFill>
+                  <a:srgbClr val="FFC000"/>
+                </a:solidFill>
+                <a:latin typeface="Consolas" panose="020B0609020204030204" pitchFamily="49" charset="0"/>
+                <a:cs typeface="Consolas" panose="020B0609020204030204" pitchFamily="49" charset="0"/>
+              </a:rPr>
+              <a:t>Infinity</a:t>
+            </a:r>
+            <a:r>
+              <a:rPr lang="en-US" dirty="0" smtClean="0">
+                <a:solidFill>
+                  <a:schemeClr val="accent1"/>
+                </a:solidFill>
+                <a:latin typeface="Consolas" panose="020B0609020204030204" pitchFamily="49" charset="0"/>
+                <a:cs typeface="Consolas" panose="020B0609020204030204" pitchFamily="49" charset="0"/>
+              </a:rPr>
+              <a:t> </a:t>
+            </a:r>
+            <a:r>
+              <a:rPr lang="en-US" dirty="0" smtClean="0">
+                <a:solidFill>
+                  <a:schemeClr val="bg1"/>
+                </a:solidFill>
+                <a:latin typeface="Consolas" panose="020B0609020204030204" pitchFamily="49" charset="0"/>
+                <a:cs typeface="Consolas" panose="020B0609020204030204" pitchFamily="49" charset="0"/>
+              </a:rPr>
+              <a:t>&lt;= </a:t>
+            </a:r>
+            <a:r>
+              <a:rPr lang="en-US" dirty="0" err="1" smtClean="0">
+                <a:solidFill>
+                  <a:srgbClr val="FFC000"/>
+                </a:solidFill>
+                <a:latin typeface="Consolas" panose="020B0609020204030204" pitchFamily="49" charset="0"/>
+                <a:cs typeface="Consolas" panose="020B0609020204030204" pitchFamily="49" charset="0"/>
+              </a:rPr>
+              <a:t>NaN</a:t>
+            </a:r>
+            <a:r>
+              <a:rPr lang="en-US" dirty="0" smtClean="0">
+                <a:solidFill>
+                  <a:schemeClr val="bg1"/>
+                </a:solidFill>
+                <a:latin typeface="Consolas" panose="020B0609020204030204" pitchFamily="49" charset="0"/>
+                <a:cs typeface="Consolas" panose="020B0609020204030204" pitchFamily="49" charset="0"/>
+              </a:rPr>
+              <a:t> </a:t>
+            </a:r>
+            <a:r>
+              <a:rPr lang="en-US" dirty="0" smtClean="0">
+                <a:solidFill>
+                  <a:schemeClr val="tx1">
+                    <a:lumMod val="50000"/>
+                    <a:lumOff val="50000"/>
+                  </a:schemeClr>
+                </a:solidFill>
+                <a:latin typeface="Consolas" panose="020B0609020204030204" pitchFamily="49" charset="0"/>
+                <a:cs typeface="Consolas" panose="020B0609020204030204" pitchFamily="49" charset="0"/>
+              </a:rPr>
+              <a:t>// false</a:t>
+            </a:r>
+            <a:endParaRPr lang="en-US" dirty="0">
+              <a:solidFill>
+                <a:schemeClr val="tx1">
+                  <a:lumMod val="50000"/>
+                  <a:lumOff val="50000"/>
+                </a:schemeClr>
+              </a:solidFill>
+              <a:latin typeface="Consolas" panose="020B0609020204030204" pitchFamily="49" charset="0"/>
+              <a:cs typeface="Consolas" panose="020B0609020204030204" pitchFamily="49" charset="0"/>
+            </a:endParaRPr>
+          </a:p>
+        </p:txBody>
+      </p:sp>
+    </p:spTree>
+    <p:extLst>
+      <p:ext uri="{BB962C8B-B14F-4D97-AF65-F5344CB8AC3E}">
+        <p14:creationId xmlns:p14="http://schemas.microsoft.com/office/powerpoint/2010/main" val="1875505051"/>
+      </p:ext>
+    </p:extLst>
+  </p:cSld>
+  <p:clrMapOvr>
+    <a:masterClrMapping/>
+  </p:clrMapOvr>
+  <p:timing>
+    <p:tnLst>
+      <p:par>
+        <p:cTn id="1" dur="indefinite" restart="never" nodeType="tmRoot"/>
+      </p:par>
+    </p:tnLst>
+  </p:timing>
+</p:sld>
+</file>
+
+<file path=ppt/slides/slide6.xml><?xml version="1.0" encoding="utf-8"?>
 <p:sld xmlns:a="http://schemas.openxmlformats.org/drawingml/2006/main" xmlns:r="http://schemas.openxmlformats.org/officeDocument/2006/relationships" xmlns:p="http://schemas.openxmlformats.org/presentationml/2006/main">
   <p:cSld>
     <p:spTree>
@@ -12885,955 +14215,6 @@
 </p:sld>
 </file>
 
-<file path=ppt/slides/slide6.xml><?xml version="1.0" encoding="utf-8"?>
-<p:sld xmlns:a="http://schemas.openxmlformats.org/drawingml/2006/main" xmlns:r="http://schemas.openxmlformats.org/officeDocument/2006/relationships" xmlns:p="http://schemas.openxmlformats.org/presentationml/2006/main">
-  <p:cSld>
-    <p:spTree>
-      <p:nvGrpSpPr>
-        <p:cNvPr id="1" name=""/>
-        <p:cNvGrpSpPr/>
-        <p:nvPr/>
-      </p:nvGrpSpPr>
-      <p:grpSpPr>
-        <a:xfrm>
-          <a:off x="0" y="0"/>
-          <a:ext cx="0" cy="0"/>
-          <a:chOff x="0" y="0"/>
-          <a:chExt cx="0" cy="0"/>
-        </a:xfrm>
-      </p:grpSpPr>
-      <p:sp>
-        <p:nvSpPr>
-          <p:cNvPr id="3" name="Content Placeholder 2"/>
-          <p:cNvSpPr>
-            <a:spLocks noGrp="1"/>
-          </p:cNvSpPr>
-          <p:nvPr>
-            <p:ph idx="1"/>
-          </p:nvPr>
-        </p:nvSpPr>
-        <p:spPr>
-          <a:xfrm>
-            <a:off x="457200" y="1447799"/>
-            <a:ext cx="8229600" cy="4419601"/>
-          </a:xfrm>
-          <a:ln/>
-        </p:spPr>
-        <p:style>
-          <a:lnRef idx="2">
-            <a:schemeClr val="accent5"/>
-          </a:lnRef>
-          <a:fillRef idx="1">
-            <a:schemeClr val="lt1"/>
-          </a:fillRef>
-          <a:effectRef idx="0">
-            <a:schemeClr val="accent5"/>
-          </a:effectRef>
-          <a:fontRef idx="minor">
-            <a:schemeClr val="dk1"/>
-          </a:fontRef>
-        </p:style>
-        <p:txBody>
-          <a:bodyPr>
-            <a:normAutofit/>
-          </a:bodyPr>
-          <a:lstStyle/>
-          <a:p>
-            <a:r>
-              <a:rPr lang="en-US" sz="2400" dirty="0" smtClean="0"/>
-              <a:t>Primitives</a:t>
-            </a:r>
-            <a:endParaRPr lang="en-US" sz="2400" dirty="0"/>
-          </a:p>
-          <a:p>
-            <a:pPr lvl="1"/>
-            <a:r>
-              <a:rPr lang="en-US" sz="1800" dirty="0" smtClean="0"/>
-              <a:t>3</a:t>
-            </a:r>
-            <a:r>
-              <a:rPr lang="en-US" sz="1800" baseline="30000" dirty="0" smtClean="0"/>
-              <a:t>*</a:t>
-            </a:r>
-            <a:r>
-              <a:rPr lang="en-US" sz="1800" dirty="0" smtClean="0"/>
-              <a:t> Types:</a:t>
-            </a:r>
-          </a:p>
-          <a:p>
-            <a:pPr lvl="2">
-              <a:spcBef>
-                <a:spcPts val="0"/>
-              </a:spcBef>
-            </a:pPr>
-            <a:r>
-              <a:rPr lang="en-US" sz="1600" b="1" dirty="0" err="1" smtClean="0">
-                <a:solidFill>
-                  <a:schemeClr val="accent1"/>
-                </a:solidFill>
-                <a:latin typeface="Consolas" panose="020B0609020204030204" pitchFamily="49" charset="0"/>
-                <a:cs typeface="Consolas" panose="020B0609020204030204" pitchFamily="49" charset="0"/>
-              </a:rPr>
-              <a:t>boolean</a:t>
-            </a:r>
-            <a:endParaRPr lang="en-US" sz="1600" b="1" dirty="0" smtClean="0">
-              <a:solidFill>
-                <a:schemeClr val="accent1"/>
-              </a:solidFill>
-              <a:latin typeface="Consolas" panose="020B0609020204030204" pitchFamily="49" charset="0"/>
-              <a:cs typeface="Consolas" panose="020B0609020204030204" pitchFamily="49" charset="0"/>
-            </a:endParaRPr>
-          </a:p>
-          <a:p>
-            <a:pPr lvl="2">
-              <a:spcBef>
-                <a:spcPts val="0"/>
-              </a:spcBef>
-            </a:pPr>
-            <a:r>
-              <a:rPr lang="en-US" sz="1600" b="1" dirty="0" smtClean="0">
-                <a:solidFill>
-                  <a:schemeClr val="accent1"/>
-                </a:solidFill>
-                <a:latin typeface="Consolas" panose="020B0609020204030204" pitchFamily="49" charset="0"/>
-                <a:cs typeface="Consolas" panose="020B0609020204030204" pitchFamily="49" charset="0"/>
-              </a:rPr>
-              <a:t>number</a:t>
-            </a:r>
-            <a:r>
-              <a:rPr lang="en-US" sz="1600" dirty="0" smtClean="0">
-                <a:solidFill>
-                  <a:schemeClr val="accent1"/>
-                </a:solidFill>
-              </a:rPr>
-              <a:t> </a:t>
-            </a:r>
-            <a:r>
-              <a:rPr lang="en-US" sz="1400" dirty="0" smtClean="0"/>
-              <a:t>(including </a:t>
-            </a:r>
-            <a:r>
-              <a:rPr lang="en-US" sz="1400" dirty="0" smtClean="0">
-                <a:solidFill>
-                  <a:schemeClr val="accent1"/>
-                </a:solidFill>
-                <a:latin typeface="Consolas" panose="020B0609020204030204" pitchFamily="49" charset="0"/>
-                <a:cs typeface="Consolas" panose="020B0609020204030204" pitchFamily="49" charset="0"/>
-              </a:rPr>
-              <a:t>Infinity</a:t>
-            </a:r>
-            <a:r>
-              <a:rPr lang="en-US" sz="1400" dirty="0" smtClean="0">
-                <a:solidFill>
-                  <a:schemeClr val="accent1"/>
-                </a:solidFill>
-              </a:rPr>
-              <a:t> </a:t>
-            </a:r>
-            <a:r>
-              <a:rPr lang="en-US" sz="1400" dirty="0" smtClean="0"/>
-              <a:t>and </a:t>
-            </a:r>
-            <a:r>
-              <a:rPr lang="en-US" sz="1400" dirty="0" err="1" smtClean="0">
-                <a:solidFill>
-                  <a:schemeClr val="accent1"/>
-                </a:solidFill>
-                <a:latin typeface="Consolas" panose="020B0609020204030204" pitchFamily="49" charset="0"/>
-                <a:cs typeface="Consolas" panose="020B0609020204030204" pitchFamily="49" charset="0"/>
-              </a:rPr>
-              <a:t>NaN</a:t>
-            </a:r>
-            <a:r>
-              <a:rPr lang="en-US" sz="1400" dirty="0" smtClean="0">
-                <a:solidFill>
-                  <a:schemeClr val="accent1"/>
-                </a:solidFill>
-                <a:latin typeface="Consolas" panose="020B0609020204030204" pitchFamily="49" charset="0"/>
-                <a:cs typeface="Consolas" panose="020B0609020204030204" pitchFamily="49" charset="0"/>
-              </a:rPr>
-              <a:t>)</a:t>
-            </a:r>
-            <a:endParaRPr lang="en-US" sz="1400" dirty="0" smtClean="0"/>
-          </a:p>
-          <a:p>
-            <a:pPr lvl="2">
-              <a:spcBef>
-                <a:spcPts val="0"/>
-              </a:spcBef>
-            </a:pPr>
-            <a:r>
-              <a:rPr lang="en-US" sz="1600" b="1" dirty="0" smtClean="0">
-                <a:solidFill>
-                  <a:schemeClr val="accent1"/>
-                </a:solidFill>
-                <a:latin typeface="Consolas" panose="020B0609020204030204" pitchFamily="49" charset="0"/>
-                <a:cs typeface="Consolas" panose="020B0609020204030204" pitchFamily="49" charset="0"/>
-              </a:rPr>
-              <a:t>string</a:t>
-            </a:r>
-          </a:p>
-          <a:p>
-            <a:pPr lvl="1">
-              <a:spcBef>
-                <a:spcPts val="600"/>
-              </a:spcBef>
-            </a:pPr>
-            <a:r>
-              <a:rPr lang="en-US" sz="1800" dirty="0" smtClean="0"/>
-              <a:t>Each primitive has a wrapper class</a:t>
-            </a:r>
-          </a:p>
-          <a:p>
-            <a:pPr lvl="2">
-              <a:spcBef>
-                <a:spcPts val="600"/>
-              </a:spcBef>
-            </a:pPr>
-            <a:r>
-              <a:rPr lang="en-US" sz="1600" dirty="0" smtClean="0"/>
-              <a:t>Use uppercased name (e.g. “</a:t>
-            </a:r>
-            <a:r>
-              <a:rPr lang="en-US" sz="1600" u="sng" dirty="0" smtClean="0">
-                <a:solidFill>
-                  <a:schemeClr val="accent1"/>
-                </a:solidFill>
-                <a:latin typeface="Consolas" panose="020B0609020204030204" pitchFamily="49" charset="0"/>
-                <a:cs typeface="Consolas" panose="020B0609020204030204" pitchFamily="49" charset="0"/>
-              </a:rPr>
-              <a:t>S</a:t>
-            </a:r>
-            <a:r>
-              <a:rPr lang="en-US" sz="1600" dirty="0" smtClean="0">
-                <a:solidFill>
-                  <a:schemeClr val="accent1"/>
-                </a:solidFill>
-                <a:latin typeface="Consolas" panose="020B0609020204030204" pitchFamily="49" charset="0"/>
-                <a:cs typeface="Consolas" panose="020B0609020204030204" pitchFamily="49" charset="0"/>
-              </a:rPr>
-              <a:t>tring</a:t>
-            </a:r>
-            <a:r>
-              <a:rPr lang="en-US" sz="1600" dirty="0" smtClean="0"/>
-              <a:t>”)</a:t>
-            </a:r>
-          </a:p>
-          <a:p>
-            <a:pPr>
-              <a:spcBef>
-                <a:spcPts val="1200"/>
-              </a:spcBef>
-            </a:pPr>
-            <a:r>
-              <a:rPr lang="en-US" sz="2400" dirty="0" smtClean="0"/>
-              <a:t>Objects</a:t>
-            </a:r>
-          </a:p>
-          <a:p>
-            <a:pPr lvl="1"/>
-            <a:r>
-              <a:rPr lang="en-US" sz="1800" dirty="0" smtClean="0"/>
-              <a:t>Important built-in objects include:</a:t>
-            </a:r>
-            <a:br>
-              <a:rPr lang="en-US" sz="1800" dirty="0" smtClean="0"/>
-            </a:br>
-            <a:r>
-              <a:rPr lang="en-US" sz="1100" dirty="0">
-                <a:solidFill>
-                  <a:srgbClr val="C00000"/>
-                </a:solidFill>
-                <a:latin typeface="Consolas" panose="020B0609020204030204" pitchFamily="49" charset="0"/>
-                <a:cs typeface="Consolas" panose="020B0609020204030204" pitchFamily="49" charset="0"/>
-              </a:rPr>
-              <a:t>•</a:t>
-            </a:r>
-            <a:r>
-              <a:rPr lang="en-US" sz="1100" dirty="0">
-                <a:solidFill>
-                  <a:prstClr val="black"/>
-                </a:solidFill>
-                <a:latin typeface="Consolas" panose="020B0609020204030204" pitchFamily="49" charset="0"/>
-                <a:cs typeface="Consolas" panose="020B0609020204030204" pitchFamily="49" charset="0"/>
-              </a:rPr>
-              <a:t> </a:t>
-            </a:r>
-            <a:r>
-              <a:rPr lang="en-US" sz="1600" dirty="0" smtClean="0">
-                <a:solidFill>
-                  <a:srgbClr val="2DA2BF"/>
-                </a:solidFill>
-                <a:latin typeface="Consolas" panose="020B0609020204030204" pitchFamily="49" charset="0"/>
-                <a:cs typeface="Consolas" panose="020B0609020204030204" pitchFamily="49" charset="0"/>
-              </a:rPr>
-              <a:t>Function</a:t>
-            </a:r>
-            <a:r>
-              <a:rPr lang="en-US" sz="1800" dirty="0" smtClean="0">
-                <a:solidFill>
-                  <a:srgbClr val="2DA2BF"/>
-                </a:solidFill>
-                <a:latin typeface="Consolas" panose="020B0609020204030204" pitchFamily="49" charset="0"/>
-                <a:cs typeface="Consolas" panose="020B0609020204030204" pitchFamily="49" charset="0"/>
-              </a:rPr>
-              <a:t>  </a:t>
-            </a:r>
-            <a:r>
-              <a:rPr lang="en-US" sz="1100" dirty="0" smtClean="0">
-                <a:solidFill>
-                  <a:srgbClr val="C00000"/>
-                </a:solidFill>
-                <a:latin typeface="Consolas" panose="020B0609020204030204" pitchFamily="49" charset="0"/>
-                <a:cs typeface="Consolas" panose="020B0609020204030204" pitchFamily="49" charset="0"/>
-              </a:rPr>
-              <a:t>• </a:t>
-            </a:r>
-            <a:r>
-              <a:rPr lang="en-US" sz="1600" dirty="0" smtClean="0">
-                <a:solidFill>
-                  <a:schemeClr val="accent1"/>
-                </a:solidFill>
-                <a:latin typeface="Consolas" panose="020B0609020204030204" pitchFamily="49" charset="0"/>
-                <a:cs typeface="Consolas" panose="020B0609020204030204" pitchFamily="49" charset="0"/>
-              </a:rPr>
-              <a:t>Object</a:t>
-            </a:r>
-            <a:r>
-              <a:rPr lang="en-US" sz="1800" dirty="0" smtClean="0">
-                <a:solidFill>
-                  <a:schemeClr val="accent1"/>
-                </a:solidFill>
-                <a:latin typeface="Consolas" panose="020B0609020204030204" pitchFamily="49" charset="0"/>
-                <a:cs typeface="Consolas" panose="020B0609020204030204" pitchFamily="49" charset="0"/>
-              </a:rPr>
-              <a:t>  </a:t>
-            </a:r>
-            <a:r>
-              <a:rPr lang="en-US" sz="1100" dirty="0" smtClean="0">
-                <a:solidFill>
-                  <a:srgbClr val="C00000"/>
-                </a:solidFill>
-                <a:latin typeface="Consolas" panose="020B0609020204030204" pitchFamily="49" charset="0"/>
-                <a:cs typeface="Consolas" panose="020B0609020204030204" pitchFamily="49" charset="0"/>
-              </a:rPr>
-              <a:t>• </a:t>
-            </a:r>
-            <a:r>
-              <a:rPr lang="en-US" sz="1600" dirty="0" smtClean="0">
-                <a:solidFill>
-                  <a:schemeClr val="accent1"/>
-                </a:solidFill>
-                <a:latin typeface="Consolas" panose="020B0609020204030204" pitchFamily="49" charset="0"/>
-                <a:cs typeface="Consolas" panose="020B0609020204030204" pitchFamily="49" charset="0"/>
-              </a:rPr>
-              <a:t>Array</a:t>
-            </a:r>
-            <a:r>
-              <a:rPr lang="en-US" sz="1800" dirty="0" smtClean="0">
-                <a:latin typeface="Consolas" panose="020B0609020204030204" pitchFamily="49" charset="0"/>
-                <a:cs typeface="Consolas" panose="020B0609020204030204" pitchFamily="49" charset="0"/>
-              </a:rPr>
-              <a:t>  </a:t>
-            </a:r>
-            <a:r>
-              <a:rPr lang="en-US" sz="1100" dirty="0" smtClean="0">
-                <a:solidFill>
-                  <a:srgbClr val="C00000"/>
-                </a:solidFill>
-                <a:latin typeface="Consolas" panose="020B0609020204030204" pitchFamily="49" charset="0"/>
-                <a:cs typeface="Consolas" panose="020B0609020204030204" pitchFamily="49" charset="0"/>
-              </a:rPr>
-              <a:t>•</a:t>
-            </a:r>
-            <a:r>
-              <a:rPr lang="en-US" sz="1100" dirty="0" smtClean="0">
-                <a:latin typeface="Consolas" panose="020B0609020204030204" pitchFamily="49" charset="0"/>
-                <a:cs typeface="Consolas" panose="020B0609020204030204" pitchFamily="49" charset="0"/>
-              </a:rPr>
-              <a:t> </a:t>
-            </a:r>
-            <a:r>
-              <a:rPr lang="en-US" sz="1600" dirty="0" smtClean="0">
-                <a:solidFill>
-                  <a:schemeClr val="accent1"/>
-                </a:solidFill>
-                <a:latin typeface="Consolas" panose="020B0609020204030204" pitchFamily="49" charset="0"/>
-                <a:cs typeface="Consolas" panose="020B0609020204030204" pitchFamily="49" charset="0"/>
-              </a:rPr>
-              <a:t>Date</a:t>
-            </a:r>
-            <a:r>
-              <a:rPr lang="en-US" sz="1800" dirty="0" smtClean="0">
-                <a:solidFill>
-                  <a:schemeClr val="accent1"/>
-                </a:solidFill>
-                <a:latin typeface="Consolas" panose="020B0609020204030204" pitchFamily="49" charset="0"/>
-                <a:cs typeface="Consolas" panose="020B0609020204030204" pitchFamily="49" charset="0"/>
-              </a:rPr>
-              <a:t>  </a:t>
-            </a:r>
-            <a:r>
-              <a:rPr lang="en-US" sz="1100" dirty="0" smtClean="0">
-                <a:solidFill>
-                  <a:srgbClr val="C00000"/>
-                </a:solidFill>
-                <a:latin typeface="Consolas" panose="020B0609020204030204" pitchFamily="49" charset="0"/>
-                <a:cs typeface="Consolas" panose="020B0609020204030204" pitchFamily="49" charset="0"/>
-              </a:rPr>
-              <a:t>•</a:t>
-            </a:r>
-            <a:r>
-              <a:rPr lang="en-US" sz="1100" dirty="0" smtClean="0">
-                <a:solidFill>
-                  <a:schemeClr val="accent1"/>
-                </a:solidFill>
-                <a:latin typeface="Consolas" panose="020B0609020204030204" pitchFamily="49" charset="0"/>
-                <a:cs typeface="Consolas" panose="020B0609020204030204" pitchFamily="49" charset="0"/>
-              </a:rPr>
-              <a:t> </a:t>
-            </a:r>
-            <a:r>
-              <a:rPr lang="en-US" sz="1600" dirty="0" err="1" smtClean="0">
-                <a:solidFill>
-                  <a:schemeClr val="accent1"/>
-                </a:solidFill>
-                <a:latin typeface="Consolas" panose="020B0609020204030204" pitchFamily="49" charset="0"/>
-                <a:cs typeface="Consolas" panose="020B0609020204030204" pitchFamily="49" charset="0"/>
-              </a:rPr>
-              <a:t>RegExp</a:t>
-            </a:r>
-            <a:r>
-              <a:rPr lang="en-US" sz="1800" dirty="0" smtClean="0">
-                <a:solidFill>
-                  <a:schemeClr val="accent1"/>
-                </a:solidFill>
-                <a:latin typeface="Consolas" panose="020B0609020204030204" pitchFamily="49" charset="0"/>
-                <a:cs typeface="Consolas" panose="020B0609020204030204" pitchFamily="49" charset="0"/>
-              </a:rPr>
-              <a:t> </a:t>
-            </a:r>
-            <a:r>
-              <a:rPr lang="en-US" sz="1800" dirty="0" smtClean="0">
-                <a:solidFill>
-                  <a:srgbClr val="2DA2BF"/>
-                </a:solidFill>
-                <a:latin typeface="Consolas" panose="020B0609020204030204" pitchFamily="49" charset="0"/>
-                <a:cs typeface="Consolas" panose="020B0609020204030204" pitchFamily="49" charset="0"/>
-              </a:rPr>
-              <a:t> </a:t>
-            </a:r>
-            <a:r>
-              <a:rPr lang="en-US" sz="1100" dirty="0">
-                <a:solidFill>
-                  <a:srgbClr val="C00000"/>
-                </a:solidFill>
-                <a:latin typeface="Consolas" panose="020B0609020204030204" pitchFamily="49" charset="0"/>
-                <a:cs typeface="Consolas" panose="020B0609020204030204" pitchFamily="49" charset="0"/>
-              </a:rPr>
-              <a:t>•</a:t>
-            </a:r>
-            <a:r>
-              <a:rPr lang="en-US" sz="1100" dirty="0">
-                <a:solidFill>
-                  <a:srgbClr val="2DA2BF"/>
-                </a:solidFill>
-                <a:latin typeface="Consolas" panose="020B0609020204030204" pitchFamily="49" charset="0"/>
-                <a:cs typeface="Consolas" panose="020B0609020204030204" pitchFamily="49" charset="0"/>
-              </a:rPr>
-              <a:t> </a:t>
-            </a:r>
-            <a:r>
-              <a:rPr lang="en-US" sz="1600" dirty="0" smtClean="0">
-                <a:solidFill>
-                  <a:srgbClr val="2DA2BF"/>
-                </a:solidFill>
-                <a:latin typeface="Consolas" panose="020B0609020204030204" pitchFamily="49" charset="0"/>
-                <a:cs typeface="Consolas" panose="020B0609020204030204" pitchFamily="49" charset="0"/>
-              </a:rPr>
-              <a:t>Error</a:t>
-            </a:r>
-            <a:endParaRPr lang="en-US" sz="1600" dirty="0" smtClean="0">
-              <a:latin typeface="Consolas" panose="020B0609020204030204" pitchFamily="49" charset="0"/>
-              <a:cs typeface="Consolas" panose="020B0609020204030204" pitchFamily="49" charset="0"/>
-            </a:endParaRPr>
-          </a:p>
-          <a:p>
-            <a:pPr lvl="1">
-              <a:spcBef>
-                <a:spcPts val="1200"/>
-              </a:spcBef>
-            </a:pPr>
-            <a:r>
-              <a:rPr lang="en-US" sz="1800" dirty="0" smtClean="0"/>
-              <a:t>All JS objects inherit </a:t>
-            </a:r>
-            <a:r>
-              <a:rPr lang="en-US" sz="1800" dirty="0" smtClean="0">
-                <a:solidFill>
-                  <a:schemeClr val="accent1"/>
-                </a:solidFill>
-                <a:latin typeface="Consolas" panose="020B0609020204030204" pitchFamily="49" charset="0"/>
-                <a:cs typeface="Consolas" panose="020B0609020204030204" pitchFamily="49" charset="0"/>
-              </a:rPr>
-              <a:t>Object</a:t>
-            </a:r>
-            <a:endParaRPr lang="en-US" sz="1800" dirty="0" smtClean="0"/>
-          </a:p>
-          <a:p>
-            <a:pPr lvl="2">
-              <a:spcBef>
-                <a:spcPts val="600"/>
-              </a:spcBef>
-            </a:pPr>
-            <a:r>
-              <a:rPr lang="en-US" sz="1600" dirty="0" smtClean="0"/>
-              <a:t>Includes wrapper classes and even empty objects (“</a:t>
-            </a:r>
-            <a:r>
-              <a:rPr lang="en-US" sz="1600" dirty="0" smtClean="0">
-                <a:solidFill>
-                  <a:schemeClr val="accent1"/>
-                </a:solidFill>
-                <a:latin typeface="Consolas" panose="020B0609020204030204" pitchFamily="49" charset="0"/>
-                <a:cs typeface="Consolas" panose="020B0609020204030204" pitchFamily="49" charset="0"/>
-              </a:rPr>
-              <a:t>{}</a:t>
-            </a:r>
-            <a:r>
-              <a:rPr lang="en-US" sz="1600" dirty="0" smtClean="0"/>
-              <a:t>”)</a:t>
-            </a:r>
-          </a:p>
-          <a:p>
-            <a:pPr lvl="2"/>
-            <a:r>
-              <a:rPr lang="en-US" sz="1600" dirty="0" smtClean="0"/>
-              <a:t>Modifying the </a:t>
-            </a:r>
-            <a:r>
-              <a:rPr lang="en-US" sz="1600" dirty="0" smtClean="0">
-                <a:solidFill>
-                  <a:schemeClr val="accent1"/>
-                </a:solidFill>
-                <a:latin typeface="Consolas" panose="020B0609020204030204" pitchFamily="49" charset="0"/>
-                <a:cs typeface="Consolas" panose="020B0609020204030204" pitchFamily="49" charset="0"/>
-              </a:rPr>
-              <a:t>Object</a:t>
-            </a:r>
-            <a:r>
-              <a:rPr lang="en-US" sz="1600" dirty="0" smtClean="0">
-                <a:solidFill>
-                  <a:schemeClr val="accent1"/>
-                </a:solidFill>
-              </a:rPr>
-              <a:t> </a:t>
-            </a:r>
-            <a:r>
-              <a:rPr lang="en-US" sz="1600" dirty="0" smtClean="0"/>
-              <a:t>prototype will affect all of </a:t>
-            </a:r>
-            <a:r>
-              <a:rPr lang="en-US" sz="1600" dirty="0" smtClean="0"/>
-              <a:t>them</a:t>
-            </a:r>
-            <a:endParaRPr lang="en-US" sz="1600" dirty="0" smtClean="0"/>
-          </a:p>
-        </p:txBody>
-      </p:sp>
-      <p:sp>
-        <p:nvSpPr>
-          <p:cNvPr id="2" name="Title 1"/>
-          <p:cNvSpPr>
-            <a:spLocks noGrp="1"/>
-          </p:cNvSpPr>
-          <p:nvPr>
-            <p:ph type="title"/>
-          </p:nvPr>
-        </p:nvSpPr>
-        <p:spPr/>
-        <p:txBody>
-          <a:bodyPr>
-            <a:normAutofit/>
-          </a:bodyPr>
-          <a:lstStyle/>
-          <a:p>
-            <a:r>
-              <a:rPr lang="en-US" dirty="0" smtClean="0">
-                <a:latin typeface="Berlin Sans FB Demi" panose="020E0802020502020306" pitchFamily="34" charset="0"/>
-              </a:rPr>
-              <a:t>Objects and Primitive Types</a:t>
-            </a:r>
-            <a:endParaRPr lang="en-US" dirty="0">
-              <a:solidFill>
-                <a:schemeClr val="accent1"/>
-              </a:solidFill>
-              <a:latin typeface="Berlin Sans FB Demi" panose="020E0802020502020306" pitchFamily="34" charset="0"/>
-              <a:cs typeface="Consolas" panose="020B0609020204030204" pitchFamily="49" charset="0"/>
-            </a:endParaRPr>
-          </a:p>
-        </p:txBody>
-      </p:sp>
-      <p:sp>
-        <p:nvSpPr>
-          <p:cNvPr id="4" name="TextBox 3"/>
-          <p:cNvSpPr txBox="1"/>
-          <p:nvPr/>
-        </p:nvSpPr>
-        <p:spPr>
-          <a:xfrm>
-            <a:off x="4518923" y="6590526"/>
-            <a:ext cx="4634602" cy="276999"/>
-          </a:xfrm>
-          <a:prstGeom prst="rect">
-            <a:avLst/>
-          </a:prstGeom>
-          <a:solidFill>
-            <a:schemeClr val="tx2">
-              <a:lumMod val="20000"/>
-              <a:lumOff val="80000"/>
-            </a:schemeClr>
-          </a:solidFill>
-          <a:ln w="19050">
-            <a:solidFill>
-              <a:schemeClr val="tx1">
-                <a:lumMod val="50000"/>
-                <a:lumOff val="50000"/>
-              </a:schemeClr>
-            </a:solidFill>
-          </a:ln>
-        </p:spPr>
-        <p:txBody>
-          <a:bodyPr wrap="none" rtlCol="0">
-            <a:spAutoFit/>
-          </a:bodyPr>
-          <a:lstStyle/>
-          <a:p>
-            <a:pPr algn="r"/>
-            <a:r>
-              <a:rPr lang="en-US" sz="1200" dirty="0" smtClean="0"/>
-              <a:t>*A fourth primitive type, </a:t>
-            </a:r>
-            <a:r>
-              <a:rPr lang="en-US" sz="1200" dirty="0" smtClean="0">
-                <a:solidFill>
-                  <a:schemeClr val="accent1"/>
-                </a:solidFill>
-                <a:latin typeface="Consolas" panose="020B0609020204030204" pitchFamily="49" charset="0"/>
-                <a:cs typeface="Consolas" panose="020B0609020204030204" pitchFamily="49" charset="0"/>
-              </a:rPr>
-              <a:t>symbol</a:t>
-            </a:r>
-            <a:r>
-              <a:rPr lang="en-US" sz="1200" dirty="0" smtClean="0"/>
-              <a:t>, was introduced in ES2015.</a:t>
-            </a:r>
-          </a:p>
-        </p:txBody>
-      </p:sp>
-      <p:sp>
-        <p:nvSpPr>
-          <p:cNvPr id="5" name="TextBox 4"/>
-          <p:cNvSpPr txBox="1"/>
-          <p:nvPr/>
-        </p:nvSpPr>
-        <p:spPr>
-          <a:xfrm>
-            <a:off x="5943600" y="1598474"/>
-            <a:ext cx="2558866" cy="1754326"/>
-          </a:xfrm>
-          <a:prstGeom prst="rect">
-            <a:avLst/>
-          </a:prstGeom>
-          <a:ln w="19050">
-            <a:solidFill>
-              <a:schemeClr val="tx1">
-                <a:lumMod val="50000"/>
-                <a:lumOff val="50000"/>
-              </a:schemeClr>
-            </a:solidFill>
-          </a:ln>
-        </p:spPr>
-        <p:style>
-          <a:lnRef idx="0">
-            <a:schemeClr val="dk1"/>
-          </a:lnRef>
-          <a:fillRef idx="3">
-            <a:schemeClr val="dk1"/>
-          </a:fillRef>
-          <a:effectRef idx="3">
-            <a:schemeClr val="dk1"/>
-          </a:effectRef>
-          <a:fontRef idx="minor">
-            <a:schemeClr val="lt1"/>
-          </a:fontRef>
-        </p:style>
-        <p:txBody>
-          <a:bodyPr wrap="square" rtlCol="0">
-            <a:spAutoFit/>
-          </a:bodyPr>
-          <a:lstStyle/>
-          <a:p>
-            <a:r>
-              <a:rPr lang="en-US" dirty="0">
-                <a:solidFill>
-                  <a:srgbClr val="FFC000"/>
-                </a:solidFill>
-                <a:latin typeface="Consolas" panose="020B0609020204030204" pitchFamily="49" charset="0"/>
-                <a:cs typeface="Consolas" panose="020B0609020204030204" pitchFamily="49" charset="0"/>
-              </a:rPr>
-              <a:t>6</a:t>
-            </a:r>
-            <a:r>
-              <a:rPr lang="en-US" dirty="0">
-                <a:solidFill>
-                  <a:schemeClr val="bg1"/>
-                </a:solidFill>
-                <a:latin typeface="Consolas" panose="020B0609020204030204" pitchFamily="49" charset="0"/>
-                <a:cs typeface="Consolas" panose="020B0609020204030204" pitchFamily="49" charset="0"/>
-              </a:rPr>
-              <a:t>.toString(); </a:t>
-            </a:r>
-            <a:endParaRPr lang="en-US" dirty="0" smtClean="0">
-              <a:solidFill>
-                <a:schemeClr val="bg1"/>
-              </a:solidFill>
-              <a:latin typeface="Consolas" panose="020B0609020204030204" pitchFamily="49" charset="0"/>
-              <a:cs typeface="Consolas" panose="020B0609020204030204" pitchFamily="49" charset="0"/>
-            </a:endParaRPr>
-          </a:p>
-          <a:p>
-            <a:r>
-              <a:rPr lang="en-US" dirty="0">
-                <a:solidFill>
-                  <a:schemeClr val="tx1">
-                    <a:lumMod val="50000"/>
-                    <a:lumOff val="50000"/>
-                  </a:schemeClr>
-                </a:solidFill>
-                <a:latin typeface="Consolas" panose="020B0609020204030204" pitchFamily="49" charset="0"/>
-                <a:cs typeface="Consolas" panose="020B0609020204030204" pitchFamily="49" charset="0"/>
-              </a:rPr>
-              <a:t>// </a:t>
-            </a:r>
-            <a:r>
-              <a:rPr lang="en-US" dirty="0" err="1" smtClean="0">
-                <a:solidFill>
-                  <a:schemeClr val="tx1">
-                    <a:lumMod val="50000"/>
-                    <a:lumOff val="50000"/>
-                  </a:schemeClr>
-                </a:solidFill>
-                <a:latin typeface="Consolas" panose="020B0609020204030204" pitchFamily="49" charset="0"/>
-                <a:cs typeface="Consolas" panose="020B0609020204030204" pitchFamily="49" charset="0"/>
-              </a:rPr>
-              <a:t>SyntaxError</a:t>
-            </a:r>
-            <a:r>
-              <a:rPr lang="en-US" dirty="0" smtClean="0">
-                <a:solidFill>
-                  <a:schemeClr val="tx1">
-                    <a:lumMod val="50000"/>
-                    <a:lumOff val="50000"/>
-                  </a:schemeClr>
-                </a:solidFill>
-                <a:latin typeface="Consolas" panose="020B0609020204030204" pitchFamily="49" charset="0"/>
-                <a:cs typeface="Consolas" panose="020B0609020204030204" pitchFamily="49" charset="0"/>
-              </a:rPr>
-              <a:t>!</a:t>
-            </a:r>
-            <a:endParaRPr lang="en-US" dirty="0">
-              <a:solidFill>
-                <a:schemeClr val="tx1">
-                  <a:lumMod val="50000"/>
-                  <a:lumOff val="50000"/>
-                </a:schemeClr>
-              </a:solidFill>
-              <a:latin typeface="Consolas" panose="020B0609020204030204" pitchFamily="49" charset="0"/>
-              <a:cs typeface="Consolas" panose="020B0609020204030204" pitchFamily="49" charset="0"/>
-            </a:endParaRPr>
-          </a:p>
-          <a:p>
-            <a:endParaRPr lang="en-US" dirty="0" smtClean="0">
-              <a:solidFill>
-                <a:schemeClr val="bg1"/>
-              </a:solidFill>
-              <a:latin typeface="Consolas" panose="020B0609020204030204" pitchFamily="49" charset="0"/>
-              <a:cs typeface="Consolas" panose="020B0609020204030204" pitchFamily="49" charset="0"/>
-            </a:endParaRPr>
-          </a:p>
-          <a:p>
-            <a:r>
-              <a:rPr lang="en-US" dirty="0" err="1" smtClean="0">
-                <a:solidFill>
-                  <a:schemeClr val="accent1"/>
-                </a:solidFill>
-                <a:latin typeface="Consolas" panose="020B0609020204030204" pitchFamily="49" charset="0"/>
-                <a:cs typeface="Consolas" panose="020B0609020204030204" pitchFamily="49" charset="0"/>
-              </a:rPr>
-              <a:t>var</a:t>
-            </a:r>
-            <a:r>
-              <a:rPr lang="en-US" dirty="0" smtClean="0">
-                <a:solidFill>
-                  <a:schemeClr val="accent1"/>
-                </a:solidFill>
-                <a:latin typeface="Consolas" panose="020B0609020204030204" pitchFamily="49" charset="0"/>
-                <a:cs typeface="Consolas" panose="020B0609020204030204" pitchFamily="49" charset="0"/>
-              </a:rPr>
-              <a:t> </a:t>
-            </a:r>
-            <a:r>
-              <a:rPr lang="en-US" dirty="0" smtClean="0">
-                <a:solidFill>
-                  <a:schemeClr val="bg1"/>
-                </a:solidFill>
-                <a:latin typeface="Consolas" panose="020B0609020204030204" pitchFamily="49" charset="0"/>
-                <a:cs typeface="Consolas" panose="020B0609020204030204" pitchFamily="49" charset="0"/>
-              </a:rPr>
-              <a:t>x = </a:t>
-            </a:r>
-            <a:r>
-              <a:rPr lang="en-US" dirty="0" smtClean="0">
-                <a:solidFill>
-                  <a:srgbClr val="FFC000"/>
-                </a:solidFill>
-                <a:latin typeface="Consolas" panose="020B0609020204030204" pitchFamily="49" charset="0"/>
-                <a:cs typeface="Consolas" panose="020B0609020204030204" pitchFamily="49" charset="0"/>
-              </a:rPr>
-              <a:t>6</a:t>
-            </a:r>
-            <a:r>
-              <a:rPr lang="en-US" dirty="0" smtClean="0">
-                <a:solidFill>
-                  <a:schemeClr val="bg1"/>
-                </a:solidFill>
-                <a:latin typeface="Consolas" panose="020B0609020204030204" pitchFamily="49" charset="0"/>
-                <a:cs typeface="Consolas" panose="020B0609020204030204" pitchFamily="49" charset="0"/>
-              </a:rPr>
-              <a:t>;</a:t>
-            </a:r>
-          </a:p>
-          <a:p>
-            <a:r>
-              <a:rPr lang="en-US" dirty="0" err="1" smtClean="0">
-                <a:solidFill>
-                  <a:schemeClr val="bg1"/>
-                </a:solidFill>
-                <a:latin typeface="Consolas" panose="020B0609020204030204" pitchFamily="49" charset="0"/>
-                <a:cs typeface="Consolas" panose="020B0609020204030204" pitchFamily="49" charset="0"/>
-              </a:rPr>
-              <a:t>x.toString</a:t>
-            </a:r>
-            <a:r>
-              <a:rPr lang="en-US" dirty="0" smtClean="0">
-                <a:solidFill>
-                  <a:schemeClr val="bg1"/>
-                </a:solidFill>
-                <a:latin typeface="Consolas" panose="020B0609020204030204" pitchFamily="49" charset="0"/>
-                <a:cs typeface="Consolas" panose="020B0609020204030204" pitchFamily="49" charset="0"/>
-              </a:rPr>
-              <a:t>();</a:t>
-            </a:r>
-          </a:p>
-          <a:p>
-            <a:r>
-              <a:rPr lang="en-US" dirty="0" smtClean="0">
-                <a:solidFill>
-                  <a:schemeClr val="tx1">
-                    <a:lumMod val="50000"/>
-                    <a:lumOff val="50000"/>
-                  </a:schemeClr>
-                </a:solidFill>
-                <a:latin typeface="Consolas" panose="020B0609020204030204" pitchFamily="49" charset="0"/>
-                <a:cs typeface="Consolas" panose="020B0609020204030204" pitchFamily="49" charset="0"/>
-              </a:rPr>
-              <a:t>// Returns '6' </a:t>
-            </a:r>
-            <a:endParaRPr lang="en-US" dirty="0">
-              <a:solidFill>
-                <a:schemeClr val="tx1">
-                  <a:lumMod val="50000"/>
-                  <a:lumOff val="50000"/>
-                </a:schemeClr>
-              </a:solidFill>
-              <a:latin typeface="Consolas" panose="020B0609020204030204" pitchFamily="49" charset="0"/>
-              <a:cs typeface="Consolas" panose="020B0609020204030204" pitchFamily="49" charset="0"/>
-            </a:endParaRPr>
-          </a:p>
-        </p:txBody>
-      </p:sp>
-      <p:sp>
-        <p:nvSpPr>
-          <p:cNvPr id="6" name="TextBox 5"/>
-          <p:cNvSpPr txBox="1"/>
-          <p:nvPr/>
-        </p:nvSpPr>
-        <p:spPr>
-          <a:xfrm>
-            <a:off x="5911666" y="3352800"/>
-            <a:ext cx="2622734" cy="461665"/>
-          </a:xfrm>
-          <a:prstGeom prst="rect">
-            <a:avLst/>
-          </a:prstGeom>
-          <a:solidFill>
-            <a:schemeClr val="tx2">
-              <a:lumMod val="20000"/>
-              <a:lumOff val="80000"/>
-            </a:schemeClr>
-          </a:solidFill>
-          <a:ln w="19050">
-            <a:solidFill>
-              <a:schemeClr val="tx1">
-                <a:lumMod val="50000"/>
-                <a:lumOff val="50000"/>
-              </a:schemeClr>
-            </a:solidFill>
-          </a:ln>
-        </p:spPr>
-        <p:txBody>
-          <a:bodyPr wrap="square" rtlCol="0">
-            <a:spAutoFit/>
-          </a:bodyPr>
-          <a:lstStyle/>
-          <a:p>
-            <a:pPr algn="ctr"/>
-            <a:r>
-              <a:rPr lang="en-US" sz="1200" i="1" dirty="0" smtClean="0"/>
-              <a:t>Primitives have no methods, </a:t>
-            </a:r>
-            <a:br>
-              <a:rPr lang="en-US" sz="1200" i="1" dirty="0" smtClean="0"/>
-            </a:br>
-            <a:r>
-              <a:rPr lang="en-US" sz="1200" i="1" dirty="0" smtClean="0"/>
-              <a:t>but their wrapper classes do</a:t>
-            </a:r>
-            <a:endParaRPr lang="en-US" sz="1200" i="1" dirty="0"/>
-          </a:p>
-        </p:txBody>
-      </p:sp>
-    </p:spTree>
-    <p:extLst>
-      <p:ext uri="{BB962C8B-B14F-4D97-AF65-F5344CB8AC3E}">
-        <p14:creationId xmlns:p14="http://schemas.microsoft.com/office/powerpoint/2010/main" val="3571801270"/>
-      </p:ext>
-    </p:extLst>
-  </p:cSld>
-  <p:clrMapOvr>
-    <a:masterClrMapping/>
-  </p:clrMapOvr>
-  <p:timing>
-    <p:tnLst>
-      <p:par>
-        <p:cTn id="1" dur="indefinite" restart="never" nodeType="tmRoot"/>
-      </p:par>
-    </p:tnLst>
-  </p:timing>
-</p:sld>
-</file>
-
 <file path=ppt/slides/slide7.xml><?xml version="1.0" encoding="utf-8"?>
 <p:sld xmlns:a="http://schemas.openxmlformats.org/drawingml/2006/main" xmlns:r="http://schemas.openxmlformats.org/officeDocument/2006/relationships" xmlns:p="http://schemas.openxmlformats.org/presentationml/2006/main">
   <p:cSld>
@@ -13863,8 +14244,8 @@
         </p:nvSpPr>
         <p:spPr>
           <a:xfrm>
-            <a:off x="457200" y="1447800"/>
-            <a:ext cx="8229600" cy="5181600"/>
+            <a:off x="457200" y="3733800"/>
+            <a:ext cx="8229600" cy="2587823"/>
           </a:xfrm>
           <a:ln/>
         </p:spPr>
@@ -13884,22 +14265,68 @@
         </p:style>
         <p:txBody>
           <a:bodyPr>
-            <a:normAutofit lnSpcReduction="10000"/>
+            <a:normAutofit/>
           </a:bodyPr>
           <a:lstStyle/>
           <a:p>
             <a:r>
-              <a:rPr lang="en-US" sz="2400" b="1" dirty="0" smtClean="0">
-                <a:latin typeface="Consolas" panose="020B0609020204030204" pitchFamily="49" charset="0"/>
-                <a:cs typeface="Consolas" panose="020B0609020204030204" pitchFamily="49" charset="0"/>
-              </a:rPr>
-              <a:t>undefined</a:t>
-            </a:r>
-            <a:r>
-              <a:rPr lang="en-US" sz="2000" dirty="0"/>
-              <a:t>:</a:t>
-            </a:r>
-            <a:endParaRPr lang="en-US" sz="2400" b="1" dirty="0" smtClean="0"/>
+              <a:rPr lang="en-US" sz="2400" dirty="0" smtClean="0"/>
+              <a:t>Functions provide the only scope level</a:t>
+            </a:r>
+            <a:r>
+              <a:rPr lang="en-US" sz="2400" baseline="30000" dirty="0" smtClean="0"/>
+              <a:t>*</a:t>
+            </a:r>
+            <a:endParaRPr lang="en-US" dirty="0"/>
+          </a:p>
+          <a:p>
+            <a:pPr lvl="1">
+              <a:spcBef>
+                <a:spcPts val="400"/>
+              </a:spcBef>
+            </a:pPr>
+            <a:r>
+              <a:rPr lang="en-US" sz="1800" dirty="0" smtClean="0"/>
+              <a:t>Variable declaration (not instantiation!) hoisted to top of scope</a:t>
+            </a:r>
+          </a:p>
+          <a:p>
+            <a:pPr>
+              <a:spcBef>
+                <a:spcPts val="1200"/>
+              </a:spcBef>
+            </a:pPr>
+            <a:r>
+              <a:rPr lang="en-US" sz="2400" dirty="0" smtClean="0"/>
+              <a:t>Named Functions: </a:t>
+            </a:r>
+            <a:r>
+              <a:rPr lang="en-US" sz="1800" dirty="0" smtClean="0"/>
+              <a:t>Usable anywhere within scope</a:t>
+            </a:r>
+            <a:endParaRPr lang="en-US" sz="2400" dirty="0" smtClean="0"/>
+          </a:p>
+          <a:p>
+            <a:pPr>
+              <a:spcBef>
+                <a:spcPts val="1200"/>
+              </a:spcBef>
+            </a:pPr>
+            <a:r>
+              <a:rPr lang="en-US" sz="2400" dirty="0" smtClean="0"/>
+              <a:t>Anonymous functions:</a:t>
+            </a:r>
+          </a:p>
+          <a:p>
+            <a:pPr lvl="1">
+              <a:spcBef>
+                <a:spcPts val="400"/>
+              </a:spcBef>
+            </a:pPr>
+            <a:r>
+              <a:rPr lang="en-US" sz="1800" dirty="0" smtClean="0"/>
+              <a:t>Can be assigned to variable and used like a named function</a:t>
+            </a:r>
           </a:p>
           <a:p>
             <a:pPr lvl="1">
@@ -13908,267 +14335,9 @@
               </a:spcBef>
             </a:pPr>
             <a:r>
-              <a:rPr lang="en-US" sz="1800" dirty="0"/>
-              <a:t>Indicates an </a:t>
-            </a:r>
-            <a:r>
               <a:rPr lang="en-US" sz="1800" dirty="0" smtClean="0"/>
-              <a:t>uninitialized/unused value</a:t>
-            </a:r>
-          </a:p>
-          <a:p>
-            <a:pPr lvl="1">
-              <a:spcBef>
-                <a:spcPts val="600"/>
-              </a:spcBef>
-            </a:pPr>
-            <a:r>
-              <a:rPr lang="en-US" sz="1800" dirty="0" smtClean="0"/>
-              <a:t>Necessary because JS allows accessing nonexistent properties</a:t>
-            </a:r>
-          </a:p>
-          <a:p>
-            <a:pPr lvl="1">
-              <a:spcBef>
-                <a:spcPts val="600"/>
-              </a:spcBef>
-            </a:pPr>
-            <a:r>
-              <a:rPr lang="en-US" sz="1800" dirty="0" smtClean="0"/>
-              <a:t>Most commonly seen with:</a:t>
-            </a:r>
-          </a:p>
-          <a:p>
-            <a:pPr lvl="2"/>
-            <a:r>
-              <a:rPr lang="en-US" sz="1600" dirty="0" smtClean="0"/>
-              <a:t>unspecified function parameters </a:t>
-            </a:r>
-          </a:p>
-          <a:p>
-            <a:pPr lvl="2"/>
-            <a:r>
-              <a:rPr lang="en-US" sz="1600" dirty="0" smtClean="0"/>
-              <a:t>uninitialized variables</a:t>
-            </a:r>
-          </a:p>
-          <a:p>
-            <a:pPr lvl="2"/>
-            <a:r>
-              <a:rPr lang="en-US" sz="1600" dirty="0"/>
-              <a:t>uninitialized </a:t>
-            </a:r>
-            <a:r>
-              <a:rPr lang="en-US" sz="1600" dirty="0" smtClean="0"/>
-              <a:t>array indices</a:t>
-            </a:r>
-          </a:p>
-          <a:p>
-            <a:pPr lvl="2"/>
-            <a:r>
-              <a:rPr lang="en-US" sz="1600" dirty="0"/>
-              <a:t>uninitialized </a:t>
-            </a:r>
-            <a:r>
-              <a:rPr lang="en-US" sz="1600" dirty="0" smtClean="0"/>
-              <a:t>object properties.</a:t>
-            </a:r>
-          </a:p>
-          <a:p>
-            <a:pPr lvl="1">
-              <a:spcBef>
-                <a:spcPts val="600"/>
-              </a:spcBef>
-            </a:pPr>
-            <a:r>
-              <a:rPr lang="en-US" sz="1800" dirty="0" smtClean="0"/>
-              <a:t>Use </a:t>
-            </a:r>
-            <a:r>
-              <a:rPr lang="en-US" sz="1800" dirty="0" smtClean="0">
-                <a:solidFill>
-                  <a:schemeClr val="accent1"/>
-                </a:solidFill>
-                <a:latin typeface="Consolas" panose="020B0609020204030204" pitchFamily="49" charset="0"/>
-                <a:cs typeface="Consolas" panose="020B0609020204030204" pitchFamily="49" charset="0"/>
-              </a:rPr>
-              <a:t>del</a:t>
-            </a:r>
-            <a:r>
-              <a:rPr lang="en-US" sz="1800" dirty="0" smtClean="0"/>
-              <a:t> operator to reset to </a:t>
-            </a:r>
-            <a:r>
-              <a:rPr lang="en-US" sz="1800" dirty="0" smtClean="0">
-                <a:latin typeface="Consolas" panose="020B0609020204030204" pitchFamily="49" charset="0"/>
-                <a:cs typeface="Consolas" panose="020B0609020204030204" pitchFamily="49" charset="0"/>
-              </a:rPr>
-              <a:t>undefined</a:t>
-            </a:r>
-            <a:r>
-              <a:rPr lang="en-US" sz="1800" dirty="0"/>
-              <a:t>:</a:t>
-            </a:r>
-            <a:endParaRPr lang="en-US" sz="1800" dirty="0" smtClean="0"/>
-          </a:p>
-          <a:p>
-            <a:pPr>
-              <a:spcBef>
-                <a:spcPts val="1200"/>
-              </a:spcBef>
-            </a:pPr>
-            <a:r>
-              <a:rPr lang="en-US" sz="2400" b="1" dirty="0" smtClean="0">
-                <a:latin typeface="Consolas" panose="020B0609020204030204" pitchFamily="49" charset="0"/>
-                <a:cs typeface="Consolas" panose="020B0609020204030204" pitchFamily="49" charset="0"/>
-              </a:rPr>
-              <a:t>null</a:t>
-            </a:r>
-            <a:r>
-              <a:rPr lang="en-US" sz="2400" dirty="0" smtClean="0"/>
-              <a:t>:</a:t>
-            </a:r>
-            <a:endParaRPr lang="en-US" sz="2400" b="1" dirty="0" smtClean="0">
-              <a:latin typeface="Consolas" panose="020B0609020204030204" pitchFamily="49" charset="0"/>
-              <a:cs typeface="Consolas" panose="020B0609020204030204" pitchFamily="49" charset="0"/>
-            </a:endParaRPr>
-          </a:p>
-          <a:p>
-            <a:pPr lvl="1">
-              <a:spcBef>
-                <a:spcPts val="600"/>
-              </a:spcBef>
-            </a:pPr>
-            <a:r>
-              <a:rPr lang="en-US" sz="1800" dirty="0" smtClean="0"/>
-              <a:t>Indicates a value of nothing</a:t>
-            </a:r>
-          </a:p>
-          <a:p>
-            <a:pPr lvl="1">
-              <a:spcBef>
-                <a:spcPts val="600"/>
-              </a:spcBef>
-            </a:pPr>
-            <a:r>
-              <a:rPr lang="en-US" sz="1800" dirty="0" smtClean="0"/>
-              <a:t>Generally preferred over </a:t>
-            </a:r>
-            <a:r>
-              <a:rPr lang="en-US" sz="1800" dirty="0" smtClean="0">
-                <a:latin typeface="Consolas" panose="020B0609020204030204" pitchFamily="49" charset="0"/>
-                <a:cs typeface="Consolas" panose="020B0609020204030204" pitchFamily="49" charset="0"/>
-              </a:rPr>
-              <a:t>undefined</a:t>
-            </a:r>
-            <a:r>
-              <a:rPr lang="en-US" sz="1800" dirty="0" smtClean="0"/>
-              <a:t> to clear a value</a:t>
-            </a:r>
-          </a:p>
-          <a:p>
-            <a:pPr lvl="1">
-              <a:spcBef>
-                <a:spcPts val="600"/>
-              </a:spcBef>
-            </a:pPr>
-            <a:r>
-              <a:rPr lang="en-US" sz="1800" dirty="0" smtClean="0"/>
-              <a:t>Due to an old JS bug, </a:t>
-            </a:r>
-            <a:r>
-              <a:rPr lang="en-US" sz="1800" dirty="0" err="1" smtClean="0">
-                <a:latin typeface="Consolas" panose="020B0609020204030204" pitchFamily="49" charset="0"/>
-                <a:cs typeface="Consolas" panose="020B0609020204030204" pitchFamily="49" charset="0"/>
-              </a:rPr>
-              <a:t>typeof</a:t>
-            </a:r>
-            <a:r>
-              <a:rPr lang="en-US" sz="1800" dirty="0" smtClean="0">
-                <a:latin typeface="Consolas" panose="020B0609020204030204" pitchFamily="49" charset="0"/>
-                <a:cs typeface="Consolas" panose="020B0609020204030204" pitchFamily="49" charset="0"/>
-              </a:rPr>
-              <a:t> null </a:t>
-            </a:r>
-            <a:r>
-              <a:rPr lang="en-US" sz="1800" dirty="0" smtClean="0"/>
-              <a:t>is “object”</a:t>
-            </a:r>
-            <a:endParaRPr lang="en-US" sz="1800" dirty="0" smtClean="0">
-              <a:latin typeface="Consolas" panose="020B0609020204030204" pitchFamily="49" charset="0"/>
-              <a:cs typeface="Consolas" panose="020B0609020204030204" pitchFamily="49" charset="0"/>
-            </a:endParaRPr>
-          </a:p>
-          <a:p>
-            <a:pPr>
-              <a:spcBef>
-                <a:spcPts val="1200"/>
-              </a:spcBef>
-            </a:pPr>
-            <a:r>
-              <a:rPr lang="en-US" sz="2400" dirty="0" smtClean="0"/>
-              <a:t>Both are often treated the same in code</a:t>
-            </a:r>
-          </a:p>
-          <a:p>
-            <a:pPr lvl="1">
-              <a:spcBef>
-                <a:spcPts val="600"/>
-              </a:spcBef>
-            </a:pPr>
-            <a:r>
-              <a:rPr lang="en-US" sz="1800" dirty="0" smtClean="0"/>
-              <a:t>Can </a:t>
-            </a:r>
-            <a:r>
-              <a:rPr lang="en-US" sz="1800" dirty="0"/>
-              <a:t>use “</a:t>
-            </a:r>
-            <a:r>
-              <a:rPr lang="en-US" sz="1800" dirty="0">
-                <a:solidFill>
-                  <a:schemeClr val="accent1"/>
-                </a:solidFill>
-                <a:latin typeface="Consolas" panose="020B0609020204030204" pitchFamily="49" charset="0"/>
-                <a:cs typeface="Consolas" panose="020B0609020204030204" pitchFamily="49" charset="0"/>
-              </a:rPr>
-              <a:t>x == null</a:t>
-            </a:r>
-            <a:r>
-              <a:rPr lang="en-US" sz="1800" dirty="0"/>
-              <a:t>” to test for </a:t>
-            </a:r>
-            <a:r>
-              <a:rPr lang="en-US" sz="1800" dirty="0" smtClean="0"/>
-              <a:t>both </a:t>
-            </a:r>
-            <a:r>
-              <a:rPr lang="en-US" sz="1800" dirty="0" smtClean="0">
-                <a:latin typeface="Consolas" panose="020B0609020204030204" pitchFamily="49" charset="0"/>
-                <a:cs typeface="Consolas" panose="020B0609020204030204" pitchFamily="49" charset="0"/>
-              </a:rPr>
-              <a:t>null</a:t>
-            </a:r>
-            <a:r>
-              <a:rPr lang="en-US" sz="1800" dirty="0" smtClean="0"/>
-              <a:t> and </a:t>
-            </a:r>
-            <a:r>
-              <a:rPr lang="en-US" sz="1800" dirty="0" smtClean="0">
-                <a:latin typeface="Consolas" panose="020B0609020204030204" pitchFamily="49" charset="0"/>
-                <a:cs typeface="Consolas" panose="020B0609020204030204" pitchFamily="49" charset="0"/>
-              </a:rPr>
-              <a:t>undefined</a:t>
-            </a:r>
-            <a:endParaRPr lang="en-US" sz="1800" dirty="0" smtClean="0"/>
-          </a:p>
-          <a:p>
-            <a:pPr lvl="1">
-              <a:spcBef>
-                <a:spcPts val="1200"/>
-              </a:spcBef>
-            </a:pPr>
-            <a:endParaRPr lang="en-US" sz="2000" dirty="0" smtClean="0"/>
+              <a:t>Can be immediately invoked to provide a private namespace</a:t>
+            </a:r>
           </a:p>
         </p:txBody>
       </p:sp>
@@ -14191,45 +14360,24 @@
               <a:rPr lang="en-US" dirty="0" smtClean="0">
                 <a:latin typeface="Berlin Sans FB Demi" panose="020E0802020502020306" pitchFamily="34" charset="0"/>
               </a:rPr>
-              <a:t>Empty Values: </a:t>
-            </a:r>
-            <a:r>
-              <a:rPr lang="en-US" dirty="0" smtClean="0">
-                <a:latin typeface="Consolas" panose="020B0609020204030204" pitchFamily="49" charset="0"/>
-                <a:cs typeface="Consolas" panose="020B0609020204030204" pitchFamily="49" charset="0"/>
-              </a:rPr>
-              <a:t>null</a:t>
-            </a:r>
-            <a:r>
-              <a:rPr lang="en-US" dirty="0" smtClean="0">
-                <a:latin typeface="Berlin Sans FB Demi" panose="020E0802020502020306" pitchFamily="34" charset="0"/>
-              </a:rPr>
-              <a:t> vs </a:t>
-            </a:r>
-            <a:r>
-              <a:rPr lang="en-US" dirty="0" smtClean="0">
-                <a:latin typeface="Consolas" panose="020B0609020204030204" pitchFamily="49" charset="0"/>
-                <a:cs typeface="Consolas" panose="020B0609020204030204" pitchFamily="49" charset="0"/>
-              </a:rPr>
-              <a:t>undefined</a:t>
+              <a:t>Function Scope</a:t>
             </a:r>
             <a:endParaRPr lang="en-US" dirty="0">
-              <a:latin typeface="Consolas" panose="020B0609020204030204" pitchFamily="49" charset="0"/>
-              <a:cs typeface="Consolas" panose="020B0609020204030204" pitchFamily="49" charset="0"/>
+              <a:latin typeface="Berlin Sans FB Demi" panose="020E0802020502020306" pitchFamily="34" charset="0"/>
             </a:endParaRPr>
           </a:p>
         </p:txBody>
       </p:sp>
       <p:sp>
         <p:nvSpPr>
-          <p:cNvPr id="6" name="TextBox 5"/>
+          <p:cNvPr id="4" name="TextBox 3"/>
           <p:cNvSpPr txBox="1"/>
           <p:nvPr/>
         </p:nvSpPr>
         <p:spPr>
           <a:xfrm>
-            <a:off x="5638800" y="3733800"/>
-            <a:ext cx="2590800" cy="646331"/>
+            <a:off x="457200" y="1295400"/>
+            <a:ext cx="3733800" cy="2308324"/>
           </a:xfrm>
           <a:prstGeom prst="rect">
             <a:avLst/>
@@ -14258,94 +14406,164 @@
             <a:r>
               <a:rPr lang="en-US" dirty="0" smtClean="0">
                 <a:solidFill>
-                  <a:schemeClr val="accent1"/>
-                </a:solidFill>
-                <a:latin typeface="Consolas" panose="020B0609020204030204" pitchFamily="49" charset="0"/>
-                <a:cs typeface="Consolas" panose="020B0609020204030204" pitchFamily="49" charset="0"/>
-              </a:rPr>
-              <a:t>let</a:t>
+                  <a:schemeClr val="bg1"/>
+                </a:solidFill>
+                <a:latin typeface="Consolas" panose="020B0609020204030204" pitchFamily="49" charset="0"/>
+                <a:cs typeface="Consolas" panose="020B0609020204030204" pitchFamily="49" charset="0"/>
+              </a:rPr>
+              <a:t>(</a:t>
             </a:r>
             <a:r>
               <a:rPr lang="en-US" dirty="0" smtClean="0">
                 <a:solidFill>
+                  <a:schemeClr val="accent1"/>
+                </a:solidFill>
+                <a:latin typeface="Consolas" panose="020B0609020204030204" pitchFamily="49" charset="0"/>
+                <a:cs typeface="Consolas" panose="020B0609020204030204" pitchFamily="49" charset="0"/>
+              </a:rPr>
+              <a:t>function</a:t>
+            </a:r>
+            <a:r>
+              <a:rPr lang="en-US" dirty="0" smtClean="0">
+                <a:solidFill>
                   <a:schemeClr val="bg1"/>
                 </a:solidFill>
                 <a:latin typeface="Consolas" panose="020B0609020204030204" pitchFamily="49" charset="0"/>
                 <a:cs typeface="Consolas" panose="020B0609020204030204" pitchFamily="49" charset="0"/>
               </a:rPr>
+              <a:t>() {</a:t>
+            </a:r>
+          </a:p>
+          <a:p>
+            <a:r>
+              <a:rPr lang="en-US" dirty="0" smtClean="0">
+                <a:solidFill>
+                  <a:schemeClr val="bg1"/>
+                </a:solidFill>
+                <a:latin typeface="Consolas" panose="020B0609020204030204" pitchFamily="49" charset="0"/>
+                <a:cs typeface="Consolas" panose="020B0609020204030204" pitchFamily="49" charset="0"/>
+              </a:rPr>
+              <a:t>    </a:t>
+            </a:r>
+            <a:r>
+              <a:rPr lang="en-US" dirty="0" err="1" smtClean="0">
+                <a:solidFill>
+                  <a:schemeClr val="accent1"/>
+                </a:solidFill>
+                <a:latin typeface="Consolas" panose="020B0609020204030204" pitchFamily="49" charset="0"/>
+                <a:cs typeface="Consolas" panose="020B0609020204030204" pitchFamily="49" charset="0"/>
+              </a:rPr>
+              <a:t>var</a:t>
+            </a:r>
+            <a:r>
+              <a:rPr lang="en-US" dirty="0" smtClean="0">
+                <a:solidFill>
+                  <a:schemeClr val="accent1"/>
+                </a:solidFill>
+                <a:latin typeface="Consolas" panose="020B0609020204030204" pitchFamily="49" charset="0"/>
+                <a:cs typeface="Consolas" panose="020B0609020204030204" pitchFamily="49" charset="0"/>
+              </a:rPr>
               <a:t> </a:t>
             </a:r>
             <a:r>
-              <a:rPr lang="en-US" dirty="0" err="1" smtClean="0">
+              <a:rPr lang="en-US" dirty="0" smtClean="0">
                 <a:solidFill>
                   <a:schemeClr val="bg1"/>
                 </a:solidFill>
                 <a:latin typeface="Consolas" panose="020B0609020204030204" pitchFamily="49" charset="0"/>
                 <a:cs typeface="Consolas" panose="020B0609020204030204" pitchFamily="49" charset="0"/>
               </a:rPr>
-              <a:t>obj</a:t>
+              <a:t>value = </a:t>
             </a:r>
             <a:r>
               <a:rPr lang="en-US" dirty="0" smtClean="0">
                 <a:solidFill>
+                  <a:schemeClr val="accent3"/>
+                </a:solidFill>
+                <a:latin typeface="Consolas" panose="020B0609020204030204" pitchFamily="49" charset="0"/>
+                <a:cs typeface="Consolas" panose="020B0609020204030204" pitchFamily="49" charset="0"/>
+              </a:rPr>
+              <a:t>'outer'</a:t>
+            </a:r>
+            <a:r>
+              <a:rPr lang="en-US" dirty="0" smtClean="0">
+                <a:solidFill>
                   <a:schemeClr val="bg1"/>
                 </a:solidFill>
                 <a:latin typeface="Consolas" panose="020B0609020204030204" pitchFamily="49" charset="0"/>
                 <a:cs typeface="Consolas" panose="020B0609020204030204" pitchFamily="49" charset="0"/>
               </a:rPr>
-              <a:t> = {prop: </a:t>
-            </a:r>
+              <a:t>;</a:t>
+            </a:r>
+          </a:p>
+          <a:p>
+            <a:endParaRPr lang="en-US" dirty="0">
+              <a:solidFill>
+                <a:schemeClr val="bg1"/>
+              </a:solidFill>
+              <a:latin typeface="Consolas" panose="020B0609020204030204" pitchFamily="49" charset="0"/>
+              <a:cs typeface="Consolas" panose="020B0609020204030204" pitchFamily="49" charset="0"/>
+            </a:endParaRPr>
+          </a:p>
+          <a:p>
             <a:r>
               <a:rPr lang="en-US" dirty="0" smtClean="0">
                 <a:solidFill>
-                  <a:srgbClr val="FFC000"/>
-                </a:solidFill>
-                <a:latin typeface="Consolas" panose="020B0609020204030204" pitchFamily="49" charset="0"/>
-                <a:cs typeface="Consolas" panose="020B0609020204030204" pitchFamily="49" charset="0"/>
-              </a:rPr>
-              <a:t>5</a:t>
+                  <a:schemeClr val="bg1"/>
+                </a:solidFill>
+                <a:latin typeface="Consolas" panose="020B0609020204030204" pitchFamily="49" charset="0"/>
+                <a:cs typeface="Consolas" panose="020B0609020204030204" pitchFamily="49" charset="0"/>
+              </a:rPr>
+              <a:t>    </a:t>
             </a:r>
             <a:r>
               <a:rPr lang="en-US" dirty="0" smtClean="0">
                 <a:solidFill>
+                  <a:schemeClr val="accent1"/>
+                </a:solidFill>
+                <a:latin typeface="Consolas" panose="020B0609020204030204" pitchFamily="49" charset="0"/>
+                <a:cs typeface="Consolas" panose="020B0609020204030204" pitchFamily="49" charset="0"/>
+              </a:rPr>
+              <a:t>function</a:t>
+            </a:r>
+            <a:r>
+              <a:rPr lang="en-US" dirty="0" smtClean="0">
+                <a:latin typeface="Consolas" panose="020B0609020204030204" pitchFamily="49" charset="0"/>
+                <a:cs typeface="Consolas" panose="020B0609020204030204" pitchFamily="49" charset="0"/>
+              </a:rPr>
+              <a:t> </a:t>
+            </a:r>
+            <a:r>
+              <a:rPr lang="en-US" dirty="0" smtClean="0">
+                <a:solidFill>
                   <a:schemeClr val="bg1"/>
                 </a:solidFill>
                 <a:latin typeface="Consolas" panose="020B0609020204030204" pitchFamily="49" charset="0"/>
                 <a:cs typeface="Consolas" panose="020B0609020204030204" pitchFamily="49" charset="0"/>
               </a:rPr>
-              <a:t>}</a:t>
-            </a:r>
-          </a:p>
-          <a:p>
+              <a:t>demo() {</a:t>
+            </a:r>
+          </a:p>
+          <a:p>
+            <a:r>
+              <a:rPr lang="en-US" dirty="0">
+                <a:solidFill>
+                  <a:schemeClr val="bg1"/>
+                </a:solidFill>
+                <a:latin typeface="Consolas" panose="020B0609020204030204" pitchFamily="49" charset="0"/>
+                <a:cs typeface="Consolas" panose="020B0609020204030204" pitchFamily="49" charset="0"/>
+              </a:rPr>
+              <a:t> </a:t>
+            </a:r>
             <a:r>
               <a:rPr lang="en-US" dirty="0" smtClean="0">
                 <a:solidFill>
-                  <a:schemeClr val="accent1"/>
-                </a:solidFill>
-                <a:latin typeface="Consolas" panose="020B0609020204030204" pitchFamily="49" charset="0"/>
-                <a:cs typeface="Consolas" panose="020B0609020204030204" pitchFamily="49" charset="0"/>
-              </a:rPr>
-              <a:t>del</a:t>
-            </a:r>
-            <a:r>
-              <a:rPr lang="en-US" dirty="0" smtClean="0">
-                <a:solidFill>
                   <a:schemeClr val="bg1"/>
                 </a:solidFill>
                 <a:latin typeface="Consolas" panose="020B0609020204030204" pitchFamily="49" charset="0"/>
                 <a:cs typeface="Consolas" panose="020B0609020204030204" pitchFamily="49" charset="0"/>
               </a:rPr>
-              <a:t> </a:t>
-            </a:r>
-            <a:r>
-              <a:rPr lang="en-US" dirty="0" err="1" smtClean="0">
-                <a:solidFill>
-                  <a:schemeClr val="bg1"/>
-                </a:solidFill>
-                <a:latin typeface="Consolas" panose="020B0609020204030204" pitchFamily="49" charset="0"/>
-                <a:cs typeface="Consolas" panose="020B0609020204030204" pitchFamily="49" charset="0"/>
-              </a:rPr>
-              <a:t>obj.prop</a:t>
+              <a:t>       console.log(value);</a:t>
             </a:r>
             <a:endParaRPr lang="en-US" dirty="0">
               <a:solidFill>
@@ -14358,12 +14576,447 @@
               <a:cs typeface="Consolas" panose="020B0609020204030204" pitchFamily="49" charset="0"/>
             </a:endParaRPr>
           </a:p>
+          <a:p>
+            <a:r>
+              <a:rPr lang="en-US" dirty="0" smtClean="0">
+                <a:solidFill>
+                  <a:schemeClr val="tx1">
+                    <a:lumMod val="50000"/>
+                    <a:lumOff val="50000"/>
+                  </a:schemeClr>
+                </a:solidFill>
+                <a:latin typeface="Consolas" panose="020B0609020204030204" pitchFamily="49" charset="0"/>
+                <a:cs typeface="Consolas" panose="020B0609020204030204" pitchFamily="49" charset="0"/>
+              </a:rPr>
+              <a:t>        </a:t>
+            </a:r>
+            <a:r>
+              <a:rPr lang="en-US" dirty="0" err="1" smtClean="0">
+                <a:solidFill>
+                  <a:schemeClr val="accent1"/>
+                </a:solidFill>
+                <a:latin typeface="Consolas" panose="020B0609020204030204" pitchFamily="49" charset="0"/>
+                <a:cs typeface="Consolas" panose="020B0609020204030204" pitchFamily="49" charset="0"/>
+              </a:rPr>
+              <a:t>var</a:t>
+            </a:r>
+            <a:r>
+              <a:rPr lang="en-US" dirty="0" smtClean="0">
+                <a:latin typeface="Consolas" panose="020B0609020204030204" pitchFamily="49" charset="0"/>
+                <a:cs typeface="Consolas" panose="020B0609020204030204" pitchFamily="49" charset="0"/>
+              </a:rPr>
+              <a:t> </a:t>
+            </a:r>
+            <a:r>
+              <a:rPr lang="en-US" dirty="0" smtClean="0">
+                <a:solidFill>
+                  <a:schemeClr val="bg1"/>
+                </a:solidFill>
+                <a:latin typeface="Consolas" panose="020B0609020204030204" pitchFamily="49" charset="0"/>
+                <a:cs typeface="Consolas" panose="020B0609020204030204" pitchFamily="49" charset="0"/>
+              </a:rPr>
+              <a:t>value </a:t>
+            </a:r>
+            <a:r>
+              <a:rPr lang="en-US" dirty="0" smtClean="0">
+                <a:latin typeface="Consolas" panose="020B0609020204030204" pitchFamily="49" charset="0"/>
+                <a:cs typeface="Consolas" panose="020B0609020204030204" pitchFamily="49" charset="0"/>
+              </a:rPr>
+              <a:t>= </a:t>
+            </a:r>
+            <a:r>
+              <a:rPr lang="en-US" dirty="0">
+                <a:solidFill>
+                  <a:schemeClr val="accent3"/>
+                </a:solidFill>
+                <a:latin typeface="Consolas" panose="020B0609020204030204" pitchFamily="49" charset="0"/>
+                <a:cs typeface="Consolas" panose="020B0609020204030204" pitchFamily="49" charset="0"/>
+              </a:rPr>
+              <a:t>'</a:t>
+            </a:r>
+            <a:r>
+              <a:rPr lang="en-US" dirty="0" smtClean="0">
+                <a:solidFill>
+                  <a:schemeClr val="accent3"/>
+                </a:solidFill>
+                <a:latin typeface="Consolas" panose="020B0609020204030204" pitchFamily="49" charset="0"/>
+                <a:cs typeface="Consolas" panose="020B0609020204030204" pitchFamily="49" charset="0"/>
+              </a:rPr>
+              <a:t>inner'</a:t>
+            </a:r>
+            <a:r>
+              <a:rPr lang="en-US" dirty="0" smtClean="0">
+                <a:solidFill>
+                  <a:schemeClr val="bg1"/>
+                </a:solidFill>
+                <a:latin typeface="Consolas" panose="020B0609020204030204" pitchFamily="49" charset="0"/>
+                <a:cs typeface="Consolas" panose="020B0609020204030204" pitchFamily="49" charset="0"/>
+              </a:rPr>
+              <a:t>;</a:t>
+            </a:r>
+            <a:endParaRPr lang="en-US" dirty="0">
+              <a:solidFill>
+                <a:schemeClr val="bg1"/>
+              </a:solidFill>
+              <a:latin typeface="Consolas" panose="020B0609020204030204" pitchFamily="49" charset="0"/>
+              <a:cs typeface="Consolas" panose="020B0609020204030204" pitchFamily="49" charset="0"/>
+            </a:endParaRPr>
+          </a:p>
+          <a:p>
+            <a:r>
+              <a:rPr lang="en-US" dirty="0" smtClean="0">
+                <a:solidFill>
+                  <a:schemeClr val="bg1"/>
+                </a:solidFill>
+                <a:latin typeface="Consolas" panose="020B0609020204030204" pitchFamily="49" charset="0"/>
+                <a:cs typeface="Consolas" panose="020B0609020204030204" pitchFamily="49" charset="0"/>
+              </a:rPr>
+              <a:t>    }</a:t>
+            </a:r>
+          </a:p>
+          <a:p>
+            <a:r>
+              <a:rPr lang="en-US" dirty="0" smtClean="0">
+                <a:solidFill>
+                  <a:schemeClr val="bg1"/>
+                </a:solidFill>
+                <a:latin typeface="Consolas" panose="020B0609020204030204" pitchFamily="49" charset="0"/>
+                <a:cs typeface="Consolas" panose="020B0609020204030204" pitchFamily="49" charset="0"/>
+              </a:rPr>
+              <a:t>})();</a:t>
+            </a:r>
+          </a:p>
+        </p:txBody>
+      </p:sp>
+      <p:sp>
+        <p:nvSpPr>
+          <p:cNvPr id="5" name="TextBox 4"/>
+          <p:cNvSpPr txBox="1"/>
+          <p:nvPr/>
+        </p:nvSpPr>
+        <p:spPr>
+          <a:xfrm>
+            <a:off x="4706568" y="6581001"/>
+            <a:ext cx="4437432" cy="276999"/>
+          </a:xfrm>
+          <a:prstGeom prst="rect">
+            <a:avLst/>
+          </a:prstGeom>
+          <a:solidFill>
+            <a:schemeClr val="tx2">
+              <a:lumMod val="20000"/>
+              <a:lumOff val="80000"/>
+            </a:schemeClr>
+          </a:solidFill>
+          <a:ln w="19050">
+            <a:solidFill>
+              <a:schemeClr val="tx1">
+                <a:lumMod val="50000"/>
+                <a:lumOff val="50000"/>
+              </a:schemeClr>
+            </a:solidFill>
+          </a:ln>
+        </p:spPr>
+        <p:txBody>
+          <a:bodyPr wrap="none" rtlCol="0">
+            <a:spAutoFit/>
+          </a:bodyPr>
+          <a:lstStyle/>
+          <a:p>
+            <a:pPr algn="r"/>
+            <a:r>
+              <a:rPr lang="en-US" sz="1200" i="1" dirty="0" smtClean="0"/>
+              <a:t>* ES2015 keywords </a:t>
+            </a:r>
+            <a:r>
+              <a:rPr lang="en-US" sz="1200" dirty="0" smtClean="0">
+                <a:solidFill>
+                  <a:schemeClr val="accent1"/>
+                </a:solidFill>
+                <a:latin typeface="Consolas" panose="020B0609020204030204" pitchFamily="49" charset="0"/>
+                <a:cs typeface="Consolas" panose="020B0609020204030204" pitchFamily="49" charset="0"/>
+              </a:rPr>
+              <a:t>let</a:t>
+            </a:r>
+            <a:r>
+              <a:rPr lang="en-US" sz="1200" i="1" dirty="0" smtClean="0"/>
+              <a:t> and </a:t>
+            </a:r>
+            <a:r>
+              <a:rPr lang="en-US" sz="1200" dirty="0" err="1" smtClean="0">
+                <a:solidFill>
+                  <a:schemeClr val="accent1"/>
+                </a:solidFill>
+                <a:latin typeface="Consolas" panose="020B0609020204030204" pitchFamily="49" charset="0"/>
+                <a:cs typeface="Consolas" panose="020B0609020204030204" pitchFamily="49" charset="0"/>
+              </a:rPr>
+              <a:t>const</a:t>
+            </a:r>
+            <a:r>
+              <a:rPr lang="en-US" sz="1200" i="1" dirty="0" smtClean="0"/>
+              <a:t> use block-level scope.</a:t>
+            </a:r>
+          </a:p>
+        </p:txBody>
+      </p:sp>
+      <p:sp>
+        <p:nvSpPr>
+          <p:cNvPr id="6" name="TextBox 5"/>
+          <p:cNvSpPr txBox="1"/>
+          <p:nvPr/>
+        </p:nvSpPr>
+        <p:spPr>
+          <a:xfrm>
+            <a:off x="5191125" y="2104072"/>
+            <a:ext cx="3495675" cy="1477328"/>
+          </a:xfrm>
+          <a:prstGeom prst="rect">
+            <a:avLst/>
+          </a:prstGeom>
+        </p:spPr>
+        <p:style>
+          <a:lnRef idx="0">
+            <a:schemeClr val="dk1"/>
+          </a:lnRef>
+          <a:fillRef idx="3">
+            <a:schemeClr val="dk1"/>
+          </a:fillRef>
+          <a:effectRef idx="3">
+            <a:schemeClr val="dk1"/>
+          </a:effectRef>
+          <a:fontRef idx="minor">
+            <a:schemeClr val="lt1"/>
+          </a:fontRef>
+        </p:style>
+        <p:txBody>
+          <a:bodyPr wrap="square" rtlCol="0">
+            <a:spAutoFit/>
+          </a:bodyPr>
+          <a:lstStyle/>
+          <a:p>
+            <a:r>
+              <a:rPr lang="en-US" dirty="0" smtClean="0">
+                <a:solidFill>
+                  <a:schemeClr val="accent1"/>
+                </a:solidFill>
+                <a:latin typeface="Consolas" panose="020B0609020204030204" pitchFamily="49" charset="0"/>
+                <a:cs typeface="Consolas" panose="020B0609020204030204" pitchFamily="49" charset="0"/>
+              </a:rPr>
+              <a:t>function</a:t>
+            </a:r>
+            <a:r>
+              <a:rPr lang="en-US" dirty="0" smtClean="0">
+                <a:latin typeface="Consolas" panose="020B0609020204030204" pitchFamily="49" charset="0"/>
+                <a:cs typeface="Consolas" panose="020B0609020204030204" pitchFamily="49" charset="0"/>
+              </a:rPr>
+              <a:t> </a:t>
+            </a:r>
+            <a:r>
+              <a:rPr lang="en-US" dirty="0" smtClean="0">
+                <a:solidFill>
+                  <a:schemeClr val="bg1"/>
+                </a:solidFill>
+                <a:latin typeface="Consolas" panose="020B0609020204030204" pitchFamily="49" charset="0"/>
+                <a:cs typeface="Consolas" panose="020B0609020204030204" pitchFamily="49" charset="0"/>
+              </a:rPr>
+              <a:t>demo() {</a:t>
+            </a:r>
+          </a:p>
+          <a:p>
+            <a:r>
+              <a:rPr lang="en-US" dirty="0" smtClean="0">
+                <a:solidFill>
+                  <a:schemeClr val="accent1"/>
+                </a:solidFill>
+                <a:latin typeface="Consolas" panose="020B0609020204030204" pitchFamily="49" charset="0"/>
+                <a:cs typeface="Consolas" panose="020B0609020204030204" pitchFamily="49" charset="0"/>
+              </a:rPr>
+              <a:t>    </a:t>
+            </a:r>
+            <a:r>
+              <a:rPr lang="en-US" dirty="0" err="1" smtClean="0">
+                <a:solidFill>
+                  <a:schemeClr val="accent1"/>
+                </a:solidFill>
+                <a:latin typeface="Consolas" panose="020B0609020204030204" pitchFamily="49" charset="0"/>
+                <a:cs typeface="Consolas" panose="020B0609020204030204" pitchFamily="49" charset="0"/>
+              </a:rPr>
+              <a:t>var</a:t>
+            </a:r>
+            <a:r>
+              <a:rPr lang="en-US" dirty="0" smtClean="0">
+                <a:solidFill>
+                  <a:schemeClr val="bg1"/>
+                </a:solidFill>
+                <a:latin typeface="Consolas" panose="020B0609020204030204" pitchFamily="49" charset="0"/>
+                <a:cs typeface="Consolas" panose="020B0609020204030204" pitchFamily="49" charset="0"/>
+              </a:rPr>
+              <a:t> value;</a:t>
+            </a:r>
+          </a:p>
+          <a:p>
+            <a:r>
+              <a:rPr lang="en-US" dirty="0">
+                <a:solidFill>
+                  <a:schemeClr val="bg1"/>
+                </a:solidFill>
+                <a:latin typeface="Consolas" panose="020B0609020204030204" pitchFamily="49" charset="0"/>
+                <a:cs typeface="Consolas" panose="020B0609020204030204" pitchFamily="49" charset="0"/>
+              </a:rPr>
+              <a:t> </a:t>
+            </a:r>
+            <a:r>
+              <a:rPr lang="en-US" dirty="0" smtClean="0">
+                <a:solidFill>
+                  <a:schemeClr val="bg1"/>
+                </a:solidFill>
+                <a:latin typeface="Consolas" panose="020B0609020204030204" pitchFamily="49" charset="0"/>
+                <a:cs typeface="Consolas" panose="020B0609020204030204" pitchFamily="49" charset="0"/>
+              </a:rPr>
+              <a:t>   console.log(value);</a:t>
+            </a:r>
+            <a:endParaRPr lang="en-US" dirty="0">
+              <a:solidFill>
+                <a:schemeClr val="tx1">
+                  <a:lumMod val="50000"/>
+                  <a:lumOff val="50000"/>
+                </a:schemeClr>
+              </a:solidFill>
+              <a:latin typeface="Consolas" panose="020B0609020204030204" pitchFamily="49" charset="0"/>
+              <a:cs typeface="Consolas" panose="020B0609020204030204" pitchFamily="49" charset="0"/>
+            </a:endParaRPr>
+          </a:p>
+          <a:p>
+            <a:r>
+              <a:rPr lang="en-US" dirty="0" smtClean="0">
+                <a:solidFill>
+                  <a:schemeClr val="tx1">
+                    <a:lumMod val="50000"/>
+                    <a:lumOff val="50000"/>
+                  </a:schemeClr>
+                </a:solidFill>
+                <a:latin typeface="Consolas" panose="020B0609020204030204" pitchFamily="49" charset="0"/>
+                <a:cs typeface="Consolas" panose="020B0609020204030204" pitchFamily="49" charset="0"/>
+              </a:rPr>
+              <a:t>    </a:t>
+            </a:r>
+            <a:r>
+              <a:rPr lang="en-US" dirty="0" smtClean="0">
+                <a:solidFill>
+                  <a:schemeClr val="bg1"/>
+                </a:solidFill>
+                <a:latin typeface="Consolas" panose="020B0609020204030204" pitchFamily="49" charset="0"/>
+                <a:cs typeface="Consolas" panose="020B0609020204030204" pitchFamily="49" charset="0"/>
+              </a:rPr>
+              <a:t>value </a:t>
+            </a:r>
+            <a:r>
+              <a:rPr lang="en-US" dirty="0" smtClean="0">
+                <a:latin typeface="Consolas" panose="020B0609020204030204" pitchFamily="49" charset="0"/>
+                <a:cs typeface="Consolas" panose="020B0609020204030204" pitchFamily="49" charset="0"/>
+              </a:rPr>
+              <a:t>= </a:t>
+            </a:r>
+            <a:r>
+              <a:rPr lang="en-US" dirty="0">
+                <a:solidFill>
+                  <a:schemeClr val="accent3"/>
+                </a:solidFill>
+                <a:latin typeface="Consolas" panose="020B0609020204030204" pitchFamily="49" charset="0"/>
+                <a:cs typeface="Consolas" panose="020B0609020204030204" pitchFamily="49" charset="0"/>
+              </a:rPr>
+              <a:t>'</a:t>
+            </a:r>
+            <a:r>
+              <a:rPr lang="en-US" dirty="0" smtClean="0">
+                <a:solidFill>
+                  <a:schemeClr val="accent3"/>
+                </a:solidFill>
+                <a:latin typeface="Consolas" panose="020B0609020204030204" pitchFamily="49" charset="0"/>
+                <a:cs typeface="Consolas" panose="020B0609020204030204" pitchFamily="49" charset="0"/>
+              </a:rPr>
+              <a:t>inner'</a:t>
+            </a:r>
+            <a:r>
+              <a:rPr lang="en-US" dirty="0" smtClean="0">
+                <a:solidFill>
+                  <a:schemeClr val="bg1"/>
+                </a:solidFill>
+                <a:latin typeface="Consolas" panose="020B0609020204030204" pitchFamily="49" charset="0"/>
+                <a:cs typeface="Consolas" panose="020B0609020204030204" pitchFamily="49" charset="0"/>
+              </a:rPr>
+              <a:t>;</a:t>
+            </a:r>
+            <a:endParaRPr lang="en-US" dirty="0">
+              <a:solidFill>
+                <a:schemeClr val="bg1"/>
+              </a:solidFill>
+              <a:latin typeface="Consolas" panose="020B0609020204030204" pitchFamily="49" charset="0"/>
+              <a:cs typeface="Consolas" panose="020B0609020204030204" pitchFamily="49" charset="0"/>
+            </a:endParaRPr>
+          </a:p>
+          <a:p>
+            <a:r>
+              <a:rPr lang="en-US" dirty="0" smtClean="0">
+                <a:solidFill>
+                  <a:schemeClr val="bg1"/>
+                </a:solidFill>
+                <a:latin typeface="Consolas" panose="020B0609020204030204" pitchFamily="49" charset="0"/>
+                <a:cs typeface="Consolas" panose="020B0609020204030204" pitchFamily="49" charset="0"/>
+              </a:rPr>
+              <a:t>}</a:t>
+            </a:r>
+          </a:p>
+        </p:txBody>
+      </p:sp>
+      <p:sp>
+        <p:nvSpPr>
+          <p:cNvPr id="7" name="Chevron 6"/>
+          <p:cNvSpPr/>
+          <p:nvPr/>
+        </p:nvSpPr>
+        <p:spPr>
+          <a:xfrm>
+            <a:off x="4495800" y="2297162"/>
+            <a:ext cx="457200" cy="522238"/>
+          </a:xfrm>
+          <a:prstGeom prst="chevron">
+            <a:avLst/>
+          </a:prstGeom>
+        </p:spPr>
+        <p:style>
+          <a:lnRef idx="2">
+            <a:schemeClr val="accent1">
+              <a:shade val="50000"/>
+            </a:schemeClr>
+          </a:lnRef>
+          <a:fillRef idx="1">
+            <a:schemeClr val="accent1"/>
+          </a:fillRef>
+          <a:effectRef idx="0">
+            <a:schemeClr val="accent1"/>
+          </a:effectRef>
+          <a:fontRef idx="minor">
+            <a:schemeClr val="lt1"/>
+          </a:fontRef>
+        </p:style>
+        <p:txBody>
+          <a:bodyPr rtlCol="0" anchor="ctr"/>
+          <a:lstStyle/>
+          <a:p>
+            <a:pPr algn="ctr"/>
+            <a:endParaRPr lang="en-US">
+              <a:solidFill>
+                <a:schemeClr val="tx1"/>
+              </a:solidFill>
+            </a:endParaRPr>
+          </a:p>
         </p:txBody>
       </p:sp>
     </p:spTree>
     <p:extLst>
       <p:ext uri="{BB962C8B-B14F-4D97-AF65-F5344CB8AC3E}">
-        <p14:creationId xmlns:p14="http://schemas.microsoft.com/office/powerpoint/2010/main" val="2039589176"/>
+        <p14:creationId xmlns:p14="http://schemas.microsoft.com/office/powerpoint/2010/main" val="1807349476"/>
       </p:ext>
     </p:extLst>
   </p:cSld>
@@ -14399,18 +15052,18 @@
       </p:grpSpPr>
       <p:sp>
         <p:nvSpPr>
-          <p:cNvPr id="2" name="Content Placeholder 1"/>
+          <p:cNvPr id="3" name="Content Placeholder 2"/>
           <p:cNvSpPr>
             <a:spLocks noGrp="1"/>
           </p:cNvSpPr>
           <p:nvPr>
-            <p:ph sz="half" idx="1"/>
+            <p:ph idx="1"/>
           </p:nvPr>
         </p:nvSpPr>
         <p:spPr>
           <a:xfrm>
-            <a:off x="457200" y="1481328"/>
-            <a:ext cx="4038600" cy="5071871"/>
+            <a:off x="457200" y="3276600"/>
+            <a:ext cx="8229600" cy="3276600"/>
           </a:xfrm>
           <a:ln/>
         </p:spPr>
@@ -14434,54 +15087,184 @@
           </a:bodyPr>
           <a:lstStyle/>
           <a:p>
+            <a:pPr>
+              <a:spcBef>
+                <a:spcPts val="1200"/>
+              </a:spcBef>
+            </a:pPr>
             <a:r>
               <a:rPr lang="en-US" sz="2400" dirty="0" smtClean="0"/>
-              <a:t>‘</a:t>
-            </a:r>
-            <a:r>
-              <a:rPr lang="en-US" sz="2400" dirty="0" err="1" smtClean="0"/>
-              <a:t>Falsey</a:t>
-            </a:r>
-            <a:r>
-              <a:rPr lang="en-US" sz="2400" dirty="0" smtClean="0"/>
-              <a:t>’ values:</a:t>
+              <a:t>Number of parameters is not constrained</a:t>
             </a:r>
           </a:p>
           <a:p>
             <a:pPr lvl="1"/>
             <a:r>
-              <a:rPr lang="en-US" sz="1800" b="1" dirty="0">
-                <a:solidFill>
-                  <a:schemeClr val="accent1"/>
-                </a:solidFill>
-                <a:latin typeface="Consolas" panose="020B0609020204030204" pitchFamily="49" charset="0"/>
-                <a:cs typeface="Consolas" panose="020B0609020204030204" pitchFamily="49" charset="0"/>
-              </a:rPr>
-              <a:t>0</a:t>
+              <a:rPr lang="en-US" sz="1800" dirty="0" smtClean="0"/>
+              <a:t>Can pass more or fewer parameters than specified</a:t>
+            </a:r>
+          </a:p>
+          <a:p>
+            <a:pPr lvl="1"/>
+            <a:r>
+              <a:rPr lang="en-US" sz="1800" dirty="0" smtClean="0">
+                <a:solidFill>
+                  <a:schemeClr val="accent1"/>
+                </a:solidFill>
+                <a:latin typeface="Consolas" panose="020B0609020204030204" pitchFamily="49" charset="0"/>
+                <a:cs typeface="Consolas" panose="020B0609020204030204" pitchFamily="49" charset="0"/>
+              </a:rPr>
+              <a:t>arguments</a:t>
+            </a:r>
+            <a:r>
+              <a:rPr lang="en-US" sz="1800" dirty="0" smtClean="0"/>
+              <a:t> allows access to all parameters passed to the </a:t>
+            </a:r>
+            <a:r>
+              <a:rPr lang="en-US" sz="1800" dirty="0" smtClean="0"/>
+              <a:t>function</a:t>
+            </a:r>
+          </a:p>
+          <a:p>
+            <a:pPr lvl="2"/>
+            <a:r>
+              <a:rPr lang="en-US" sz="1600" dirty="0" smtClean="0"/>
+              <a:t>An </a:t>
+            </a:r>
+            <a:r>
+              <a:rPr lang="en-US" sz="1600" i="1" dirty="0" smtClean="0">
+                <a:solidFill>
+                  <a:schemeClr val="accent3"/>
+                </a:solidFill>
+              </a:rPr>
+              <a:t>array-like object</a:t>
+            </a:r>
+            <a:r>
+              <a:rPr lang="en-US" sz="1600" dirty="0">
+                <a:solidFill>
+                  <a:srgbClr val="C00000"/>
+                </a:solidFill>
+                <a:latin typeface="Consolas" panose="020B0609020204030204" pitchFamily="49" charset="0"/>
+                <a:cs typeface="Consolas" panose="020B0609020204030204" pitchFamily="49" charset="0"/>
+              </a:rPr>
+              <a:t> </a:t>
+            </a:r>
+            <a:r>
+              <a:rPr lang="en-US" sz="1600" dirty="0" smtClean="0">
+                <a:solidFill>
+                  <a:srgbClr val="C00000"/>
+                </a:solidFill>
+                <a:latin typeface="Consolas" panose="020B0609020204030204" pitchFamily="49" charset="0"/>
+                <a:cs typeface="Consolas" panose="020B0609020204030204" pitchFamily="49" charset="0"/>
+              </a:rPr>
+              <a:t>  </a:t>
+            </a:r>
+            <a:r>
+              <a:rPr lang="en-US" sz="1100" dirty="0" smtClean="0">
+                <a:solidFill>
+                  <a:srgbClr val="C00000"/>
+                </a:solidFill>
+                <a:latin typeface="Consolas" panose="020B0609020204030204" pitchFamily="49" charset="0"/>
+                <a:cs typeface="Consolas" panose="020B0609020204030204" pitchFamily="49" charset="0"/>
+              </a:rPr>
+              <a:t>•</a:t>
+            </a:r>
+            <a:r>
+              <a:rPr lang="en-US" sz="1600" dirty="0" smtClean="0">
+                <a:solidFill>
+                  <a:srgbClr val="C00000"/>
+                </a:solidFill>
+                <a:latin typeface="Consolas" panose="020B0609020204030204" pitchFamily="49" charset="0"/>
+                <a:cs typeface="Consolas" panose="020B0609020204030204" pitchFamily="49" charset="0"/>
+              </a:rPr>
+              <a:t> </a:t>
             </a:r>
             <a:r>
               <a:rPr lang="en-US" sz="1600" dirty="0" smtClean="0"/>
               <a:t> </a:t>
             </a:r>
             <a:r>
-              <a:rPr lang="en-US" sz="1400" dirty="0" smtClean="0"/>
-              <a:t>and</a:t>
+              <a:rPr lang="en-US" sz="1600" dirty="0"/>
+              <a:t>Can be used like </a:t>
             </a:r>
             <a:r>
               <a:rPr lang="en-US" sz="1600" dirty="0" smtClean="0"/>
-              <a:t> </a:t>
-            </a:r>
-            <a:r>
-              <a:rPr lang="en-US" sz="1800" b="1" dirty="0">
-                <a:solidFill>
-                  <a:schemeClr val="accent1"/>
-                </a:solidFill>
-                <a:latin typeface="Consolas" panose="020B0609020204030204" pitchFamily="49" charset="0"/>
-                <a:cs typeface="Consolas" panose="020B0609020204030204" pitchFamily="49" charset="0"/>
-              </a:rPr>
-              <a:t>-0</a:t>
-            </a:r>
-            <a:endParaRPr lang="en-US" sz="2800" b="1" dirty="0">
+              <a:t>a Java </a:t>
+            </a:r>
+            <a:r>
+              <a:rPr lang="en-US" sz="1600" dirty="0" err="1" smtClean="0">
+                <a:solidFill>
+                  <a:schemeClr val="accent1"/>
+                </a:solidFill>
+                <a:latin typeface="Consolas" panose="020B0609020204030204" pitchFamily="49" charset="0"/>
+                <a:cs typeface="Consolas" panose="020B0609020204030204" pitchFamily="49" charset="0"/>
+              </a:rPr>
+              <a:t>varargs</a:t>
+            </a:r>
+            <a:r>
+              <a:rPr lang="en-US" sz="1600" dirty="0" smtClean="0"/>
+              <a:t> parameter </a:t>
+            </a:r>
+            <a:endParaRPr lang="en-US" sz="1600" dirty="0"/>
+          </a:p>
+          <a:p>
+            <a:pPr>
+              <a:spcBef>
+                <a:spcPts val="1200"/>
+              </a:spcBef>
+            </a:pPr>
+            <a:r>
+              <a:rPr lang="en-US" sz="2400" dirty="0" smtClean="0"/>
+              <a:t>Function Methods</a:t>
+            </a:r>
+          </a:p>
+          <a:p>
+            <a:pPr lvl="1"/>
+            <a:r>
+              <a:rPr lang="en-US" sz="1800" dirty="0"/>
+              <a:t>Each </a:t>
+            </a:r>
+            <a:r>
+              <a:rPr lang="en-US" sz="1800" dirty="0" smtClean="0"/>
+              <a:t>function </a:t>
+            </a:r>
+            <a:r>
+              <a:rPr lang="en-US" sz="1800" dirty="0"/>
+              <a:t>is </a:t>
+            </a:r>
+            <a:r>
+              <a:rPr lang="en-US" sz="1800" dirty="0" smtClean="0"/>
+              <a:t>itself an object </a:t>
+            </a:r>
+            <a:r>
+              <a:rPr lang="en-US" sz="1800" dirty="0" smtClean="0"/>
+              <a:t>with its own methods:</a:t>
+            </a:r>
+            <a:endParaRPr lang="en-US" sz="1800" dirty="0" smtClean="0"/>
+          </a:p>
+          <a:p>
+            <a:pPr lvl="2"/>
+            <a:r>
+              <a:rPr lang="en-US" sz="1600" b="1" dirty="0" smtClean="0">
+                <a:solidFill>
+                  <a:schemeClr val="accent1"/>
+                </a:solidFill>
+              </a:rPr>
+              <a:t>.bind</a:t>
+            </a:r>
+            <a:r>
+              <a:rPr lang="en-US" sz="1600" dirty="0" smtClean="0"/>
+              <a:t> creates a call to the function with some/all </a:t>
+            </a:r>
+            <a:r>
+              <a:rPr lang="en-US" sz="1600" dirty="0" err="1" smtClean="0"/>
+              <a:t>params</a:t>
+            </a:r>
+            <a:r>
+              <a:rPr lang="en-US" sz="1600" dirty="0" smtClean="0"/>
+              <a:t> set</a:t>
+            </a:r>
+            <a:endParaRPr lang="en-US" sz="1600" dirty="0" smtClean="0">
               <a:solidFill>
                 <a:schemeClr val="accent1"/>
               </a:solidFill>
@@ -14490,417 +15273,72 @@
             </a:endParaRPr>
           </a:p>
           <a:p>
-            <a:pPr lvl="1"/>
-            <a:r>
-              <a:rPr lang="en-US" sz="1800" b="1" dirty="0" err="1" smtClean="0">
-                <a:solidFill>
-                  <a:schemeClr val="accent1"/>
-                </a:solidFill>
-                <a:latin typeface="Consolas" panose="020B0609020204030204" pitchFamily="49" charset="0"/>
-                <a:cs typeface="Consolas" panose="020B0609020204030204" pitchFamily="49" charset="0"/>
-              </a:rPr>
-              <a:t>NaN</a:t>
-            </a:r>
-            <a:endParaRPr lang="en-US" sz="1800" b="1" dirty="0" smtClean="0">
-              <a:solidFill>
-                <a:schemeClr val="accent1"/>
-              </a:solidFill>
-              <a:latin typeface="Consolas" panose="020B0609020204030204" pitchFamily="49" charset="0"/>
-              <a:cs typeface="Consolas" panose="020B0609020204030204" pitchFamily="49" charset="0"/>
-            </a:endParaRPr>
-          </a:p>
-          <a:p>
-            <a:pPr lvl="1"/>
-            <a:r>
-              <a:rPr lang="en-US" sz="1800" b="1" dirty="0" smtClean="0">
-                <a:solidFill>
-                  <a:schemeClr val="accent1"/>
-                </a:solidFill>
-                <a:latin typeface="Consolas" panose="020B0609020204030204" pitchFamily="49" charset="0"/>
-                <a:cs typeface="Consolas" panose="020B0609020204030204" pitchFamily="49" charset="0"/>
-              </a:rPr>
-              <a:t>''</a:t>
+            <a:pPr lvl="2"/>
+            <a:r>
+              <a:rPr lang="en-US" sz="1600" b="1" dirty="0" smtClean="0">
+                <a:solidFill>
+                  <a:schemeClr val="accent1"/>
+                </a:solidFill>
+                <a:latin typeface="Consolas" panose="020B0609020204030204" pitchFamily="49" charset="0"/>
+                <a:cs typeface="Consolas" panose="020B0609020204030204" pitchFamily="49" charset="0"/>
+              </a:rPr>
+              <a:t>.</a:t>
+            </a:r>
+            <a:r>
+              <a:rPr lang="en-US" sz="1600" b="1" dirty="0" smtClean="0">
+                <a:solidFill>
+                  <a:schemeClr val="accent1"/>
+                </a:solidFill>
+                <a:latin typeface="Consolas" panose="020B0609020204030204" pitchFamily="49" charset="0"/>
+                <a:cs typeface="Consolas" panose="020B0609020204030204" pitchFamily="49" charset="0"/>
+              </a:rPr>
+              <a:t>call</a:t>
             </a:r>
             <a:r>
               <a:rPr lang="en-US" sz="1600" dirty="0" smtClean="0"/>
-              <a:t> </a:t>
-            </a:r>
-            <a:r>
-              <a:rPr lang="en-US" sz="1400" dirty="0" smtClean="0"/>
-              <a:t>[empty string]</a:t>
-            </a:r>
-            <a:endParaRPr lang="en-US" sz="1600" dirty="0" smtClean="0"/>
-          </a:p>
-          <a:p>
-            <a:pPr lvl="1"/>
-            <a:r>
-              <a:rPr lang="en-US" sz="1800" b="1" dirty="0" smtClean="0">
-                <a:solidFill>
-                  <a:schemeClr val="accent1"/>
-                </a:solidFill>
-                <a:latin typeface="Consolas" panose="020B0609020204030204" pitchFamily="49" charset="0"/>
-                <a:cs typeface="Consolas" panose="020B0609020204030204" pitchFamily="49" charset="0"/>
-              </a:rPr>
-              <a:t>false</a:t>
-            </a:r>
-          </a:p>
-          <a:p>
-            <a:pPr lvl="1"/>
-            <a:r>
-              <a:rPr lang="en-US" sz="1800" b="1" dirty="0" smtClean="0">
-                <a:solidFill>
-                  <a:schemeClr val="accent1"/>
-                </a:solidFill>
-                <a:latin typeface="Consolas" panose="020B0609020204030204" pitchFamily="49" charset="0"/>
-                <a:cs typeface="Consolas" panose="020B0609020204030204" pitchFamily="49" charset="0"/>
-              </a:rPr>
-              <a:t>null</a:t>
+              <a:t> allows invoking another object’s methods (sets the </a:t>
+            </a:r>
+            <a:r>
+              <a:rPr lang="en-US" sz="1600" dirty="0" smtClean="0">
+                <a:solidFill>
+                  <a:schemeClr val="accent1"/>
+                </a:solidFill>
+                <a:latin typeface="Consolas" panose="020B0609020204030204" pitchFamily="49" charset="0"/>
+                <a:cs typeface="Consolas" panose="020B0609020204030204" pitchFamily="49" charset="0"/>
+              </a:rPr>
+              <a:t>this</a:t>
+            </a:r>
+            <a:r>
+              <a:rPr lang="en-US" sz="1600" dirty="0" smtClean="0"/>
+              <a:t> context)</a:t>
+            </a:r>
+          </a:p>
+          <a:p>
+            <a:pPr lvl="2"/>
+            <a:r>
+              <a:rPr lang="en-US" sz="1600" b="1" dirty="0">
+                <a:solidFill>
+                  <a:schemeClr val="accent1"/>
+                </a:solidFill>
+                <a:latin typeface="Consolas" panose="020B0609020204030204" pitchFamily="49" charset="0"/>
+                <a:cs typeface="Consolas" panose="020B0609020204030204" pitchFamily="49" charset="0"/>
+              </a:rPr>
+              <a:t>.apply</a:t>
             </a:r>
             <a:r>
               <a:rPr lang="en-US" sz="1600" dirty="0"/>
               <a:t> </a:t>
             </a:r>
             <a:r>
-              <a:rPr lang="en-US" sz="1400" dirty="0"/>
-              <a:t>and</a:t>
-            </a:r>
-            <a:r>
-              <a:rPr lang="en-US" sz="1600" dirty="0"/>
-              <a:t> </a:t>
-            </a:r>
-            <a:r>
-              <a:rPr lang="en-US" sz="1800" b="1" dirty="0" smtClean="0">
-                <a:solidFill>
-                  <a:schemeClr val="accent1"/>
-                </a:solidFill>
-                <a:latin typeface="Consolas" panose="020B0609020204030204" pitchFamily="49" charset="0"/>
-                <a:cs typeface="Consolas" panose="020B0609020204030204" pitchFamily="49" charset="0"/>
-              </a:rPr>
-              <a:t>undefined</a:t>
-            </a:r>
-          </a:p>
-          <a:p>
-            <a:pPr marL="393192" lvl="1" indent="0">
-              <a:buNone/>
-            </a:pPr>
-            <a:r>
-              <a:rPr lang="en-US" sz="700" i="1" dirty="0" smtClean="0">
-                <a:solidFill>
-                  <a:schemeClr val="bg1"/>
-                </a:solidFill>
-              </a:rPr>
-              <a:t>.</a:t>
-            </a:r>
-            <a:r>
-              <a:rPr lang="en-US" sz="1400" i="1" dirty="0" smtClean="0"/>
-              <a:t/>
-            </a:r>
-            <a:br>
-              <a:rPr lang="en-US" sz="1400" i="1" dirty="0" smtClean="0"/>
-            </a:br>
-            <a:r>
-              <a:rPr lang="en-US" sz="1400" i="1" u="sng" dirty="0" smtClean="0"/>
-              <a:t>All</a:t>
-            </a:r>
-            <a:r>
-              <a:rPr lang="en-US" sz="1400" i="1" dirty="0" smtClean="0"/>
-              <a:t> others values amount to </a:t>
-            </a:r>
-            <a:r>
-              <a:rPr lang="en-US" sz="1400" b="1" dirty="0" smtClean="0"/>
-              <a:t>true</a:t>
-            </a:r>
-            <a:r>
-              <a:rPr lang="en-US" sz="1400" i="1" dirty="0" smtClean="0"/>
-              <a:t> in conditional expressions!</a:t>
-            </a:r>
-          </a:p>
-          <a:p>
-            <a:pPr>
-              <a:spcBef>
-                <a:spcPts val="1200"/>
-              </a:spcBef>
-            </a:pPr>
-            <a:r>
-              <a:rPr lang="en-US" sz="2400" dirty="0" smtClean="0"/>
-              <a:t>Use </a:t>
-            </a:r>
-            <a:r>
-              <a:rPr lang="en-US" sz="2400" dirty="0" smtClean="0">
-                <a:solidFill>
-                  <a:schemeClr val="accent1"/>
-                </a:solidFill>
-                <a:latin typeface="Consolas" panose="020B0609020204030204" pitchFamily="49" charset="0"/>
-                <a:cs typeface="Consolas" panose="020B0609020204030204" pitchFamily="49" charset="0"/>
-              </a:rPr>
-              <a:t>&amp;&amp;</a:t>
-            </a:r>
-            <a:r>
-              <a:rPr lang="en-US" sz="2400" dirty="0" smtClean="0"/>
-              <a:t> and </a:t>
-            </a:r>
-            <a:r>
-              <a:rPr lang="en-US" sz="2400" dirty="0" smtClean="0">
-                <a:solidFill>
-                  <a:schemeClr val="accent1"/>
-                </a:solidFill>
-                <a:latin typeface="Consolas" panose="020B0609020204030204" pitchFamily="49" charset="0"/>
-                <a:cs typeface="Consolas" panose="020B0609020204030204" pitchFamily="49" charset="0"/>
-              </a:rPr>
-              <a:t>||</a:t>
-            </a:r>
-            <a:r>
-              <a:rPr lang="en-US" sz="2400" dirty="0" smtClean="0"/>
-              <a:t>…</a:t>
-            </a:r>
-          </a:p>
-          <a:p>
-            <a:pPr lvl="1"/>
-            <a:r>
-              <a:rPr lang="en-US" sz="1800" dirty="0" smtClean="0"/>
-              <a:t>…to avoid </a:t>
-            </a:r>
-            <a:r>
-              <a:rPr lang="en-US" sz="1800" dirty="0"/>
-              <a:t>null </a:t>
-            </a:r>
-            <a:r>
-              <a:rPr lang="en-US" sz="1800" dirty="0" smtClean="0"/>
-              <a:t>references.</a:t>
-            </a:r>
-            <a:r>
-              <a:rPr lang="en-US" sz="1800" dirty="0"/>
-              <a:t/>
-            </a:r>
-            <a:br>
-              <a:rPr lang="en-US" sz="1800" dirty="0"/>
-            </a:br>
-            <a:r>
-              <a:rPr lang="en-US" sz="1800" dirty="0" smtClean="0">
-                <a:solidFill>
-                  <a:schemeClr val="bg1"/>
-                </a:solidFill>
-              </a:rPr>
-              <a:t>.</a:t>
-            </a:r>
-            <a:r>
-              <a:rPr lang="en-US" sz="1800" dirty="0"/>
-              <a:t/>
-            </a:r>
-            <a:br>
-              <a:rPr lang="en-US" sz="1800" dirty="0"/>
-            </a:br>
-            <a:endParaRPr lang="en-US" sz="1800" dirty="0"/>
-          </a:p>
-          <a:p>
-            <a:pPr lvl="1"/>
-            <a:r>
-              <a:rPr lang="en-US" sz="1800" dirty="0" smtClean="0"/>
-              <a:t>…to coalesce null values.</a:t>
-            </a:r>
-          </a:p>
-          <a:p>
-            <a:pPr lvl="1"/>
-            <a:endParaRPr lang="en-US" sz="1800" dirty="0"/>
-          </a:p>
-          <a:p>
-            <a:pPr lvl="1">
-              <a:spcBef>
-                <a:spcPts val="1200"/>
-              </a:spcBef>
-            </a:pPr>
-            <a:r>
-              <a:rPr lang="en-US" sz="1800" dirty="0" smtClean="0"/>
-              <a:t>Not converted to </a:t>
-            </a:r>
-            <a:r>
-              <a:rPr lang="en-US" sz="1800" dirty="0" err="1" smtClean="0"/>
-              <a:t>boolean</a:t>
-            </a:r>
-            <a:r>
-              <a:rPr lang="en-US" sz="1800" dirty="0" smtClean="0"/>
-              <a:t>!</a:t>
-            </a:r>
-          </a:p>
-          <a:p>
-            <a:pPr lvl="1"/>
-            <a:endParaRPr lang="en-US" sz="1800" dirty="0">
-              <a:solidFill>
-                <a:schemeClr val="accent1"/>
-              </a:solidFill>
-              <a:latin typeface="Consolas" panose="020B0609020204030204" pitchFamily="49" charset="0"/>
-              <a:cs typeface="Consolas" panose="020B0609020204030204" pitchFamily="49" charset="0"/>
-            </a:endParaRPr>
+              <a:rPr lang="en-US" sz="1600" dirty="0" smtClean="0"/>
+              <a:t>is like call but lets you pass an array as the arguments</a:t>
+            </a:r>
           </a:p>
         </p:txBody>
       </p:sp>
       <p:sp>
         <p:nvSpPr>
-          <p:cNvPr id="3" name="Content Placeholder 2"/>
-          <p:cNvSpPr>
-            <a:spLocks noGrp="1"/>
-          </p:cNvSpPr>
-          <p:nvPr>
-            <p:ph sz="half" idx="2"/>
-          </p:nvPr>
-        </p:nvSpPr>
-        <p:spPr>
-          <a:xfrm>
-            <a:off x="4648200" y="1481328"/>
-            <a:ext cx="4038600" cy="5071872"/>
-          </a:xfrm>
-          <a:ln/>
-        </p:spPr>
-        <p:style>
-          <a:lnRef idx="2">
-            <a:schemeClr val="accent5"/>
-          </a:lnRef>
-          <a:fillRef idx="1">
-            <a:schemeClr val="lt1"/>
-          </a:fillRef>
-          <a:effectRef idx="0">
-            <a:schemeClr val="accent5"/>
-          </a:effectRef>
-          <a:fontRef idx="minor">
-            <a:schemeClr val="dk1"/>
-          </a:fontRef>
-        </p:style>
-        <p:txBody>
-          <a:bodyPr>
-            <a:normAutofit/>
-          </a:bodyPr>
-          <a:lstStyle/>
-          <a:p>
-            <a:r>
-              <a:rPr lang="en-US" sz="2400" dirty="0"/>
-              <a:t>Strict equality (</a:t>
-            </a:r>
-            <a:r>
-              <a:rPr lang="en-US" sz="2400" dirty="0">
-                <a:solidFill>
-                  <a:schemeClr val="accent1"/>
-                </a:solidFill>
-                <a:latin typeface="Consolas" panose="020B0609020204030204" pitchFamily="49" charset="0"/>
-                <a:cs typeface="Consolas" panose="020B0609020204030204" pitchFamily="49" charset="0"/>
-              </a:rPr>
-              <a:t>===</a:t>
-            </a:r>
-            <a:r>
-              <a:rPr lang="en-US" sz="2400" dirty="0"/>
-              <a:t>)</a:t>
-            </a:r>
-          </a:p>
-          <a:p>
-            <a:pPr lvl="1"/>
-            <a:r>
-              <a:rPr lang="en-US" sz="1800" dirty="0" smtClean="0"/>
-              <a:t>More predictable</a:t>
-            </a:r>
-          </a:p>
-          <a:p>
-            <a:pPr lvl="1"/>
-            <a:r>
-              <a:rPr lang="en-US" sz="1800" dirty="0" smtClean="0"/>
-              <a:t>Should be used most cases</a:t>
-            </a:r>
-          </a:p>
-          <a:p>
-            <a:r>
-              <a:rPr lang="en-US" sz="2400" dirty="0" smtClean="0"/>
-              <a:t>Loose </a:t>
-            </a:r>
-            <a:r>
-              <a:rPr lang="en-US" sz="2400" dirty="0"/>
-              <a:t>equality </a:t>
-            </a:r>
-            <a:r>
-              <a:rPr lang="en-US" sz="2400" dirty="0" smtClean="0"/>
-              <a:t>(</a:t>
-            </a:r>
-            <a:r>
-              <a:rPr lang="en-US" sz="2400" dirty="0" smtClean="0">
-                <a:solidFill>
-                  <a:schemeClr val="accent1"/>
-                </a:solidFill>
-                <a:latin typeface="Consolas" panose="020B0609020204030204" pitchFamily="49" charset="0"/>
-                <a:cs typeface="Consolas" panose="020B0609020204030204" pitchFamily="49" charset="0"/>
-              </a:rPr>
-              <a:t>==</a:t>
-            </a:r>
-            <a:r>
-              <a:rPr lang="en-US" sz="2400" dirty="0" smtClean="0"/>
-              <a:t>)</a:t>
-            </a:r>
-            <a:br>
-              <a:rPr lang="en-US" sz="2400" dirty="0" smtClean="0"/>
-            </a:br>
-            <a:r>
-              <a:rPr lang="en-US" sz="2400" dirty="0" smtClean="0"/>
-              <a:t/>
-            </a:r>
-            <a:br>
-              <a:rPr lang="en-US" sz="2400" dirty="0" smtClean="0"/>
-            </a:br>
-            <a:r>
-              <a:rPr lang="en-US" sz="2400" dirty="0" smtClean="0"/>
-              <a:t/>
-            </a:r>
-            <a:br>
-              <a:rPr lang="en-US" sz="2400" dirty="0" smtClean="0"/>
-            </a:br>
-            <a:r>
-              <a:rPr lang="en-US" sz="2400" dirty="0" smtClean="0"/>
-              <a:t/>
-            </a:r>
-            <a:br>
-              <a:rPr lang="en-US" sz="2400" dirty="0" smtClean="0"/>
-            </a:br>
-            <a:r>
-              <a:rPr lang="en-US" sz="2400" dirty="0" smtClean="0"/>
-              <a:t/>
-            </a:r>
-            <a:br>
-              <a:rPr lang="en-US" sz="2400" dirty="0" smtClean="0"/>
-            </a:br>
-            <a:endParaRPr lang="en-US" sz="1600" dirty="0" smtClean="0">
-              <a:solidFill>
-                <a:schemeClr val="bg1"/>
-              </a:solidFill>
-            </a:endParaRPr>
-          </a:p>
-          <a:p>
-            <a:pPr>
-              <a:spcBef>
-                <a:spcPts val="2400"/>
-              </a:spcBef>
-            </a:pPr>
-            <a:r>
-              <a:rPr lang="en-US" sz="2400" dirty="0" smtClean="0"/>
-              <a:t>Special Case: </a:t>
-            </a:r>
-            <a:r>
-              <a:rPr lang="en-US" sz="2400" b="1" dirty="0" err="1" smtClean="0">
-                <a:solidFill>
-                  <a:schemeClr val="accent1"/>
-                </a:solidFill>
-                <a:latin typeface="Consolas" panose="020B0609020204030204" pitchFamily="49" charset="0"/>
-                <a:cs typeface="Consolas" panose="020B0609020204030204" pitchFamily="49" charset="0"/>
-              </a:rPr>
-              <a:t>NaN</a:t>
-            </a:r>
-            <a:endParaRPr lang="en-US" sz="1800" dirty="0">
-              <a:solidFill>
-                <a:schemeClr val="accent1"/>
-              </a:solidFill>
-              <a:latin typeface="Consolas" panose="020B0609020204030204" pitchFamily="49" charset="0"/>
-              <a:cs typeface="Consolas" panose="020B0609020204030204" pitchFamily="49" charset="0"/>
-            </a:endParaRPr>
-          </a:p>
-        </p:txBody>
-      </p:sp>
-      <p:sp>
-        <p:nvSpPr>
-          <p:cNvPr id="4" name="Title 3"/>
+          <p:cNvPr id="2" name="Title 1"/>
           <p:cNvSpPr>
             <a:spLocks noGrp="1"/>
           </p:cNvSpPr>
@@ -14917,19 +15355,7 @@
               <a:rPr lang="en-US" dirty="0" smtClean="0">
                 <a:latin typeface="Berlin Sans FB Demi" panose="020E0802020502020306" pitchFamily="34" charset="0"/>
               </a:rPr>
-              <a:t>Equality </a:t>
-            </a:r>
-            <a:r>
-              <a:rPr lang="en-US" sz="3600" dirty="0" smtClean="0">
-                <a:latin typeface="Berlin Sans FB Demi" panose="020E0802020502020306" pitchFamily="34" charset="0"/>
-              </a:rPr>
-              <a:t>and</a:t>
-            </a:r>
-            <a:r>
-              <a:rPr lang="en-US" dirty="0" smtClean="0">
-                <a:latin typeface="Berlin Sans FB Demi" panose="020E0802020502020306" pitchFamily="34" charset="0"/>
-              </a:rPr>
-              <a:t> Comparisons</a:t>
+              <a:t>Function Invocation</a:t>
             </a:r>
             <a:endParaRPr lang="en-US" dirty="0">
               <a:latin typeface="Berlin Sans FB Demi" panose="020E0802020502020306" pitchFamily="34" charset="0"/>
@@ -14939,14 +15365,14 @@
       </p:sp>
       <p:sp>
         <p:nvSpPr>
-          <p:cNvPr id="6" name="TextBox 5"/>
+          <p:cNvPr id="4" name="TextBox 3"/>
           <p:cNvSpPr txBox="1"/>
           <p:nvPr/>
         </p:nvSpPr>
         <p:spPr>
           <a:xfrm>
-            <a:off x="1295400" y="4876800"/>
-            <a:ext cx="2667000" cy="369332"/>
+            <a:off x="1066801" y="1295400"/>
+            <a:ext cx="7010398" cy="1754326"/>
           </a:xfrm>
           <a:prstGeom prst="rect">
             <a:avLst/>
@@ -14980,27 +15406,94 @@
                 <a:latin typeface="Consolas" panose="020B0609020204030204" pitchFamily="49" charset="0"/>
                 <a:cs typeface="Consolas" panose="020B0609020204030204" pitchFamily="49" charset="0"/>
               </a:rPr>
+              <a:t>function</a:t>
+            </a:r>
+            <a:r>
+              <a:rPr lang="en-US" dirty="0" smtClean="0">
+                <a:latin typeface="Consolas" panose="020B0609020204030204" pitchFamily="49" charset="0"/>
+                <a:cs typeface="Consolas" panose="020B0609020204030204" pitchFamily="49" charset="0"/>
+              </a:rPr>
+              <a:t> </a:t>
+            </a:r>
+            <a:r>
+              <a:rPr lang="en-US" dirty="0" smtClean="0">
+                <a:solidFill>
+                  <a:schemeClr val="bg1"/>
+                </a:solidFill>
+                <a:latin typeface="Consolas" panose="020B0609020204030204" pitchFamily="49" charset="0"/>
+                <a:cs typeface="Consolas" panose="020B0609020204030204" pitchFamily="49" charset="0"/>
+              </a:rPr>
+              <a:t>demo(arg1, arg2) {</a:t>
+            </a:r>
+            <a:endParaRPr lang="en-US" dirty="0" smtClean="0">
+              <a:solidFill>
+                <a:schemeClr val="tx1">
+                  <a:lumMod val="50000"/>
+                  <a:lumOff val="50000"/>
+                </a:schemeClr>
+              </a:solidFill>
+              <a:latin typeface="Consolas" panose="020B0609020204030204" pitchFamily="49" charset="0"/>
+              <a:cs typeface="Consolas" panose="020B0609020204030204" pitchFamily="49" charset="0"/>
+            </a:endParaRPr>
+          </a:p>
+          <a:p>
+            <a:r>
+              <a:rPr lang="en-US" dirty="0">
+                <a:latin typeface="Consolas" panose="020B0609020204030204" pitchFamily="49" charset="0"/>
+                <a:cs typeface="Consolas" panose="020B0609020204030204" pitchFamily="49" charset="0"/>
+              </a:rPr>
+              <a:t> </a:t>
+            </a:r>
+            <a:r>
+              <a:rPr lang="en-US" dirty="0" smtClean="0">
+                <a:latin typeface="Consolas" panose="020B0609020204030204" pitchFamily="49" charset="0"/>
+                <a:cs typeface="Consolas" panose="020B0609020204030204" pitchFamily="49" charset="0"/>
+              </a:rPr>
+              <a:t>   </a:t>
+            </a:r>
+            <a:r>
+              <a:rPr lang="en-US" dirty="0" smtClean="0">
+                <a:solidFill>
+                  <a:schemeClr val="accent1"/>
+                </a:solidFill>
+                <a:latin typeface="Consolas" panose="020B0609020204030204" pitchFamily="49" charset="0"/>
+                <a:cs typeface="Consolas" panose="020B0609020204030204" pitchFamily="49" charset="0"/>
+              </a:rPr>
               <a:t>return</a:t>
             </a:r>
             <a:r>
               <a:rPr lang="en-US" dirty="0" smtClean="0">
+                <a:latin typeface="Consolas" panose="020B0609020204030204" pitchFamily="49" charset="0"/>
+                <a:cs typeface="Consolas" panose="020B0609020204030204" pitchFamily="49" charset="0"/>
+              </a:rPr>
+              <a:t> </a:t>
+            </a:r>
+            <a:r>
+              <a:rPr lang="en-US" dirty="0" err="1" smtClean="0">
                 <a:solidFill>
                   <a:schemeClr val="bg1"/>
                 </a:solidFill>
                 <a:latin typeface="Consolas" panose="020B0609020204030204" pitchFamily="49" charset="0"/>
                 <a:cs typeface="Consolas" panose="020B0609020204030204" pitchFamily="49" charset="0"/>
               </a:rPr>
-              <a:t> x &amp;&amp; </a:t>
+              <a:t>Array.prototype</a:t>
             </a:r>
             <a:r>
               <a:rPr lang="en-US" dirty="0" err="1" smtClean="0">
+                <a:latin typeface="Consolas" panose="020B0609020204030204" pitchFamily="49" charset="0"/>
+                <a:cs typeface="Consolas" panose="020B0609020204030204" pitchFamily="49" charset="0"/>
+              </a:rPr>
+              <a:t>.</a:t>
+            </a:r>
+            <a:r>
+              <a:rPr lang="en-US" dirty="0" err="1" smtClean="0">
                 <a:solidFill>
                   <a:schemeClr val="bg1"/>
                 </a:solidFill>
                 <a:latin typeface="Consolas" panose="020B0609020204030204" pitchFamily="49" charset="0"/>
                 <a:cs typeface="Consolas" panose="020B0609020204030204" pitchFamily="49" charset="0"/>
               </a:rPr>
-              <a:t>x.prop</a:t>
+              <a:t>slice.call</a:t>
             </a:r>
             <a:r>
               <a:rPr lang="en-US" dirty="0" smtClean="0">
@@ -15010,9 +15503,134 @@
                 <a:latin typeface="Consolas" panose="020B0609020204030204" pitchFamily="49" charset="0"/>
                 <a:cs typeface="Consolas" panose="020B0609020204030204" pitchFamily="49" charset="0"/>
               </a:rPr>
-              <a:t>;</a:t>
-            </a:r>
-            <a:endParaRPr lang="en-US" dirty="0">
+              <a:t>(</a:t>
+            </a:r>
+            <a:r>
+              <a:rPr lang="en-US" dirty="0" smtClean="0">
+                <a:solidFill>
+                  <a:schemeClr val="accent1"/>
+                </a:solidFill>
+                <a:latin typeface="Consolas" panose="020B0609020204030204" pitchFamily="49" charset="0"/>
+                <a:cs typeface="Consolas" panose="020B0609020204030204" pitchFamily="49" charset="0"/>
+              </a:rPr>
+              <a:t>arguments</a:t>
+            </a:r>
+            <a:r>
+              <a:rPr lang="en-US" dirty="0" smtClean="0">
+                <a:solidFill>
+                  <a:schemeClr val="bg1"/>
+                </a:solidFill>
+                <a:latin typeface="Consolas" panose="020B0609020204030204" pitchFamily="49" charset="0"/>
+                <a:cs typeface="Consolas" panose="020B0609020204030204" pitchFamily="49" charset="0"/>
+              </a:rPr>
+              <a:t>, </a:t>
+            </a:r>
+            <a:r>
+              <a:rPr lang="en-US" dirty="0" smtClean="0">
+                <a:solidFill>
+                  <a:srgbClr val="FFC000"/>
+                </a:solidFill>
+                <a:latin typeface="Consolas" panose="020B0609020204030204" pitchFamily="49" charset="0"/>
+                <a:cs typeface="Consolas" panose="020B0609020204030204" pitchFamily="49" charset="0"/>
+              </a:rPr>
+              <a:t>2</a:t>
+            </a:r>
+            <a:r>
+              <a:rPr lang="en-US" dirty="0" smtClean="0">
+                <a:solidFill>
+                  <a:schemeClr val="bg1"/>
+                </a:solidFill>
+                <a:latin typeface="Consolas" panose="020B0609020204030204" pitchFamily="49" charset="0"/>
+                <a:cs typeface="Consolas" panose="020B0609020204030204" pitchFamily="49" charset="0"/>
+              </a:rPr>
+              <a:t>);</a:t>
+            </a:r>
+          </a:p>
+          <a:p>
+            <a:r>
+              <a:rPr lang="en-US" dirty="0">
+                <a:solidFill>
+                  <a:schemeClr val="bg1"/>
+                </a:solidFill>
+                <a:latin typeface="Consolas" panose="020B0609020204030204" pitchFamily="49" charset="0"/>
+                <a:cs typeface="Consolas" panose="020B0609020204030204" pitchFamily="49" charset="0"/>
+              </a:rPr>
+              <a:t> </a:t>
+            </a:r>
+            <a:r>
+              <a:rPr lang="en-US" dirty="0" smtClean="0">
+                <a:solidFill>
+                  <a:schemeClr val="bg1"/>
+                </a:solidFill>
+                <a:latin typeface="Consolas" panose="020B0609020204030204" pitchFamily="49" charset="0"/>
+                <a:cs typeface="Consolas" panose="020B0609020204030204" pitchFamily="49" charset="0"/>
+              </a:rPr>
+              <a:t>   </a:t>
+            </a:r>
+            <a:r>
+              <a:rPr lang="en-US" dirty="0" smtClean="0">
+                <a:solidFill>
+                  <a:schemeClr val="tx1">
+                    <a:lumMod val="50000"/>
+                    <a:lumOff val="50000"/>
+                  </a:schemeClr>
+                </a:solidFill>
+                <a:latin typeface="Consolas" panose="020B0609020204030204" pitchFamily="49" charset="0"/>
+                <a:cs typeface="Consolas" panose="020B0609020204030204" pitchFamily="49" charset="0"/>
+              </a:rPr>
+              <a:t>// equivalent:      [].</a:t>
+            </a:r>
+            <a:r>
+              <a:rPr lang="en-US" dirty="0" err="1" smtClean="0">
+                <a:solidFill>
+                  <a:schemeClr val="tx1">
+                    <a:lumMod val="50000"/>
+                    <a:lumOff val="50000"/>
+                  </a:schemeClr>
+                </a:solidFill>
+                <a:latin typeface="Consolas" panose="020B0609020204030204" pitchFamily="49" charset="0"/>
+                <a:cs typeface="Consolas" panose="020B0609020204030204" pitchFamily="49" charset="0"/>
+              </a:rPr>
+              <a:t>slice.call</a:t>
+            </a:r>
+            <a:r>
+              <a:rPr lang="en-US" dirty="0" smtClean="0">
+                <a:solidFill>
+                  <a:schemeClr val="tx1">
+                    <a:lumMod val="50000"/>
+                    <a:lumOff val="50000"/>
+                  </a:schemeClr>
+                </a:solidFill>
+                <a:latin typeface="Consolas" panose="020B0609020204030204" pitchFamily="49" charset="0"/>
+                <a:cs typeface="Consolas" panose="020B0609020204030204" pitchFamily="49" charset="0"/>
+              </a:rPr>
+              <a:t>(arguments, 2);</a:t>
+            </a:r>
+            <a:endParaRPr lang="en-US" dirty="0" smtClean="0">
+              <a:solidFill>
+                <a:schemeClr val="tx1">
+                  <a:lumMod val="50000"/>
+                  <a:lumOff val="50000"/>
+                </a:schemeClr>
+              </a:solidFill>
+              <a:latin typeface="Consolas" panose="020B0609020204030204" pitchFamily="49" charset="0"/>
+              <a:cs typeface="Consolas" panose="020B0609020204030204" pitchFamily="49" charset="0"/>
+            </a:endParaRPr>
+          </a:p>
+          <a:p>
+            <a:r>
+              <a:rPr lang="en-US" dirty="0" smtClean="0">
+                <a:solidFill>
+                  <a:schemeClr val="bg1"/>
+                </a:solidFill>
+                <a:latin typeface="Consolas" panose="020B0609020204030204" pitchFamily="49" charset="0"/>
+                <a:cs typeface="Consolas" panose="020B0609020204030204" pitchFamily="49" charset="0"/>
+              </a:rPr>
+              <a:t>}</a:t>
+            </a:r>
+          </a:p>
+          <a:p>
+            <a:endParaRPr lang="en-US" dirty="0" smtClean="0">
               <a:solidFill>
                 <a:schemeClr val="bg1"/>
               </a:solidFill>
@@ -15020,462 +15638,89 @@
               <a:cs typeface="Consolas" panose="020B0609020204030204" pitchFamily="49" charset="0"/>
             </a:endParaRPr>
           </a:p>
-        </p:txBody>
-      </p:sp>
-      <p:sp>
-        <p:nvSpPr>
-          <p:cNvPr id="7" name="TextBox 6"/>
-          <p:cNvSpPr txBox="1"/>
-          <p:nvPr/>
-        </p:nvSpPr>
-        <p:spPr>
-          <a:xfrm>
-            <a:off x="1295400" y="5715000"/>
-            <a:ext cx="2667000" cy="369332"/>
-          </a:xfrm>
-          <a:prstGeom prst="rect">
-            <a:avLst/>
-          </a:prstGeom>
-        </p:spPr>
-        <p:style>
-          <a:lnRef idx="0">
-            <a:schemeClr val="dk1"/>
-          </a:lnRef>
-          <a:fillRef idx="3">
-            <a:schemeClr val="dk1"/>
-          </a:fillRef>
-          <a:effectRef idx="3">
-            <a:schemeClr val="dk1"/>
-          </a:effectRef>
-          <a:fontRef idx="minor">
-            <a:schemeClr val="lt1"/>
-          </a:fontRef>
-        </p:style>
-        <p:txBody>
-          <a:bodyPr wrap="square" rtlCol="0">
-            <a:spAutoFit/>
-          </a:bodyPr>
-          <a:lstStyle/>
           <a:p>
             <a:r>
               <a:rPr lang="en-US" dirty="0" smtClean="0">
                 <a:solidFill>
-                  <a:schemeClr val="accent1"/>
-                </a:solidFill>
-                <a:latin typeface="Consolas" panose="020B0609020204030204" pitchFamily="49" charset="0"/>
-                <a:cs typeface="Consolas" panose="020B0609020204030204" pitchFamily="49" charset="0"/>
-              </a:rPr>
-              <a:t>return</a:t>
-            </a:r>
-            <a:r>
-              <a:rPr lang="en-US" dirty="0" smtClean="0">
-                <a:solidFill>
                   <a:schemeClr val="bg1"/>
                 </a:solidFill>
                 <a:latin typeface="Consolas" panose="020B0609020204030204" pitchFamily="49" charset="0"/>
                 <a:cs typeface="Consolas" panose="020B0609020204030204" pitchFamily="49" charset="0"/>
               </a:rPr>
-              <a:t> x || y</a:t>
-            </a:r>
-            <a:endParaRPr lang="en-US" dirty="0">
-              <a:solidFill>
-                <a:schemeClr val="bg1"/>
-              </a:solidFill>
-              <a:latin typeface="Consolas" panose="020B0609020204030204" pitchFamily="49" charset="0"/>
-              <a:cs typeface="Consolas" panose="020B0609020204030204" pitchFamily="49" charset="0"/>
-            </a:endParaRPr>
-          </a:p>
-        </p:txBody>
-      </p:sp>
-      <p:sp>
-        <p:nvSpPr>
-          <p:cNvPr id="8" name="TextBox 7"/>
-          <p:cNvSpPr txBox="1"/>
-          <p:nvPr/>
-        </p:nvSpPr>
-        <p:spPr>
-          <a:xfrm>
-            <a:off x="5257800" y="2971800"/>
-            <a:ext cx="2819400" cy="1754326"/>
-          </a:xfrm>
-          <a:prstGeom prst="rect">
-            <a:avLst/>
-          </a:prstGeom>
-        </p:spPr>
-        <p:style>
-          <a:lnRef idx="0">
-            <a:schemeClr val="dk1"/>
-          </a:lnRef>
-          <a:fillRef idx="3">
-            <a:schemeClr val="dk1"/>
-          </a:fillRef>
-          <a:effectRef idx="3">
-            <a:schemeClr val="dk1"/>
-          </a:effectRef>
-          <a:fontRef idx="minor">
-            <a:schemeClr val="lt1"/>
-          </a:fontRef>
-        </p:style>
-        <p:txBody>
-          <a:bodyPr wrap="square" rtlCol="0">
-            <a:spAutoFit/>
-          </a:bodyPr>
-          <a:lstStyle/>
-          <a:p>
-            <a:r>
-              <a:rPr lang="en-US" dirty="0" smtClean="0">
-                <a:solidFill>
-                  <a:srgbClr val="FFC000"/>
-                </a:solidFill>
-                <a:latin typeface="Consolas" panose="020B0609020204030204" pitchFamily="49" charset="0"/>
-                <a:cs typeface="Consolas" panose="020B0609020204030204" pitchFamily="49" charset="0"/>
-              </a:rPr>
-              <a:t>    </a:t>
-            </a:r>
-            <a:r>
-              <a:rPr lang="en-US" dirty="0" smtClean="0">
+              <a:t>demo</a:t>
+            </a:r>
+            <a:r>
+              <a:rPr lang="en-US" dirty="0">
+                <a:solidFill>
+                  <a:schemeClr val="bg1"/>
+                </a:solidFill>
+                <a:latin typeface="Consolas" panose="020B0609020204030204" pitchFamily="49" charset="0"/>
+                <a:cs typeface="Consolas" panose="020B0609020204030204" pitchFamily="49" charset="0"/>
+              </a:rPr>
+              <a:t>(</a:t>
+            </a:r>
+            <a:r>
+              <a:rPr lang="en-US" dirty="0">
                 <a:solidFill>
                   <a:schemeClr val="accent3"/>
                 </a:solidFill>
                 <a:latin typeface="Consolas" panose="020B0609020204030204" pitchFamily="49" charset="0"/>
                 <a:cs typeface="Consolas" panose="020B0609020204030204" pitchFamily="49" charset="0"/>
               </a:rPr>
-              <a:t>'4</a:t>
+              <a:t>'a'</a:t>
             </a:r>
             <a:r>
               <a:rPr lang="en-US" dirty="0">
                 <a:solidFill>
+                  <a:schemeClr val="bg1"/>
+                </a:solidFill>
+                <a:latin typeface="Consolas" panose="020B0609020204030204" pitchFamily="49" charset="0"/>
+                <a:cs typeface="Consolas" panose="020B0609020204030204" pitchFamily="49" charset="0"/>
+              </a:rPr>
+              <a:t>, </a:t>
+            </a:r>
+            <a:r>
+              <a:rPr lang="en-US" dirty="0">
+                <a:solidFill>
                   <a:schemeClr val="accent3"/>
                 </a:solidFill>
                 <a:latin typeface="Consolas" panose="020B0609020204030204" pitchFamily="49" charset="0"/>
                 <a:cs typeface="Consolas" panose="020B0609020204030204" pitchFamily="49" charset="0"/>
               </a:rPr>
-              <a:t>'</a:t>
-            </a:r>
-            <a:r>
-              <a:rPr lang="en-US" dirty="0" smtClean="0">
+              <a:t>'b'</a:t>
+            </a:r>
+            <a:r>
+              <a:rPr lang="en-US" dirty="0">
                 <a:solidFill>
                   <a:schemeClr val="bg1"/>
                 </a:solidFill>
                 <a:latin typeface="Consolas" panose="020B0609020204030204" pitchFamily="49" charset="0"/>
                 <a:cs typeface="Consolas" panose="020B0609020204030204" pitchFamily="49" charset="0"/>
               </a:rPr>
-              <a:t> == </a:t>
-            </a:r>
-            <a:r>
-              <a:rPr lang="en-US" dirty="0" smtClean="0">
-                <a:solidFill>
-                  <a:srgbClr val="FFC000"/>
-                </a:solidFill>
-                <a:latin typeface="Consolas" panose="020B0609020204030204" pitchFamily="49" charset="0"/>
-                <a:cs typeface="Consolas" panose="020B0609020204030204" pitchFamily="49" charset="0"/>
-              </a:rPr>
-              <a:t>4</a:t>
-            </a:r>
-            <a:endParaRPr lang="en-US" dirty="0">
-              <a:solidFill>
-                <a:srgbClr val="FFC000"/>
-              </a:solidFill>
-              <a:latin typeface="Consolas" panose="020B0609020204030204" pitchFamily="49" charset="0"/>
-              <a:cs typeface="Consolas" panose="020B0609020204030204" pitchFamily="49" charset="0"/>
-            </a:endParaRPr>
-          </a:p>
-          <a:p>
-            <a:r>
-              <a:rPr lang="en-US" dirty="0" smtClean="0">
+              <a:t>, </a:t>
+            </a:r>
+            <a:r>
+              <a:rPr lang="en-US" dirty="0">
                 <a:solidFill>
                   <a:schemeClr val="accent3"/>
                 </a:solidFill>
                 <a:latin typeface="Consolas" panose="020B0609020204030204" pitchFamily="49" charset="0"/>
                 <a:cs typeface="Consolas" panose="020B0609020204030204" pitchFamily="49" charset="0"/>
               </a:rPr>
-              <a:t>    '0'</a:t>
-            </a:r>
-            <a:r>
-              <a:rPr lang="en-US" dirty="0" smtClean="0">
+              <a:t>'c', 'd'</a:t>
+            </a:r>
+            <a:r>
+              <a:rPr lang="en-US" dirty="0">
                 <a:solidFill>
                   <a:schemeClr val="bg1"/>
                 </a:solidFill>
                 <a:latin typeface="Consolas" panose="020B0609020204030204" pitchFamily="49" charset="0"/>
                 <a:cs typeface="Consolas" panose="020B0609020204030204" pitchFamily="49" charset="0"/>
               </a:rPr>
-              <a:t> </a:t>
+              <a:t>);  </a:t>
             </a:r>
             <a:r>
               <a:rPr lang="en-US" dirty="0">
-                <a:solidFill>
-                  <a:schemeClr val="bg1"/>
-                </a:solidFill>
-                <a:latin typeface="Consolas" panose="020B0609020204030204" pitchFamily="49" charset="0"/>
-                <a:cs typeface="Consolas" panose="020B0609020204030204" pitchFamily="49" charset="0"/>
-              </a:rPr>
-              <a:t>== </a:t>
-            </a:r>
-            <a:r>
-              <a:rPr lang="en-US" dirty="0">
-                <a:solidFill>
-                  <a:schemeClr val="accent1"/>
-                </a:solidFill>
-                <a:latin typeface="Consolas" panose="020B0609020204030204" pitchFamily="49" charset="0"/>
-                <a:cs typeface="Consolas" panose="020B0609020204030204" pitchFamily="49" charset="0"/>
-              </a:rPr>
-              <a:t>false</a:t>
-            </a:r>
-          </a:p>
-          <a:p>
-            <a:r>
-              <a:rPr lang="en-US" dirty="0" smtClean="0">
-                <a:solidFill>
-                  <a:schemeClr val="accent3"/>
-                </a:solidFill>
-                <a:latin typeface="Consolas" panose="020B0609020204030204" pitchFamily="49" charset="0"/>
-                <a:cs typeface="Consolas" panose="020B0609020204030204" pitchFamily="49" charset="0"/>
-              </a:rPr>
-              <a:t>     ''</a:t>
-            </a:r>
-            <a:r>
-              <a:rPr lang="en-US" dirty="0" smtClean="0">
-                <a:solidFill>
-                  <a:schemeClr val="bg1"/>
-                </a:solidFill>
-                <a:latin typeface="Consolas" panose="020B0609020204030204" pitchFamily="49" charset="0"/>
-                <a:cs typeface="Consolas" panose="020B0609020204030204" pitchFamily="49" charset="0"/>
-              </a:rPr>
-              <a:t> == </a:t>
-            </a:r>
-            <a:r>
-              <a:rPr lang="en-US" dirty="0">
-                <a:solidFill>
-                  <a:schemeClr val="accent1"/>
-                </a:solidFill>
-                <a:latin typeface="Consolas" panose="020B0609020204030204" pitchFamily="49" charset="0"/>
-                <a:cs typeface="Consolas" panose="020B0609020204030204" pitchFamily="49" charset="0"/>
-              </a:rPr>
-              <a:t>false</a:t>
-            </a:r>
-          </a:p>
-          <a:p>
-            <a:r>
-              <a:rPr lang="en-US" dirty="0" smtClean="0">
-                <a:solidFill>
-                  <a:schemeClr val="bg1"/>
-                </a:solidFill>
-                <a:latin typeface="Consolas" panose="020B0609020204030204" pitchFamily="49" charset="0"/>
-                <a:cs typeface="Consolas" panose="020B0609020204030204" pitchFamily="49" charset="0"/>
-              </a:rPr>
-              <a:t>     [] == </a:t>
-            </a:r>
-            <a:r>
-              <a:rPr lang="en-US" dirty="0" smtClean="0">
-                <a:solidFill>
-                  <a:schemeClr val="accent1"/>
-                </a:solidFill>
-                <a:latin typeface="Consolas" panose="020B0609020204030204" pitchFamily="49" charset="0"/>
-                <a:cs typeface="Consolas" panose="020B0609020204030204" pitchFamily="49" charset="0"/>
-              </a:rPr>
-              <a:t>false</a:t>
-            </a:r>
-          </a:p>
-          <a:p>
-            <a:r>
-              <a:rPr lang="en-US" dirty="0" smtClean="0">
-                <a:solidFill>
-                  <a:schemeClr val="bg1"/>
-                </a:solidFill>
-                <a:latin typeface="Consolas" panose="020B0609020204030204" pitchFamily="49" charset="0"/>
-                <a:cs typeface="Consolas" panose="020B0609020204030204" pitchFamily="49" charset="0"/>
-              </a:rPr>
-              <a:t> [</a:t>
-            </a:r>
-            <a:r>
-              <a:rPr lang="en-US" dirty="0">
-                <a:solidFill>
-                  <a:srgbClr val="FFC000"/>
-                </a:solidFill>
-                <a:latin typeface="Consolas" panose="020B0609020204030204" pitchFamily="49" charset="0"/>
-                <a:cs typeface="Consolas" panose="020B0609020204030204" pitchFamily="49" charset="0"/>
-              </a:rPr>
-              <a:t>0</a:t>
-            </a:r>
-            <a:r>
-              <a:rPr lang="en-US" dirty="0">
-                <a:solidFill>
-                  <a:schemeClr val="bg1"/>
-                </a:solidFill>
-                <a:latin typeface="Consolas" panose="020B0609020204030204" pitchFamily="49" charset="0"/>
-                <a:cs typeface="Consolas" panose="020B0609020204030204" pitchFamily="49" charset="0"/>
-              </a:rPr>
-              <a:t>, </a:t>
-            </a:r>
-            <a:r>
-              <a:rPr lang="en-US" dirty="0">
-                <a:solidFill>
-                  <a:srgbClr val="FFC000"/>
-                </a:solidFill>
-                <a:latin typeface="Consolas" panose="020B0609020204030204" pitchFamily="49" charset="0"/>
-                <a:cs typeface="Consolas" panose="020B0609020204030204" pitchFamily="49" charset="0"/>
-              </a:rPr>
-              <a:t>1</a:t>
-            </a:r>
-            <a:r>
-              <a:rPr lang="en-US" dirty="0">
-                <a:solidFill>
-                  <a:schemeClr val="bg1"/>
-                </a:solidFill>
-                <a:latin typeface="Consolas" panose="020B0609020204030204" pitchFamily="49" charset="0"/>
-                <a:cs typeface="Consolas" panose="020B0609020204030204" pitchFamily="49" charset="0"/>
-              </a:rPr>
-              <a:t>] </a:t>
-            </a:r>
-            <a:r>
-              <a:rPr lang="en-US" dirty="0" smtClean="0">
-                <a:solidFill>
-                  <a:schemeClr val="bg1"/>
-                </a:solidFill>
-                <a:latin typeface="Consolas" panose="020B0609020204030204" pitchFamily="49" charset="0"/>
-                <a:cs typeface="Consolas" panose="020B0609020204030204" pitchFamily="49" charset="0"/>
-              </a:rPr>
-              <a:t>== </a:t>
-            </a:r>
-            <a:r>
-              <a:rPr lang="en-US" dirty="0">
-                <a:solidFill>
-                  <a:schemeClr val="accent3"/>
-                </a:solidFill>
-                <a:latin typeface="Consolas" panose="020B0609020204030204" pitchFamily="49" charset="0"/>
-                <a:cs typeface="Consolas" panose="020B0609020204030204" pitchFamily="49" charset="0"/>
-              </a:rPr>
-              <a:t>'0,1</a:t>
-            </a:r>
-            <a:r>
-              <a:rPr lang="en-US" dirty="0" smtClean="0">
-                <a:solidFill>
-                  <a:schemeClr val="accent3"/>
-                </a:solidFill>
-                <a:latin typeface="Consolas" panose="020B0609020204030204" pitchFamily="49" charset="0"/>
-                <a:cs typeface="Consolas" panose="020B0609020204030204" pitchFamily="49" charset="0"/>
-              </a:rPr>
-              <a:t>'</a:t>
-            </a:r>
-            <a:endParaRPr lang="en-US" dirty="0">
-              <a:solidFill>
-                <a:schemeClr val="accent1"/>
-              </a:solidFill>
-              <a:latin typeface="Consolas" panose="020B0609020204030204" pitchFamily="49" charset="0"/>
-              <a:cs typeface="Consolas" panose="020B0609020204030204" pitchFamily="49" charset="0"/>
-            </a:endParaRPr>
-          </a:p>
-          <a:p>
-            <a:r>
-              <a:rPr lang="en-US" dirty="0" smtClean="0">
-                <a:solidFill>
-                  <a:schemeClr val="accent1"/>
-                </a:solidFill>
-                <a:latin typeface="Consolas" panose="020B0609020204030204" pitchFamily="49" charset="0"/>
-                <a:cs typeface="Consolas" panose="020B0609020204030204" pitchFamily="49" charset="0"/>
-              </a:rPr>
-              <a:t>   null </a:t>
-            </a:r>
-            <a:r>
-              <a:rPr lang="en-US" dirty="0" smtClean="0">
-                <a:solidFill>
-                  <a:schemeClr val="bg1"/>
-                </a:solidFill>
-                <a:latin typeface="Consolas" panose="020B0609020204030204" pitchFamily="49" charset="0"/>
-                <a:cs typeface="Consolas" panose="020B0609020204030204" pitchFamily="49" charset="0"/>
-              </a:rPr>
-              <a:t>== </a:t>
-            </a:r>
-            <a:r>
-              <a:rPr lang="en-US" dirty="0" smtClean="0">
-                <a:solidFill>
-                  <a:schemeClr val="accent1"/>
-                </a:solidFill>
-                <a:latin typeface="Consolas" panose="020B0609020204030204" pitchFamily="49" charset="0"/>
-                <a:cs typeface="Consolas" panose="020B0609020204030204" pitchFamily="49" charset="0"/>
-              </a:rPr>
-              <a:t>undefined</a:t>
-            </a:r>
-          </a:p>
-        </p:txBody>
-      </p:sp>
-      <p:sp>
-        <p:nvSpPr>
-          <p:cNvPr id="9" name="TextBox 8"/>
-          <p:cNvSpPr txBox="1"/>
-          <p:nvPr/>
-        </p:nvSpPr>
-        <p:spPr>
-          <a:xfrm>
-            <a:off x="5181600" y="5334000"/>
-            <a:ext cx="3276600" cy="923330"/>
-          </a:xfrm>
-          <a:prstGeom prst="rect">
-            <a:avLst/>
-          </a:prstGeom>
-        </p:spPr>
-        <p:style>
-          <a:lnRef idx="0">
-            <a:schemeClr val="dk1"/>
-          </a:lnRef>
-          <a:fillRef idx="3">
-            <a:schemeClr val="dk1"/>
-          </a:fillRef>
-          <a:effectRef idx="3">
-            <a:schemeClr val="dk1"/>
-          </a:effectRef>
-          <a:fontRef idx="minor">
-            <a:schemeClr val="lt1"/>
-          </a:fontRef>
-        </p:style>
-        <p:txBody>
-          <a:bodyPr wrap="square" rtlCol="0">
-            <a:spAutoFit/>
-          </a:bodyPr>
-          <a:lstStyle/>
-          <a:p>
-            <a:r>
-              <a:rPr lang="en-US" dirty="0" err="1" smtClean="0">
-                <a:solidFill>
-                  <a:srgbClr val="FFC000"/>
-                </a:solidFill>
-                <a:latin typeface="Consolas" panose="020B0609020204030204" pitchFamily="49" charset="0"/>
-                <a:cs typeface="Consolas" panose="020B0609020204030204" pitchFamily="49" charset="0"/>
-              </a:rPr>
-              <a:t>NaN</a:t>
-            </a:r>
-            <a:r>
-              <a:rPr lang="en-US" dirty="0" smtClean="0">
-                <a:solidFill>
-                  <a:schemeClr val="bg1"/>
-                </a:solidFill>
-                <a:latin typeface="Consolas" panose="020B0609020204030204" pitchFamily="49" charset="0"/>
-                <a:cs typeface="Consolas" panose="020B0609020204030204" pitchFamily="49" charset="0"/>
-              </a:rPr>
-              <a:t> === </a:t>
-            </a:r>
-            <a:r>
-              <a:rPr lang="en-US" dirty="0" err="1" smtClean="0">
-                <a:solidFill>
-                  <a:srgbClr val="FFC000"/>
-                </a:solidFill>
-                <a:latin typeface="Consolas" panose="020B0609020204030204" pitchFamily="49" charset="0"/>
-                <a:cs typeface="Consolas" panose="020B0609020204030204" pitchFamily="49" charset="0"/>
-              </a:rPr>
-              <a:t>NaN</a:t>
-            </a:r>
-            <a:r>
-              <a:rPr lang="en-US" dirty="0" smtClean="0">
-                <a:solidFill>
-                  <a:srgbClr val="FFC000"/>
-                </a:solidFill>
-                <a:latin typeface="Consolas" panose="020B0609020204030204" pitchFamily="49" charset="0"/>
-                <a:cs typeface="Consolas" panose="020B0609020204030204" pitchFamily="49" charset="0"/>
-              </a:rPr>
-              <a:t>     </a:t>
-            </a:r>
-            <a:r>
-              <a:rPr lang="en-US" dirty="0" smtClean="0">
                 <a:solidFill>
                   <a:schemeClr val="tx1">
                     <a:lumMod val="50000"/>
@@ -15485,59 +15730,7 @@
                 <a:latin typeface="Consolas" panose="020B0609020204030204" pitchFamily="49" charset="0"/>
                 <a:cs typeface="Consolas" panose="020B0609020204030204" pitchFamily="49" charset="0"/>
               </a:rPr>
-              <a:t>// false</a:t>
-            </a:r>
-          </a:p>
-          <a:p>
-            <a:r>
-              <a:rPr lang="en-US" dirty="0" smtClean="0">
-                <a:solidFill>
-                  <a:srgbClr val="FFC000"/>
-                </a:solidFill>
-                <a:latin typeface="Consolas" panose="020B0609020204030204" pitchFamily="49" charset="0"/>
-                <a:cs typeface="Consolas" panose="020B0609020204030204" pitchFamily="49" charset="0"/>
-              </a:rPr>
-              <a:t>Infinity </a:t>
-            </a:r>
-            <a:r>
-              <a:rPr lang="en-US" dirty="0">
-                <a:solidFill>
-                  <a:schemeClr val="bg1"/>
-                </a:solidFill>
-                <a:latin typeface="Consolas" panose="020B0609020204030204" pitchFamily="49" charset="0"/>
-                <a:cs typeface="Consolas" panose="020B0609020204030204" pitchFamily="49" charset="0"/>
-              </a:rPr>
-              <a:t>&gt;</a:t>
-            </a:r>
-            <a:r>
-              <a:rPr lang="en-US" dirty="0" smtClean="0">
-                <a:solidFill>
-                  <a:srgbClr val="FFC000"/>
-                </a:solidFill>
-                <a:latin typeface="Consolas" panose="020B0609020204030204" pitchFamily="49" charset="0"/>
-                <a:cs typeface="Consolas" panose="020B0609020204030204" pitchFamily="49" charset="0"/>
-              </a:rPr>
-              <a:t> </a:t>
-            </a:r>
-            <a:r>
-              <a:rPr lang="en-US" dirty="0" err="1" smtClean="0">
-                <a:solidFill>
-                  <a:srgbClr val="FFC000"/>
-                </a:solidFill>
-                <a:latin typeface="Consolas" panose="020B0609020204030204" pitchFamily="49" charset="0"/>
-                <a:cs typeface="Consolas" panose="020B0609020204030204" pitchFamily="49" charset="0"/>
-              </a:rPr>
-              <a:t>NaN</a:t>
-            </a:r>
-            <a:r>
-              <a:rPr lang="en-US" dirty="0" smtClean="0">
-                <a:solidFill>
-                  <a:srgbClr val="FFC000"/>
-                </a:solidFill>
-                <a:latin typeface="Consolas" panose="020B0609020204030204" pitchFamily="49" charset="0"/>
-                <a:cs typeface="Consolas" panose="020B0609020204030204" pitchFamily="49" charset="0"/>
-              </a:rPr>
-              <a:t>  </a:t>
+              <a:t>// </a:t>
             </a:r>
             <a:r>
               <a:rPr lang="en-US" dirty="0" smtClean="0">
@@ -15550,7 +15743,33 @@
                 <a:latin typeface="Consolas" panose="020B0609020204030204" pitchFamily="49" charset="0"/>
                 <a:cs typeface="Consolas" panose="020B0609020204030204" pitchFamily="49" charset="0"/>
               </a:rPr>
-              <a:t>// false</a:t>
+              <a:t>returns: </a:t>
+            </a:r>
+            <a:r>
+              <a:rPr lang="en-US" dirty="0">
+                <a:solidFill>
+                  <a:schemeClr val="tx1">
+                    <a:lumMod val="50000"/>
+                    <a:lumOff val="50000"/>
+                  </a:schemeClr>
+                </a:solidFill>
+                <a:latin typeface="Consolas" panose="020B0609020204030204" pitchFamily="49" charset="0"/>
+                <a:cs typeface="Consolas" panose="020B0609020204030204" pitchFamily="49" charset="0"/>
+              </a:rPr>
+              <a:t>['c', 'd</a:t>
+            </a:r>
+            <a:r>
+              <a:rPr lang="en-US" dirty="0" smtClean="0">
+                <a:solidFill>
+                  <a:schemeClr val="tx1">
+                    <a:lumMod val="50000"/>
+                    <a:lumOff val="50000"/>
+                  </a:schemeClr>
+                </a:solidFill>
+                <a:latin typeface="Consolas" panose="020B0609020204030204" pitchFamily="49" charset="0"/>
+                <a:cs typeface="Consolas" panose="020B0609020204030204" pitchFamily="49" charset="0"/>
+              </a:rPr>
+              <a:t>']</a:t>
             </a:r>
             <a:endParaRPr lang="en-US" dirty="0">
               <a:solidFill>
@@ -15563,87 +15782,12 @@
               <a:cs typeface="Consolas" panose="020B0609020204030204" pitchFamily="49" charset="0"/>
             </a:endParaRPr>
           </a:p>
-          <a:p>
-            <a:r>
-              <a:rPr lang="en-US" dirty="0" smtClean="0">
-                <a:solidFill>
-                  <a:srgbClr val="FFC000"/>
-                </a:solidFill>
-                <a:latin typeface="Consolas" panose="020B0609020204030204" pitchFamily="49" charset="0"/>
-                <a:cs typeface="Consolas" panose="020B0609020204030204" pitchFamily="49" charset="0"/>
-              </a:rPr>
-              <a:t>Infinity</a:t>
-            </a:r>
-            <a:r>
-              <a:rPr lang="en-US" dirty="0" smtClean="0">
-                <a:solidFill>
-                  <a:schemeClr val="accent1"/>
-                </a:solidFill>
-                <a:latin typeface="Consolas" panose="020B0609020204030204" pitchFamily="49" charset="0"/>
-                <a:cs typeface="Consolas" panose="020B0609020204030204" pitchFamily="49" charset="0"/>
-              </a:rPr>
-              <a:t> </a:t>
-            </a:r>
-            <a:r>
-              <a:rPr lang="en-US" dirty="0" smtClean="0">
-                <a:solidFill>
-                  <a:schemeClr val="bg1"/>
-                </a:solidFill>
-                <a:latin typeface="Consolas" panose="020B0609020204030204" pitchFamily="49" charset="0"/>
-                <a:cs typeface="Consolas" panose="020B0609020204030204" pitchFamily="49" charset="0"/>
-              </a:rPr>
-              <a:t>&lt;= </a:t>
-            </a:r>
-            <a:r>
-              <a:rPr lang="en-US" dirty="0" err="1" smtClean="0">
-                <a:solidFill>
-                  <a:srgbClr val="FFC000"/>
-                </a:solidFill>
-                <a:latin typeface="Consolas" panose="020B0609020204030204" pitchFamily="49" charset="0"/>
-                <a:cs typeface="Consolas" panose="020B0609020204030204" pitchFamily="49" charset="0"/>
-              </a:rPr>
-              <a:t>NaN</a:t>
-            </a:r>
-            <a:r>
-              <a:rPr lang="en-US" dirty="0" smtClean="0">
-                <a:solidFill>
-                  <a:schemeClr val="bg1"/>
-                </a:solidFill>
-                <a:latin typeface="Consolas" panose="020B0609020204030204" pitchFamily="49" charset="0"/>
-                <a:cs typeface="Consolas" panose="020B0609020204030204" pitchFamily="49" charset="0"/>
-              </a:rPr>
-              <a:t> </a:t>
-            </a:r>
-            <a:r>
-              <a:rPr lang="en-US" dirty="0" smtClean="0">
-                <a:solidFill>
-                  <a:schemeClr val="tx1">
-                    <a:lumMod val="50000"/>
-                    <a:lumOff val="50000"/>
-                  </a:schemeClr>
-                </a:solidFill>
-                <a:latin typeface="Consolas" panose="020B0609020204030204" pitchFamily="49" charset="0"/>
-                <a:cs typeface="Consolas" panose="020B0609020204030204" pitchFamily="49" charset="0"/>
-              </a:rPr>
-              <a:t>// false</a:t>
-            </a:r>
-            <a:endParaRPr lang="en-US" dirty="0">
-              <a:solidFill>
-                <a:schemeClr val="tx1">
-                  <a:lumMod val="50000"/>
-                  <a:lumOff val="50000"/>
-                </a:schemeClr>
-              </a:solidFill>
-              <a:latin typeface="Consolas" panose="020B0609020204030204" pitchFamily="49" charset="0"/>
-              <a:cs typeface="Consolas" panose="020B0609020204030204" pitchFamily="49" charset="0"/>
-            </a:endParaRPr>
-          </a:p>
         </p:txBody>
       </p:sp>
     </p:spTree>
     <p:extLst>
       <p:ext uri="{BB962C8B-B14F-4D97-AF65-F5344CB8AC3E}">
-        <p14:creationId xmlns:p14="http://schemas.microsoft.com/office/powerpoint/2010/main" val="1875505051"/>
+        <p14:creationId xmlns:p14="http://schemas.microsoft.com/office/powerpoint/2010/main" val="4142559492"/>
       </p:ext>
     </p:extLst>
   </p:cSld>
@@ -16738,11 +16882,7 @@
             </a:r>
             <a:r>
               <a:rPr lang="en-US" sz="1600" dirty="0" smtClean="0"/>
-              <a:t>, </a:t>
-            </a:r>
-            <a:r>
-              <a:rPr lang="en-US" sz="1600" dirty="0" smtClean="0"/>
-              <a:t>etc.</a:t>
+              <a:t>, etc.</a:t>
             </a:r>
             <a:endParaRPr lang="en-US" sz="1600" dirty="0"/>
           </a:p>
